--- a/Project1-Presentation.pptx
+++ b/Project1-Presentation.pptx
@@ -7,15 +7,14 @@
   <p:sldIdLst>
     <p:sldId id="256" r:id="rId2"/>
     <p:sldId id="258" r:id="rId3"/>
-    <p:sldId id="269" r:id="rId4"/>
-    <p:sldId id="259" r:id="rId5"/>
-    <p:sldId id="261" r:id="rId6"/>
-    <p:sldId id="267" r:id="rId7"/>
-    <p:sldId id="271" r:id="rId8"/>
-    <p:sldId id="268" r:id="rId9"/>
-    <p:sldId id="260" r:id="rId10"/>
-    <p:sldId id="270" r:id="rId11"/>
-    <p:sldId id="262" r:id="rId12"/>
+    <p:sldId id="259" r:id="rId4"/>
+    <p:sldId id="261" r:id="rId5"/>
+    <p:sldId id="273" r:id="rId6"/>
+    <p:sldId id="271" r:id="rId7"/>
+    <p:sldId id="268" r:id="rId8"/>
+    <p:sldId id="260" r:id="rId9"/>
+    <p:sldId id="270" r:id="rId10"/>
+    <p:sldId id="262" r:id="rId11"/>
   </p:sldIdLst>
   <p:sldSz cx="12192000" cy="6858000"/>
   <p:notesSz cx="6858000" cy="9144000"/>
@@ -114,13 +113,18 @@
       </a:defRPr>
     </a:lvl9pPr>
   </p:defaultTextStyle>
+  <p:extLst>
+    <p:ext uri="{EFAFB233-063F-42B5-8137-9DF3F51BA10A}">
+      <p15:sldGuideLst xmlns:p15="http://schemas.microsoft.com/office/powerpoint/2012/main"/>
+    </p:ext>
+  </p:extLst>
 </p:presentation>
 </file>
 
 <file path=ppt/revisionInfo.xml><?xml version="1.0" encoding="utf-8"?>
 <p1510:revInfo xmlns:a="http://schemas.openxmlformats.org/drawingml/2006/main" xmlns:r="http://schemas.openxmlformats.org/officeDocument/2006/relationships" xmlns:p1510="http://schemas.microsoft.com/office/powerpoint/2015/10/main">
   <p1510:revLst>
-    <p1510:client id="{20276244-AE06-4E75-A73B-3F213AFDA906}" v="18" dt="2023-01-31T02:25:47.546"/>
+    <p1510:client id="{20276244-AE06-4E75-A73B-3F213AFDA906}" v="27" dt="2023-02-01T02:37:07.945"/>
   </p1510:revLst>
 </p1510:revInfo>
 </file>
@@ -130,32 +134,1976 @@
   <pc:docChgLst>
     <pc:chgData name="Tsebaot Tsebaot" userId="17b6d73d28cd6d8c" providerId="LiveId" clId="{20276244-AE06-4E75-A73B-3F213AFDA906}"/>
     <pc:docChg chg="undo custSel addSld delSld modSld sldOrd">
-      <pc:chgData name="Tsebaot Tsebaot" userId="17b6d73d28cd6d8c" providerId="LiveId" clId="{20276244-AE06-4E75-A73B-3F213AFDA906}" dt="2023-01-31T02:29:17.048" v="1605" actId="14100"/>
+      <pc:chgData name="Tsebaot Tsebaot" userId="17b6d73d28cd6d8c" providerId="LiveId" clId="{20276244-AE06-4E75-A73B-3F213AFDA906}" dt="2023-02-01T02:40:50.740" v="2236" actId="14100"/>
       <pc:docMkLst>
         <pc:docMk/>
       </pc:docMkLst>
-      <pc:sldChg chg="modSp mod">
-        <pc:chgData name="Tsebaot Tsebaot" userId="17b6d73d28cd6d8c" providerId="LiveId" clId="{20276244-AE06-4E75-A73B-3F213AFDA906}" dt="2023-01-31T00:37:42.649" v="32" actId="20577"/>
+      <pc:sldChg chg="addSp delSp modSp mod setBg setClrOvrMap">
+        <pc:chgData name="Tsebaot Tsebaot" userId="17b6d73d28cd6d8c" providerId="LiveId" clId="{20276244-AE06-4E75-A73B-3F213AFDA906}" dt="2023-02-01T02:40:50.740" v="2236" actId="14100"/>
         <pc:sldMkLst>
           <pc:docMk/>
           <pc:sldMk cId="16774443" sldId="256"/>
         </pc:sldMkLst>
         <pc:spChg chg="mod">
-          <ac:chgData name="Tsebaot Tsebaot" userId="17b6d73d28cd6d8c" providerId="LiveId" clId="{20276244-AE06-4E75-A73B-3F213AFDA906}" dt="2023-01-31T00:37:42.649" v="32" actId="20577"/>
+          <ac:chgData name="Tsebaot Tsebaot" userId="17b6d73d28cd6d8c" providerId="LiveId" clId="{20276244-AE06-4E75-A73B-3F213AFDA906}" dt="2023-02-01T02:39:13.368" v="2220" actId="1076"/>
           <ac:spMkLst>
             <pc:docMk/>
             <pc:sldMk cId="16774443" sldId="256"/>
             <ac:spMk id="2" creationId="{453AC146-FAD7-923D-30E4-943FB0C7AEB7}"/>
           </ac:spMkLst>
         </pc:spChg>
-        <pc:spChg chg="mod">
-          <ac:chgData name="Tsebaot Tsebaot" userId="17b6d73d28cd6d8c" providerId="LiveId" clId="{20276244-AE06-4E75-A73B-3F213AFDA906}" dt="2023-01-31T00:37:15.530" v="21" actId="14100"/>
+        <pc:spChg chg="mod ord">
+          <ac:chgData name="Tsebaot Tsebaot" userId="17b6d73d28cd6d8c" providerId="LiveId" clId="{20276244-AE06-4E75-A73B-3F213AFDA906}" dt="2023-02-01T02:40:50.740" v="2236" actId="14100"/>
           <ac:spMkLst>
             <pc:docMk/>
             <pc:sldMk cId="16774443" sldId="256"/>
             <ac:spMk id="3" creationId="{8CBE6AD3-058F-9686-4BB2-15A6C94A1B18}"/>
           </ac:spMkLst>
         </pc:spChg>
+        <pc:spChg chg="add del">
+          <ac:chgData name="Tsebaot Tsebaot" userId="17b6d73d28cd6d8c" providerId="LiveId" clId="{20276244-AE06-4E75-A73B-3F213AFDA906}" dt="2023-02-01T02:28:25.520" v="2087" actId="26606"/>
+          <ac:spMkLst>
+            <pc:docMk/>
+            <pc:sldMk cId="16774443" sldId="256"/>
+            <ac:spMk id="8" creationId="{8C6E698C-8155-4B8B-BDC9-B7299772B509}"/>
+          </ac:spMkLst>
+        </pc:spChg>
+        <pc:spChg chg="add del">
+          <ac:chgData name="Tsebaot Tsebaot" userId="17b6d73d28cd6d8c" providerId="LiveId" clId="{20276244-AE06-4E75-A73B-3F213AFDA906}" dt="2023-02-01T02:27:55.391" v="2083" actId="26606"/>
+          <ac:spMkLst>
+            <pc:docMk/>
+            <pc:sldMk cId="16774443" sldId="256"/>
+            <ac:spMk id="9" creationId="{A9286AD2-18A9-4868-A4E3-7A2097A20810}"/>
+          </ac:spMkLst>
+        </pc:spChg>
+        <pc:spChg chg="add del">
+          <ac:chgData name="Tsebaot Tsebaot" userId="17b6d73d28cd6d8c" providerId="LiveId" clId="{20276244-AE06-4E75-A73B-3F213AFDA906}" dt="2023-02-01T02:28:25.520" v="2087" actId="26606"/>
+          <ac:spMkLst>
+            <pc:docMk/>
+            <pc:sldMk cId="16774443" sldId="256"/>
+            <ac:spMk id="12" creationId="{8A549DE7-671D-4575-AF43-858FD99981CF}"/>
+          </ac:spMkLst>
+        </pc:spChg>
+        <pc:spChg chg="add del">
+          <ac:chgData name="Tsebaot Tsebaot" userId="17b6d73d28cd6d8c" providerId="LiveId" clId="{20276244-AE06-4E75-A73B-3F213AFDA906}" dt="2023-02-01T02:28:25.520" v="2087" actId="26606"/>
+          <ac:spMkLst>
+            <pc:docMk/>
+            <pc:sldMk cId="16774443" sldId="256"/>
+            <ac:spMk id="14" creationId="{C22D9B36-9BE7-472B-8808-7E0D6810738F}"/>
+          </ac:spMkLst>
+        </pc:spChg>
+        <pc:spChg chg="add del">
+          <ac:chgData name="Tsebaot Tsebaot" userId="17b6d73d28cd6d8c" providerId="LiveId" clId="{20276244-AE06-4E75-A73B-3F213AFDA906}" dt="2023-02-01T02:31:25.359" v="2134" actId="26606"/>
+          <ac:spMkLst>
+            <pc:docMk/>
+            <pc:sldMk cId="16774443" sldId="256"/>
+            <ac:spMk id="22" creationId="{1C520CBD-F82E-44E4-BDA5-128716AD79C8}"/>
+          </ac:spMkLst>
+        </pc:spChg>
+        <pc:spChg chg="add del">
+          <ac:chgData name="Tsebaot Tsebaot" userId="17b6d73d28cd6d8c" providerId="LiveId" clId="{20276244-AE06-4E75-A73B-3F213AFDA906}" dt="2023-02-01T02:31:25.359" v="2134" actId="26606"/>
+          <ac:spMkLst>
+            <pc:docMk/>
+            <pc:sldMk cId="16774443" sldId="256"/>
+            <ac:spMk id="24" creationId="{4618AE32-A526-42FC-A854-732740BD38DA}"/>
+          </ac:spMkLst>
+        </pc:spChg>
+        <pc:spChg chg="add del">
+          <ac:chgData name="Tsebaot Tsebaot" userId="17b6d73d28cd6d8c" providerId="LiveId" clId="{20276244-AE06-4E75-A73B-3F213AFDA906}" dt="2023-02-01T02:29:40.999" v="2099" actId="26606"/>
+          <ac:spMkLst>
+            <pc:docMk/>
+            <pc:sldMk cId="16774443" sldId="256"/>
+            <ac:spMk id="29" creationId="{600B5AE2-C5CC-499C-8F2D-249888BE22C2}"/>
+          </ac:spMkLst>
+        </pc:spChg>
+        <pc:spChg chg="add del">
+          <ac:chgData name="Tsebaot Tsebaot" userId="17b6d73d28cd6d8c" providerId="LiveId" clId="{20276244-AE06-4E75-A73B-3F213AFDA906}" dt="2023-02-01T02:29:40.999" v="2099" actId="26606"/>
+          <ac:spMkLst>
+            <pc:docMk/>
+            <pc:sldMk cId="16774443" sldId="256"/>
+            <ac:spMk id="31" creationId="{BA7A3698-B350-40E5-8475-9BCC41A089FC}"/>
+          </ac:spMkLst>
+        </pc:spChg>
+        <pc:spChg chg="add del">
+          <ac:chgData name="Tsebaot Tsebaot" userId="17b6d73d28cd6d8c" providerId="LiveId" clId="{20276244-AE06-4E75-A73B-3F213AFDA906}" dt="2023-02-01T02:29:40.999" v="2099" actId="26606"/>
+          <ac:spMkLst>
+            <pc:docMk/>
+            <pc:sldMk cId="16774443" sldId="256"/>
+            <ac:spMk id="35" creationId="{990D0034-F768-41E7-85D4-F38C4DE85770}"/>
+          </ac:spMkLst>
+        </pc:spChg>
+        <pc:spChg chg="add del">
+          <ac:chgData name="Tsebaot Tsebaot" userId="17b6d73d28cd6d8c" providerId="LiveId" clId="{20276244-AE06-4E75-A73B-3F213AFDA906}" dt="2023-02-01T02:29:40.999" v="2099" actId="26606"/>
+          <ac:spMkLst>
+            <pc:docMk/>
+            <pc:sldMk cId="16774443" sldId="256"/>
+            <ac:spMk id="37" creationId="{C4F7E42D-8B5A-4FC8-81CD-9E60171F7FA8}"/>
+          </ac:spMkLst>
+        </pc:spChg>
+        <pc:spChg chg="add del">
+          <ac:chgData name="Tsebaot Tsebaot" userId="17b6d73d28cd6d8c" providerId="LiveId" clId="{20276244-AE06-4E75-A73B-3F213AFDA906}" dt="2023-02-01T02:29:40.999" v="2099" actId="26606"/>
+          <ac:spMkLst>
+            <pc:docMk/>
+            <pc:sldMk cId="16774443" sldId="256"/>
+            <ac:spMk id="39" creationId="{8C04651D-B9F4-4935-A02D-364153FBDF54}"/>
+          </ac:spMkLst>
+        </pc:spChg>
+        <pc:spChg chg="add del">
+          <ac:chgData name="Tsebaot Tsebaot" userId="17b6d73d28cd6d8c" providerId="LiveId" clId="{20276244-AE06-4E75-A73B-3F213AFDA906}" dt="2023-02-01T02:29:53.257" v="2101" actId="26606"/>
+          <ac:spMkLst>
+            <pc:docMk/>
+            <pc:sldMk cId="16774443" sldId="256"/>
+            <ac:spMk id="41" creationId="{600B5AE2-C5CC-499C-8F2D-249888BE22C2}"/>
+          </ac:spMkLst>
+        </pc:spChg>
+        <pc:spChg chg="add del">
+          <ac:chgData name="Tsebaot Tsebaot" userId="17b6d73d28cd6d8c" providerId="LiveId" clId="{20276244-AE06-4E75-A73B-3F213AFDA906}" dt="2023-02-01T02:29:53.257" v="2101" actId="26606"/>
+          <ac:spMkLst>
+            <pc:docMk/>
+            <pc:sldMk cId="16774443" sldId="256"/>
+            <ac:spMk id="42" creationId="{BA7A3698-B350-40E5-8475-9BCC41A089FC}"/>
+          </ac:spMkLst>
+        </pc:spChg>
+        <pc:spChg chg="add del">
+          <ac:chgData name="Tsebaot Tsebaot" userId="17b6d73d28cd6d8c" providerId="LiveId" clId="{20276244-AE06-4E75-A73B-3F213AFDA906}" dt="2023-02-01T02:29:53.257" v="2101" actId="26606"/>
+          <ac:spMkLst>
+            <pc:docMk/>
+            <pc:sldMk cId="16774443" sldId="256"/>
+            <ac:spMk id="44" creationId="{990D0034-F768-41E7-85D4-F38C4DE85770}"/>
+          </ac:spMkLst>
+        </pc:spChg>
+        <pc:spChg chg="add del">
+          <ac:chgData name="Tsebaot Tsebaot" userId="17b6d73d28cd6d8c" providerId="LiveId" clId="{20276244-AE06-4E75-A73B-3F213AFDA906}" dt="2023-02-01T02:30:09.956" v="2103" actId="26606"/>
+          <ac:spMkLst>
+            <pc:docMk/>
+            <pc:sldMk cId="16774443" sldId="256"/>
+            <ac:spMk id="47" creationId="{5AE6C737-FF55-4064-94B7-0B21D2EB6045}"/>
+          </ac:spMkLst>
+        </pc:spChg>
+        <pc:spChg chg="add del">
+          <ac:chgData name="Tsebaot Tsebaot" userId="17b6d73d28cd6d8c" providerId="LiveId" clId="{20276244-AE06-4E75-A73B-3F213AFDA906}" dt="2023-02-01T02:30:09.956" v="2103" actId="26606"/>
+          <ac:spMkLst>
+            <pc:docMk/>
+            <pc:sldMk cId="16774443" sldId="256"/>
+            <ac:spMk id="49" creationId="{D8218D9F-38B6-4AE0-9051-5434D19A5277}"/>
+          </ac:spMkLst>
+        </pc:spChg>
+        <pc:spChg chg="add del">
+          <ac:chgData name="Tsebaot Tsebaot" userId="17b6d73d28cd6d8c" providerId="LiveId" clId="{20276244-AE06-4E75-A73B-3F213AFDA906}" dt="2023-02-01T02:30:09.956" v="2103" actId="26606"/>
+          <ac:spMkLst>
+            <pc:docMk/>
+            <pc:sldMk cId="16774443" sldId="256"/>
+            <ac:spMk id="50" creationId="{2D3DCA99-84AF-487A-BF72-91C5FA6B0B70}"/>
+          </ac:spMkLst>
+        </pc:spChg>
+        <pc:spChg chg="add del">
+          <ac:chgData name="Tsebaot Tsebaot" userId="17b6d73d28cd6d8c" providerId="LiveId" clId="{20276244-AE06-4E75-A73B-3F213AFDA906}" dt="2023-02-01T02:30:12.241" v="2105" actId="26606"/>
+          <ac:spMkLst>
+            <pc:docMk/>
+            <pc:sldMk cId="16774443" sldId="256"/>
+            <ac:spMk id="52" creationId="{600B5AE2-C5CC-499C-8F2D-249888BE22C2}"/>
+          </ac:spMkLst>
+        </pc:spChg>
+        <pc:spChg chg="add del">
+          <ac:chgData name="Tsebaot Tsebaot" userId="17b6d73d28cd6d8c" providerId="LiveId" clId="{20276244-AE06-4E75-A73B-3F213AFDA906}" dt="2023-02-01T02:30:12.241" v="2105" actId="26606"/>
+          <ac:spMkLst>
+            <pc:docMk/>
+            <pc:sldMk cId="16774443" sldId="256"/>
+            <ac:spMk id="53" creationId="{BA7A3698-B350-40E5-8475-9BCC41A089FC}"/>
+          </ac:spMkLst>
+        </pc:spChg>
+        <pc:spChg chg="add del">
+          <ac:chgData name="Tsebaot Tsebaot" userId="17b6d73d28cd6d8c" providerId="LiveId" clId="{20276244-AE06-4E75-A73B-3F213AFDA906}" dt="2023-02-01T02:30:12.241" v="2105" actId="26606"/>
+          <ac:spMkLst>
+            <pc:docMk/>
+            <pc:sldMk cId="16774443" sldId="256"/>
+            <ac:spMk id="56" creationId="{C609E9FA-BDDE-45C4-8F5E-974D4208D2EA}"/>
+          </ac:spMkLst>
+        </pc:spChg>
+        <pc:spChg chg="add del">
+          <ac:chgData name="Tsebaot Tsebaot" userId="17b6d73d28cd6d8c" providerId="LiveId" clId="{20276244-AE06-4E75-A73B-3F213AFDA906}" dt="2023-02-01T02:30:12.241" v="2105" actId="26606"/>
+          <ac:spMkLst>
+            <pc:docMk/>
+            <pc:sldMk cId="16774443" sldId="256"/>
+            <ac:spMk id="57" creationId="{7737E529-E43B-4948-B3C4-7F6B806FCCFD}"/>
+          </ac:spMkLst>
+        </pc:spChg>
+        <pc:spChg chg="add del">
+          <ac:chgData name="Tsebaot Tsebaot" userId="17b6d73d28cd6d8c" providerId="LiveId" clId="{20276244-AE06-4E75-A73B-3F213AFDA906}" dt="2023-02-01T02:30:16.140" v="2107" actId="26606"/>
+          <ac:spMkLst>
+            <pc:docMk/>
+            <pc:sldMk cId="16774443" sldId="256"/>
+            <ac:spMk id="59" creationId="{600B5AE2-C5CC-499C-8F2D-249888BE22C2}"/>
+          </ac:spMkLst>
+        </pc:spChg>
+        <pc:spChg chg="add del">
+          <ac:chgData name="Tsebaot Tsebaot" userId="17b6d73d28cd6d8c" providerId="LiveId" clId="{20276244-AE06-4E75-A73B-3F213AFDA906}" dt="2023-02-01T02:30:16.140" v="2107" actId="26606"/>
+          <ac:spMkLst>
+            <pc:docMk/>
+            <pc:sldMk cId="16774443" sldId="256"/>
+            <ac:spMk id="60" creationId="{BA7A3698-B350-40E5-8475-9BCC41A089FC}"/>
+          </ac:spMkLst>
+        </pc:spChg>
+        <pc:spChg chg="add del">
+          <ac:chgData name="Tsebaot Tsebaot" userId="17b6d73d28cd6d8c" providerId="LiveId" clId="{20276244-AE06-4E75-A73B-3F213AFDA906}" dt="2023-02-01T02:30:16.140" v="2107" actId="26606"/>
+          <ac:spMkLst>
+            <pc:docMk/>
+            <pc:sldMk cId="16774443" sldId="256"/>
+            <ac:spMk id="62" creationId="{311973C2-EB8B-452A-A698-4A252FD3AE28}"/>
+          </ac:spMkLst>
+        </pc:spChg>
+        <pc:spChg chg="add del">
+          <ac:chgData name="Tsebaot Tsebaot" userId="17b6d73d28cd6d8c" providerId="LiveId" clId="{20276244-AE06-4E75-A73B-3F213AFDA906}" dt="2023-02-01T02:30:16.140" v="2107" actId="26606"/>
+          <ac:spMkLst>
+            <pc:docMk/>
+            <pc:sldMk cId="16774443" sldId="256"/>
+            <ac:spMk id="63" creationId="{10162E77-11AD-44A7-84EC-40C59EEFBD2E}"/>
+          </ac:spMkLst>
+        </pc:spChg>
+        <pc:spChg chg="add del">
+          <ac:chgData name="Tsebaot Tsebaot" userId="17b6d73d28cd6d8c" providerId="LiveId" clId="{20276244-AE06-4E75-A73B-3F213AFDA906}" dt="2023-02-01T02:30:17.311" v="2109" actId="26606"/>
+          <ac:spMkLst>
+            <pc:docMk/>
+            <pc:sldMk cId="16774443" sldId="256"/>
+            <ac:spMk id="66" creationId="{600B5AE2-C5CC-499C-8F2D-249888BE22C2}"/>
+          </ac:spMkLst>
+        </pc:spChg>
+        <pc:spChg chg="add del">
+          <ac:chgData name="Tsebaot Tsebaot" userId="17b6d73d28cd6d8c" providerId="LiveId" clId="{20276244-AE06-4E75-A73B-3F213AFDA906}" dt="2023-02-01T02:30:17.311" v="2109" actId="26606"/>
+          <ac:spMkLst>
+            <pc:docMk/>
+            <pc:sldMk cId="16774443" sldId="256"/>
+            <ac:spMk id="67" creationId="{BA7A3698-B350-40E5-8475-9BCC41A089FC}"/>
+          </ac:spMkLst>
+        </pc:spChg>
+        <pc:spChg chg="add del">
+          <ac:chgData name="Tsebaot Tsebaot" userId="17b6d73d28cd6d8c" providerId="LiveId" clId="{20276244-AE06-4E75-A73B-3F213AFDA906}" dt="2023-02-01T02:30:17.311" v="2109" actId="26606"/>
+          <ac:spMkLst>
+            <pc:docMk/>
+            <pc:sldMk cId="16774443" sldId="256"/>
+            <ac:spMk id="69" creationId="{990D0034-F768-41E7-85D4-F38C4DE85770}"/>
+          </ac:spMkLst>
+        </pc:spChg>
+        <pc:spChg chg="add del">
+          <ac:chgData name="Tsebaot Tsebaot" userId="17b6d73d28cd6d8c" providerId="LiveId" clId="{20276244-AE06-4E75-A73B-3F213AFDA906}" dt="2023-02-01T02:30:17.311" v="2109" actId="26606"/>
+          <ac:spMkLst>
+            <pc:docMk/>
+            <pc:sldMk cId="16774443" sldId="256"/>
+            <ac:spMk id="70" creationId="{C4F7E42D-8B5A-4FC8-81CD-9E60171F7FA8}"/>
+          </ac:spMkLst>
+        </pc:spChg>
+        <pc:spChg chg="add del">
+          <ac:chgData name="Tsebaot Tsebaot" userId="17b6d73d28cd6d8c" providerId="LiveId" clId="{20276244-AE06-4E75-A73B-3F213AFDA906}" dt="2023-02-01T02:30:17.311" v="2109" actId="26606"/>
+          <ac:spMkLst>
+            <pc:docMk/>
+            <pc:sldMk cId="16774443" sldId="256"/>
+            <ac:spMk id="71" creationId="{8C04651D-B9F4-4935-A02D-364153FBDF54}"/>
+          </ac:spMkLst>
+        </pc:spChg>
+        <pc:spChg chg="add del">
+          <ac:chgData name="Tsebaot Tsebaot" userId="17b6d73d28cd6d8c" providerId="LiveId" clId="{20276244-AE06-4E75-A73B-3F213AFDA906}" dt="2023-02-01T02:30:24.830" v="2111" actId="26606"/>
+          <ac:spMkLst>
+            <pc:docMk/>
+            <pc:sldMk cId="16774443" sldId="256"/>
+            <ac:spMk id="73" creationId="{600B5AE2-C5CC-499C-8F2D-249888BE22C2}"/>
+          </ac:spMkLst>
+        </pc:spChg>
+        <pc:spChg chg="add del">
+          <ac:chgData name="Tsebaot Tsebaot" userId="17b6d73d28cd6d8c" providerId="LiveId" clId="{20276244-AE06-4E75-A73B-3F213AFDA906}" dt="2023-02-01T02:30:24.830" v="2111" actId="26606"/>
+          <ac:spMkLst>
+            <pc:docMk/>
+            <pc:sldMk cId="16774443" sldId="256"/>
+            <ac:spMk id="74" creationId="{BA7A3698-B350-40E5-8475-9BCC41A089FC}"/>
+          </ac:spMkLst>
+        </pc:spChg>
+        <pc:spChg chg="add del">
+          <ac:chgData name="Tsebaot Tsebaot" userId="17b6d73d28cd6d8c" providerId="LiveId" clId="{20276244-AE06-4E75-A73B-3F213AFDA906}" dt="2023-02-01T02:30:24.830" v="2111" actId="26606"/>
+          <ac:spMkLst>
+            <pc:docMk/>
+            <pc:sldMk cId="16774443" sldId="256"/>
+            <ac:spMk id="76" creationId="{10162E77-11AD-44A7-84EC-40C59EEFBD2E}"/>
+          </ac:spMkLst>
+        </pc:spChg>
+        <pc:spChg chg="add del">
+          <ac:chgData name="Tsebaot Tsebaot" userId="17b6d73d28cd6d8c" providerId="LiveId" clId="{20276244-AE06-4E75-A73B-3F213AFDA906}" dt="2023-02-01T02:30:24.830" v="2111" actId="26606"/>
+          <ac:spMkLst>
+            <pc:docMk/>
+            <pc:sldMk cId="16774443" sldId="256"/>
+            <ac:spMk id="78" creationId="{6329CBCE-21AE-419D-AC1F-8ACF510A6670}"/>
+          </ac:spMkLst>
+        </pc:spChg>
+        <pc:spChg chg="add del">
+          <ac:chgData name="Tsebaot Tsebaot" userId="17b6d73d28cd6d8c" providerId="LiveId" clId="{20276244-AE06-4E75-A73B-3F213AFDA906}" dt="2023-02-01T02:30:24.830" v="2111" actId="26606"/>
+          <ac:spMkLst>
+            <pc:docMk/>
+            <pc:sldMk cId="16774443" sldId="256"/>
+            <ac:spMk id="79" creationId="{FF2DA012-1414-493D-888F-5D99D0BDA322}"/>
+          </ac:spMkLst>
+        </pc:spChg>
+        <pc:spChg chg="add del">
+          <ac:chgData name="Tsebaot Tsebaot" userId="17b6d73d28cd6d8c" providerId="LiveId" clId="{20276244-AE06-4E75-A73B-3F213AFDA906}" dt="2023-02-01T02:30:28.555" v="2113" actId="26606"/>
+          <ac:spMkLst>
+            <pc:docMk/>
+            <pc:sldMk cId="16774443" sldId="256"/>
+            <ac:spMk id="81" creationId="{7D379150-F6B4-45C8-BE10-6B278AD400EB}"/>
+          </ac:spMkLst>
+        </pc:spChg>
+        <pc:spChg chg="add del">
+          <ac:chgData name="Tsebaot Tsebaot" userId="17b6d73d28cd6d8c" providerId="LiveId" clId="{20276244-AE06-4E75-A73B-3F213AFDA906}" dt="2023-02-01T02:30:28.555" v="2113" actId="26606"/>
+          <ac:spMkLst>
+            <pc:docMk/>
+            <pc:sldMk cId="16774443" sldId="256"/>
+            <ac:spMk id="82" creationId="{5FFCF544-A370-4A5D-A95F-CA6E0E7191E6}"/>
+          </ac:spMkLst>
+        </pc:spChg>
+        <pc:spChg chg="add del">
+          <ac:chgData name="Tsebaot Tsebaot" userId="17b6d73d28cd6d8c" providerId="LiveId" clId="{20276244-AE06-4E75-A73B-3F213AFDA906}" dt="2023-02-01T02:30:28.555" v="2113" actId="26606"/>
+          <ac:spMkLst>
+            <pc:docMk/>
+            <pc:sldMk cId="16774443" sldId="256"/>
+            <ac:spMk id="84" creationId="{284B70D5-875B-433D-BDBD-1522A85D6C1D}"/>
+          </ac:spMkLst>
+        </pc:spChg>
+        <pc:spChg chg="add del">
+          <ac:chgData name="Tsebaot Tsebaot" userId="17b6d73d28cd6d8c" providerId="LiveId" clId="{20276244-AE06-4E75-A73B-3F213AFDA906}" dt="2023-02-01T02:30:28.555" v="2113" actId="26606"/>
+          <ac:spMkLst>
+            <pc:docMk/>
+            <pc:sldMk cId="16774443" sldId="256"/>
+            <ac:spMk id="86" creationId="{1E299956-A9E7-4FC1-A0B1-D590CA9730E8}"/>
+          </ac:spMkLst>
+        </pc:spChg>
+        <pc:spChg chg="add del">
+          <ac:chgData name="Tsebaot Tsebaot" userId="17b6d73d28cd6d8c" providerId="LiveId" clId="{20276244-AE06-4E75-A73B-3F213AFDA906}" dt="2023-02-01T02:30:28.555" v="2113" actId="26606"/>
+          <ac:spMkLst>
+            <pc:docMk/>
+            <pc:sldMk cId="16774443" sldId="256"/>
+            <ac:spMk id="87" creationId="{17FC539C-B783-4B03-9F9E-D13430F3F64F}"/>
+          </ac:spMkLst>
+        </pc:spChg>
+        <pc:spChg chg="add del">
+          <ac:chgData name="Tsebaot Tsebaot" userId="17b6d73d28cd6d8c" providerId="LiveId" clId="{20276244-AE06-4E75-A73B-3F213AFDA906}" dt="2023-02-01T02:30:29.337" v="2115" actId="26606"/>
+          <ac:spMkLst>
+            <pc:docMk/>
+            <pc:sldMk cId="16774443" sldId="256"/>
+            <ac:spMk id="89" creationId="{600B5AE2-C5CC-499C-8F2D-249888BE22C2}"/>
+          </ac:spMkLst>
+        </pc:spChg>
+        <pc:spChg chg="add del">
+          <ac:chgData name="Tsebaot Tsebaot" userId="17b6d73d28cd6d8c" providerId="LiveId" clId="{20276244-AE06-4E75-A73B-3F213AFDA906}" dt="2023-02-01T02:30:29.337" v="2115" actId="26606"/>
+          <ac:spMkLst>
+            <pc:docMk/>
+            <pc:sldMk cId="16774443" sldId="256"/>
+            <ac:spMk id="90" creationId="{BA7A3698-B350-40E5-8475-9BCC41A089FC}"/>
+          </ac:spMkLst>
+        </pc:spChg>
+        <pc:spChg chg="add del">
+          <ac:chgData name="Tsebaot Tsebaot" userId="17b6d73d28cd6d8c" providerId="LiveId" clId="{20276244-AE06-4E75-A73B-3F213AFDA906}" dt="2023-02-01T02:30:29.337" v="2115" actId="26606"/>
+          <ac:spMkLst>
+            <pc:docMk/>
+            <pc:sldMk cId="16774443" sldId="256"/>
+            <ac:spMk id="93" creationId="{C672EAF5-5470-4BA7-B932-B6C0D09E7F97}"/>
+          </ac:spMkLst>
+        </pc:spChg>
+        <pc:spChg chg="add del">
+          <ac:chgData name="Tsebaot Tsebaot" userId="17b6d73d28cd6d8c" providerId="LiveId" clId="{20276244-AE06-4E75-A73B-3F213AFDA906}" dt="2023-02-01T02:30:29.337" v="2115" actId="26606"/>
+          <ac:spMkLst>
+            <pc:docMk/>
+            <pc:sldMk cId="16774443" sldId="256"/>
+            <ac:spMk id="94" creationId="{94620B5C-0452-4C14-93BC-D29D4DD2039E}"/>
+          </ac:spMkLst>
+        </pc:spChg>
+        <pc:spChg chg="add del">
+          <ac:chgData name="Tsebaot Tsebaot" userId="17b6d73d28cd6d8c" providerId="LiveId" clId="{20276244-AE06-4E75-A73B-3F213AFDA906}" dt="2023-02-01T02:30:37.137" v="2117" actId="26606"/>
+          <ac:spMkLst>
+            <pc:docMk/>
+            <pc:sldMk cId="16774443" sldId="256"/>
+            <ac:spMk id="96" creationId="{600B5AE2-C5CC-499C-8F2D-249888BE22C2}"/>
+          </ac:spMkLst>
+        </pc:spChg>
+        <pc:spChg chg="add del">
+          <ac:chgData name="Tsebaot Tsebaot" userId="17b6d73d28cd6d8c" providerId="LiveId" clId="{20276244-AE06-4E75-A73B-3F213AFDA906}" dt="2023-02-01T02:30:37.137" v="2117" actId="26606"/>
+          <ac:spMkLst>
+            <pc:docMk/>
+            <pc:sldMk cId="16774443" sldId="256"/>
+            <ac:spMk id="97" creationId="{BA7A3698-B350-40E5-8475-9BCC41A089FC}"/>
+          </ac:spMkLst>
+        </pc:spChg>
+        <pc:spChg chg="add del">
+          <ac:chgData name="Tsebaot Tsebaot" userId="17b6d73d28cd6d8c" providerId="LiveId" clId="{20276244-AE06-4E75-A73B-3F213AFDA906}" dt="2023-02-01T02:30:38.435" v="2119" actId="26606"/>
+          <ac:spMkLst>
+            <pc:docMk/>
+            <pc:sldMk cId="16774443" sldId="256"/>
+            <ac:spMk id="100" creationId="{600B5AE2-C5CC-499C-8F2D-249888BE22C2}"/>
+          </ac:spMkLst>
+        </pc:spChg>
+        <pc:spChg chg="add del">
+          <ac:chgData name="Tsebaot Tsebaot" userId="17b6d73d28cd6d8c" providerId="LiveId" clId="{20276244-AE06-4E75-A73B-3F213AFDA906}" dt="2023-02-01T02:30:38.435" v="2119" actId="26606"/>
+          <ac:spMkLst>
+            <pc:docMk/>
+            <pc:sldMk cId="16774443" sldId="256"/>
+            <ac:spMk id="101" creationId="{BA7A3698-B350-40E5-8475-9BCC41A089FC}"/>
+          </ac:spMkLst>
+        </pc:spChg>
+        <pc:spChg chg="add del">
+          <ac:chgData name="Tsebaot Tsebaot" userId="17b6d73d28cd6d8c" providerId="LiveId" clId="{20276244-AE06-4E75-A73B-3F213AFDA906}" dt="2023-02-01T02:30:38.435" v="2119" actId="26606"/>
+          <ac:spMkLst>
+            <pc:docMk/>
+            <pc:sldMk cId="16774443" sldId="256"/>
+            <ac:spMk id="103" creationId="{990D0034-F768-41E7-85D4-F38C4DE85770}"/>
+          </ac:spMkLst>
+        </pc:spChg>
+        <pc:spChg chg="add del">
+          <ac:chgData name="Tsebaot Tsebaot" userId="17b6d73d28cd6d8c" providerId="LiveId" clId="{20276244-AE06-4E75-A73B-3F213AFDA906}" dt="2023-02-01T02:30:38.435" v="2119" actId="26606"/>
+          <ac:spMkLst>
+            <pc:docMk/>
+            <pc:sldMk cId="16774443" sldId="256"/>
+            <ac:spMk id="104" creationId="{C4F7E42D-8B5A-4FC8-81CD-9E60171F7FA8}"/>
+          </ac:spMkLst>
+        </pc:spChg>
+        <pc:spChg chg="add del">
+          <ac:chgData name="Tsebaot Tsebaot" userId="17b6d73d28cd6d8c" providerId="LiveId" clId="{20276244-AE06-4E75-A73B-3F213AFDA906}" dt="2023-02-01T02:30:38.435" v="2119" actId="26606"/>
+          <ac:spMkLst>
+            <pc:docMk/>
+            <pc:sldMk cId="16774443" sldId="256"/>
+            <ac:spMk id="105" creationId="{8C04651D-B9F4-4935-A02D-364153FBDF54}"/>
+          </ac:spMkLst>
+        </pc:spChg>
+        <pc:spChg chg="add del">
+          <ac:chgData name="Tsebaot Tsebaot" userId="17b6d73d28cd6d8c" providerId="LiveId" clId="{20276244-AE06-4E75-A73B-3F213AFDA906}" dt="2023-02-01T02:30:52.093" v="2121" actId="26606"/>
+          <ac:spMkLst>
+            <pc:docMk/>
+            <pc:sldMk cId="16774443" sldId="256"/>
+            <ac:spMk id="107" creationId="{600B5AE2-C5CC-499C-8F2D-249888BE22C2}"/>
+          </ac:spMkLst>
+        </pc:spChg>
+        <pc:spChg chg="add del">
+          <ac:chgData name="Tsebaot Tsebaot" userId="17b6d73d28cd6d8c" providerId="LiveId" clId="{20276244-AE06-4E75-A73B-3F213AFDA906}" dt="2023-02-01T02:30:52.093" v="2121" actId="26606"/>
+          <ac:spMkLst>
+            <pc:docMk/>
+            <pc:sldMk cId="16774443" sldId="256"/>
+            <ac:spMk id="108" creationId="{BA7A3698-B350-40E5-8475-9BCC41A089FC}"/>
+          </ac:spMkLst>
+        </pc:spChg>
+        <pc:spChg chg="add del">
+          <ac:chgData name="Tsebaot Tsebaot" userId="17b6d73d28cd6d8c" providerId="LiveId" clId="{20276244-AE06-4E75-A73B-3F213AFDA906}" dt="2023-02-01T02:30:52.093" v="2121" actId="26606"/>
+          <ac:spMkLst>
+            <pc:docMk/>
+            <pc:sldMk cId="16774443" sldId="256"/>
+            <ac:spMk id="111" creationId="{154480E5-678B-478F-9170-46502C5FB3E3}"/>
+          </ac:spMkLst>
+        </pc:spChg>
+        <pc:spChg chg="add del">
+          <ac:chgData name="Tsebaot Tsebaot" userId="17b6d73d28cd6d8c" providerId="LiveId" clId="{20276244-AE06-4E75-A73B-3F213AFDA906}" dt="2023-02-01T02:30:52.093" v="2121" actId="26606"/>
+          <ac:spMkLst>
+            <pc:docMk/>
+            <pc:sldMk cId="16774443" sldId="256"/>
+            <ac:spMk id="112" creationId="{B598D875-841B-47A7-B4C8-237DBCE2FBC7}"/>
+          </ac:spMkLst>
+        </pc:spChg>
+        <pc:spChg chg="add del">
+          <ac:chgData name="Tsebaot Tsebaot" userId="17b6d73d28cd6d8c" providerId="LiveId" clId="{20276244-AE06-4E75-A73B-3F213AFDA906}" dt="2023-02-01T02:30:58.657" v="2123" actId="26606"/>
+          <ac:spMkLst>
+            <pc:docMk/>
+            <pc:sldMk cId="16774443" sldId="256"/>
+            <ac:spMk id="114" creationId="{600B5AE2-C5CC-499C-8F2D-249888BE22C2}"/>
+          </ac:spMkLst>
+        </pc:spChg>
+        <pc:spChg chg="add del">
+          <ac:chgData name="Tsebaot Tsebaot" userId="17b6d73d28cd6d8c" providerId="LiveId" clId="{20276244-AE06-4E75-A73B-3F213AFDA906}" dt="2023-02-01T02:30:58.657" v="2123" actId="26606"/>
+          <ac:spMkLst>
+            <pc:docMk/>
+            <pc:sldMk cId="16774443" sldId="256"/>
+            <ac:spMk id="115" creationId="{BA7A3698-B350-40E5-8475-9BCC41A089FC}"/>
+          </ac:spMkLst>
+        </pc:spChg>
+        <pc:spChg chg="add del">
+          <ac:chgData name="Tsebaot Tsebaot" userId="17b6d73d28cd6d8c" providerId="LiveId" clId="{20276244-AE06-4E75-A73B-3F213AFDA906}" dt="2023-02-01T02:30:58.657" v="2123" actId="26606"/>
+          <ac:spMkLst>
+            <pc:docMk/>
+            <pc:sldMk cId="16774443" sldId="256"/>
+            <ac:spMk id="117" creationId="{990D0034-F768-41E7-85D4-F38C4DE85770}"/>
+          </ac:spMkLst>
+        </pc:spChg>
+        <pc:spChg chg="add del">
+          <ac:chgData name="Tsebaot Tsebaot" userId="17b6d73d28cd6d8c" providerId="LiveId" clId="{20276244-AE06-4E75-A73B-3F213AFDA906}" dt="2023-02-01T02:31:01.079" v="2125" actId="26606"/>
+          <ac:spMkLst>
+            <pc:docMk/>
+            <pc:sldMk cId="16774443" sldId="256"/>
+            <ac:spMk id="120" creationId="{600B5AE2-C5CC-499C-8F2D-249888BE22C2}"/>
+          </ac:spMkLst>
+        </pc:spChg>
+        <pc:spChg chg="add del">
+          <ac:chgData name="Tsebaot Tsebaot" userId="17b6d73d28cd6d8c" providerId="LiveId" clId="{20276244-AE06-4E75-A73B-3F213AFDA906}" dt="2023-02-01T02:31:01.079" v="2125" actId="26606"/>
+          <ac:spMkLst>
+            <pc:docMk/>
+            <pc:sldMk cId="16774443" sldId="256"/>
+            <ac:spMk id="121" creationId="{BA7A3698-B350-40E5-8475-9BCC41A089FC}"/>
+          </ac:spMkLst>
+        </pc:spChg>
+        <pc:spChg chg="add del">
+          <ac:chgData name="Tsebaot Tsebaot" userId="17b6d73d28cd6d8c" providerId="LiveId" clId="{20276244-AE06-4E75-A73B-3F213AFDA906}" dt="2023-02-01T02:31:01.079" v="2125" actId="26606"/>
+          <ac:spMkLst>
+            <pc:docMk/>
+            <pc:sldMk cId="16774443" sldId="256"/>
+            <ac:spMk id="123" creationId="{990D0034-F768-41E7-85D4-F38C4DE85770}"/>
+          </ac:spMkLst>
+        </pc:spChg>
+        <pc:spChg chg="add del">
+          <ac:chgData name="Tsebaot Tsebaot" userId="17b6d73d28cd6d8c" providerId="LiveId" clId="{20276244-AE06-4E75-A73B-3F213AFDA906}" dt="2023-02-01T02:31:01.079" v="2125" actId="26606"/>
+          <ac:spMkLst>
+            <pc:docMk/>
+            <pc:sldMk cId="16774443" sldId="256"/>
+            <ac:spMk id="124" creationId="{C4F7E42D-8B5A-4FC8-81CD-9E60171F7FA8}"/>
+          </ac:spMkLst>
+        </pc:spChg>
+        <pc:spChg chg="add del">
+          <ac:chgData name="Tsebaot Tsebaot" userId="17b6d73d28cd6d8c" providerId="LiveId" clId="{20276244-AE06-4E75-A73B-3F213AFDA906}" dt="2023-02-01T02:31:01.079" v="2125" actId="26606"/>
+          <ac:spMkLst>
+            <pc:docMk/>
+            <pc:sldMk cId="16774443" sldId="256"/>
+            <ac:spMk id="125" creationId="{8C04651D-B9F4-4935-A02D-364153FBDF54}"/>
+          </ac:spMkLst>
+        </pc:spChg>
+        <pc:spChg chg="add del">
+          <ac:chgData name="Tsebaot Tsebaot" userId="17b6d73d28cd6d8c" providerId="LiveId" clId="{20276244-AE06-4E75-A73B-3F213AFDA906}" dt="2023-02-01T02:31:06.072" v="2127" actId="26606"/>
+          <ac:spMkLst>
+            <pc:docMk/>
+            <pc:sldMk cId="16774443" sldId="256"/>
+            <ac:spMk id="127" creationId="{600B5AE2-C5CC-499C-8F2D-249888BE22C2}"/>
+          </ac:spMkLst>
+        </pc:spChg>
+        <pc:spChg chg="add del">
+          <ac:chgData name="Tsebaot Tsebaot" userId="17b6d73d28cd6d8c" providerId="LiveId" clId="{20276244-AE06-4E75-A73B-3F213AFDA906}" dt="2023-02-01T02:31:06.072" v="2127" actId="26606"/>
+          <ac:spMkLst>
+            <pc:docMk/>
+            <pc:sldMk cId="16774443" sldId="256"/>
+            <ac:spMk id="128" creationId="{BA7A3698-B350-40E5-8475-9BCC41A089FC}"/>
+          </ac:spMkLst>
+        </pc:spChg>
+        <pc:spChg chg="add del">
+          <ac:chgData name="Tsebaot Tsebaot" userId="17b6d73d28cd6d8c" providerId="LiveId" clId="{20276244-AE06-4E75-A73B-3F213AFDA906}" dt="2023-02-01T02:31:06.072" v="2127" actId="26606"/>
+          <ac:spMkLst>
+            <pc:docMk/>
+            <pc:sldMk cId="16774443" sldId="256"/>
+            <ac:spMk id="130" creationId="{990D0034-F768-41E7-85D4-F38C4DE85770}"/>
+          </ac:spMkLst>
+        </pc:spChg>
+        <pc:spChg chg="add del">
+          <ac:chgData name="Tsebaot Tsebaot" userId="17b6d73d28cd6d8c" providerId="LiveId" clId="{20276244-AE06-4E75-A73B-3F213AFDA906}" dt="2023-02-01T02:31:08.584" v="2129" actId="26606"/>
+          <ac:spMkLst>
+            <pc:docMk/>
+            <pc:sldMk cId="16774443" sldId="256"/>
+            <ac:spMk id="133" creationId="{600B5AE2-C5CC-499C-8F2D-249888BE22C2}"/>
+          </ac:spMkLst>
+        </pc:spChg>
+        <pc:spChg chg="add del">
+          <ac:chgData name="Tsebaot Tsebaot" userId="17b6d73d28cd6d8c" providerId="LiveId" clId="{20276244-AE06-4E75-A73B-3F213AFDA906}" dt="2023-02-01T02:31:08.584" v="2129" actId="26606"/>
+          <ac:spMkLst>
+            <pc:docMk/>
+            <pc:sldMk cId="16774443" sldId="256"/>
+            <ac:spMk id="134" creationId="{BA7A3698-B350-40E5-8475-9BCC41A089FC}"/>
+          </ac:spMkLst>
+        </pc:spChg>
+        <pc:spChg chg="add del">
+          <ac:chgData name="Tsebaot Tsebaot" userId="17b6d73d28cd6d8c" providerId="LiveId" clId="{20276244-AE06-4E75-A73B-3F213AFDA906}" dt="2023-02-01T02:31:08.584" v="2129" actId="26606"/>
+          <ac:spMkLst>
+            <pc:docMk/>
+            <pc:sldMk cId="16774443" sldId="256"/>
+            <ac:spMk id="136" creationId="{739ED4B0-07D7-492B-AAD1-7BA3037D7DA4}"/>
+          </ac:spMkLst>
+        </pc:spChg>
+        <pc:spChg chg="add del">
+          <ac:chgData name="Tsebaot Tsebaot" userId="17b6d73d28cd6d8c" providerId="LiveId" clId="{20276244-AE06-4E75-A73B-3F213AFDA906}" dt="2023-02-01T02:31:08.584" v="2129" actId="26606"/>
+          <ac:spMkLst>
+            <pc:docMk/>
+            <pc:sldMk cId="16774443" sldId="256"/>
+            <ac:spMk id="137" creationId="{C886BFA9-1A18-4956-9210-4C9833FF600D}"/>
+          </ac:spMkLst>
+        </pc:spChg>
+        <pc:spChg chg="add del">
+          <ac:chgData name="Tsebaot Tsebaot" userId="17b6d73d28cd6d8c" providerId="LiveId" clId="{20276244-AE06-4E75-A73B-3F213AFDA906}" dt="2023-02-01T02:31:08.584" v="2129" actId="26606"/>
+          <ac:spMkLst>
+            <pc:docMk/>
+            <pc:sldMk cId="16774443" sldId="256"/>
+            <ac:spMk id="138" creationId="{D3D398E9-CBC4-4AEE-A93E-C1F4A1B84762}"/>
+          </ac:spMkLst>
+        </pc:spChg>
+        <pc:spChg chg="add del">
+          <ac:chgData name="Tsebaot Tsebaot" userId="17b6d73d28cd6d8c" providerId="LiveId" clId="{20276244-AE06-4E75-A73B-3F213AFDA906}" dt="2023-02-01T02:31:11.357" v="2131" actId="26606"/>
+          <ac:spMkLst>
+            <pc:docMk/>
+            <pc:sldMk cId="16774443" sldId="256"/>
+            <ac:spMk id="140" creationId="{600B5AE2-C5CC-499C-8F2D-249888BE22C2}"/>
+          </ac:spMkLst>
+        </pc:spChg>
+        <pc:spChg chg="add del">
+          <ac:chgData name="Tsebaot Tsebaot" userId="17b6d73d28cd6d8c" providerId="LiveId" clId="{20276244-AE06-4E75-A73B-3F213AFDA906}" dt="2023-02-01T02:31:11.357" v="2131" actId="26606"/>
+          <ac:spMkLst>
+            <pc:docMk/>
+            <pc:sldMk cId="16774443" sldId="256"/>
+            <ac:spMk id="141" creationId="{BA7A3698-B350-40E5-8475-9BCC41A089FC}"/>
+          </ac:spMkLst>
+        </pc:spChg>
+        <pc:spChg chg="add del">
+          <ac:chgData name="Tsebaot Tsebaot" userId="17b6d73d28cd6d8c" providerId="LiveId" clId="{20276244-AE06-4E75-A73B-3F213AFDA906}" dt="2023-02-01T02:31:11.357" v="2131" actId="26606"/>
+          <ac:spMkLst>
+            <pc:docMk/>
+            <pc:sldMk cId="16774443" sldId="256"/>
+            <ac:spMk id="143" creationId="{E68FFDD2-0031-4BB1-BBE0-655DB04E8B6A}"/>
+          </ac:spMkLst>
+        </pc:spChg>
+        <pc:spChg chg="add del">
+          <ac:chgData name="Tsebaot Tsebaot" userId="17b6d73d28cd6d8c" providerId="LiveId" clId="{20276244-AE06-4E75-A73B-3F213AFDA906}" dt="2023-02-01T02:31:11.357" v="2131" actId="26606"/>
+          <ac:spMkLst>
+            <pc:docMk/>
+            <pc:sldMk cId="16774443" sldId="256"/>
+            <ac:spMk id="144" creationId="{AB737C5D-A080-46FC-A853-72857762C0E4}"/>
+          </ac:spMkLst>
+        </pc:spChg>
+        <pc:spChg chg="add del">
+          <ac:chgData name="Tsebaot Tsebaot" userId="17b6d73d28cd6d8c" providerId="LiveId" clId="{20276244-AE06-4E75-A73B-3F213AFDA906}" dt="2023-02-01T02:31:11.357" v="2131" actId="26606"/>
+          <ac:spMkLst>
+            <pc:docMk/>
+            <pc:sldMk cId="16774443" sldId="256"/>
+            <ac:spMk id="145" creationId="{93D9690C-472F-43F9-842A-94EFD7895C68}"/>
+          </ac:spMkLst>
+        </pc:spChg>
+        <pc:spChg chg="add del">
+          <ac:chgData name="Tsebaot Tsebaot" userId="17b6d73d28cd6d8c" providerId="LiveId" clId="{20276244-AE06-4E75-A73B-3F213AFDA906}" dt="2023-02-01T02:31:25.335" v="2133" actId="26606"/>
+          <ac:spMkLst>
+            <pc:docMk/>
+            <pc:sldMk cId="16774443" sldId="256"/>
+            <ac:spMk id="147" creationId="{600B5AE2-C5CC-499C-8F2D-249888BE22C2}"/>
+          </ac:spMkLst>
+        </pc:spChg>
+        <pc:spChg chg="add del">
+          <ac:chgData name="Tsebaot Tsebaot" userId="17b6d73d28cd6d8c" providerId="LiveId" clId="{20276244-AE06-4E75-A73B-3F213AFDA906}" dt="2023-02-01T02:31:25.335" v="2133" actId="26606"/>
+          <ac:spMkLst>
+            <pc:docMk/>
+            <pc:sldMk cId="16774443" sldId="256"/>
+            <ac:spMk id="148" creationId="{BA7A3698-B350-40E5-8475-9BCC41A089FC}"/>
+          </ac:spMkLst>
+        </pc:spChg>
+        <pc:spChg chg="add del">
+          <ac:chgData name="Tsebaot Tsebaot" userId="17b6d73d28cd6d8c" providerId="LiveId" clId="{20276244-AE06-4E75-A73B-3F213AFDA906}" dt="2023-02-01T02:31:25.335" v="2133" actId="26606"/>
+          <ac:spMkLst>
+            <pc:docMk/>
+            <pc:sldMk cId="16774443" sldId="256"/>
+            <ac:spMk id="150" creationId="{990D0034-F768-41E7-85D4-F38C4DE85770}"/>
+          </ac:spMkLst>
+        </pc:spChg>
+        <pc:spChg chg="add del">
+          <ac:chgData name="Tsebaot Tsebaot" userId="17b6d73d28cd6d8c" providerId="LiveId" clId="{20276244-AE06-4E75-A73B-3F213AFDA906}" dt="2023-02-01T02:31:25.335" v="2133" actId="26606"/>
+          <ac:spMkLst>
+            <pc:docMk/>
+            <pc:sldMk cId="16774443" sldId="256"/>
+            <ac:spMk id="151" creationId="{C4F7E42D-8B5A-4FC8-81CD-9E60171F7FA8}"/>
+          </ac:spMkLst>
+        </pc:spChg>
+        <pc:spChg chg="add del">
+          <ac:chgData name="Tsebaot Tsebaot" userId="17b6d73d28cd6d8c" providerId="LiveId" clId="{20276244-AE06-4E75-A73B-3F213AFDA906}" dt="2023-02-01T02:31:25.335" v="2133" actId="26606"/>
+          <ac:spMkLst>
+            <pc:docMk/>
+            <pc:sldMk cId="16774443" sldId="256"/>
+            <ac:spMk id="152" creationId="{8C04651D-B9F4-4935-A02D-364153FBDF54}"/>
+          </ac:spMkLst>
+        </pc:spChg>
+        <pc:spChg chg="add del">
+          <ac:chgData name="Tsebaot Tsebaot" userId="17b6d73d28cd6d8c" providerId="LiveId" clId="{20276244-AE06-4E75-A73B-3F213AFDA906}" dt="2023-02-01T02:31:34.565" v="2135" actId="26606"/>
+          <ac:spMkLst>
+            <pc:docMk/>
+            <pc:sldMk cId="16774443" sldId="256"/>
+            <ac:spMk id="154" creationId="{5A1B47C8-47A0-4A88-8830-6DEA3B5DE392}"/>
+          </ac:spMkLst>
+        </pc:spChg>
+        <pc:spChg chg="add del">
+          <ac:chgData name="Tsebaot Tsebaot" userId="17b6d73d28cd6d8c" providerId="LiveId" clId="{20276244-AE06-4E75-A73B-3F213AFDA906}" dt="2023-02-01T02:31:34.565" v="2135" actId="26606"/>
+          <ac:spMkLst>
+            <pc:docMk/>
+            <pc:sldMk cId="16774443" sldId="256"/>
+            <ac:spMk id="155" creationId="{984BBFDD-E720-4805-A9C8-129FBBF6DD70}"/>
+          </ac:spMkLst>
+        </pc:spChg>
+        <pc:spChg chg="add del">
+          <ac:chgData name="Tsebaot Tsebaot" userId="17b6d73d28cd6d8c" providerId="LiveId" clId="{20276244-AE06-4E75-A73B-3F213AFDA906}" dt="2023-02-01T02:31:34.565" v="2135" actId="26606"/>
+          <ac:spMkLst>
+            <pc:docMk/>
+            <pc:sldMk cId="16774443" sldId="256"/>
+            <ac:spMk id="156" creationId="{5AC4BE46-4A77-42FE-9D15-065CDB2F847C}"/>
+          </ac:spMkLst>
+        </pc:spChg>
+        <pc:spChg chg="add del">
+          <ac:chgData name="Tsebaot Tsebaot" userId="17b6d73d28cd6d8c" providerId="LiveId" clId="{20276244-AE06-4E75-A73B-3F213AFDA906}" dt="2023-02-01T02:33:21.570" v="2164" actId="26606"/>
+          <ac:spMkLst>
+            <pc:docMk/>
+            <pc:sldMk cId="16774443" sldId="256"/>
+            <ac:spMk id="161" creationId="{5A1B47C8-47A0-4A88-8830-6DEA3B5DE392}"/>
+          </ac:spMkLst>
+        </pc:spChg>
+        <pc:spChg chg="add del">
+          <ac:chgData name="Tsebaot Tsebaot" userId="17b6d73d28cd6d8c" providerId="LiveId" clId="{20276244-AE06-4E75-A73B-3F213AFDA906}" dt="2023-02-01T02:33:21.570" v="2164" actId="26606"/>
+          <ac:spMkLst>
+            <pc:docMk/>
+            <pc:sldMk cId="16774443" sldId="256"/>
+            <ac:spMk id="163" creationId="{984BBFDD-E720-4805-A9C8-129FBBF6DD70}"/>
+          </ac:spMkLst>
+        </pc:spChg>
+        <pc:spChg chg="add del">
+          <ac:chgData name="Tsebaot Tsebaot" userId="17b6d73d28cd6d8c" providerId="LiveId" clId="{20276244-AE06-4E75-A73B-3F213AFDA906}" dt="2023-02-01T02:33:21.570" v="2164" actId="26606"/>
+          <ac:spMkLst>
+            <pc:docMk/>
+            <pc:sldMk cId="16774443" sldId="256"/>
+            <ac:spMk id="165" creationId="{5AC4BE46-4A77-42FE-9D15-065CDB2F847C}"/>
+          </ac:spMkLst>
+        </pc:spChg>
+        <pc:spChg chg="add del">
+          <ac:chgData name="Tsebaot Tsebaot" userId="17b6d73d28cd6d8c" providerId="LiveId" clId="{20276244-AE06-4E75-A73B-3F213AFDA906}" dt="2023-02-01T02:32:01.691" v="2137" actId="26606"/>
+          <ac:spMkLst>
+            <pc:docMk/>
+            <pc:sldMk cId="16774443" sldId="256"/>
+            <ac:spMk id="170" creationId="{600B5AE2-C5CC-499C-8F2D-249888BE22C2}"/>
+          </ac:spMkLst>
+        </pc:spChg>
+        <pc:spChg chg="add del">
+          <ac:chgData name="Tsebaot Tsebaot" userId="17b6d73d28cd6d8c" providerId="LiveId" clId="{20276244-AE06-4E75-A73B-3F213AFDA906}" dt="2023-02-01T02:32:01.691" v="2137" actId="26606"/>
+          <ac:spMkLst>
+            <pc:docMk/>
+            <pc:sldMk cId="16774443" sldId="256"/>
+            <ac:spMk id="172" creationId="{BA7A3698-B350-40E5-8475-9BCC41A089FC}"/>
+          </ac:spMkLst>
+        </pc:spChg>
+        <pc:spChg chg="add del">
+          <ac:chgData name="Tsebaot Tsebaot" userId="17b6d73d28cd6d8c" providerId="LiveId" clId="{20276244-AE06-4E75-A73B-3F213AFDA906}" dt="2023-02-01T02:32:01.691" v="2137" actId="26606"/>
+          <ac:spMkLst>
+            <pc:docMk/>
+            <pc:sldMk cId="16774443" sldId="256"/>
+            <ac:spMk id="176" creationId="{990D0034-F768-41E7-85D4-F38C4DE85770}"/>
+          </ac:spMkLst>
+        </pc:spChg>
+        <pc:spChg chg="add del">
+          <ac:chgData name="Tsebaot Tsebaot" userId="17b6d73d28cd6d8c" providerId="LiveId" clId="{20276244-AE06-4E75-A73B-3F213AFDA906}" dt="2023-02-01T02:32:01.691" v="2137" actId="26606"/>
+          <ac:spMkLst>
+            <pc:docMk/>
+            <pc:sldMk cId="16774443" sldId="256"/>
+            <ac:spMk id="178" creationId="{C4F7E42D-8B5A-4FC8-81CD-9E60171F7FA8}"/>
+          </ac:spMkLst>
+        </pc:spChg>
+        <pc:spChg chg="add del">
+          <ac:chgData name="Tsebaot Tsebaot" userId="17b6d73d28cd6d8c" providerId="LiveId" clId="{20276244-AE06-4E75-A73B-3F213AFDA906}" dt="2023-02-01T02:32:01.691" v="2137" actId="26606"/>
+          <ac:spMkLst>
+            <pc:docMk/>
+            <pc:sldMk cId="16774443" sldId="256"/>
+            <ac:spMk id="180" creationId="{8C04651D-B9F4-4935-A02D-364153FBDF54}"/>
+          </ac:spMkLst>
+        </pc:spChg>
+        <pc:spChg chg="add del">
+          <ac:chgData name="Tsebaot Tsebaot" userId="17b6d73d28cd6d8c" providerId="LiveId" clId="{20276244-AE06-4E75-A73B-3F213AFDA906}" dt="2023-02-01T02:32:07.483" v="2139" actId="26606"/>
+          <ac:spMkLst>
+            <pc:docMk/>
+            <pc:sldMk cId="16774443" sldId="256"/>
+            <ac:spMk id="182" creationId="{5A1B47C8-47A0-4A88-8830-6DEA3B5DE392}"/>
+          </ac:spMkLst>
+        </pc:spChg>
+        <pc:spChg chg="add del">
+          <ac:chgData name="Tsebaot Tsebaot" userId="17b6d73d28cd6d8c" providerId="LiveId" clId="{20276244-AE06-4E75-A73B-3F213AFDA906}" dt="2023-02-01T02:32:07.483" v="2139" actId="26606"/>
+          <ac:spMkLst>
+            <pc:docMk/>
+            <pc:sldMk cId="16774443" sldId="256"/>
+            <ac:spMk id="183" creationId="{984BBFDD-E720-4805-A9C8-129FBBF6DD70}"/>
+          </ac:spMkLst>
+        </pc:spChg>
+        <pc:spChg chg="add del">
+          <ac:chgData name="Tsebaot Tsebaot" userId="17b6d73d28cd6d8c" providerId="LiveId" clId="{20276244-AE06-4E75-A73B-3F213AFDA906}" dt="2023-02-01T02:32:07.483" v="2139" actId="26606"/>
+          <ac:spMkLst>
+            <pc:docMk/>
+            <pc:sldMk cId="16774443" sldId="256"/>
+            <ac:spMk id="184" creationId="{5AC4BE46-4A77-42FE-9D15-065CDB2F847C}"/>
+          </ac:spMkLst>
+        </pc:spChg>
+        <pc:spChg chg="add del">
+          <ac:chgData name="Tsebaot Tsebaot" userId="17b6d73d28cd6d8c" providerId="LiveId" clId="{20276244-AE06-4E75-A73B-3F213AFDA906}" dt="2023-02-01T02:32:08.872" v="2141" actId="26606"/>
+          <ac:spMkLst>
+            <pc:docMk/>
+            <pc:sldMk cId="16774443" sldId="256"/>
+            <ac:spMk id="186" creationId="{FA4CD5CB-D209-4D70-8CA4-629731C59219}"/>
+          </ac:spMkLst>
+        </pc:spChg>
+        <pc:spChg chg="add del">
+          <ac:chgData name="Tsebaot Tsebaot" userId="17b6d73d28cd6d8c" providerId="LiveId" clId="{20276244-AE06-4E75-A73B-3F213AFDA906}" dt="2023-02-01T02:32:08.872" v="2141" actId="26606"/>
+          <ac:spMkLst>
+            <pc:docMk/>
+            <pc:sldMk cId="16774443" sldId="256"/>
+            <ac:spMk id="188" creationId="{B4C27B90-DF2B-4D00-BA07-18ED774CD2F1}"/>
+          </ac:spMkLst>
+        </pc:spChg>
+        <pc:spChg chg="add del">
+          <ac:chgData name="Tsebaot Tsebaot" userId="17b6d73d28cd6d8c" providerId="LiveId" clId="{20276244-AE06-4E75-A73B-3F213AFDA906}" dt="2023-02-01T02:32:08.872" v="2141" actId="26606"/>
+          <ac:spMkLst>
+            <pc:docMk/>
+            <pc:sldMk cId="16774443" sldId="256"/>
+            <ac:spMk id="189" creationId="{593ACC25-C262-417A-8AA9-0641C772BDB6}"/>
+          </ac:spMkLst>
+        </pc:spChg>
+        <pc:spChg chg="add del">
+          <ac:chgData name="Tsebaot Tsebaot" userId="17b6d73d28cd6d8c" providerId="LiveId" clId="{20276244-AE06-4E75-A73B-3F213AFDA906}" dt="2023-02-01T02:32:10.531" v="2143" actId="26606"/>
+          <ac:spMkLst>
+            <pc:docMk/>
+            <pc:sldMk cId="16774443" sldId="256"/>
+            <ac:spMk id="191" creationId="{600B5AE2-C5CC-499C-8F2D-249888BE22C2}"/>
+          </ac:spMkLst>
+        </pc:spChg>
+        <pc:spChg chg="add del">
+          <ac:chgData name="Tsebaot Tsebaot" userId="17b6d73d28cd6d8c" providerId="LiveId" clId="{20276244-AE06-4E75-A73B-3F213AFDA906}" dt="2023-02-01T02:32:10.531" v="2143" actId="26606"/>
+          <ac:spMkLst>
+            <pc:docMk/>
+            <pc:sldMk cId="16774443" sldId="256"/>
+            <ac:spMk id="192" creationId="{BA7A3698-B350-40E5-8475-9BCC41A089FC}"/>
+          </ac:spMkLst>
+        </pc:spChg>
+        <pc:spChg chg="add del">
+          <ac:chgData name="Tsebaot Tsebaot" userId="17b6d73d28cd6d8c" providerId="LiveId" clId="{20276244-AE06-4E75-A73B-3F213AFDA906}" dt="2023-02-01T02:32:10.531" v="2143" actId="26606"/>
+          <ac:spMkLst>
+            <pc:docMk/>
+            <pc:sldMk cId="16774443" sldId="256"/>
+            <ac:spMk id="194" creationId="{10162E77-11AD-44A7-84EC-40C59EEFBD2E}"/>
+          </ac:spMkLst>
+        </pc:spChg>
+        <pc:spChg chg="add del">
+          <ac:chgData name="Tsebaot Tsebaot" userId="17b6d73d28cd6d8c" providerId="LiveId" clId="{20276244-AE06-4E75-A73B-3F213AFDA906}" dt="2023-02-01T02:32:10.531" v="2143" actId="26606"/>
+          <ac:spMkLst>
+            <pc:docMk/>
+            <pc:sldMk cId="16774443" sldId="256"/>
+            <ac:spMk id="196" creationId="{6329CBCE-21AE-419D-AC1F-8ACF510A6670}"/>
+          </ac:spMkLst>
+        </pc:spChg>
+        <pc:spChg chg="add del">
+          <ac:chgData name="Tsebaot Tsebaot" userId="17b6d73d28cd6d8c" providerId="LiveId" clId="{20276244-AE06-4E75-A73B-3F213AFDA906}" dt="2023-02-01T02:32:10.531" v="2143" actId="26606"/>
+          <ac:spMkLst>
+            <pc:docMk/>
+            <pc:sldMk cId="16774443" sldId="256"/>
+            <ac:spMk id="197" creationId="{FF2DA012-1414-493D-888F-5D99D0BDA322}"/>
+          </ac:spMkLst>
+        </pc:spChg>
+        <pc:spChg chg="add del">
+          <ac:chgData name="Tsebaot Tsebaot" userId="17b6d73d28cd6d8c" providerId="LiveId" clId="{20276244-AE06-4E75-A73B-3F213AFDA906}" dt="2023-02-01T02:32:13.226" v="2145" actId="26606"/>
+          <ac:spMkLst>
+            <pc:docMk/>
+            <pc:sldMk cId="16774443" sldId="256"/>
+            <ac:spMk id="199" creationId="{7D379150-F6B4-45C8-BE10-6B278AD400EB}"/>
+          </ac:spMkLst>
+        </pc:spChg>
+        <pc:spChg chg="add del">
+          <ac:chgData name="Tsebaot Tsebaot" userId="17b6d73d28cd6d8c" providerId="LiveId" clId="{20276244-AE06-4E75-A73B-3F213AFDA906}" dt="2023-02-01T02:32:13.226" v="2145" actId="26606"/>
+          <ac:spMkLst>
+            <pc:docMk/>
+            <pc:sldMk cId="16774443" sldId="256"/>
+            <ac:spMk id="200" creationId="{5FFCF544-A370-4A5D-A95F-CA6E0E7191E6}"/>
+          </ac:spMkLst>
+        </pc:spChg>
+        <pc:spChg chg="add del">
+          <ac:chgData name="Tsebaot Tsebaot" userId="17b6d73d28cd6d8c" providerId="LiveId" clId="{20276244-AE06-4E75-A73B-3F213AFDA906}" dt="2023-02-01T02:32:13.226" v="2145" actId="26606"/>
+          <ac:spMkLst>
+            <pc:docMk/>
+            <pc:sldMk cId="16774443" sldId="256"/>
+            <ac:spMk id="202" creationId="{44CC594A-A820-450F-B363-C19201FCFEC6}"/>
+          </ac:spMkLst>
+        </pc:spChg>
+        <pc:spChg chg="add del">
+          <ac:chgData name="Tsebaot Tsebaot" userId="17b6d73d28cd6d8c" providerId="LiveId" clId="{20276244-AE06-4E75-A73B-3F213AFDA906}" dt="2023-02-01T02:32:13.226" v="2145" actId="26606"/>
+          <ac:spMkLst>
+            <pc:docMk/>
+            <pc:sldMk cId="16774443" sldId="256"/>
+            <ac:spMk id="203" creationId="{59FAB3DA-E9ED-4574-ABCC-378BC0FF1BBC}"/>
+          </ac:spMkLst>
+        </pc:spChg>
+        <pc:spChg chg="add del">
+          <ac:chgData name="Tsebaot Tsebaot" userId="17b6d73d28cd6d8c" providerId="LiveId" clId="{20276244-AE06-4E75-A73B-3F213AFDA906}" dt="2023-02-01T02:32:13.226" v="2145" actId="26606"/>
+          <ac:spMkLst>
+            <pc:docMk/>
+            <pc:sldMk cId="16774443" sldId="256"/>
+            <ac:spMk id="204" creationId="{53B8D6B0-55D6-48DC-86D8-FD95D5F118AB}"/>
+          </ac:spMkLst>
+        </pc:spChg>
+        <pc:spChg chg="add del">
+          <ac:chgData name="Tsebaot Tsebaot" userId="17b6d73d28cd6d8c" providerId="LiveId" clId="{20276244-AE06-4E75-A73B-3F213AFDA906}" dt="2023-02-01T02:32:19.999" v="2147" actId="26606"/>
+          <ac:spMkLst>
+            <pc:docMk/>
+            <pc:sldMk cId="16774443" sldId="256"/>
+            <ac:spMk id="206" creationId="{600B5AE2-C5CC-499C-8F2D-249888BE22C2}"/>
+          </ac:spMkLst>
+        </pc:spChg>
+        <pc:spChg chg="add del">
+          <ac:chgData name="Tsebaot Tsebaot" userId="17b6d73d28cd6d8c" providerId="LiveId" clId="{20276244-AE06-4E75-A73B-3F213AFDA906}" dt="2023-02-01T02:32:19.999" v="2147" actId="26606"/>
+          <ac:spMkLst>
+            <pc:docMk/>
+            <pc:sldMk cId="16774443" sldId="256"/>
+            <ac:spMk id="207" creationId="{BA7A3698-B350-40E5-8475-9BCC41A089FC}"/>
+          </ac:spMkLst>
+        </pc:spChg>
+        <pc:spChg chg="add del">
+          <ac:chgData name="Tsebaot Tsebaot" userId="17b6d73d28cd6d8c" providerId="LiveId" clId="{20276244-AE06-4E75-A73B-3F213AFDA906}" dt="2023-02-01T02:32:19.999" v="2147" actId="26606"/>
+          <ac:spMkLst>
+            <pc:docMk/>
+            <pc:sldMk cId="16774443" sldId="256"/>
+            <ac:spMk id="209" creationId="{E32D3FD4-6F71-43DF-93B9-87279519C618}"/>
+          </ac:spMkLst>
+        </pc:spChg>
+        <pc:spChg chg="add del">
+          <ac:chgData name="Tsebaot Tsebaot" userId="17b6d73d28cd6d8c" providerId="LiveId" clId="{20276244-AE06-4E75-A73B-3F213AFDA906}" dt="2023-02-01T02:32:19.999" v="2147" actId="26606"/>
+          <ac:spMkLst>
+            <pc:docMk/>
+            <pc:sldMk cId="16774443" sldId="256"/>
+            <ac:spMk id="210" creationId="{36F207B4-66C3-4A76-8D54-C2871CF80983}"/>
+          </ac:spMkLst>
+        </pc:spChg>
+        <pc:spChg chg="add del">
+          <ac:chgData name="Tsebaot Tsebaot" userId="17b6d73d28cd6d8c" providerId="LiveId" clId="{20276244-AE06-4E75-A73B-3F213AFDA906}" dt="2023-02-01T02:32:27.884" v="2149" actId="26606"/>
+          <ac:spMkLst>
+            <pc:docMk/>
+            <pc:sldMk cId="16774443" sldId="256"/>
+            <ac:spMk id="212" creationId="{600B5AE2-C5CC-499C-8F2D-249888BE22C2}"/>
+          </ac:spMkLst>
+        </pc:spChg>
+        <pc:spChg chg="add del">
+          <ac:chgData name="Tsebaot Tsebaot" userId="17b6d73d28cd6d8c" providerId="LiveId" clId="{20276244-AE06-4E75-A73B-3F213AFDA906}" dt="2023-02-01T02:32:27.884" v="2149" actId="26606"/>
+          <ac:spMkLst>
+            <pc:docMk/>
+            <pc:sldMk cId="16774443" sldId="256"/>
+            <ac:spMk id="213" creationId="{BA7A3698-B350-40E5-8475-9BCC41A089FC}"/>
+          </ac:spMkLst>
+        </pc:spChg>
+        <pc:spChg chg="add del">
+          <ac:chgData name="Tsebaot Tsebaot" userId="17b6d73d28cd6d8c" providerId="LiveId" clId="{20276244-AE06-4E75-A73B-3F213AFDA906}" dt="2023-02-01T02:32:27.884" v="2149" actId="26606"/>
+          <ac:spMkLst>
+            <pc:docMk/>
+            <pc:sldMk cId="16774443" sldId="256"/>
+            <ac:spMk id="215" creationId="{990D0034-F768-41E7-85D4-F38C4DE85770}"/>
+          </ac:spMkLst>
+        </pc:spChg>
+        <pc:spChg chg="add del">
+          <ac:chgData name="Tsebaot Tsebaot" userId="17b6d73d28cd6d8c" providerId="LiveId" clId="{20276244-AE06-4E75-A73B-3F213AFDA906}" dt="2023-02-01T02:32:27.884" v="2149" actId="26606"/>
+          <ac:spMkLst>
+            <pc:docMk/>
+            <pc:sldMk cId="16774443" sldId="256"/>
+            <ac:spMk id="216" creationId="{C4F7E42D-8B5A-4FC8-81CD-9E60171F7FA8}"/>
+          </ac:spMkLst>
+        </pc:spChg>
+        <pc:spChg chg="add del">
+          <ac:chgData name="Tsebaot Tsebaot" userId="17b6d73d28cd6d8c" providerId="LiveId" clId="{20276244-AE06-4E75-A73B-3F213AFDA906}" dt="2023-02-01T02:32:27.884" v="2149" actId="26606"/>
+          <ac:spMkLst>
+            <pc:docMk/>
+            <pc:sldMk cId="16774443" sldId="256"/>
+            <ac:spMk id="217" creationId="{8C04651D-B9F4-4935-A02D-364153FBDF54}"/>
+          </ac:spMkLst>
+        </pc:spChg>
+        <pc:spChg chg="add del">
+          <ac:chgData name="Tsebaot Tsebaot" userId="17b6d73d28cd6d8c" providerId="LiveId" clId="{20276244-AE06-4E75-A73B-3F213AFDA906}" dt="2023-02-01T02:32:36.830" v="2151" actId="26606"/>
+          <ac:spMkLst>
+            <pc:docMk/>
+            <pc:sldMk cId="16774443" sldId="256"/>
+            <ac:spMk id="219" creationId="{600B5AE2-C5CC-499C-8F2D-249888BE22C2}"/>
+          </ac:spMkLst>
+        </pc:spChg>
+        <pc:spChg chg="add del">
+          <ac:chgData name="Tsebaot Tsebaot" userId="17b6d73d28cd6d8c" providerId="LiveId" clId="{20276244-AE06-4E75-A73B-3F213AFDA906}" dt="2023-02-01T02:32:36.830" v="2151" actId="26606"/>
+          <ac:spMkLst>
+            <pc:docMk/>
+            <pc:sldMk cId="16774443" sldId="256"/>
+            <ac:spMk id="220" creationId="{BA7A3698-B350-40E5-8475-9BCC41A089FC}"/>
+          </ac:spMkLst>
+        </pc:spChg>
+        <pc:spChg chg="add del">
+          <ac:chgData name="Tsebaot Tsebaot" userId="17b6d73d28cd6d8c" providerId="LiveId" clId="{20276244-AE06-4E75-A73B-3F213AFDA906}" dt="2023-02-01T02:32:36.830" v="2151" actId="26606"/>
+          <ac:spMkLst>
+            <pc:docMk/>
+            <pc:sldMk cId="16774443" sldId="256"/>
+            <ac:spMk id="222" creationId="{6FF6F42D-8902-4806-A028-6753F50C708C}"/>
+          </ac:spMkLst>
+        </pc:spChg>
+        <pc:spChg chg="add del">
+          <ac:chgData name="Tsebaot Tsebaot" userId="17b6d73d28cd6d8c" providerId="LiveId" clId="{20276244-AE06-4E75-A73B-3F213AFDA906}" dt="2023-02-01T02:32:36.830" v="2151" actId="26606"/>
+          <ac:spMkLst>
+            <pc:docMk/>
+            <pc:sldMk cId="16774443" sldId="256"/>
+            <ac:spMk id="223" creationId="{4A73F01B-265E-44FB-827E-340F2E0FB1DB}"/>
+          </ac:spMkLst>
+        </pc:spChg>
+        <pc:spChg chg="add del">
+          <ac:chgData name="Tsebaot Tsebaot" userId="17b6d73d28cd6d8c" providerId="LiveId" clId="{20276244-AE06-4E75-A73B-3F213AFDA906}" dt="2023-02-01T02:32:36.830" v="2151" actId="26606"/>
+          <ac:spMkLst>
+            <pc:docMk/>
+            <pc:sldMk cId="16774443" sldId="256"/>
+            <ac:spMk id="224" creationId="{554D1049-D460-49DA-BC0D-53556F1611DB}"/>
+          </ac:spMkLst>
+        </pc:spChg>
+        <pc:spChg chg="add del">
+          <ac:chgData name="Tsebaot Tsebaot" userId="17b6d73d28cd6d8c" providerId="LiveId" clId="{20276244-AE06-4E75-A73B-3F213AFDA906}" dt="2023-02-01T02:32:42.227" v="2153" actId="26606"/>
+          <ac:spMkLst>
+            <pc:docMk/>
+            <pc:sldMk cId="16774443" sldId="256"/>
+            <ac:spMk id="226" creationId="{600B5AE2-C5CC-499C-8F2D-249888BE22C2}"/>
+          </ac:spMkLst>
+        </pc:spChg>
+        <pc:spChg chg="add del">
+          <ac:chgData name="Tsebaot Tsebaot" userId="17b6d73d28cd6d8c" providerId="LiveId" clId="{20276244-AE06-4E75-A73B-3F213AFDA906}" dt="2023-02-01T02:32:42.227" v="2153" actId="26606"/>
+          <ac:spMkLst>
+            <pc:docMk/>
+            <pc:sldMk cId="16774443" sldId="256"/>
+            <ac:spMk id="227" creationId="{BA7A3698-B350-40E5-8475-9BCC41A089FC}"/>
+          </ac:spMkLst>
+        </pc:spChg>
+        <pc:spChg chg="add del">
+          <ac:chgData name="Tsebaot Tsebaot" userId="17b6d73d28cd6d8c" providerId="LiveId" clId="{20276244-AE06-4E75-A73B-3F213AFDA906}" dt="2023-02-01T02:32:42.227" v="2153" actId="26606"/>
+          <ac:spMkLst>
+            <pc:docMk/>
+            <pc:sldMk cId="16774443" sldId="256"/>
+            <ac:spMk id="229" creationId="{E68FFDD2-0031-4BB1-BBE0-655DB04E8B6A}"/>
+          </ac:spMkLst>
+        </pc:spChg>
+        <pc:spChg chg="add del">
+          <ac:chgData name="Tsebaot Tsebaot" userId="17b6d73d28cd6d8c" providerId="LiveId" clId="{20276244-AE06-4E75-A73B-3F213AFDA906}" dt="2023-02-01T02:32:42.227" v="2153" actId="26606"/>
+          <ac:spMkLst>
+            <pc:docMk/>
+            <pc:sldMk cId="16774443" sldId="256"/>
+            <ac:spMk id="230" creationId="{AB737C5D-A080-46FC-A853-72857762C0E4}"/>
+          </ac:spMkLst>
+        </pc:spChg>
+        <pc:spChg chg="add del">
+          <ac:chgData name="Tsebaot Tsebaot" userId="17b6d73d28cd6d8c" providerId="LiveId" clId="{20276244-AE06-4E75-A73B-3F213AFDA906}" dt="2023-02-01T02:32:42.227" v="2153" actId="26606"/>
+          <ac:spMkLst>
+            <pc:docMk/>
+            <pc:sldMk cId="16774443" sldId="256"/>
+            <ac:spMk id="231" creationId="{93D9690C-472F-43F9-842A-94EFD7895C68}"/>
+          </ac:spMkLst>
+        </pc:spChg>
+        <pc:spChg chg="add del">
+          <ac:chgData name="Tsebaot Tsebaot" userId="17b6d73d28cd6d8c" providerId="LiveId" clId="{20276244-AE06-4E75-A73B-3F213AFDA906}" dt="2023-02-01T02:32:52.998" v="2155" actId="26606"/>
+          <ac:spMkLst>
+            <pc:docMk/>
+            <pc:sldMk cId="16774443" sldId="256"/>
+            <ac:spMk id="233" creationId="{600B5AE2-C5CC-499C-8F2D-249888BE22C2}"/>
+          </ac:spMkLst>
+        </pc:spChg>
+        <pc:spChg chg="add del">
+          <ac:chgData name="Tsebaot Tsebaot" userId="17b6d73d28cd6d8c" providerId="LiveId" clId="{20276244-AE06-4E75-A73B-3F213AFDA906}" dt="2023-02-01T02:32:52.998" v="2155" actId="26606"/>
+          <ac:spMkLst>
+            <pc:docMk/>
+            <pc:sldMk cId="16774443" sldId="256"/>
+            <ac:spMk id="234" creationId="{BA7A3698-B350-40E5-8475-9BCC41A089FC}"/>
+          </ac:spMkLst>
+        </pc:spChg>
+        <pc:spChg chg="add del">
+          <ac:chgData name="Tsebaot Tsebaot" userId="17b6d73d28cd6d8c" providerId="LiveId" clId="{20276244-AE06-4E75-A73B-3F213AFDA906}" dt="2023-02-01T02:32:52.998" v="2155" actId="26606"/>
+          <ac:spMkLst>
+            <pc:docMk/>
+            <pc:sldMk cId="16774443" sldId="256"/>
+            <ac:spMk id="236" creationId="{739ED4B0-07D7-492B-AAD1-7BA3037D7DA4}"/>
+          </ac:spMkLst>
+        </pc:spChg>
+        <pc:spChg chg="add del">
+          <ac:chgData name="Tsebaot Tsebaot" userId="17b6d73d28cd6d8c" providerId="LiveId" clId="{20276244-AE06-4E75-A73B-3F213AFDA906}" dt="2023-02-01T02:32:52.998" v="2155" actId="26606"/>
+          <ac:spMkLst>
+            <pc:docMk/>
+            <pc:sldMk cId="16774443" sldId="256"/>
+            <ac:spMk id="237" creationId="{C886BFA9-1A18-4956-9210-4C9833FF600D}"/>
+          </ac:spMkLst>
+        </pc:spChg>
+        <pc:spChg chg="add del">
+          <ac:chgData name="Tsebaot Tsebaot" userId="17b6d73d28cd6d8c" providerId="LiveId" clId="{20276244-AE06-4E75-A73B-3F213AFDA906}" dt="2023-02-01T02:32:52.998" v="2155" actId="26606"/>
+          <ac:spMkLst>
+            <pc:docMk/>
+            <pc:sldMk cId="16774443" sldId="256"/>
+            <ac:spMk id="238" creationId="{D3D398E9-CBC4-4AEE-A93E-C1F4A1B84762}"/>
+          </ac:spMkLst>
+        </pc:spChg>
+        <pc:spChg chg="add del">
+          <ac:chgData name="Tsebaot Tsebaot" userId="17b6d73d28cd6d8c" providerId="LiveId" clId="{20276244-AE06-4E75-A73B-3F213AFDA906}" dt="2023-02-01T02:32:55.675" v="2157" actId="26606"/>
+          <ac:spMkLst>
+            <pc:docMk/>
+            <pc:sldMk cId="16774443" sldId="256"/>
+            <ac:spMk id="241" creationId="{B9E780F8-2452-4595-A281-E594BA83DB0D}"/>
+          </ac:spMkLst>
+        </pc:spChg>
+        <pc:spChg chg="add del">
+          <ac:chgData name="Tsebaot Tsebaot" userId="17b6d73d28cd6d8c" providerId="LiveId" clId="{20276244-AE06-4E75-A73B-3F213AFDA906}" dt="2023-02-01T02:32:55.675" v="2157" actId="26606"/>
+          <ac:spMkLst>
+            <pc:docMk/>
+            <pc:sldMk cId="16774443" sldId="256"/>
+            <ac:spMk id="242" creationId="{A917F44A-7774-4C79-BEDC-0CC73C8C0E04}"/>
+          </ac:spMkLst>
+        </pc:spChg>
+        <pc:spChg chg="add del">
+          <ac:chgData name="Tsebaot Tsebaot" userId="17b6d73d28cd6d8c" providerId="LiveId" clId="{20276244-AE06-4E75-A73B-3F213AFDA906}" dt="2023-02-01T02:33:05.080" v="2159" actId="26606"/>
+          <ac:spMkLst>
+            <pc:docMk/>
+            <pc:sldMk cId="16774443" sldId="256"/>
+            <ac:spMk id="244" creationId="{600B5AE2-C5CC-499C-8F2D-249888BE22C2}"/>
+          </ac:spMkLst>
+        </pc:spChg>
+        <pc:spChg chg="add del">
+          <ac:chgData name="Tsebaot Tsebaot" userId="17b6d73d28cd6d8c" providerId="LiveId" clId="{20276244-AE06-4E75-A73B-3F213AFDA906}" dt="2023-02-01T02:33:05.080" v="2159" actId="26606"/>
+          <ac:spMkLst>
+            <pc:docMk/>
+            <pc:sldMk cId="16774443" sldId="256"/>
+            <ac:spMk id="245" creationId="{BA7A3698-B350-40E5-8475-9BCC41A089FC}"/>
+          </ac:spMkLst>
+        </pc:spChg>
+        <pc:spChg chg="add del">
+          <ac:chgData name="Tsebaot Tsebaot" userId="17b6d73d28cd6d8c" providerId="LiveId" clId="{20276244-AE06-4E75-A73B-3F213AFDA906}" dt="2023-02-01T02:33:05.080" v="2159" actId="26606"/>
+          <ac:spMkLst>
+            <pc:docMk/>
+            <pc:sldMk cId="16774443" sldId="256"/>
+            <ac:spMk id="247" creationId="{739ED4B0-07D7-492B-AAD1-7BA3037D7DA4}"/>
+          </ac:spMkLst>
+        </pc:spChg>
+        <pc:spChg chg="add del">
+          <ac:chgData name="Tsebaot Tsebaot" userId="17b6d73d28cd6d8c" providerId="LiveId" clId="{20276244-AE06-4E75-A73B-3F213AFDA906}" dt="2023-02-01T02:33:05.080" v="2159" actId="26606"/>
+          <ac:spMkLst>
+            <pc:docMk/>
+            <pc:sldMk cId="16774443" sldId="256"/>
+            <ac:spMk id="248" creationId="{C886BFA9-1A18-4956-9210-4C9833FF600D}"/>
+          </ac:spMkLst>
+        </pc:spChg>
+        <pc:spChg chg="add del">
+          <ac:chgData name="Tsebaot Tsebaot" userId="17b6d73d28cd6d8c" providerId="LiveId" clId="{20276244-AE06-4E75-A73B-3F213AFDA906}" dt="2023-02-01T02:33:05.080" v="2159" actId="26606"/>
+          <ac:spMkLst>
+            <pc:docMk/>
+            <pc:sldMk cId="16774443" sldId="256"/>
+            <ac:spMk id="249" creationId="{D3D398E9-CBC4-4AEE-A93E-C1F4A1B84762}"/>
+          </ac:spMkLst>
+        </pc:spChg>
+        <pc:spChg chg="add del">
+          <ac:chgData name="Tsebaot Tsebaot" userId="17b6d73d28cd6d8c" providerId="LiveId" clId="{20276244-AE06-4E75-A73B-3F213AFDA906}" dt="2023-02-01T02:33:11.511" v="2161" actId="26606"/>
+          <ac:spMkLst>
+            <pc:docMk/>
+            <pc:sldMk cId="16774443" sldId="256"/>
+            <ac:spMk id="251" creationId="{E9ED41B5-F9B0-4DE1-8C59-A980468A703A}"/>
+          </ac:spMkLst>
+        </pc:spChg>
+        <pc:spChg chg="add del">
+          <ac:chgData name="Tsebaot Tsebaot" userId="17b6d73d28cd6d8c" providerId="LiveId" clId="{20276244-AE06-4E75-A73B-3F213AFDA906}" dt="2023-02-01T02:33:11.511" v="2161" actId="26606"/>
+          <ac:spMkLst>
+            <pc:docMk/>
+            <pc:sldMk cId="16774443" sldId="256"/>
+            <ac:spMk id="252" creationId="{C482A030-873A-4216-B6A6-C3348B9CA2A1}"/>
+          </ac:spMkLst>
+        </pc:spChg>
+        <pc:spChg chg="add del">
+          <ac:chgData name="Tsebaot Tsebaot" userId="17b6d73d28cd6d8c" providerId="LiveId" clId="{20276244-AE06-4E75-A73B-3F213AFDA906}" dt="2023-02-01T02:33:21.529" v="2163" actId="26606"/>
+          <ac:spMkLst>
+            <pc:docMk/>
+            <pc:sldMk cId="16774443" sldId="256"/>
+            <ac:spMk id="254" creationId="{9549EB89-5BFB-4E1E-AEEA-87C343D80563}"/>
+          </ac:spMkLst>
+        </pc:spChg>
+        <pc:spChg chg="add del">
+          <ac:chgData name="Tsebaot Tsebaot" userId="17b6d73d28cd6d8c" providerId="LiveId" clId="{20276244-AE06-4E75-A73B-3F213AFDA906}" dt="2023-02-01T02:33:21.529" v="2163" actId="26606"/>
+          <ac:spMkLst>
+            <pc:docMk/>
+            <pc:sldMk cId="16774443" sldId="256"/>
+            <ac:spMk id="255" creationId="{3D1FA295-BDF6-44B9-90C5-FE3E2CE352AE}"/>
+          </ac:spMkLst>
+        </pc:spChg>
+        <pc:spChg chg="add del">
+          <ac:chgData name="Tsebaot Tsebaot" userId="17b6d73d28cd6d8c" providerId="LiveId" clId="{20276244-AE06-4E75-A73B-3F213AFDA906}" dt="2023-02-01T02:33:21.529" v="2163" actId="26606"/>
+          <ac:spMkLst>
+            <pc:docMk/>
+            <pc:sldMk cId="16774443" sldId="256"/>
+            <ac:spMk id="256" creationId="{81A36F1F-EEAE-48D1-A1FB-BD6FC8506B4E}"/>
+          </ac:spMkLst>
+        </pc:spChg>
+        <pc:spChg chg="add del">
+          <ac:chgData name="Tsebaot Tsebaot" userId="17b6d73d28cd6d8c" providerId="LiveId" clId="{20276244-AE06-4E75-A73B-3F213AFDA906}" dt="2023-02-01T02:38:00.339" v="2207" actId="26606"/>
+          <ac:spMkLst>
+            <pc:docMk/>
+            <pc:sldMk cId="16774443" sldId="256"/>
+            <ac:spMk id="258" creationId="{600B5AE2-C5CC-499C-8F2D-249888BE22C2}"/>
+          </ac:spMkLst>
+        </pc:spChg>
+        <pc:spChg chg="add del">
+          <ac:chgData name="Tsebaot Tsebaot" userId="17b6d73d28cd6d8c" providerId="LiveId" clId="{20276244-AE06-4E75-A73B-3F213AFDA906}" dt="2023-02-01T02:38:00.339" v="2207" actId="26606"/>
+          <ac:spMkLst>
+            <pc:docMk/>
+            <pc:sldMk cId="16774443" sldId="256"/>
+            <ac:spMk id="259" creationId="{BA7A3698-B350-40E5-8475-9BCC41A089FC}"/>
+          </ac:spMkLst>
+        </pc:spChg>
+        <pc:spChg chg="add del">
+          <ac:chgData name="Tsebaot Tsebaot" userId="17b6d73d28cd6d8c" providerId="LiveId" clId="{20276244-AE06-4E75-A73B-3F213AFDA906}" dt="2023-02-01T02:38:00.339" v="2207" actId="26606"/>
+          <ac:spMkLst>
+            <pc:docMk/>
+            <pc:sldMk cId="16774443" sldId="256"/>
+            <ac:spMk id="261" creationId="{739ED4B0-07D7-492B-AAD1-7BA3037D7DA4}"/>
+          </ac:spMkLst>
+        </pc:spChg>
+        <pc:spChg chg="add del">
+          <ac:chgData name="Tsebaot Tsebaot" userId="17b6d73d28cd6d8c" providerId="LiveId" clId="{20276244-AE06-4E75-A73B-3F213AFDA906}" dt="2023-02-01T02:38:00.339" v="2207" actId="26606"/>
+          <ac:spMkLst>
+            <pc:docMk/>
+            <pc:sldMk cId="16774443" sldId="256"/>
+            <ac:spMk id="262" creationId="{C886BFA9-1A18-4956-9210-4C9833FF600D}"/>
+          </ac:spMkLst>
+        </pc:spChg>
+        <pc:spChg chg="add del">
+          <ac:chgData name="Tsebaot Tsebaot" userId="17b6d73d28cd6d8c" providerId="LiveId" clId="{20276244-AE06-4E75-A73B-3F213AFDA906}" dt="2023-02-01T02:38:00.339" v="2207" actId="26606"/>
+          <ac:spMkLst>
+            <pc:docMk/>
+            <pc:sldMk cId="16774443" sldId="256"/>
+            <ac:spMk id="263" creationId="{D3D398E9-CBC4-4AEE-A93E-C1F4A1B84762}"/>
+          </ac:spMkLst>
+        </pc:spChg>
+        <pc:spChg chg="add del">
+          <ac:chgData name="Tsebaot Tsebaot" userId="17b6d73d28cd6d8c" providerId="LiveId" clId="{20276244-AE06-4E75-A73B-3F213AFDA906}" dt="2023-02-01T02:37:32.152" v="2198" actId="26606"/>
+          <ac:spMkLst>
+            <pc:docMk/>
+            <pc:sldMk cId="16774443" sldId="256"/>
+            <ac:spMk id="268" creationId="{796CD800-C8BF-41B5-983A-3B3D95FA99E5}"/>
+          </ac:spMkLst>
+        </pc:spChg>
+        <pc:spChg chg="add del">
+          <ac:chgData name="Tsebaot Tsebaot" userId="17b6d73d28cd6d8c" providerId="LiveId" clId="{20276244-AE06-4E75-A73B-3F213AFDA906}" dt="2023-02-01T02:37:32.152" v="2198" actId="26606"/>
+          <ac:spMkLst>
+            <pc:docMk/>
+            <pc:sldMk cId="16774443" sldId="256"/>
+            <ac:spMk id="270" creationId="{ED36A27B-61AE-4AA1-8BD6-7310E072D89D}"/>
+          </ac:spMkLst>
+        </pc:spChg>
+        <pc:spChg chg="add del">
+          <ac:chgData name="Tsebaot Tsebaot" userId="17b6d73d28cd6d8c" providerId="LiveId" clId="{20276244-AE06-4E75-A73B-3F213AFDA906}" dt="2023-02-01T02:37:32.152" v="2198" actId="26606"/>
+          <ac:spMkLst>
+            <pc:docMk/>
+            <pc:sldMk cId="16774443" sldId="256"/>
+            <ac:spMk id="274" creationId="{73B90B8B-F76B-4130-8370-38033EEACB93}"/>
+          </ac:spMkLst>
+        </pc:spChg>
+        <pc:spChg chg="add del">
+          <ac:chgData name="Tsebaot Tsebaot" userId="17b6d73d28cd6d8c" providerId="LiveId" clId="{20276244-AE06-4E75-A73B-3F213AFDA906}" dt="2023-02-01T02:37:32.152" v="2198" actId="26606"/>
+          <ac:spMkLst>
+            <pc:docMk/>
+            <pc:sldMk cId="16774443" sldId="256"/>
+            <ac:spMk id="278" creationId="{91C67939-3FD0-4B45-8AA4-9FE55C7EE127}"/>
+          </ac:spMkLst>
+        </pc:spChg>
+        <pc:spChg chg="add del">
+          <ac:chgData name="Tsebaot Tsebaot" userId="17b6d73d28cd6d8c" providerId="LiveId" clId="{20276244-AE06-4E75-A73B-3F213AFDA906}" dt="2023-02-01T02:37:32.152" v="2198" actId="26606"/>
+          <ac:spMkLst>
+            <pc:docMk/>
+            <pc:sldMk cId="16774443" sldId="256"/>
+            <ac:spMk id="280" creationId="{0981A96A-A87C-4F87-845A-3B0A6529F543}"/>
+          </ac:spMkLst>
+        </pc:spChg>
+        <pc:spChg chg="add del">
+          <ac:chgData name="Tsebaot Tsebaot" userId="17b6d73d28cd6d8c" providerId="LiveId" clId="{20276244-AE06-4E75-A73B-3F213AFDA906}" dt="2023-02-01T02:37:37.205" v="2200" actId="26606"/>
+          <ac:spMkLst>
+            <pc:docMk/>
+            <pc:sldMk cId="16774443" sldId="256"/>
+            <ac:spMk id="282" creationId="{796CD800-C8BF-41B5-983A-3B3D95FA99E5}"/>
+          </ac:spMkLst>
+        </pc:spChg>
+        <pc:spChg chg="add del">
+          <ac:chgData name="Tsebaot Tsebaot" userId="17b6d73d28cd6d8c" providerId="LiveId" clId="{20276244-AE06-4E75-A73B-3F213AFDA906}" dt="2023-02-01T02:37:37.205" v="2200" actId="26606"/>
+          <ac:spMkLst>
+            <pc:docMk/>
+            <pc:sldMk cId="16774443" sldId="256"/>
+            <ac:spMk id="283" creationId="{ED36A27B-61AE-4AA1-8BD6-7310E072D89D}"/>
+          </ac:spMkLst>
+        </pc:spChg>
+        <pc:spChg chg="add del">
+          <ac:chgData name="Tsebaot Tsebaot" userId="17b6d73d28cd6d8c" providerId="LiveId" clId="{20276244-AE06-4E75-A73B-3F213AFDA906}" dt="2023-02-01T02:37:37.205" v="2200" actId="26606"/>
+          <ac:spMkLst>
+            <pc:docMk/>
+            <pc:sldMk cId="16774443" sldId="256"/>
+            <ac:spMk id="285" creationId="{7396DECB-DE04-41CF-B456-C7290874E215}"/>
+          </ac:spMkLst>
+        </pc:spChg>
+        <pc:spChg chg="add del">
+          <ac:chgData name="Tsebaot Tsebaot" userId="17b6d73d28cd6d8c" providerId="LiveId" clId="{20276244-AE06-4E75-A73B-3F213AFDA906}" dt="2023-02-01T02:37:37.205" v="2200" actId="26606"/>
+          <ac:spMkLst>
+            <pc:docMk/>
+            <pc:sldMk cId="16774443" sldId="256"/>
+            <ac:spMk id="286" creationId="{5D902A0F-73D9-4E23-AB4A-4B4C78938507}"/>
+          </ac:spMkLst>
+        </pc:spChg>
+        <pc:spChg chg="add del">
+          <ac:chgData name="Tsebaot Tsebaot" userId="17b6d73d28cd6d8c" providerId="LiveId" clId="{20276244-AE06-4E75-A73B-3F213AFDA906}" dt="2023-02-01T02:37:37.205" v="2200" actId="26606"/>
+          <ac:spMkLst>
+            <pc:docMk/>
+            <pc:sldMk cId="16774443" sldId="256"/>
+            <ac:spMk id="287" creationId="{8768613A-4BA5-42A5-859E-34B7D608AC7A}"/>
+          </ac:spMkLst>
+        </pc:spChg>
+        <pc:spChg chg="add del">
+          <ac:chgData name="Tsebaot Tsebaot" userId="17b6d73d28cd6d8c" providerId="LiveId" clId="{20276244-AE06-4E75-A73B-3F213AFDA906}" dt="2023-02-01T02:37:45.509" v="2202" actId="26606"/>
+          <ac:spMkLst>
+            <pc:docMk/>
+            <pc:sldMk cId="16774443" sldId="256"/>
+            <ac:spMk id="289" creationId="{796CD800-C8BF-41B5-983A-3B3D95FA99E5}"/>
+          </ac:spMkLst>
+        </pc:spChg>
+        <pc:spChg chg="add del">
+          <ac:chgData name="Tsebaot Tsebaot" userId="17b6d73d28cd6d8c" providerId="LiveId" clId="{20276244-AE06-4E75-A73B-3F213AFDA906}" dt="2023-02-01T02:37:45.509" v="2202" actId="26606"/>
+          <ac:spMkLst>
+            <pc:docMk/>
+            <pc:sldMk cId="16774443" sldId="256"/>
+            <ac:spMk id="290" creationId="{ED36A27B-61AE-4AA1-8BD6-7310E072D89D}"/>
+          </ac:spMkLst>
+        </pc:spChg>
+        <pc:spChg chg="add del">
+          <ac:chgData name="Tsebaot Tsebaot" userId="17b6d73d28cd6d8c" providerId="LiveId" clId="{20276244-AE06-4E75-A73B-3F213AFDA906}" dt="2023-02-01T02:37:45.509" v="2202" actId="26606"/>
+          <ac:spMkLst>
+            <pc:docMk/>
+            <pc:sldMk cId="16774443" sldId="256"/>
+            <ac:spMk id="292" creationId="{20E9A622-9996-4927-BBCD-AEE2687BEDAD}"/>
+          </ac:spMkLst>
+        </pc:spChg>
+        <pc:spChg chg="add del">
+          <ac:chgData name="Tsebaot Tsebaot" userId="17b6d73d28cd6d8c" providerId="LiveId" clId="{20276244-AE06-4E75-A73B-3F213AFDA906}" dt="2023-02-01T02:37:45.509" v="2202" actId="26606"/>
+          <ac:spMkLst>
+            <pc:docMk/>
+            <pc:sldMk cId="16774443" sldId="256"/>
+            <ac:spMk id="293" creationId="{51DE3FC3-BAC1-4105-9620-4FB64EDCE876}"/>
+          </ac:spMkLst>
+        </pc:spChg>
+        <pc:spChg chg="add del">
+          <ac:chgData name="Tsebaot Tsebaot" userId="17b6d73d28cd6d8c" providerId="LiveId" clId="{20276244-AE06-4E75-A73B-3F213AFDA906}" dt="2023-02-01T02:37:45.509" v="2202" actId="26606"/>
+          <ac:spMkLst>
+            <pc:docMk/>
+            <pc:sldMk cId="16774443" sldId="256"/>
+            <ac:spMk id="294" creationId="{CEF02B21-6D04-4A6A-B03E-CF7642D59161}"/>
+          </ac:spMkLst>
+        </pc:spChg>
+        <pc:spChg chg="add del">
+          <ac:chgData name="Tsebaot Tsebaot" userId="17b6d73d28cd6d8c" providerId="LiveId" clId="{20276244-AE06-4E75-A73B-3F213AFDA906}" dt="2023-02-01T02:37:45.509" v="2202" actId="26606"/>
+          <ac:spMkLst>
+            <pc:docMk/>
+            <pc:sldMk cId="16774443" sldId="256"/>
+            <ac:spMk id="295" creationId="{97E39010-823C-439A-B438-FEEDF549083C}"/>
+          </ac:spMkLst>
+        </pc:spChg>
+        <pc:spChg chg="add del">
+          <ac:chgData name="Tsebaot Tsebaot" userId="17b6d73d28cd6d8c" providerId="LiveId" clId="{20276244-AE06-4E75-A73B-3F213AFDA906}" dt="2023-02-01T02:37:47.754" v="2204" actId="26606"/>
+          <ac:spMkLst>
+            <pc:docMk/>
+            <pc:sldMk cId="16774443" sldId="256"/>
+            <ac:spMk id="297" creationId="{C4D3E4EC-9CAC-455D-8511-5C0D0BEFCF19}"/>
+          </ac:spMkLst>
+        </pc:spChg>
+        <pc:spChg chg="add del">
+          <ac:chgData name="Tsebaot Tsebaot" userId="17b6d73d28cd6d8c" providerId="LiveId" clId="{20276244-AE06-4E75-A73B-3F213AFDA906}" dt="2023-02-01T02:37:47.754" v="2204" actId="26606"/>
+          <ac:spMkLst>
+            <pc:docMk/>
+            <pc:sldMk cId="16774443" sldId="256"/>
+            <ac:spMk id="298" creationId="{3DDF40A7-2316-4304-8880-2FA7451E932E}"/>
+          </ac:spMkLst>
+        </pc:spChg>
+        <pc:spChg chg="add del">
+          <ac:chgData name="Tsebaot Tsebaot" userId="17b6d73d28cd6d8c" providerId="LiveId" clId="{20276244-AE06-4E75-A73B-3F213AFDA906}" dt="2023-02-01T02:37:47.754" v="2204" actId="26606"/>
+          <ac:spMkLst>
+            <pc:docMk/>
+            <pc:sldMk cId="16774443" sldId="256"/>
+            <ac:spMk id="299" creationId="{44BD36A9-BAC7-415E-8DDB-4C743838F557}"/>
+          </ac:spMkLst>
+        </pc:spChg>
+        <pc:spChg chg="add del">
+          <ac:chgData name="Tsebaot Tsebaot" userId="17b6d73d28cd6d8c" providerId="LiveId" clId="{20276244-AE06-4E75-A73B-3F213AFDA906}" dt="2023-02-01T02:38:00.296" v="2206" actId="26606"/>
+          <ac:spMkLst>
+            <pc:docMk/>
+            <pc:sldMk cId="16774443" sldId="256"/>
+            <ac:spMk id="301" creationId="{EF8AEC98-3742-4D78-A79E-DB72BE130D98}"/>
+          </ac:spMkLst>
+        </pc:spChg>
+        <pc:spChg chg="add del">
+          <ac:chgData name="Tsebaot Tsebaot" userId="17b6d73d28cd6d8c" providerId="LiveId" clId="{20276244-AE06-4E75-A73B-3F213AFDA906}" dt="2023-02-01T02:38:00.296" v="2206" actId="26606"/>
+          <ac:spMkLst>
+            <pc:docMk/>
+            <pc:sldMk cId="16774443" sldId="256"/>
+            <ac:spMk id="302" creationId="{4DDDBADD-CC21-400E-A524-D69DC92E6E2A}"/>
+          </ac:spMkLst>
+        </pc:spChg>
+        <pc:spChg chg="add del">
+          <ac:chgData name="Tsebaot Tsebaot" userId="17b6d73d28cd6d8c" providerId="LiveId" clId="{20276244-AE06-4E75-A73B-3F213AFDA906}" dt="2023-02-01T02:38:00.296" v="2206" actId="26606"/>
+          <ac:spMkLst>
+            <pc:docMk/>
+            <pc:sldMk cId="16774443" sldId="256"/>
+            <ac:spMk id="304" creationId="{9B0F30AA-F3F2-4243-A080-0F2575446E5D}"/>
+          </ac:spMkLst>
+        </pc:spChg>
+        <pc:spChg chg="add del">
+          <ac:chgData name="Tsebaot Tsebaot" userId="17b6d73d28cd6d8c" providerId="LiveId" clId="{20276244-AE06-4E75-A73B-3F213AFDA906}" dt="2023-02-01T02:38:39.421" v="2215" actId="26606"/>
+          <ac:spMkLst>
+            <pc:docMk/>
+            <pc:sldMk cId="16774443" sldId="256"/>
+            <ac:spMk id="306" creationId="{EFBF8E6E-9C3D-447A-BCDA-E3FE877A2EAA}"/>
+          </ac:spMkLst>
+        </pc:spChg>
+        <pc:spChg chg="add del">
+          <ac:chgData name="Tsebaot Tsebaot" userId="17b6d73d28cd6d8c" providerId="LiveId" clId="{20276244-AE06-4E75-A73B-3F213AFDA906}" dt="2023-02-01T02:38:39.421" v="2215" actId="26606"/>
+          <ac:spMkLst>
+            <pc:docMk/>
+            <pc:sldMk cId="16774443" sldId="256"/>
+            <ac:spMk id="307" creationId="{2DD22CB7-700C-42AD-9C69-E4813AAD067E}"/>
+          </ac:spMkLst>
+        </pc:spChg>
+        <pc:spChg chg="add del">
+          <ac:chgData name="Tsebaot Tsebaot" userId="17b6d73d28cd6d8c" providerId="LiveId" clId="{20276244-AE06-4E75-A73B-3F213AFDA906}" dt="2023-02-01T02:38:39.421" v="2215" actId="26606"/>
+          <ac:spMkLst>
+            <pc:docMk/>
+            <pc:sldMk cId="16774443" sldId="256"/>
+            <ac:spMk id="308" creationId="{C4D2AB6A-1D6D-48A0-9117-47B3EFC4AFAA}"/>
+          </ac:spMkLst>
+        </pc:spChg>
+        <pc:spChg chg="add del">
+          <ac:chgData name="Tsebaot Tsebaot" userId="17b6d73d28cd6d8c" providerId="LiveId" clId="{20276244-AE06-4E75-A73B-3F213AFDA906}" dt="2023-02-01T02:38:39.421" v="2215" actId="26606"/>
+          <ac:spMkLst>
+            <pc:docMk/>
+            <pc:sldMk cId="16774443" sldId="256"/>
+            <ac:spMk id="309" creationId="{883FF231-CAC3-4BD2-ABA2-CF62D12540FF}"/>
+          </ac:spMkLst>
+        </pc:spChg>
+        <pc:spChg chg="add">
+          <ac:chgData name="Tsebaot Tsebaot" userId="17b6d73d28cd6d8c" providerId="LiveId" clId="{20276244-AE06-4E75-A73B-3F213AFDA906}" dt="2023-02-01T02:38:39.421" v="2215" actId="26606"/>
+          <ac:spMkLst>
+            <pc:docMk/>
+            <pc:sldMk cId="16774443" sldId="256"/>
+            <ac:spMk id="312" creationId="{600B5AE2-C5CC-499C-8F2D-249888BE22C2}"/>
+          </ac:spMkLst>
+        </pc:spChg>
+        <pc:spChg chg="add">
+          <ac:chgData name="Tsebaot Tsebaot" userId="17b6d73d28cd6d8c" providerId="LiveId" clId="{20276244-AE06-4E75-A73B-3F213AFDA906}" dt="2023-02-01T02:38:39.421" v="2215" actId="26606"/>
+          <ac:spMkLst>
+            <pc:docMk/>
+            <pc:sldMk cId="16774443" sldId="256"/>
+            <ac:spMk id="313" creationId="{BA7A3698-B350-40E5-8475-9BCC41A089FC}"/>
+          </ac:spMkLst>
+        </pc:spChg>
+        <pc:spChg chg="add del">
+          <ac:chgData name="Tsebaot Tsebaot" userId="17b6d73d28cd6d8c" providerId="LiveId" clId="{20276244-AE06-4E75-A73B-3F213AFDA906}" dt="2023-02-01T02:38:29.932" v="2212" actId="26606"/>
+          <ac:spMkLst>
+            <pc:docMk/>
+            <pc:sldMk cId="16774443" sldId="256"/>
+            <ac:spMk id="315" creationId="{600B5AE2-C5CC-499C-8F2D-249888BE22C2}"/>
+          </ac:spMkLst>
+        </pc:spChg>
+        <pc:spChg chg="add">
+          <ac:chgData name="Tsebaot Tsebaot" userId="17b6d73d28cd6d8c" providerId="LiveId" clId="{20276244-AE06-4E75-A73B-3F213AFDA906}" dt="2023-02-01T02:38:39.421" v="2215" actId="26606"/>
+          <ac:spMkLst>
+            <pc:docMk/>
+            <pc:sldMk cId="16774443" sldId="256"/>
+            <ac:spMk id="316" creationId="{F4C359F3-25B2-4E2B-8713-5583EAF4C18E}"/>
+          </ac:spMkLst>
+        </pc:spChg>
+        <pc:spChg chg="add del">
+          <ac:chgData name="Tsebaot Tsebaot" userId="17b6d73d28cd6d8c" providerId="LiveId" clId="{20276244-AE06-4E75-A73B-3F213AFDA906}" dt="2023-02-01T02:38:29.932" v="2212" actId="26606"/>
+          <ac:spMkLst>
+            <pc:docMk/>
+            <pc:sldMk cId="16774443" sldId="256"/>
+            <ac:spMk id="317" creationId="{BA7A3698-B350-40E5-8475-9BCC41A089FC}"/>
+          </ac:spMkLst>
+        </pc:spChg>
+        <pc:spChg chg="add">
+          <ac:chgData name="Tsebaot Tsebaot" userId="17b6d73d28cd6d8c" providerId="LiveId" clId="{20276244-AE06-4E75-A73B-3F213AFDA906}" dt="2023-02-01T02:38:39.421" v="2215" actId="26606"/>
+          <ac:spMkLst>
+            <pc:docMk/>
+            <pc:sldMk cId="16774443" sldId="256"/>
+            <ac:spMk id="318" creationId="{B026EB53-A064-438C-B0CD-AC1503631ACC}"/>
+          </ac:spMkLst>
+        </pc:spChg>
+        <pc:spChg chg="add del">
+          <ac:chgData name="Tsebaot Tsebaot" userId="17b6d73d28cd6d8c" providerId="LiveId" clId="{20276244-AE06-4E75-A73B-3F213AFDA906}" dt="2023-02-01T02:38:29.932" v="2212" actId="26606"/>
+          <ac:spMkLst>
+            <pc:docMk/>
+            <pc:sldMk cId="16774443" sldId="256"/>
+            <ac:spMk id="321" creationId="{F4C359F3-25B2-4E2B-8713-5583EAF4C18E}"/>
+          </ac:spMkLst>
+        </pc:spChg>
+        <pc:spChg chg="add del">
+          <ac:chgData name="Tsebaot Tsebaot" userId="17b6d73d28cd6d8c" providerId="LiveId" clId="{20276244-AE06-4E75-A73B-3F213AFDA906}" dt="2023-02-01T02:38:29.932" v="2212" actId="26606"/>
+          <ac:spMkLst>
+            <pc:docMk/>
+            <pc:sldMk cId="16774443" sldId="256"/>
+            <ac:spMk id="323" creationId="{B026EB53-A064-438C-B0CD-AC1503631ACC}"/>
+          </ac:spMkLst>
+        </pc:spChg>
+        <pc:spChg chg="add del">
+          <ac:chgData name="Tsebaot Tsebaot" userId="17b6d73d28cd6d8c" providerId="LiveId" clId="{20276244-AE06-4E75-A73B-3F213AFDA906}" dt="2023-02-01T02:38:33.585" v="2214" actId="26606"/>
+          <ac:spMkLst>
+            <pc:docMk/>
+            <pc:sldMk cId="16774443" sldId="256"/>
+            <ac:spMk id="325" creationId="{D3D398E9-CBC4-4AEE-A93E-C1F4A1B84762}"/>
+          </ac:spMkLst>
+        </pc:spChg>
+        <pc:spChg chg="add del">
+          <ac:chgData name="Tsebaot Tsebaot" userId="17b6d73d28cd6d8c" providerId="LiveId" clId="{20276244-AE06-4E75-A73B-3F213AFDA906}" dt="2023-02-01T02:38:33.585" v="2214" actId="26606"/>
+          <ac:spMkLst>
+            <pc:docMk/>
+            <pc:sldMk cId="16774443" sldId="256"/>
+            <ac:spMk id="326" creationId="{600B5AE2-C5CC-499C-8F2D-249888BE22C2}"/>
+          </ac:spMkLst>
+        </pc:spChg>
+        <pc:spChg chg="add del">
+          <ac:chgData name="Tsebaot Tsebaot" userId="17b6d73d28cd6d8c" providerId="LiveId" clId="{20276244-AE06-4E75-A73B-3F213AFDA906}" dt="2023-02-01T02:38:33.585" v="2214" actId="26606"/>
+          <ac:spMkLst>
+            <pc:docMk/>
+            <pc:sldMk cId="16774443" sldId="256"/>
+            <ac:spMk id="327" creationId="{BA7A3698-B350-40E5-8475-9BCC41A089FC}"/>
+          </ac:spMkLst>
+        </pc:spChg>
+        <pc:spChg chg="add del">
+          <ac:chgData name="Tsebaot Tsebaot" userId="17b6d73d28cd6d8c" providerId="LiveId" clId="{20276244-AE06-4E75-A73B-3F213AFDA906}" dt="2023-02-01T02:38:33.585" v="2214" actId="26606"/>
+          <ac:spMkLst>
+            <pc:docMk/>
+            <pc:sldMk cId="16774443" sldId="256"/>
+            <ac:spMk id="329" creationId="{739ED4B0-07D7-492B-AAD1-7BA3037D7DA4}"/>
+          </ac:spMkLst>
+        </pc:spChg>
+        <pc:spChg chg="add del">
+          <ac:chgData name="Tsebaot Tsebaot" userId="17b6d73d28cd6d8c" providerId="LiveId" clId="{20276244-AE06-4E75-A73B-3F213AFDA906}" dt="2023-02-01T02:38:33.585" v="2214" actId="26606"/>
+          <ac:spMkLst>
+            <pc:docMk/>
+            <pc:sldMk cId="16774443" sldId="256"/>
+            <ac:spMk id="330" creationId="{C886BFA9-1A18-4956-9210-4C9833FF600D}"/>
+          </ac:spMkLst>
+        </pc:spChg>
+        <pc:picChg chg="add mod ord">
+          <ac:chgData name="Tsebaot Tsebaot" userId="17b6d73d28cd6d8c" providerId="LiveId" clId="{20276244-AE06-4E75-A73B-3F213AFDA906}" dt="2023-02-01T02:38:39.421" v="2215" actId="26606"/>
+          <ac:picMkLst>
+            <pc:docMk/>
+            <pc:sldMk cId="16774443" sldId="256"/>
+            <ac:picMk id="4" creationId="{13AD7D60-737E-BB3E-8958-8B18A03D5285}"/>
+          </ac:picMkLst>
+        </pc:picChg>
+        <pc:picChg chg="add del">
+          <ac:chgData name="Tsebaot Tsebaot" userId="17b6d73d28cd6d8c" providerId="LiveId" clId="{20276244-AE06-4E75-A73B-3F213AFDA906}" dt="2023-02-01T02:27:55.391" v="2083" actId="26606"/>
+          <ac:picMkLst>
+            <pc:docMk/>
+            <pc:sldMk cId="16774443" sldId="256"/>
+            <ac:picMk id="5" creationId="{0291664C-325A-3910-E097-02A08465A540}"/>
+          </ac:picMkLst>
+        </pc:picChg>
+        <pc:picChg chg="add del mod ord">
+          <ac:chgData name="Tsebaot Tsebaot" userId="17b6d73d28cd6d8c" providerId="LiveId" clId="{20276244-AE06-4E75-A73B-3F213AFDA906}" dt="2023-02-01T02:38:08.784" v="2210" actId="478"/>
+          <ac:picMkLst>
+            <pc:docMk/>
+            <pc:sldMk cId="16774443" sldId="256"/>
+            <ac:picMk id="16" creationId="{76B1100E-1569-6418-B4E8-A1CDC957D434}"/>
+          </ac:picMkLst>
+        </pc:picChg>
+        <pc:cxnChg chg="add del">
+          <ac:chgData name="Tsebaot Tsebaot" userId="17b6d73d28cd6d8c" providerId="LiveId" clId="{20276244-AE06-4E75-A73B-3F213AFDA906}" dt="2023-02-01T02:28:25.520" v="2087" actId="26606"/>
+          <ac:cxnSpMkLst>
+            <pc:docMk/>
+            <pc:sldMk cId="16774443" sldId="256"/>
+            <ac:cxnSpMk id="10" creationId="{09525C9A-1972-4836-BA7A-706C946EF4DA}"/>
+          </ac:cxnSpMkLst>
+        </pc:cxnChg>
+        <pc:cxnChg chg="add del">
+          <ac:chgData name="Tsebaot Tsebaot" userId="17b6d73d28cd6d8c" providerId="LiveId" clId="{20276244-AE06-4E75-A73B-3F213AFDA906}" dt="2023-02-01T02:27:55.391" v="2083" actId="26606"/>
+          <ac:cxnSpMkLst>
+            <pc:docMk/>
+            <pc:sldMk cId="16774443" sldId="256"/>
+            <ac:cxnSpMk id="11" creationId="{E7A7CD63-7EC3-44F3-95D0-595C4019FF24}"/>
+          </ac:cxnSpMkLst>
+        </pc:cxnChg>
+        <pc:cxnChg chg="add del">
+          <ac:chgData name="Tsebaot Tsebaot" userId="17b6d73d28cd6d8c" providerId="LiveId" clId="{20276244-AE06-4E75-A73B-3F213AFDA906}" dt="2023-02-01T02:31:25.359" v="2134" actId="26606"/>
+          <ac:cxnSpMkLst>
+            <pc:docMk/>
+            <pc:sldMk cId="16774443" sldId="256"/>
+            <ac:cxnSpMk id="20" creationId="{77AB95BF-57D0-4E49-9EF2-408B47C8D40D}"/>
+          </ac:cxnSpMkLst>
+        </pc:cxnChg>
+        <pc:cxnChg chg="add del">
+          <ac:chgData name="Tsebaot Tsebaot" userId="17b6d73d28cd6d8c" providerId="LiveId" clId="{20276244-AE06-4E75-A73B-3F213AFDA906}" dt="2023-02-01T02:29:40.999" v="2099" actId="26606"/>
+          <ac:cxnSpMkLst>
+            <pc:docMk/>
+            <pc:sldMk cId="16774443" sldId="256"/>
+            <ac:cxnSpMk id="33" creationId="{0AC655C7-EC94-4BE6-84C8-2F9EFBBB2789}"/>
+          </ac:cxnSpMkLst>
+        </pc:cxnChg>
+        <pc:cxnChg chg="add del">
+          <ac:chgData name="Tsebaot Tsebaot" userId="17b6d73d28cd6d8c" providerId="LiveId" clId="{20276244-AE06-4E75-A73B-3F213AFDA906}" dt="2023-02-01T02:29:53.257" v="2101" actId="26606"/>
+          <ac:cxnSpMkLst>
+            <pc:docMk/>
+            <pc:sldMk cId="16774443" sldId="256"/>
+            <ac:cxnSpMk id="43" creationId="{0AC655C7-EC94-4BE6-84C8-2F9EFBBB2789}"/>
+          </ac:cxnSpMkLst>
+        </pc:cxnChg>
+        <pc:cxnChg chg="add del">
+          <ac:chgData name="Tsebaot Tsebaot" userId="17b6d73d28cd6d8c" providerId="LiveId" clId="{20276244-AE06-4E75-A73B-3F213AFDA906}" dt="2023-02-01T02:29:53.257" v="2101" actId="26606"/>
+          <ac:cxnSpMkLst>
+            <pc:docMk/>
+            <pc:sldMk cId="16774443" sldId="256"/>
+            <ac:cxnSpMk id="45" creationId="{5A0A5CF6-407C-4691-8122-49DF69D0020D}"/>
+          </ac:cxnSpMkLst>
+        </pc:cxnChg>
+        <pc:cxnChg chg="add del">
+          <ac:chgData name="Tsebaot Tsebaot" userId="17b6d73d28cd6d8c" providerId="LiveId" clId="{20276244-AE06-4E75-A73B-3F213AFDA906}" dt="2023-02-01T02:30:09.956" v="2103" actId="26606"/>
+          <ac:cxnSpMkLst>
+            <pc:docMk/>
+            <pc:sldMk cId="16774443" sldId="256"/>
+            <ac:cxnSpMk id="48" creationId="{6B5B1DD8-6224-4137-8621-32982B00F9FC}"/>
+          </ac:cxnSpMkLst>
+        </pc:cxnChg>
+        <pc:cxnChg chg="add del">
+          <ac:chgData name="Tsebaot Tsebaot" userId="17b6d73d28cd6d8c" providerId="LiveId" clId="{20276244-AE06-4E75-A73B-3F213AFDA906}" dt="2023-02-01T02:30:12.241" v="2105" actId="26606"/>
+          <ac:cxnSpMkLst>
+            <pc:docMk/>
+            <pc:sldMk cId="16774443" sldId="256"/>
+            <ac:cxnSpMk id="54" creationId="{0AC655C7-EC94-4BE6-84C8-2F9EFBBB2789}"/>
+          </ac:cxnSpMkLst>
+        </pc:cxnChg>
+        <pc:cxnChg chg="add del">
+          <ac:chgData name="Tsebaot Tsebaot" userId="17b6d73d28cd6d8c" providerId="LiveId" clId="{20276244-AE06-4E75-A73B-3F213AFDA906}" dt="2023-02-01T02:30:12.241" v="2105" actId="26606"/>
+          <ac:cxnSpMkLst>
+            <pc:docMk/>
+            <pc:sldMk cId="16774443" sldId="256"/>
+            <ac:cxnSpMk id="55" creationId="{45549E29-E797-4A00-B030-3AB01640CFDC}"/>
+          </ac:cxnSpMkLst>
+        </pc:cxnChg>
+        <pc:cxnChg chg="add del">
+          <ac:chgData name="Tsebaot Tsebaot" userId="17b6d73d28cd6d8c" providerId="LiveId" clId="{20276244-AE06-4E75-A73B-3F213AFDA906}" dt="2023-02-01T02:30:16.140" v="2107" actId="26606"/>
+          <ac:cxnSpMkLst>
+            <pc:docMk/>
+            <pc:sldMk cId="16774443" sldId="256"/>
+            <ac:cxnSpMk id="61" creationId="{0AC655C7-EC94-4BE6-84C8-2F9EFBBB2789}"/>
+          </ac:cxnSpMkLst>
+        </pc:cxnChg>
+        <pc:cxnChg chg="add del">
+          <ac:chgData name="Tsebaot Tsebaot" userId="17b6d73d28cd6d8c" providerId="LiveId" clId="{20276244-AE06-4E75-A73B-3F213AFDA906}" dt="2023-02-01T02:30:16.140" v="2107" actId="26606"/>
+          <ac:cxnSpMkLst>
+            <pc:docMk/>
+            <pc:sldMk cId="16774443" sldId="256"/>
+            <ac:cxnSpMk id="64" creationId="{5AB158E9-1B40-4CD6-95F0-95CA11DF7B7A}"/>
+          </ac:cxnSpMkLst>
+        </pc:cxnChg>
+        <pc:cxnChg chg="add del">
+          <ac:chgData name="Tsebaot Tsebaot" userId="17b6d73d28cd6d8c" providerId="LiveId" clId="{20276244-AE06-4E75-A73B-3F213AFDA906}" dt="2023-02-01T02:30:17.311" v="2109" actId="26606"/>
+          <ac:cxnSpMkLst>
+            <pc:docMk/>
+            <pc:sldMk cId="16774443" sldId="256"/>
+            <ac:cxnSpMk id="68" creationId="{0AC655C7-EC94-4BE6-84C8-2F9EFBBB2789}"/>
+          </ac:cxnSpMkLst>
+        </pc:cxnChg>
+        <pc:cxnChg chg="add del">
+          <ac:chgData name="Tsebaot Tsebaot" userId="17b6d73d28cd6d8c" providerId="LiveId" clId="{20276244-AE06-4E75-A73B-3F213AFDA906}" dt="2023-02-01T02:30:24.830" v="2111" actId="26606"/>
+          <ac:cxnSpMkLst>
+            <pc:docMk/>
+            <pc:sldMk cId="16774443" sldId="256"/>
+            <ac:cxnSpMk id="75" creationId="{0AC655C7-EC94-4BE6-84C8-2F9EFBBB2789}"/>
+          </ac:cxnSpMkLst>
+        </pc:cxnChg>
+        <pc:cxnChg chg="add del">
+          <ac:chgData name="Tsebaot Tsebaot" userId="17b6d73d28cd6d8c" providerId="LiveId" clId="{20276244-AE06-4E75-A73B-3F213AFDA906}" dt="2023-02-01T02:30:24.830" v="2111" actId="26606"/>
+          <ac:cxnSpMkLst>
+            <pc:docMk/>
+            <pc:sldMk cId="16774443" sldId="256"/>
+            <ac:cxnSpMk id="77" creationId="{5AB158E9-1B40-4CD6-95F0-95CA11DF7B7A}"/>
+          </ac:cxnSpMkLst>
+        </pc:cxnChg>
+        <pc:cxnChg chg="add del">
+          <ac:chgData name="Tsebaot Tsebaot" userId="17b6d73d28cd6d8c" providerId="LiveId" clId="{20276244-AE06-4E75-A73B-3F213AFDA906}" dt="2023-02-01T02:30:28.555" v="2113" actId="26606"/>
+          <ac:cxnSpMkLst>
+            <pc:docMk/>
+            <pc:sldMk cId="16774443" sldId="256"/>
+            <ac:cxnSpMk id="83" creationId="{6EEB3B97-A638-498B-8083-54191CE71E01}"/>
+          </ac:cxnSpMkLst>
+        </pc:cxnChg>
+        <pc:cxnChg chg="add del">
+          <ac:chgData name="Tsebaot Tsebaot" userId="17b6d73d28cd6d8c" providerId="LiveId" clId="{20276244-AE06-4E75-A73B-3F213AFDA906}" dt="2023-02-01T02:30:28.555" v="2113" actId="26606"/>
+          <ac:cxnSpMkLst>
+            <pc:docMk/>
+            <pc:sldMk cId="16774443" sldId="256"/>
+            <ac:cxnSpMk id="85" creationId="{C947DF4A-614C-4B4C-8B80-E5B9D8E8CFED}"/>
+          </ac:cxnSpMkLst>
+        </pc:cxnChg>
+        <pc:cxnChg chg="add del">
+          <ac:chgData name="Tsebaot Tsebaot" userId="17b6d73d28cd6d8c" providerId="LiveId" clId="{20276244-AE06-4E75-A73B-3F213AFDA906}" dt="2023-02-01T02:30:29.337" v="2115" actId="26606"/>
+          <ac:cxnSpMkLst>
+            <pc:docMk/>
+            <pc:sldMk cId="16774443" sldId="256"/>
+            <ac:cxnSpMk id="91" creationId="{0AC655C7-EC94-4BE6-84C8-2F9EFBBB2789}"/>
+          </ac:cxnSpMkLst>
+        </pc:cxnChg>
+        <pc:cxnChg chg="add del">
+          <ac:chgData name="Tsebaot Tsebaot" userId="17b6d73d28cd6d8c" providerId="LiveId" clId="{20276244-AE06-4E75-A73B-3F213AFDA906}" dt="2023-02-01T02:30:29.337" v="2115" actId="26606"/>
+          <ac:cxnSpMkLst>
+            <pc:docMk/>
+            <pc:sldMk cId="16774443" sldId="256"/>
+            <ac:cxnSpMk id="92" creationId="{327CAB8F-A0BA-4128-8B2F-EC1879A1677D}"/>
+          </ac:cxnSpMkLst>
+        </pc:cxnChg>
+        <pc:cxnChg chg="add del">
+          <ac:chgData name="Tsebaot Tsebaot" userId="17b6d73d28cd6d8c" providerId="LiveId" clId="{20276244-AE06-4E75-A73B-3F213AFDA906}" dt="2023-02-01T02:30:37.137" v="2117" actId="26606"/>
+          <ac:cxnSpMkLst>
+            <pc:docMk/>
+            <pc:sldMk cId="16774443" sldId="256"/>
+            <ac:cxnSpMk id="98" creationId="{0AC655C7-EC94-4BE6-84C8-2F9EFBBB2789}"/>
+          </ac:cxnSpMkLst>
+        </pc:cxnChg>
+        <pc:cxnChg chg="add del">
+          <ac:chgData name="Tsebaot Tsebaot" userId="17b6d73d28cd6d8c" providerId="LiveId" clId="{20276244-AE06-4E75-A73B-3F213AFDA906}" dt="2023-02-01T02:30:38.435" v="2119" actId="26606"/>
+          <ac:cxnSpMkLst>
+            <pc:docMk/>
+            <pc:sldMk cId="16774443" sldId="256"/>
+            <ac:cxnSpMk id="102" creationId="{0AC655C7-EC94-4BE6-84C8-2F9EFBBB2789}"/>
+          </ac:cxnSpMkLst>
+        </pc:cxnChg>
+        <pc:cxnChg chg="add del">
+          <ac:chgData name="Tsebaot Tsebaot" userId="17b6d73d28cd6d8c" providerId="LiveId" clId="{20276244-AE06-4E75-A73B-3F213AFDA906}" dt="2023-02-01T02:30:52.093" v="2121" actId="26606"/>
+          <ac:cxnSpMkLst>
+            <pc:docMk/>
+            <pc:sldMk cId="16774443" sldId="256"/>
+            <ac:cxnSpMk id="109" creationId="{0AC655C7-EC94-4BE6-84C8-2F9EFBBB2789}"/>
+          </ac:cxnSpMkLst>
+        </pc:cxnChg>
+        <pc:cxnChg chg="add del">
+          <ac:chgData name="Tsebaot Tsebaot" userId="17b6d73d28cd6d8c" providerId="LiveId" clId="{20276244-AE06-4E75-A73B-3F213AFDA906}" dt="2023-02-01T02:30:52.093" v="2121" actId="26606"/>
+          <ac:cxnSpMkLst>
+            <pc:docMk/>
+            <pc:sldMk cId="16774443" sldId="256"/>
+            <ac:cxnSpMk id="110" creationId="{E9F7CBA9-9D9B-479F-AAB5-BF785971CD85}"/>
+          </ac:cxnSpMkLst>
+        </pc:cxnChg>
+        <pc:cxnChg chg="add del">
+          <ac:chgData name="Tsebaot Tsebaot" userId="17b6d73d28cd6d8c" providerId="LiveId" clId="{20276244-AE06-4E75-A73B-3F213AFDA906}" dt="2023-02-01T02:30:58.657" v="2123" actId="26606"/>
+          <ac:cxnSpMkLst>
+            <pc:docMk/>
+            <pc:sldMk cId="16774443" sldId="256"/>
+            <ac:cxnSpMk id="116" creationId="{0AC655C7-EC94-4BE6-84C8-2F9EFBBB2789}"/>
+          </ac:cxnSpMkLst>
+        </pc:cxnChg>
+        <pc:cxnChg chg="add del">
+          <ac:chgData name="Tsebaot Tsebaot" userId="17b6d73d28cd6d8c" providerId="LiveId" clId="{20276244-AE06-4E75-A73B-3F213AFDA906}" dt="2023-02-01T02:30:58.657" v="2123" actId="26606"/>
+          <ac:cxnSpMkLst>
+            <pc:docMk/>
+            <pc:sldMk cId="16774443" sldId="256"/>
+            <ac:cxnSpMk id="118" creationId="{5A0A5CF6-407C-4691-8122-49DF69D0020D}"/>
+          </ac:cxnSpMkLst>
+        </pc:cxnChg>
+        <pc:cxnChg chg="add del">
+          <ac:chgData name="Tsebaot Tsebaot" userId="17b6d73d28cd6d8c" providerId="LiveId" clId="{20276244-AE06-4E75-A73B-3F213AFDA906}" dt="2023-02-01T02:31:01.079" v="2125" actId="26606"/>
+          <ac:cxnSpMkLst>
+            <pc:docMk/>
+            <pc:sldMk cId="16774443" sldId="256"/>
+            <ac:cxnSpMk id="122" creationId="{0AC655C7-EC94-4BE6-84C8-2F9EFBBB2789}"/>
+          </ac:cxnSpMkLst>
+        </pc:cxnChg>
+        <pc:cxnChg chg="add del">
+          <ac:chgData name="Tsebaot Tsebaot" userId="17b6d73d28cd6d8c" providerId="LiveId" clId="{20276244-AE06-4E75-A73B-3F213AFDA906}" dt="2023-02-01T02:31:06.072" v="2127" actId="26606"/>
+          <ac:cxnSpMkLst>
+            <pc:docMk/>
+            <pc:sldMk cId="16774443" sldId="256"/>
+            <ac:cxnSpMk id="129" creationId="{0AC655C7-EC94-4BE6-84C8-2F9EFBBB2789}"/>
+          </ac:cxnSpMkLst>
+        </pc:cxnChg>
+        <pc:cxnChg chg="add del">
+          <ac:chgData name="Tsebaot Tsebaot" userId="17b6d73d28cd6d8c" providerId="LiveId" clId="{20276244-AE06-4E75-A73B-3F213AFDA906}" dt="2023-02-01T02:31:06.072" v="2127" actId="26606"/>
+          <ac:cxnSpMkLst>
+            <pc:docMk/>
+            <pc:sldMk cId="16774443" sldId="256"/>
+            <ac:cxnSpMk id="131" creationId="{5A0A5CF6-407C-4691-8122-49DF69D0020D}"/>
+          </ac:cxnSpMkLst>
+        </pc:cxnChg>
+        <pc:cxnChg chg="add del">
+          <ac:chgData name="Tsebaot Tsebaot" userId="17b6d73d28cd6d8c" providerId="LiveId" clId="{20276244-AE06-4E75-A73B-3F213AFDA906}" dt="2023-02-01T02:31:08.584" v="2129" actId="26606"/>
+          <ac:cxnSpMkLst>
+            <pc:docMk/>
+            <pc:sldMk cId="16774443" sldId="256"/>
+            <ac:cxnSpMk id="135" creationId="{0AC655C7-EC94-4BE6-84C8-2F9EFBBB2789}"/>
+          </ac:cxnSpMkLst>
+        </pc:cxnChg>
+        <pc:cxnChg chg="add del">
+          <ac:chgData name="Tsebaot Tsebaot" userId="17b6d73d28cd6d8c" providerId="LiveId" clId="{20276244-AE06-4E75-A73B-3F213AFDA906}" dt="2023-02-01T02:31:11.357" v="2131" actId="26606"/>
+          <ac:cxnSpMkLst>
+            <pc:docMk/>
+            <pc:sldMk cId="16774443" sldId="256"/>
+            <ac:cxnSpMk id="142" creationId="{0AC655C7-EC94-4BE6-84C8-2F9EFBBB2789}"/>
+          </ac:cxnSpMkLst>
+        </pc:cxnChg>
+        <pc:cxnChg chg="add del">
+          <ac:chgData name="Tsebaot Tsebaot" userId="17b6d73d28cd6d8c" providerId="LiveId" clId="{20276244-AE06-4E75-A73B-3F213AFDA906}" dt="2023-02-01T02:31:25.335" v="2133" actId="26606"/>
+          <ac:cxnSpMkLst>
+            <pc:docMk/>
+            <pc:sldMk cId="16774443" sldId="256"/>
+            <ac:cxnSpMk id="149" creationId="{0AC655C7-EC94-4BE6-84C8-2F9EFBBB2789}"/>
+          </ac:cxnSpMkLst>
+        </pc:cxnChg>
+        <pc:cxnChg chg="add del">
+          <ac:chgData name="Tsebaot Tsebaot" userId="17b6d73d28cd6d8c" providerId="LiveId" clId="{20276244-AE06-4E75-A73B-3F213AFDA906}" dt="2023-02-01T02:32:01.691" v="2137" actId="26606"/>
+          <ac:cxnSpMkLst>
+            <pc:docMk/>
+            <pc:sldMk cId="16774443" sldId="256"/>
+            <ac:cxnSpMk id="174" creationId="{0AC655C7-EC94-4BE6-84C8-2F9EFBBB2789}"/>
+          </ac:cxnSpMkLst>
+        </pc:cxnChg>
+        <pc:cxnChg chg="add del">
+          <ac:chgData name="Tsebaot Tsebaot" userId="17b6d73d28cd6d8c" providerId="LiveId" clId="{20276244-AE06-4E75-A73B-3F213AFDA906}" dt="2023-02-01T02:32:08.872" v="2141" actId="26606"/>
+          <ac:cxnSpMkLst>
+            <pc:docMk/>
+            <pc:sldMk cId="16774443" sldId="256"/>
+            <ac:cxnSpMk id="187" creationId="{5C6A2BAE-B461-4B55-8E1F-0722ABDD1393}"/>
+          </ac:cxnSpMkLst>
+        </pc:cxnChg>
+        <pc:cxnChg chg="add del">
+          <ac:chgData name="Tsebaot Tsebaot" userId="17b6d73d28cd6d8c" providerId="LiveId" clId="{20276244-AE06-4E75-A73B-3F213AFDA906}" dt="2023-02-01T02:32:10.531" v="2143" actId="26606"/>
+          <ac:cxnSpMkLst>
+            <pc:docMk/>
+            <pc:sldMk cId="16774443" sldId="256"/>
+            <ac:cxnSpMk id="193" creationId="{0AC655C7-EC94-4BE6-84C8-2F9EFBBB2789}"/>
+          </ac:cxnSpMkLst>
+        </pc:cxnChg>
+        <pc:cxnChg chg="add del">
+          <ac:chgData name="Tsebaot Tsebaot" userId="17b6d73d28cd6d8c" providerId="LiveId" clId="{20276244-AE06-4E75-A73B-3F213AFDA906}" dt="2023-02-01T02:32:10.531" v="2143" actId="26606"/>
+          <ac:cxnSpMkLst>
+            <pc:docMk/>
+            <pc:sldMk cId="16774443" sldId="256"/>
+            <ac:cxnSpMk id="195" creationId="{5AB158E9-1B40-4CD6-95F0-95CA11DF7B7A}"/>
+          </ac:cxnSpMkLst>
+        </pc:cxnChg>
+        <pc:cxnChg chg="add del">
+          <ac:chgData name="Tsebaot Tsebaot" userId="17b6d73d28cd6d8c" providerId="LiveId" clId="{20276244-AE06-4E75-A73B-3F213AFDA906}" dt="2023-02-01T02:32:13.226" v="2145" actId="26606"/>
+          <ac:cxnSpMkLst>
+            <pc:docMk/>
+            <pc:sldMk cId="16774443" sldId="256"/>
+            <ac:cxnSpMk id="201" creationId="{6EEB3B97-A638-498B-8083-54191CE71E01}"/>
+          </ac:cxnSpMkLst>
+        </pc:cxnChg>
+        <pc:cxnChg chg="add del">
+          <ac:chgData name="Tsebaot Tsebaot" userId="17b6d73d28cd6d8c" providerId="LiveId" clId="{20276244-AE06-4E75-A73B-3F213AFDA906}" dt="2023-02-01T02:32:19.999" v="2147" actId="26606"/>
+          <ac:cxnSpMkLst>
+            <pc:docMk/>
+            <pc:sldMk cId="16774443" sldId="256"/>
+            <ac:cxnSpMk id="208" creationId="{0AC655C7-EC94-4BE6-84C8-2F9EFBBB2789}"/>
+          </ac:cxnSpMkLst>
+        </pc:cxnChg>
+        <pc:cxnChg chg="add del">
+          <ac:chgData name="Tsebaot Tsebaot" userId="17b6d73d28cd6d8c" providerId="LiveId" clId="{20276244-AE06-4E75-A73B-3F213AFDA906}" dt="2023-02-01T02:32:27.884" v="2149" actId="26606"/>
+          <ac:cxnSpMkLst>
+            <pc:docMk/>
+            <pc:sldMk cId="16774443" sldId="256"/>
+            <ac:cxnSpMk id="214" creationId="{0AC655C7-EC94-4BE6-84C8-2F9EFBBB2789}"/>
+          </ac:cxnSpMkLst>
+        </pc:cxnChg>
+        <pc:cxnChg chg="add del">
+          <ac:chgData name="Tsebaot Tsebaot" userId="17b6d73d28cd6d8c" providerId="LiveId" clId="{20276244-AE06-4E75-A73B-3F213AFDA906}" dt="2023-02-01T02:32:36.830" v="2151" actId="26606"/>
+          <ac:cxnSpMkLst>
+            <pc:docMk/>
+            <pc:sldMk cId="16774443" sldId="256"/>
+            <ac:cxnSpMk id="221" creationId="{0AC655C7-EC94-4BE6-84C8-2F9EFBBB2789}"/>
+          </ac:cxnSpMkLst>
+        </pc:cxnChg>
+        <pc:cxnChg chg="add del">
+          <ac:chgData name="Tsebaot Tsebaot" userId="17b6d73d28cd6d8c" providerId="LiveId" clId="{20276244-AE06-4E75-A73B-3F213AFDA906}" dt="2023-02-01T02:32:42.227" v="2153" actId="26606"/>
+          <ac:cxnSpMkLst>
+            <pc:docMk/>
+            <pc:sldMk cId="16774443" sldId="256"/>
+            <ac:cxnSpMk id="228" creationId="{0AC655C7-EC94-4BE6-84C8-2F9EFBBB2789}"/>
+          </ac:cxnSpMkLst>
+        </pc:cxnChg>
+        <pc:cxnChg chg="add del">
+          <ac:chgData name="Tsebaot Tsebaot" userId="17b6d73d28cd6d8c" providerId="LiveId" clId="{20276244-AE06-4E75-A73B-3F213AFDA906}" dt="2023-02-01T02:32:52.998" v="2155" actId="26606"/>
+          <ac:cxnSpMkLst>
+            <pc:docMk/>
+            <pc:sldMk cId="16774443" sldId="256"/>
+            <ac:cxnSpMk id="235" creationId="{0AC655C7-EC94-4BE6-84C8-2F9EFBBB2789}"/>
+          </ac:cxnSpMkLst>
+        </pc:cxnChg>
+        <pc:cxnChg chg="add del">
+          <ac:chgData name="Tsebaot Tsebaot" userId="17b6d73d28cd6d8c" providerId="LiveId" clId="{20276244-AE06-4E75-A73B-3F213AFDA906}" dt="2023-02-01T02:32:55.675" v="2157" actId="26606"/>
+          <ac:cxnSpMkLst>
+            <pc:docMk/>
+            <pc:sldMk cId="16774443" sldId="256"/>
+            <ac:cxnSpMk id="240" creationId="{E6E50488-8E5E-4E36-9763-092234CAED4A}"/>
+          </ac:cxnSpMkLst>
+        </pc:cxnChg>
+        <pc:cxnChg chg="add del">
+          <ac:chgData name="Tsebaot Tsebaot" userId="17b6d73d28cd6d8c" providerId="LiveId" clId="{20276244-AE06-4E75-A73B-3F213AFDA906}" dt="2023-02-01T02:33:05.080" v="2159" actId="26606"/>
+          <ac:cxnSpMkLst>
+            <pc:docMk/>
+            <pc:sldMk cId="16774443" sldId="256"/>
+            <ac:cxnSpMk id="246" creationId="{0AC655C7-EC94-4BE6-84C8-2F9EFBBB2789}"/>
+          </ac:cxnSpMkLst>
+        </pc:cxnChg>
+        <pc:cxnChg chg="add del">
+          <ac:chgData name="Tsebaot Tsebaot" userId="17b6d73d28cd6d8c" providerId="LiveId" clId="{20276244-AE06-4E75-A73B-3F213AFDA906}" dt="2023-02-01T02:38:00.339" v="2207" actId="26606"/>
+          <ac:cxnSpMkLst>
+            <pc:docMk/>
+            <pc:sldMk cId="16774443" sldId="256"/>
+            <ac:cxnSpMk id="260" creationId="{0AC655C7-EC94-4BE6-84C8-2F9EFBBB2789}"/>
+          </ac:cxnSpMkLst>
+        </pc:cxnChg>
+        <pc:cxnChg chg="add del">
+          <ac:chgData name="Tsebaot Tsebaot" userId="17b6d73d28cd6d8c" providerId="LiveId" clId="{20276244-AE06-4E75-A73B-3F213AFDA906}" dt="2023-02-01T02:37:32.152" v="2198" actId="26606"/>
+          <ac:cxnSpMkLst>
+            <pc:docMk/>
+            <pc:sldMk cId="16774443" sldId="256"/>
+            <ac:cxnSpMk id="272" creationId="{511BC4C5-EB16-4C0B-83E6-96A39848CF19}"/>
+          </ac:cxnSpMkLst>
+        </pc:cxnChg>
+        <pc:cxnChg chg="add del">
+          <ac:chgData name="Tsebaot Tsebaot" userId="17b6d73d28cd6d8c" providerId="LiveId" clId="{20276244-AE06-4E75-A73B-3F213AFDA906}" dt="2023-02-01T02:37:32.152" v="2198" actId="26606"/>
+          <ac:cxnSpMkLst>
+            <pc:docMk/>
+            <pc:sldMk cId="16774443" sldId="256"/>
+            <ac:cxnSpMk id="276" creationId="{C2D93264-3FF9-4175-A7FA-F927F0F77AA0}"/>
+          </ac:cxnSpMkLst>
+        </pc:cxnChg>
+        <pc:cxnChg chg="add del">
+          <ac:chgData name="Tsebaot Tsebaot" userId="17b6d73d28cd6d8c" providerId="LiveId" clId="{20276244-AE06-4E75-A73B-3F213AFDA906}" dt="2023-02-01T02:37:37.205" v="2200" actId="26606"/>
+          <ac:cxnSpMkLst>
+            <pc:docMk/>
+            <pc:sldMk cId="16774443" sldId="256"/>
+            <ac:cxnSpMk id="284" creationId="{511BC4C5-EB16-4C0B-83E6-96A39848CF19}"/>
+          </ac:cxnSpMkLst>
+        </pc:cxnChg>
+        <pc:cxnChg chg="add del">
+          <ac:chgData name="Tsebaot Tsebaot" userId="17b6d73d28cd6d8c" providerId="LiveId" clId="{20276244-AE06-4E75-A73B-3F213AFDA906}" dt="2023-02-01T02:37:45.509" v="2202" actId="26606"/>
+          <ac:cxnSpMkLst>
+            <pc:docMk/>
+            <pc:sldMk cId="16774443" sldId="256"/>
+            <ac:cxnSpMk id="291" creationId="{511BC4C5-EB16-4C0B-83E6-96A39848CF19}"/>
+          </ac:cxnSpMkLst>
+        </pc:cxnChg>
+        <pc:cxnChg chg="add del">
+          <ac:chgData name="Tsebaot Tsebaot" userId="17b6d73d28cd6d8c" providerId="LiveId" clId="{20276244-AE06-4E75-A73B-3F213AFDA906}" dt="2023-02-01T02:38:00.296" v="2206" actId="26606"/>
+          <ac:cxnSpMkLst>
+            <pc:docMk/>
+            <pc:sldMk cId="16774443" sldId="256"/>
+            <ac:cxnSpMk id="303" creationId="{C1748524-9487-4168-B383-1E83003D00CA}"/>
+          </ac:cxnSpMkLst>
+        </pc:cxnChg>
+        <pc:cxnChg chg="add del">
+          <ac:chgData name="Tsebaot Tsebaot" userId="17b6d73d28cd6d8c" providerId="LiveId" clId="{20276244-AE06-4E75-A73B-3F213AFDA906}" dt="2023-02-01T02:38:39.421" v="2215" actId="26606"/>
+          <ac:cxnSpMkLst>
+            <pc:docMk/>
+            <pc:sldMk cId="16774443" sldId="256"/>
+            <ac:cxnSpMk id="310" creationId="{66BD0639-FE51-461E-B0F5-F00FECDE6BEF}"/>
+          </ac:cxnSpMkLst>
+        </pc:cxnChg>
+        <pc:cxnChg chg="add">
+          <ac:chgData name="Tsebaot Tsebaot" userId="17b6d73d28cd6d8c" providerId="LiveId" clId="{20276244-AE06-4E75-A73B-3F213AFDA906}" dt="2023-02-01T02:38:39.421" v="2215" actId="26606"/>
+          <ac:cxnSpMkLst>
+            <pc:docMk/>
+            <pc:sldMk cId="16774443" sldId="256"/>
+            <ac:cxnSpMk id="314" creationId="{0AC655C7-EC94-4BE6-84C8-2F9EFBBB2789}"/>
+          </ac:cxnSpMkLst>
+        </pc:cxnChg>
+        <pc:cxnChg chg="add del">
+          <ac:chgData name="Tsebaot Tsebaot" userId="17b6d73d28cd6d8c" providerId="LiveId" clId="{20276244-AE06-4E75-A73B-3F213AFDA906}" dt="2023-02-01T02:38:29.932" v="2212" actId="26606"/>
+          <ac:cxnSpMkLst>
+            <pc:docMk/>
+            <pc:sldMk cId="16774443" sldId="256"/>
+            <ac:cxnSpMk id="319" creationId="{0AC655C7-EC94-4BE6-84C8-2F9EFBBB2789}"/>
+          </ac:cxnSpMkLst>
+        </pc:cxnChg>
+        <pc:cxnChg chg="add del">
+          <ac:chgData name="Tsebaot Tsebaot" userId="17b6d73d28cd6d8c" providerId="LiveId" clId="{20276244-AE06-4E75-A73B-3F213AFDA906}" dt="2023-02-01T02:38:33.585" v="2214" actId="26606"/>
+          <ac:cxnSpMkLst>
+            <pc:docMk/>
+            <pc:sldMk cId="16774443" sldId="256"/>
+            <ac:cxnSpMk id="328" creationId="{0AC655C7-EC94-4BE6-84C8-2F9EFBBB2789}"/>
+          </ac:cxnSpMkLst>
+        </pc:cxnChg>
       </pc:sldChg>
       <pc:sldChg chg="del">
         <pc:chgData name="Tsebaot Tsebaot" userId="17b6d73d28cd6d8c" providerId="LiveId" clId="{20276244-AE06-4E75-A73B-3F213AFDA906}" dt="2023-01-31T00:38:00.999" v="33" actId="2696"/>
@@ -165,13 +2113,13 @@
         </pc:sldMkLst>
       </pc:sldChg>
       <pc:sldChg chg="addSp delSp modSp mod setBg">
-        <pc:chgData name="Tsebaot Tsebaot" userId="17b6d73d28cd6d8c" providerId="LiveId" clId="{20276244-AE06-4E75-A73B-3F213AFDA906}" dt="2023-01-31T01:41:58.526" v="966" actId="1076"/>
+        <pc:chgData name="Tsebaot Tsebaot" userId="17b6d73d28cd6d8c" providerId="LiveId" clId="{20276244-AE06-4E75-A73B-3F213AFDA906}" dt="2023-02-01T02:36:48.178" v="2195" actId="1076"/>
         <pc:sldMkLst>
           <pc:docMk/>
           <pc:sldMk cId="863039090" sldId="258"/>
         </pc:sldMkLst>
         <pc:spChg chg="mod">
-          <ac:chgData name="Tsebaot Tsebaot" userId="17b6d73d28cd6d8c" providerId="LiveId" clId="{20276244-AE06-4E75-A73B-3F213AFDA906}" dt="2023-01-31T01:41:58.526" v="966" actId="1076"/>
+          <ac:chgData name="Tsebaot Tsebaot" userId="17b6d73d28cd6d8c" providerId="LiveId" clId="{20276244-AE06-4E75-A73B-3F213AFDA906}" dt="2023-02-01T02:36:43.316" v="2194" actId="1076"/>
           <ac:spMkLst>
             <pc:docMk/>
             <pc:sldMk cId="863039090" sldId="258"/>
@@ -266,8 +2214,8 @@
             <ac:spMk id="28" creationId="{10162E77-11AD-44A7-84EC-40C59EEFBD2E}"/>
           </ac:spMkLst>
         </pc:spChg>
-        <pc:spChg chg="add">
-          <ac:chgData name="Tsebaot Tsebaot" userId="17b6d73d28cd6d8c" providerId="LiveId" clId="{20276244-AE06-4E75-A73B-3F213AFDA906}" dt="2023-01-31T01:41:41.391" v="961" actId="26606"/>
+        <pc:spChg chg="add mod">
+          <ac:chgData name="Tsebaot Tsebaot" userId="17b6d73d28cd6d8c" providerId="LiveId" clId="{20276244-AE06-4E75-A73B-3F213AFDA906}" dt="2023-02-01T02:36:48.178" v="2195" actId="1076"/>
           <ac:spMkLst>
             <pc:docMk/>
             <pc:sldMk cId="863039090" sldId="258"/>
@@ -332,7 +2280,7 @@
         </pc:cxnChg>
       </pc:sldChg>
       <pc:sldChg chg="addSp delSp modSp mod setBg setClrOvrMap">
-        <pc:chgData name="Tsebaot Tsebaot" userId="17b6d73d28cd6d8c" providerId="LiveId" clId="{20276244-AE06-4E75-A73B-3F213AFDA906}" dt="2023-01-31T01:53:05.337" v="1083" actId="1076"/>
+        <pc:chgData name="Tsebaot Tsebaot" userId="17b6d73d28cd6d8c" providerId="LiveId" clId="{20276244-AE06-4E75-A73B-3F213AFDA906}" dt="2023-02-01T02:22:10.131" v="2045" actId="6549"/>
         <pc:sldMkLst>
           <pc:docMk/>
           <pc:sldMk cId="3583443801" sldId="259"/>
@@ -354,7 +2302,7 @@
           </ac:spMkLst>
         </pc:spChg>
         <pc:spChg chg="add del">
-          <ac:chgData name="Tsebaot Tsebaot" userId="17b6d73d28cd6d8c" providerId="LiveId" clId="{20276244-AE06-4E75-A73B-3F213AFDA906}" dt="2023-01-31T01:49:12.227" v="1001" actId="26606"/>
+          <ac:chgData name="Tsebaot Tsebaot" userId="17b6d73d28cd6d8c" providerId="LiveId" clId="{20276244-AE06-4E75-A73B-3F213AFDA906}" dt="2023-02-01T02:20:43.568" v="2030" actId="26606"/>
           <ac:spMkLst>
             <pc:docMk/>
             <pc:sldMk cId="3583443801" sldId="259"/>
@@ -370,7 +2318,7 @@
           </ac:spMkLst>
         </pc:spChg>
         <pc:spChg chg="add mod ord">
-          <ac:chgData name="Tsebaot Tsebaot" userId="17b6d73d28cd6d8c" providerId="LiveId" clId="{20276244-AE06-4E75-A73B-3F213AFDA906}" dt="2023-01-31T01:52:50.274" v="1074" actId="14100"/>
+          <ac:chgData name="Tsebaot Tsebaot" userId="17b6d73d28cd6d8c" providerId="LiveId" clId="{20276244-AE06-4E75-A73B-3F213AFDA906}" dt="2023-02-01T02:22:10.131" v="2045" actId="6549"/>
           <ac:spMkLst>
             <pc:docMk/>
             <pc:sldMk cId="3583443801" sldId="259"/>
@@ -386,7 +2334,7 @@
           </ac:spMkLst>
         </pc:spChg>
         <pc:spChg chg="add del">
-          <ac:chgData name="Tsebaot Tsebaot" userId="17b6d73d28cd6d8c" providerId="LiveId" clId="{20276244-AE06-4E75-A73B-3F213AFDA906}" dt="2023-01-31T01:49:12.227" v="1001" actId="26606"/>
+          <ac:chgData name="Tsebaot Tsebaot" userId="17b6d73d28cd6d8c" providerId="LiveId" clId="{20276244-AE06-4E75-A73B-3F213AFDA906}" dt="2023-02-01T02:20:43.568" v="2030" actId="26606"/>
           <ac:spMkLst>
             <pc:docMk/>
             <pc:sldMk cId="3583443801" sldId="259"/>
@@ -537,12 +2485,28 @@
             <ac:spMk id="34" creationId="{53B8D6B0-55D6-48DC-86D8-FD95D5F118AB}"/>
           </ac:spMkLst>
         </pc:spChg>
+        <pc:spChg chg="add">
+          <ac:chgData name="Tsebaot Tsebaot" userId="17b6d73d28cd6d8c" providerId="LiveId" clId="{20276244-AE06-4E75-A73B-3F213AFDA906}" dt="2023-02-01T02:20:43.568" v="2030" actId="26606"/>
+          <ac:spMkLst>
+            <pc:docMk/>
+            <pc:sldMk cId="3583443801" sldId="259"/>
+            <ac:spMk id="38" creationId="{E32D3FD4-6F71-43DF-93B9-87279519C618}"/>
+          </ac:spMkLst>
+        </pc:spChg>
         <pc:spChg chg="add del">
           <ac:chgData name="Tsebaot Tsebaot" userId="17b6d73d28cd6d8c" providerId="LiveId" clId="{20276244-AE06-4E75-A73B-3F213AFDA906}" dt="2023-01-31T01:49:03.388" v="997" actId="26606"/>
           <ac:spMkLst>
             <pc:docMk/>
             <pc:sldMk cId="3583443801" sldId="259"/>
             <ac:spMk id="39" creationId="{990D0034-F768-41E7-85D4-F38C4DE85770}"/>
+          </ac:spMkLst>
+        </pc:spChg>
+        <pc:spChg chg="add">
+          <ac:chgData name="Tsebaot Tsebaot" userId="17b6d73d28cd6d8c" providerId="LiveId" clId="{20276244-AE06-4E75-A73B-3F213AFDA906}" dt="2023-02-01T02:20:43.568" v="2030" actId="26606"/>
+          <ac:spMkLst>
+            <pc:docMk/>
+            <pc:sldMk cId="3583443801" sldId="259"/>
+            <ac:spMk id="40" creationId="{36F207B4-66C3-4A76-8D54-C2871CF80983}"/>
           </ac:spMkLst>
         </pc:spChg>
         <pc:spChg chg="add del">
@@ -586,7 +2550,7 @@
           </ac:picMkLst>
         </pc:picChg>
         <pc:picChg chg="add mod">
-          <ac:chgData name="Tsebaot Tsebaot" userId="17b6d73d28cd6d8c" providerId="LiveId" clId="{20276244-AE06-4E75-A73B-3F213AFDA906}" dt="2023-01-31T01:53:05.337" v="1083" actId="1076"/>
+          <ac:chgData name="Tsebaot Tsebaot" userId="17b6d73d28cd6d8c" providerId="LiveId" clId="{20276244-AE06-4E75-A73B-3F213AFDA906}" dt="2023-02-01T02:20:43.568" v="2030" actId="26606"/>
           <ac:picMkLst>
             <pc:docMk/>
             <pc:sldMk cId="3583443801" sldId="259"/>
@@ -594,7 +2558,7 @@
           </ac:picMkLst>
         </pc:picChg>
         <pc:cxnChg chg="add del">
-          <ac:chgData name="Tsebaot Tsebaot" userId="17b6d73d28cd6d8c" providerId="LiveId" clId="{20276244-AE06-4E75-A73B-3F213AFDA906}" dt="2023-01-31T01:49:12.227" v="1001" actId="26606"/>
+          <ac:chgData name="Tsebaot Tsebaot" userId="17b6d73d28cd6d8c" providerId="LiveId" clId="{20276244-AE06-4E75-A73B-3F213AFDA906}" dt="2023-02-01T02:20:43.568" v="2030" actId="26606"/>
           <ac:cxnSpMkLst>
             <pc:docMk/>
             <pc:sldMk cId="3583443801" sldId="259"/>
@@ -642,14 +2606,14 @@
           </ac:cxnSpMkLst>
         </pc:cxnChg>
       </pc:sldChg>
-      <pc:sldChg chg="addSp modSp mod ord">
-        <pc:chgData name="Tsebaot Tsebaot" userId="17b6d73d28cd6d8c" providerId="LiveId" clId="{20276244-AE06-4E75-A73B-3F213AFDA906}" dt="2023-01-31T02:04:29.605" v="1169"/>
+      <pc:sldChg chg="addSp modSp mod ord setBg">
+        <pc:chgData name="Tsebaot Tsebaot" userId="17b6d73d28cd6d8c" providerId="LiveId" clId="{20276244-AE06-4E75-A73B-3F213AFDA906}" dt="2023-02-01T02:15:04.920" v="1994" actId="26606"/>
         <pc:sldMkLst>
           <pc:docMk/>
           <pc:sldMk cId="4119234125" sldId="260"/>
         </pc:sldMkLst>
         <pc:spChg chg="mod">
-          <ac:chgData name="Tsebaot Tsebaot" userId="17b6d73d28cd6d8c" providerId="LiveId" clId="{20276244-AE06-4E75-A73B-3F213AFDA906}" dt="2023-01-31T01:54:01.758" v="1084"/>
+          <ac:chgData name="Tsebaot Tsebaot" userId="17b6d73d28cd6d8c" providerId="LiveId" clId="{20276244-AE06-4E75-A73B-3F213AFDA906}" dt="2023-02-01T02:15:04.920" v="1994" actId="26606"/>
           <ac:spMkLst>
             <pc:docMk/>
             <pc:sldMk cId="4119234125" sldId="260"/>
@@ -657,15 +2621,39 @@
           </ac:spMkLst>
         </pc:spChg>
         <pc:spChg chg="mod">
-          <ac:chgData name="Tsebaot Tsebaot" userId="17b6d73d28cd6d8c" providerId="LiveId" clId="{20276244-AE06-4E75-A73B-3F213AFDA906}" dt="2023-01-31T01:58:01.631" v="1095" actId="6549"/>
+          <ac:chgData name="Tsebaot Tsebaot" userId="17b6d73d28cd6d8c" providerId="LiveId" clId="{20276244-AE06-4E75-A73B-3F213AFDA906}" dt="2023-02-01T02:15:04.920" v="1994" actId="26606"/>
           <ac:spMkLst>
             <pc:docMk/>
             <pc:sldMk cId="4119234125" sldId="260"/>
             <ac:spMk id="3" creationId="{7F4F417F-368D-407B-E3B2-1990807EE6E6}"/>
           </ac:spMkLst>
         </pc:spChg>
+        <pc:spChg chg="add">
+          <ac:chgData name="Tsebaot Tsebaot" userId="17b6d73d28cd6d8c" providerId="LiveId" clId="{20276244-AE06-4E75-A73B-3F213AFDA906}" dt="2023-02-01T02:15:04.920" v="1994" actId="26606"/>
+          <ac:spMkLst>
+            <pc:docMk/>
+            <pc:sldMk cId="4119234125" sldId="260"/>
+            <ac:spMk id="9" creationId="{44CC594A-A820-450F-B363-C19201FCFEC6}"/>
+          </ac:spMkLst>
+        </pc:spChg>
+        <pc:spChg chg="add">
+          <ac:chgData name="Tsebaot Tsebaot" userId="17b6d73d28cd6d8c" providerId="LiveId" clId="{20276244-AE06-4E75-A73B-3F213AFDA906}" dt="2023-02-01T02:15:04.920" v="1994" actId="26606"/>
+          <ac:spMkLst>
+            <pc:docMk/>
+            <pc:sldMk cId="4119234125" sldId="260"/>
+            <ac:spMk id="11" creationId="{59FAB3DA-E9ED-4574-ABCC-378BC0FF1BBC}"/>
+          </ac:spMkLst>
+        </pc:spChg>
+        <pc:spChg chg="add">
+          <ac:chgData name="Tsebaot Tsebaot" userId="17b6d73d28cd6d8c" providerId="LiveId" clId="{20276244-AE06-4E75-A73B-3F213AFDA906}" dt="2023-02-01T02:15:04.920" v="1994" actId="26606"/>
+          <ac:spMkLst>
+            <pc:docMk/>
+            <pc:sldMk cId="4119234125" sldId="260"/>
+            <ac:spMk id="13" creationId="{53B8D6B0-55D6-48DC-86D8-FD95D5F118AB}"/>
+          </ac:spMkLst>
+        </pc:spChg>
         <pc:picChg chg="add mod">
-          <ac:chgData name="Tsebaot Tsebaot" userId="17b6d73d28cd6d8c" providerId="LiveId" clId="{20276244-AE06-4E75-A73B-3F213AFDA906}" dt="2023-01-31T01:58:16.834" v="1106" actId="1076"/>
+          <ac:chgData name="Tsebaot Tsebaot" userId="17b6d73d28cd6d8c" providerId="LiveId" clId="{20276244-AE06-4E75-A73B-3F213AFDA906}" dt="2023-02-01T02:15:04.920" v="1994" actId="26606"/>
           <ac:picMkLst>
             <pc:docMk/>
             <pc:sldMk cId="4119234125" sldId="260"/>
@@ -673,37 +2661,341 @@
           </ac:picMkLst>
         </pc:picChg>
       </pc:sldChg>
-      <pc:sldChg chg="modSp mod">
-        <pc:chgData name="Tsebaot Tsebaot" userId="17b6d73d28cd6d8c" providerId="LiveId" clId="{20276244-AE06-4E75-A73B-3F213AFDA906}" dt="2023-01-31T02:06:39.165" v="1205" actId="20577"/>
+      <pc:sldChg chg="addSp delSp modSp mod setBg setClrOvrMap">
+        <pc:chgData name="Tsebaot Tsebaot" userId="17b6d73d28cd6d8c" providerId="LiveId" clId="{20276244-AE06-4E75-A73B-3F213AFDA906}" dt="2023-02-01T02:25:14.523" v="2081" actId="6549"/>
         <pc:sldMkLst>
           <pc:docMk/>
           <pc:sldMk cId="961448098" sldId="261"/>
         </pc:sldMkLst>
         <pc:spChg chg="mod">
-          <ac:chgData name="Tsebaot Tsebaot" userId="17b6d73d28cd6d8c" providerId="LiveId" clId="{20276244-AE06-4E75-A73B-3F213AFDA906}" dt="2023-01-31T01:25:27.342" v="820"/>
+          <ac:chgData name="Tsebaot Tsebaot" userId="17b6d73d28cd6d8c" providerId="LiveId" clId="{20276244-AE06-4E75-A73B-3F213AFDA906}" dt="2023-02-01T02:09:57.975" v="1938" actId="26606"/>
           <ac:spMkLst>
             <pc:docMk/>
             <pc:sldMk cId="961448098" sldId="261"/>
             <ac:spMk id="2" creationId="{0784CA52-46CD-B72E-D6C3-404437CF01EE}"/>
           </ac:spMkLst>
         </pc:spChg>
-        <pc:spChg chg="mod">
-          <ac:chgData name="Tsebaot Tsebaot" userId="17b6d73d28cd6d8c" providerId="LiveId" clId="{20276244-AE06-4E75-A73B-3F213AFDA906}" dt="2023-01-31T02:06:39.165" v="1205" actId="20577"/>
+        <pc:spChg chg="add del mod ord">
+          <ac:chgData name="Tsebaot Tsebaot" userId="17b6d73d28cd6d8c" providerId="LiveId" clId="{20276244-AE06-4E75-A73B-3F213AFDA906}" dt="2023-02-01T02:25:14.523" v="2081" actId="6549"/>
           <ac:spMkLst>
             <pc:docMk/>
             <pc:sldMk cId="961448098" sldId="261"/>
             <ac:spMk id="3" creationId="{7F4F417F-368D-407B-E3B2-1990807EE6E6}"/>
           </ac:spMkLst>
         </pc:spChg>
+        <pc:spChg chg="add mod">
+          <ac:chgData name="Tsebaot Tsebaot" userId="17b6d73d28cd6d8c" providerId="LiveId" clId="{20276244-AE06-4E75-A73B-3F213AFDA906}" dt="2023-02-01T02:10:18.148" v="1940" actId="1076"/>
+          <ac:spMkLst>
+            <pc:docMk/>
+            <pc:sldMk cId="961448098" sldId="261"/>
+            <ac:spMk id="5" creationId="{AE5018D1-2787-5A06-A3B7-69ED3ADED5D8}"/>
+          </ac:spMkLst>
+        </pc:spChg>
+        <pc:spChg chg="add del">
+          <ac:chgData name="Tsebaot Tsebaot" userId="17b6d73d28cd6d8c" providerId="LiveId" clId="{20276244-AE06-4E75-A73B-3F213AFDA906}" dt="2023-02-01T02:06:35.234" v="1902" actId="26606"/>
+          <ac:spMkLst>
+            <pc:docMk/>
+            <pc:sldMk cId="961448098" sldId="261"/>
+            <ac:spMk id="9" creationId="{52ABB703-2B0E-4C3B-B4A2-F3973548E561}"/>
+          </ac:spMkLst>
+        </pc:spChg>
+        <pc:spChg chg="add del">
+          <ac:chgData name="Tsebaot Tsebaot" userId="17b6d73d28cd6d8c" providerId="LiveId" clId="{20276244-AE06-4E75-A73B-3F213AFDA906}" dt="2023-02-01T02:06:35.234" v="1902" actId="26606"/>
+          <ac:spMkLst>
+            <pc:docMk/>
+            <pc:sldMk cId="961448098" sldId="261"/>
+            <ac:spMk id="13" creationId="{E95DA498-D9A2-4DA9-B9DA-B3776E08CF7E}"/>
+          </ac:spMkLst>
+        </pc:spChg>
+        <pc:spChg chg="add del">
+          <ac:chgData name="Tsebaot Tsebaot" userId="17b6d73d28cd6d8c" providerId="LiveId" clId="{20276244-AE06-4E75-A73B-3F213AFDA906}" dt="2023-02-01T02:06:35.234" v="1902" actId="26606"/>
+          <ac:spMkLst>
+            <pc:docMk/>
+            <pc:sldMk cId="961448098" sldId="261"/>
+            <ac:spMk id="15" creationId="{82A73093-4B9D-420D-B17E-52293703A1D4}"/>
+          </ac:spMkLst>
+        </pc:spChg>
+        <pc:spChg chg="add del">
+          <ac:chgData name="Tsebaot Tsebaot" userId="17b6d73d28cd6d8c" providerId="LiveId" clId="{20276244-AE06-4E75-A73B-3F213AFDA906}" dt="2023-02-01T02:09:57.975" v="1938" actId="26606"/>
+          <ac:spMkLst>
+            <pc:docMk/>
+            <pc:sldMk cId="961448098" sldId="261"/>
+            <ac:spMk id="17" creationId="{44CC594A-A820-450F-B363-C19201FCFEC6}"/>
+          </ac:spMkLst>
+        </pc:spChg>
+        <pc:spChg chg="add del">
+          <ac:chgData name="Tsebaot Tsebaot" userId="17b6d73d28cd6d8c" providerId="LiveId" clId="{20276244-AE06-4E75-A73B-3F213AFDA906}" dt="2023-02-01T02:09:57.975" v="1938" actId="26606"/>
+          <ac:spMkLst>
+            <pc:docMk/>
+            <pc:sldMk cId="961448098" sldId="261"/>
+            <ac:spMk id="18" creationId="{59FAB3DA-E9ED-4574-ABCC-378BC0FF1BBC}"/>
+          </ac:spMkLst>
+        </pc:spChg>
+        <pc:spChg chg="add del">
+          <ac:chgData name="Tsebaot Tsebaot" userId="17b6d73d28cd6d8c" providerId="LiveId" clId="{20276244-AE06-4E75-A73B-3F213AFDA906}" dt="2023-02-01T02:09:57.975" v="1938" actId="26606"/>
+          <ac:spMkLst>
+            <pc:docMk/>
+            <pc:sldMk cId="961448098" sldId="261"/>
+            <ac:spMk id="19" creationId="{53B8D6B0-55D6-48DC-86D8-FD95D5F118AB}"/>
+          </ac:spMkLst>
+        </pc:spChg>
+        <pc:spChg chg="add del">
+          <ac:chgData name="Tsebaot Tsebaot" userId="17b6d73d28cd6d8c" providerId="LiveId" clId="{20276244-AE06-4E75-A73B-3F213AFDA906}" dt="2023-02-01T02:09:57.975" v="1938" actId="26606"/>
+          <ac:spMkLst>
+            <pc:docMk/>
+            <pc:sldMk cId="961448098" sldId="261"/>
+            <ac:spMk id="22" creationId="{C609E9FA-BDDE-45C4-8F5E-974D4208D2EA}"/>
+          </ac:spMkLst>
+        </pc:spChg>
+        <pc:spChg chg="add del">
+          <ac:chgData name="Tsebaot Tsebaot" userId="17b6d73d28cd6d8c" providerId="LiveId" clId="{20276244-AE06-4E75-A73B-3F213AFDA906}" dt="2023-02-01T02:09:57.975" v="1938" actId="26606"/>
+          <ac:spMkLst>
+            <pc:docMk/>
+            <pc:sldMk cId="961448098" sldId="261"/>
+            <ac:spMk id="23" creationId="{7737E529-E43B-4948-B3C4-7F6B806FCCFD}"/>
+          </ac:spMkLst>
+        </pc:spChg>
+        <pc:spChg chg="add del">
+          <ac:chgData name="Tsebaot Tsebaot" userId="17b6d73d28cd6d8c" providerId="LiveId" clId="{20276244-AE06-4E75-A73B-3F213AFDA906}" dt="2023-02-01T02:07:41.735" v="1918" actId="26606"/>
+          <ac:spMkLst>
+            <pc:docMk/>
+            <pc:sldMk cId="961448098" sldId="261"/>
+            <ac:spMk id="24" creationId="{990D0034-F768-41E7-85D4-F38C4DE85770}"/>
+          </ac:spMkLst>
+        </pc:spChg>
+        <pc:spChg chg="add del">
+          <ac:chgData name="Tsebaot Tsebaot" userId="17b6d73d28cd6d8c" providerId="LiveId" clId="{20276244-AE06-4E75-A73B-3F213AFDA906}" dt="2023-02-01T02:07:41.735" v="1918" actId="26606"/>
+          <ac:spMkLst>
+            <pc:docMk/>
+            <pc:sldMk cId="961448098" sldId="261"/>
+            <ac:spMk id="26" creationId="{C4F7E42D-8B5A-4FC8-81CD-9E60171F7FA8}"/>
+          </ac:spMkLst>
+        </pc:spChg>
+        <pc:spChg chg="add del">
+          <ac:chgData name="Tsebaot Tsebaot" userId="17b6d73d28cd6d8c" providerId="LiveId" clId="{20276244-AE06-4E75-A73B-3F213AFDA906}" dt="2023-02-01T02:07:41.735" v="1918" actId="26606"/>
+          <ac:spMkLst>
+            <pc:docMk/>
+            <pc:sldMk cId="961448098" sldId="261"/>
+            <ac:spMk id="28" creationId="{8C04651D-B9F4-4935-A02D-364153FBDF54}"/>
+          </ac:spMkLst>
+        </pc:spChg>
+        <pc:spChg chg="add del">
+          <ac:chgData name="Tsebaot Tsebaot" userId="17b6d73d28cd6d8c" providerId="LiveId" clId="{20276244-AE06-4E75-A73B-3F213AFDA906}" dt="2023-02-01T02:08:49.776" v="1923" actId="26606"/>
+          <ac:spMkLst>
+            <pc:docMk/>
+            <pc:sldMk cId="961448098" sldId="261"/>
+            <ac:spMk id="30" creationId="{C672EAF5-5470-4BA7-B932-B6C0D09E7F97}"/>
+          </ac:spMkLst>
+        </pc:spChg>
+        <pc:spChg chg="add del">
+          <ac:chgData name="Tsebaot Tsebaot" userId="17b6d73d28cd6d8c" providerId="LiveId" clId="{20276244-AE06-4E75-A73B-3F213AFDA906}" dt="2023-02-01T02:08:49.776" v="1923" actId="26606"/>
+          <ac:spMkLst>
+            <pc:docMk/>
+            <pc:sldMk cId="961448098" sldId="261"/>
+            <ac:spMk id="32" creationId="{94620B5C-0452-4C14-93BC-D29D4DD2039E}"/>
+          </ac:spMkLst>
+        </pc:spChg>
+        <pc:spChg chg="add del">
+          <ac:chgData name="Tsebaot Tsebaot" userId="17b6d73d28cd6d8c" providerId="LiveId" clId="{20276244-AE06-4E75-A73B-3F213AFDA906}" dt="2023-02-01T02:08:53.881" v="1925" actId="26606"/>
+          <ac:spMkLst>
+            <pc:docMk/>
+            <pc:sldMk cId="961448098" sldId="261"/>
+            <ac:spMk id="36" creationId="{C609E9FA-BDDE-45C4-8F5E-974D4208D2EA}"/>
+          </ac:spMkLst>
+        </pc:spChg>
+        <pc:spChg chg="add del">
+          <ac:chgData name="Tsebaot Tsebaot" userId="17b6d73d28cd6d8c" providerId="LiveId" clId="{20276244-AE06-4E75-A73B-3F213AFDA906}" dt="2023-02-01T02:08:53.881" v="1925" actId="26606"/>
+          <ac:spMkLst>
+            <pc:docMk/>
+            <pc:sldMk cId="961448098" sldId="261"/>
+            <ac:spMk id="37" creationId="{7737E529-E43B-4948-B3C4-7F6B806FCCFD}"/>
+          </ac:spMkLst>
+        </pc:spChg>
+        <pc:spChg chg="add del">
+          <ac:chgData name="Tsebaot Tsebaot" userId="17b6d73d28cd6d8c" providerId="LiveId" clId="{20276244-AE06-4E75-A73B-3F213AFDA906}" dt="2023-02-01T02:09:16.812" v="1927" actId="26606"/>
+          <ac:spMkLst>
+            <pc:docMk/>
+            <pc:sldMk cId="961448098" sldId="261"/>
+            <ac:spMk id="41" creationId="{C609E9FA-BDDE-45C4-8F5E-974D4208D2EA}"/>
+          </ac:spMkLst>
+        </pc:spChg>
+        <pc:spChg chg="add del">
+          <ac:chgData name="Tsebaot Tsebaot" userId="17b6d73d28cd6d8c" providerId="LiveId" clId="{20276244-AE06-4E75-A73B-3F213AFDA906}" dt="2023-02-01T02:09:16.812" v="1927" actId="26606"/>
+          <ac:spMkLst>
+            <pc:docMk/>
+            <pc:sldMk cId="961448098" sldId="261"/>
+            <ac:spMk id="42" creationId="{7737E529-E43B-4948-B3C4-7F6B806FCCFD}"/>
+          </ac:spMkLst>
+        </pc:spChg>
+        <pc:spChg chg="add del">
+          <ac:chgData name="Tsebaot Tsebaot" userId="17b6d73d28cd6d8c" providerId="LiveId" clId="{20276244-AE06-4E75-A73B-3F213AFDA906}" dt="2023-02-01T02:09:23.296" v="1929" actId="26606"/>
+          <ac:spMkLst>
+            <pc:docMk/>
+            <pc:sldMk cId="961448098" sldId="261"/>
+            <ac:spMk id="44" creationId="{52ABB703-2B0E-4C3B-B4A2-F3973548E561}"/>
+          </ac:spMkLst>
+        </pc:spChg>
+        <pc:spChg chg="add del">
+          <ac:chgData name="Tsebaot Tsebaot" userId="17b6d73d28cd6d8c" providerId="LiveId" clId="{20276244-AE06-4E75-A73B-3F213AFDA906}" dt="2023-02-01T02:09:23.296" v="1929" actId="26606"/>
+          <ac:spMkLst>
+            <pc:docMk/>
+            <pc:sldMk cId="961448098" sldId="261"/>
+            <ac:spMk id="46" creationId="{7F4F417F-368D-407B-E3B2-1990807EE6E6}"/>
+          </ac:spMkLst>
+        </pc:spChg>
+        <pc:spChg chg="add del">
+          <ac:chgData name="Tsebaot Tsebaot" userId="17b6d73d28cd6d8c" providerId="LiveId" clId="{20276244-AE06-4E75-A73B-3F213AFDA906}" dt="2023-02-01T02:09:23.296" v="1929" actId="26606"/>
+          <ac:spMkLst>
+            <pc:docMk/>
+            <pc:sldMk cId="961448098" sldId="261"/>
+            <ac:spMk id="47" creationId="{E95DA498-D9A2-4DA9-B9DA-B3776E08CF7E}"/>
+          </ac:spMkLst>
+        </pc:spChg>
+        <pc:spChg chg="add del">
+          <ac:chgData name="Tsebaot Tsebaot" userId="17b6d73d28cd6d8c" providerId="LiveId" clId="{20276244-AE06-4E75-A73B-3F213AFDA906}" dt="2023-02-01T02:09:23.296" v="1929" actId="26606"/>
+          <ac:spMkLst>
+            <pc:docMk/>
+            <pc:sldMk cId="961448098" sldId="261"/>
+            <ac:spMk id="48" creationId="{82A73093-4B9D-420D-B17E-52293703A1D4}"/>
+          </ac:spMkLst>
+        </pc:spChg>
+        <pc:spChg chg="add del">
+          <ac:chgData name="Tsebaot Tsebaot" userId="17b6d73d28cd6d8c" providerId="LiveId" clId="{20276244-AE06-4E75-A73B-3F213AFDA906}" dt="2023-02-01T02:09:57.161" v="1937" actId="26606"/>
+          <ac:spMkLst>
+            <pc:docMk/>
+            <pc:sldMk cId="961448098" sldId="261"/>
+            <ac:spMk id="50" creationId="{44CC594A-A820-450F-B363-C19201FCFEC6}"/>
+          </ac:spMkLst>
+        </pc:spChg>
+        <pc:spChg chg="add del">
+          <ac:chgData name="Tsebaot Tsebaot" userId="17b6d73d28cd6d8c" providerId="LiveId" clId="{20276244-AE06-4E75-A73B-3F213AFDA906}" dt="2023-02-01T02:09:57.161" v="1937" actId="26606"/>
+          <ac:spMkLst>
+            <pc:docMk/>
+            <pc:sldMk cId="961448098" sldId="261"/>
+            <ac:spMk id="51" creationId="{59FAB3DA-E9ED-4574-ABCC-378BC0FF1BBC}"/>
+          </ac:spMkLst>
+        </pc:spChg>
+        <pc:spChg chg="add del mod">
+          <ac:chgData name="Tsebaot Tsebaot" userId="17b6d73d28cd6d8c" providerId="LiveId" clId="{20276244-AE06-4E75-A73B-3F213AFDA906}" dt="2023-02-01T02:09:57.161" v="1937" actId="26606"/>
+          <ac:spMkLst>
+            <pc:docMk/>
+            <pc:sldMk cId="961448098" sldId="261"/>
+            <ac:spMk id="52" creationId="{7F4F417F-368D-407B-E3B2-1990807EE6E6}"/>
+          </ac:spMkLst>
+        </pc:spChg>
+        <pc:spChg chg="add del">
+          <ac:chgData name="Tsebaot Tsebaot" userId="17b6d73d28cd6d8c" providerId="LiveId" clId="{20276244-AE06-4E75-A73B-3F213AFDA906}" dt="2023-02-01T02:09:57.161" v="1937" actId="26606"/>
+          <ac:spMkLst>
+            <pc:docMk/>
+            <pc:sldMk cId="961448098" sldId="261"/>
+            <ac:spMk id="53" creationId="{53B8D6B0-55D6-48DC-86D8-FD95D5F118AB}"/>
+          </ac:spMkLst>
+        </pc:spChg>
+        <pc:spChg chg="add del">
+          <ac:chgData name="Tsebaot Tsebaot" userId="17b6d73d28cd6d8c" providerId="LiveId" clId="{20276244-AE06-4E75-A73B-3F213AFDA906}" dt="2023-02-01T02:09:49.774" v="1933" actId="26606"/>
+          <ac:spMkLst>
+            <pc:docMk/>
+            <pc:sldMk cId="961448098" sldId="261"/>
+            <ac:spMk id="60" creationId="{154480E5-678B-478F-9170-46502C5FB3E3}"/>
+          </ac:spMkLst>
+        </pc:spChg>
+        <pc:spChg chg="add del">
+          <ac:chgData name="Tsebaot Tsebaot" userId="17b6d73d28cd6d8c" providerId="LiveId" clId="{20276244-AE06-4E75-A73B-3F213AFDA906}" dt="2023-02-01T02:09:49.774" v="1933" actId="26606"/>
+          <ac:spMkLst>
+            <pc:docMk/>
+            <pc:sldMk cId="961448098" sldId="261"/>
+            <ac:spMk id="62" creationId="{B598D875-841B-47A7-B4C8-237DBCE2FBC7}"/>
+          </ac:spMkLst>
+        </pc:spChg>
+        <pc:graphicFrameChg chg="add del">
+          <ac:chgData name="Tsebaot Tsebaot" userId="17b6d73d28cd6d8c" providerId="LiveId" clId="{20276244-AE06-4E75-A73B-3F213AFDA906}" dt="2023-02-01T02:08:53.881" v="1925" actId="26606"/>
+          <ac:graphicFrameMkLst>
+            <pc:docMk/>
+            <pc:sldMk cId="961448098" sldId="261"/>
+            <ac:graphicFrameMk id="35" creationId="{ACB57DA2-6A29-87E8-616F-F489DC422935}"/>
+          </ac:graphicFrameMkLst>
+        </pc:graphicFrameChg>
+        <pc:graphicFrameChg chg="add del">
+          <ac:chgData name="Tsebaot Tsebaot" userId="17b6d73d28cd6d8c" providerId="LiveId" clId="{20276244-AE06-4E75-A73B-3F213AFDA906}" dt="2023-02-01T02:09:16.812" v="1927" actId="26606"/>
+          <ac:graphicFrameMkLst>
+            <pc:docMk/>
+            <pc:sldMk cId="961448098" sldId="261"/>
+            <ac:graphicFrameMk id="40" creationId="{FCC70BD8-0AC4-4ADC-8403-68EA7BA2A8ED}"/>
+          </ac:graphicFrameMkLst>
+        </pc:graphicFrameChg>
+        <pc:picChg chg="add mod ord">
+          <ac:chgData name="Tsebaot Tsebaot" userId="17b6d73d28cd6d8c" providerId="LiveId" clId="{20276244-AE06-4E75-A73B-3F213AFDA906}" dt="2023-02-01T02:09:57.975" v="1938" actId="26606"/>
+          <ac:picMkLst>
+            <pc:docMk/>
+            <pc:sldMk cId="961448098" sldId="261"/>
+            <ac:picMk id="4" creationId="{0E6EA3FD-D8C4-551D-8480-D6D3440C3F96}"/>
+          </ac:picMkLst>
+        </pc:picChg>
+        <pc:cxnChg chg="add del">
+          <ac:chgData name="Tsebaot Tsebaot" userId="17b6d73d28cd6d8c" providerId="LiveId" clId="{20276244-AE06-4E75-A73B-3F213AFDA906}" dt="2023-02-01T02:06:35.234" v="1902" actId="26606"/>
+          <ac:cxnSpMkLst>
+            <pc:docMk/>
+            <pc:sldMk cId="961448098" sldId="261"/>
+            <ac:cxnSpMk id="11" creationId="{9C21570E-E159-49A6-9891-FA397B7A92D3}"/>
+          </ac:cxnSpMkLst>
+        </pc:cxnChg>
+        <pc:cxnChg chg="add del">
+          <ac:chgData name="Tsebaot Tsebaot" userId="17b6d73d28cd6d8c" providerId="LiveId" clId="{20276244-AE06-4E75-A73B-3F213AFDA906}" dt="2023-02-01T02:09:57.975" v="1938" actId="26606"/>
+          <ac:cxnSpMkLst>
+            <pc:docMk/>
+            <pc:sldMk cId="961448098" sldId="261"/>
+            <ac:cxnSpMk id="21" creationId="{45549E29-E797-4A00-B030-3AB01640CFDC}"/>
+          </ac:cxnSpMkLst>
+        </pc:cxnChg>
+        <pc:cxnChg chg="add del">
+          <ac:chgData name="Tsebaot Tsebaot" userId="17b6d73d28cd6d8c" providerId="LiveId" clId="{20276244-AE06-4E75-A73B-3F213AFDA906}" dt="2023-02-01T02:08:49.776" v="1923" actId="26606"/>
+          <ac:cxnSpMkLst>
+            <pc:docMk/>
+            <pc:sldMk cId="961448098" sldId="261"/>
+            <ac:cxnSpMk id="25" creationId="{327CAB8F-A0BA-4128-8B2F-EC1879A1677D}"/>
+          </ac:cxnSpMkLst>
+        </pc:cxnChg>
+        <pc:cxnChg chg="add del">
+          <ac:chgData name="Tsebaot Tsebaot" userId="17b6d73d28cd6d8c" providerId="LiveId" clId="{20276244-AE06-4E75-A73B-3F213AFDA906}" dt="2023-02-01T02:08:53.881" v="1925" actId="26606"/>
+          <ac:cxnSpMkLst>
+            <pc:docMk/>
+            <pc:sldMk cId="961448098" sldId="261"/>
+            <ac:cxnSpMk id="34" creationId="{45549E29-E797-4A00-B030-3AB01640CFDC}"/>
+          </ac:cxnSpMkLst>
+        </pc:cxnChg>
+        <pc:cxnChg chg="add del">
+          <ac:chgData name="Tsebaot Tsebaot" userId="17b6d73d28cd6d8c" providerId="LiveId" clId="{20276244-AE06-4E75-A73B-3F213AFDA906}" dt="2023-02-01T02:09:16.812" v="1927" actId="26606"/>
+          <ac:cxnSpMkLst>
+            <pc:docMk/>
+            <pc:sldMk cId="961448098" sldId="261"/>
+            <ac:cxnSpMk id="39" creationId="{45549E29-E797-4A00-B030-3AB01640CFDC}"/>
+          </ac:cxnSpMkLst>
+        </pc:cxnChg>
+        <pc:cxnChg chg="add del">
+          <ac:chgData name="Tsebaot Tsebaot" userId="17b6d73d28cd6d8c" providerId="LiveId" clId="{20276244-AE06-4E75-A73B-3F213AFDA906}" dt="2023-02-01T02:09:23.296" v="1929" actId="26606"/>
+          <ac:cxnSpMkLst>
+            <pc:docMk/>
+            <pc:sldMk cId="961448098" sldId="261"/>
+            <ac:cxnSpMk id="45" creationId="{9C21570E-E159-49A6-9891-FA397B7A92D3}"/>
+          </ac:cxnSpMkLst>
+        </pc:cxnChg>
+        <pc:cxnChg chg="add del">
+          <ac:chgData name="Tsebaot Tsebaot" userId="17b6d73d28cd6d8c" providerId="LiveId" clId="{20276244-AE06-4E75-A73B-3F213AFDA906}" dt="2023-02-01T02:09:49.774" v="1933" actId="26606"/>
+          <ac:cxnSpMkLst>
+            <pc:docMk/>
+            <pc:sldMk cId="961448098" sldId="261"/>
+            <ac:cxnSpMk id="58" creationId="{E9F7CBA9-9D9B-479F-AAB5-BF785971CD85}"/>
+          </ac:cxnSpMkLst>
+        </pc:cxnChg>
       </pc:sldChg>
       <pc:sldChg chg="modSp mod">
-        <pc:chgData name="Tsebaot Tsebaot" userId="17b6d73d28cd6d8c" providerId="LiveId" clId="{20276244-AE06-4E75-A73B-3F213AFDA906}" dt="2023-01-31T01:25:27.342" v="820"/>
+        <pc:chgData name="Tsebaot Tsebaot" userId="17b6d73d28cd6d8c" providerId="LiveId" clId="{20276244-AE06-4E75-A73B-3F213AFDA906}" dt="2023-02-01T01:53:21.049" v="1890" actId="255"/>
         <pc:sldMkLst>
           <pc:docMk/>
           <pc:sldMk cId="1357621538" sldId="262"/>
         </pc:sldMkLst>
         <pc:spChg chg="mod">
-          <ac:chgData name="Tsebaot Tsebaot" userId="17b6d73d28cd6d8c" providerId="LiveId" clId="{20276244-AE06-4E75-A73B-3F213AFDA906}" dt="2023-01-31T01:25:27.342" v="820"/>
+          <ac:chgData name="Tsebaot Tsebaot" userId="17b6d73d28cd6d8c" providerId="LiveId" clId="{20276244-AE06-4E75-A73B-3F213AFDA906}" dt="2023-02-01T01:30:02.042" v="1791"/>
           <ac:spMkLst>
             <pc:docMk/>
             <pc:sldMk cId="1357621538" sldId="262"/>
@@ -711,7 +3003,7 @@
           </ac:spMkLst>
         </pc:spChg>
         <pc:spChg chg="mod">
-          <ac:chgData name="Tsebaot Tsebaot" userId="17b6d73d28cd6d8c" providerId="LiveId" clId="{20276244-AE06-4E75-A73B-3F213AFDA906}" dt="2023-01-31T01:25:27.342" v="820"/>
+          <ac:chgData name="Tsebaot Tsebaot" userId="17b6d73d28cd6d8c" providerId="LiveId" clId="{20276244-AE06-4E75-A73B-3F213AFDA906}" dt="2023-02-01T01:53:21.049" v="1890" actId="255"/>
           <ac:spMkLst>
             <pc:docMk/>
             <pc:sldMk cId="1357621538" sldId="262"/>
@@ -2274,8 +4566,8 @@
           </ac:cxnSpMkLst>
         </pc:cxnChg>
       </pc:sldChg>
-      <pc:sldChg chg="addSp delSp modSp new mod ord setBg setClrOvrMap">
-        <pc:chgData name="Tsebaot Tsebaot" userId="17b6d73d28cd6d8c" providerId="LiveId" clId="{20276244-AE06-4E75-A73B-3F213AFDA906}" dt="2023-01-31T02:23:09.470" v="1503" actId="1076"/>
+      <pc:sldChg chg="addSp delSp modSp new del mod ord setBg setClrOvrMap">
+        <pc:chgData name="Tsebaot Tsebaot" userId="17b6d73d28cd6d8c" providerId="LiveId" clId="{20276244-AE06-4E75-A73B-3F213AFDA906}" dt="2023-02-01T02:19:55.017" v="2029" actId="2696"/>
         <pc:sldMkLst>
           <pc:docMk/>
           <pc:sldMk cId="2432725545" sldId="267"/>
@@ -2289,7 +4581,7 @@
           </ac:spMkLst>
         </pc:spChg>
         <pc:spChg chg="add mod">
-          <ac:chgData name="Tsebaot Tsebaot" userId="17b6d73d28cd6d8c" providerId="LiveId" clId="{20276244-AE06-4E75-A73B-3F213AFDA906}" dt="2023-01-31T02:19:14.506" v="1371" actId="14100"/>
+          <ac:chgData name="Tsebaot Tsebaot" userId="17b6d73d28cd6d8c" providerId="LiveId" clId="{20276244-AE06-4E75-A73B-3F213AFDA906}" dt="2023-02-01T02:12:01.700" v="1967" actId="1076"/>
           <ac:spMkLst>
             <pc:docMk/>
             <pc:sldMk cId="2432725545" sldId="267"/>
@@ -2321,7 +4613,7 @@
           </ac:spMkLst>
         </pc:spChg>
         <pc:spChg chg="add mod">
-          <ac:chgData name="Tsebaot Tsebaot" userId="17b6d73d28cd6d8c" providerId="LiveId" clId="{20276244-AE06-4E75-A73B-3F213AFDA906}" dt="2023-01-31T02:19:42.991" v="1387" actId="14100"/>
+          <ac:chgData name="Tsebaot Tsebaot" userId="17b6d73d28cd6d8c" providerId="LiveId" clId="{20276244-AE06-4E75-A73B-3F213AFDA906}" dt="2023-02-01T02:12:04.731" v="1968" actId="1076"/>
           <ac:spMkLst>
             <pc:docMk/>
             <pc:sldMk cId="2432725545" sldId="267"/>
@@ -2352,8 +4644,8 @@
             <ac:spMk id="19" creationId="{BE016956-CE9F-4946-8834-A8BC3529D0F6}"/>
           </ac:spMkLst>
         </pc:spChg>
-        <pc:spChg chg="add mod">
-          <ac:chgData name="Tsebaot Tsebaot" userId="17b6d73d28cd6d8c" providerId="LiveId" clId="{20276244-AE06-4E75-A73B-3F213AFDA906}" dt="2023-01-31T02:21:34.019" v="1434" actId="1076"/>
+        <pc:spChg chg="add mod ord">
+          <ac:chgData name="Tsebaot Tsebaot" userId="17b6d73d28cd6d8c" providerId="LiveId" clId="{20276244-AE06-4E75-A73B-3F213AFDA906}" dt="2023-02-01T02:11:57.634" v="1966" actId="20577"/>
           <ac:spMkLst>
             <pc:docMk/>
             <pc:sldMk cId="2432725545" sldId="267"/>
@@ -2392,8 +4684,8 @@
             <ac:spMk id="24" creationId="{01C7B46D-2FEF-4FAA-915B-8B21A66BB647}"/>
           </ac:spMkLst>
         </pc:spChg>
-        <pc:spChg chg="add mod">
-          <ac:chgData name="Tsebaot Tsebaot" userId="17b6d73d28cd6d8c" providerId="LiveId" clId="{20276244-AE06-4E75-A73B-3F213AFDA906}" dt="2023-01-31T02:23:09.470" v="1503" actId="1076"/>
+        <pc:spChg chg="add del mod">
+          <ac:chgData name="Tsebaot Tsebaot" userId="17b6d73d28cd6d8c" providerId="LiveId" clId="{20276244-AE06-4E75-A73B-3F213AFDA906}" dt="2023-02-01T02:10:27.254" v="1943" actId="478"/>
           <ac:spMkLst>
             <pc:docMk/>
             <pc:sldMk cId="2432725545" sldId="267"/>
@@ -2640,8 +4932,8 @@
             <ac:spMk id="64" creationId="{01C7B46D-2FEF-4FAA-915B-8B21A66BB647}"/>
           </ac:spMkLst>
         </pc:spChg>
-        <pc:picChg chg="add mod ord">
-          <ac:chgData name="Tsebaot Tsebaot" userId="17b6d73d28cd6d8c" providerId="LiveId" clId="{20276244-AE06-4E75-A73B-3F213AFDA906}" dt="2023-01-31T02:22:10.104" v="1464" actId="1076"/>
+        <pc:picChg chg="add del mod ord">
+          <ac:chgData name="Tsebaot Tsebaot" userId="17b6d73d28cd6d8c" providerId="LiveId" clId="{20276244-AE06-4E75-A73B-3F213AFDA906}" dt="2023-02-01T02:10:22.007" v="1941" actId="478"/>
           <ac:picMkLst>
             <pc:docMk/>
             <pc:sldMk cId="2432725545" sldId="267"/>
@@ -2649,7 +4941,7 @@
           </ac:picMkLst>
         </pc:picChg>
         <pc:picChg chg="add mod ord">
-          <ac:chgData name="Tsebaot Tsebaot" userId="17b6d73d28cd6d8c" providerId="LiveId" clId="{20276244-AE06-4E75-A73B-3F213AFDA906}" dt="2023-01-31T02:23:01.217" v="1501" actId="1076"/>
+          <ac:chgData name="Tsebaot Tsebaot" userId="17b6d73d28cd6d8c" providerId="LiveId" clId="{20276244-AE06-4E75-A73B-3F213AFDA906}" dt="2023-02-01T02:11:44.001" v="1960" actId="14100"/>
           <ac:picMkLst>
             <pc:docMk/>
             <pc:sldMk cId="2432725545" sldId="267"/>
@@ -2665,7 +4957,7 @@
           </ac:picMkLst>
         </pc:picChg>
         <pc:picChg chg="add mod ord">
-          <ac:chgData name="Tsebaot Tsebaot" userId="17b6d73d28cd6d8c" providerId="LiveId" clId="{20276244-AE06-4E75-A73B-3F213AFDA906}" dt="2023-01-31T02:11:42.692" v="1250" actId="27614"/>
+          <ac:chgData name="Tsebaot Tsebaot" userId="17b6d73d28cd6d8c" providerId="LiveId" clId="{20276244-AE06-4E75-A73B-3F213AFDA906}" dt="2023-02-01T02:11:47.207" v="1961" actId="1076"/>
           <ac:picMkLst>
             <pc:docMk/>
             <pc:sldMk cId="2432725545" sldId="267"/>
@@ -2752,8 +5044,8 @@
           </ac:cxnSpMkLst>
         </pc:cxnChg>
       </pc:sldChg>
-      <pc:sldChg chg="addSp delSp modSp add mod">
-        <pc:chgData name="Tsebaot Tsebaot" userId="17b6d73d28cd6d8c" providerId="LiveId" clId="{20276244-AE06-4E75-A73B-3F213AFDA906}" dt="2023-01-31T01:51:33.427" v="1032" actId="1076"/>
+      <pc:sldChg chg="addSp delSp modSp add del mod">
+        <pc:chgData name="Tsebaot Tsebaot" userId="17b6d73d28cd6d8c" providerId="LiveId" clId="{20276244-AE06-4E75-A73B-3F213AFDA906}" dt="2023-02-01T01:10:07.713" v="1619" actId="2696"/>
         <pc:sldMkLst>
           <pc:docMk/>
           <pc:sldMk cId="3709306025" sldId="269"/>
@@ -2783,7 +5075,7 @@
           </ac:spMkLst>
         </pc:spChg>
         <pc:spChg chg="mod ord">
-          <ac:chgData name="Tsebaot Tsebaot" userId="17b6d73d28cd6d8c" providerId="LiveId" clId="{20276244-AE06-4E75-A73B-3F213AFDA906}" dt="2023-01-31T01:50:08.430" v="1015" actId="26606"/>
+          <ac:chgData name="Tsebaot Tsebaot" userId="17b6d73d28cd6d8c" providerId="LiveId" clId="{20276244-AE06-4E75-A73B-3F213AFDA906}" dt="2023-02-01T01:08:47.715" v="1617" actId="14100"/>
           <ac:spMkLst>
             <pc:docMk/>
             <pc:sldMk cId="3709306025" sldId="269"/>
@@ -3406,12 +5698,394 @@
           </ac:cxnSpMkLst>
         </pc:cxnChg>
       </pc:sldChg>
-      <pc:sldChg chg="add">
-        <pc:chgData name="Tsebaot Tsebaot" userId="17b6d73d28cd6d8c" providerId="LiveId" clId="{20276244-AE06-4E75-A73B-3F213AFDA906}" dt="2023-01-31T02:12:57.769" v="1255" actId="2890"/>
+      <pc:sldChg chg="addSp delSp modSp add del mod setBg setClrOvrMap">
+        <pc:chgData name="Tsebaot Tsebaot" userId="17b6d73d28cd6d8c" providerId="LiveId" clId="{20276244-AE06-4E75-A73B-3F213AFDA906}" dt="2023-02-01T02:16:26.716" v="1997" actId="2696"/>
         <pc:sldMkLst>
           <pc:docMk/>
           <pc:sldMk cId="823257066" sldId="271"/>
         </pc:sldMkLst>
+        <pc:spChg chg="del">
+          <ac:chgData name="Tsebaot Tsebaot" userId="17b6d73d28cd6d8c" providerId="LiveId" clId="{20276244-AE06-4E75-A73B-3F213AFDA906}" dt="2023-02-01T02:15:45.512" v="1995" actId="26606"/>
+          <ac:spMkLst>
+            <pc:docMk/>
+            <pc:sldMk cId="823257066" sldId="271"/>
+            <ac:spMk id="67" creationId="{19E301E5-1206-47D0-9CDF-72583D739089}"/>
+          </ac:spMkLst>
+        </pc:spChg>
+        <pc:spChg chg="del">
+          <ac:chgData name="Tsebaot Tsebaot" userId="17b6d73d28cd6d8c" providerId="LiveId" clId="{20276244-AE06-4E75-A73B-3F213AFDA906}" dt="2023-02-01T02:15:45.512" v="1995" actId="26606"/>
+          <ac:spMkLst>
+            <pc:docMk/>
+            <pc:sldMk cId="823257066" sldId="271"/>
+            <ac:spMk id="68" creationId="{AFA31FBE-7948-4384-B68A-75DEFDC4955A}"/>
+          </ac:spMkLst>
+        </pc:spChg>
+        <pc:spChg chg="add">
+          <ac:chgData name="Tsebaot Tsebaot" userId="17b6d73d28cd6d8c" providerId="LiveId" clId="{20276244-AE06-4E75-A73B-3F213AFDA906}" dt="2023-02-01T02:15:45.512" v="1995" actId="26606"/>
+          <ac:spMkLst>
+            <pc:docMk/>
+            <pc:sldMk cId="823257066" sldId="271"/>
+            <ac:spMk id="73" creationId="{799448F2-0E5B-42DA-B2D1-11A14E947BD4}"/>
+          </ac:spMkLst>
+        </pc:spChg>
+        <pc:spChg chg="add">
+          <ac:chgData name="Tsebaot Tsebaot" userId="17b6d73d28cd6d8c" providerId="LiveId" clId="{20276244-AE06-4E75-A73B-3F213AFDA906}" dt="2023-02-01T02:15:45.512" v="1995" actId="26606"/>
+          <ac:spMkLst>
+            <pc:docMk/>
+            <pc:sldMk cId="823257066" sldId="271"/>
+            <ac:spMk id="75" creationId="{4E8A7552-20E1-4F34-ADAB-C1DB6634D47E}"/>
+          </ac:spMkLst>
+        </pc:spChg>
+        <pc:picChg chg="mod">
+          <ac:chgData name="Tsebaot Tsebaot" userId="17b6d73d28cd6d8c" providerId="LiveId" clId="{20276244-AE06-4E75-A73B-3F213AFDA906}" dt="2023-02-01T02:15:45.512" v="1995" actId="26606"/>
+          <ac:picMkLst>
+            <pc:docMk/>
+            <pc:sldMk cId="823257066" sldId="271"/>
+            <ac:picMk id="6" creationId="{F7239C1E-C1D1-7D60-59CE-13D22C7AF936}"/>
+          </ac:picMkLst>
+        </pc:picChg>
+        <pc:picChg chg="mod ord">
+          <ac:chgData name="Tsebaot Tsebaot" userId="17b6d73d28cd6d8c" providerId="LiveId" clId="{20276244-AE06-4E75-A73B-3F213AFDA906}" dt="2023-02-01T02:15:45.512" v="1995" actId="26606"/>
+          <ac:picMkLst>
+            <pc:docMk/>
+            <pc:sldMk cId="823257066" sldId="271"/>
+            <ac:picMk id="8" creationId="{69AB383E-9193-DED7-8EB3-3003C6A42655}"/>
+          </ac:picMkLst>
+        </pc:picChg>
+        <pc:picChg chg="mod">
+          <ac:chgData name="Tsebaot Tsebaot" userId="17b6d73d28cd6d8c" providerId="LiveId" clId="{20276244-AE06-4E75-A73B-3F213AFDA906}" dt="2023-02-01T02:15:45.512" v="1995" actId="26606"/>
+          <ac:picMkLst>
+            <pc:docMk/>
+            <pc:sldMk cId="823257066" sldId="271"/>
+            <ac:picMk id="10" creationId="{9C68CE1C-B2D2-E0F4-D822-7110DB26766D}"/>
+          </ac:picMkLst>
+        </pc:picChg>
+      </pc:sldChg>
+      <pc:sldChg chg="addSp delSp modSp add del mod ord">
+        <pc:chgData name="Tsebaot Tsebaot" userId="17b6d73d28cd6d8c" providerId="LiveId" clId="{20276244-AE06-4E75-A73B-3F213AFDA906}" dt="2023-02-01T02:17:44.527" v="2014" actId="2696"/>
+        <pc:sldMkLst>
+          <pc:docMk/>
+          <pc:sldMk cId="3171856271" sldId="272"/>
+        </pc:sldMkLst>
+        <pc:spChg chg="add mod">
+          <ac:chgData name="Tsebaot Tsebaot" userId="17b6d73d28cd6d8c" providerId="LiveId" clId="{20276244-AE06-4E75-A73B-3F213AFDA906}" dt="2023-02-01T02:16:47.486" v="2004"/>
+          <ac:spMkLst>
+            <pc:docMk/>
+            <pc:sldMk cId="3171856271" sldId="272"/>
+            <ac:spMk id="3" creationId="{97A3B328-E137-3759-F0B3-920B07BF8366}"/>
+          </ac:spMkLst>
+        </pc:spChg>
+        <pc:spChg chg="add mod">
+          <ac:chgData name="Tsebaot Tsebaot" userId="17b6d73d28cd6d8c" providerId="LiveId" clId="{20276244-AE06-4E75-A73B-3F213AFDA906}" dt="2023-02-01T02:16:47.486" v="2004"/>
+          <ac:spMkLst>
+            <pc:docMk/>
+            <pc:sldMk cId="3171856271" sldId="272"/>
+            <ac:spMk id="4" creationId="{483B31E1-8FD8-BDD3-1353-3E74A55BAA08}"/>
+          </ac:spMkLst>
+        </pc:spChg>
+        <pc:spChg chg="add mod">
+          <ac:chgData name="Tsebaot Tsebaot" userId="17b6d73d28cd6d8c" providerId="LiveId" clId="{20276244-AE06-4E75-A73B-3F213AFDA906}" dt="2023-02-01T02:16:55.372" v="2005"/>
+          <ac:spMkLst>
+            <pc:docMk/>
+            <pc:sldMk cId="3171856271" sldId="272"/>
+            <ac:spMk id="7" creationId="{C0C6B253-E27E-1E3D-0D1D-FFFCD7EF03F2}"/>
+          </ac:spMkLst>
+        </pc:spChg>
+        <pc:picChg chg="add mod">
+          <ac:chgData name="Tsebaot Tsebaot" userId="17b6d73d28cd6d8c" providerId="LiveId" clId="{20276244-AE06-4E75-A73B-3F213AFDA906}" dt="2023-02-01T02:16:47.486" v="2004"/>
+          <ac:picMkLst>
+            <pc:docMk/>
+            <pc:sldMk cId="3171856271" sldId="272"/>
+            <ac:picMk id="2" creationId="{B7CC1D23-BE05-905D-1FFF-E8FDD8F495BD}"/>
+          </ac:picMkLst>
+        </pc:picChg>
+        <pc:picChg chg="add mod">
+          <ac:chgData name="Tsebaot Tsebaot" userId="17b6d73d28cd6d8c" providerId="LiveId" clId="{20276244-AE06-4E75-A73B-3F213AFDA906}" dt="2023-02-01T02:16:55.372" v="2005"/>
+          <ac:picMkLst>
+            <pc:docMk/>
+            <pc:sldMk cId="3171856271" sldId="272"/>
+            <ac:picMk id="5" creationId="{813EB12C-A640-496C-00F8-EF82E2CF22C8}"/>
+          </ac:picMkLst>
+        </pc:picChg>
+        <pc:picChg chg="del">
+          <ac:chgData name="Tsebaot Tsebaot" userId="17b6d73d28cd6d8c" providerId="LiveId" clId="{20276244-AE06-4E75-A73B-3F213AFDA906}" dt="2023-02-01T02:16:38.021" v="2001" actId="478"/>
+          <ac:picMkLst>
+            <pc:docMk/>
+            <pc:sldMk cId="3171856271" sldId="272"/>
+            <ac:picMk id="6" creationId="{F7239C1E-C1D1-7D60-59CE-13D22C7AF936}"/>
+          </ac:picMkLst>
+        </pc:picChg>
+        <pc:picChg chg="del">
+          <ac:chgData name="Tsebaot Tsebaot" userId="17b6d73d28cd6d8c" providerId="LiveId" clId="{20276244-AE06-4E75-A73B-3F213AFDA906}" dt="2023-02-01T02:16:39.990" v="2003" actId="478"/>
+          <ac:picMkLst>
+            <pc:docMk/>
+            <pc:sldMk cId="3171856271" sldId="272"/>
+            <ac:picMk id="8" creationId="{69AB383E-9193-DED7-8EB3-3003C6A42655}"/>
+          </ac:picMkLst>
+        </pc:picChg>
+        <pc:picChg chg="del">
+          <ac:chgData name="Tsebaot Tsebaot" userId="17b6d73d28cd6d8c" providerId="LiveId" clId="{20276244-AE06-4E75-A73B-3F213AFDA906}" dt="2023-02-01T02:16:39.435" v="2002" actId="478"/>
+          <ac:picMkLst>
+            <pc:docMk/>
+            <pc:sldMk cId="3171856271" sldId="272"/>
+            <ac:picMk id="10" creationId="{9C68CE1C-B2D2-E0F4-D822-7110DB26766D}"/>
+          </ac:picMkLst>
+        </pc:picChg>
+      </pc:sldChg>
+      <pc:sldChg chg="addSp delSp modSp new mod setBg">
+        <pc:chgData name="Tsebaot Tsebaot" userId="17b6d73d28cd6d8c" providerId="LiveId" clId="{20276244-AE06-4E75-A73B-3F213AFDA906}" dt="2023-02-01T02:19:43.376" v="2028" actId="6549"/>
+        <pc:sldMkLst>
+          <pc:docMk/>
+          <pc:sldMk cId="48883070" sldId="273"/>
+        </pc:sldMkLst>
+        <pc:spChg chg="mod">
+          <ac:chgData name="Tsebaot Tsebaot" userId="17b6d73d28cd6d8c" providerId="LiveId" clId="{20276244-AE06-4E75-A73B-3F213AFDA906}" dt="2023-02-01T02:18:38.471" v="2017" actId="26606"/>
+          <ac:spMkLst>
+            <pc:docMk/>
+            <pc:sldMk cId="48883070" sldId="273"/>
+            <ac:spMk id="2" creationId="{04017A31-7469-BBE5-8ADF-F1DE6E4D7CB0}"/>
+          </ac:spMkLst>
+        </pc:spChg>
+        <pc:spChg chg="del">
+          <ac:chgData name="Tsebaot Tsebaot" userId="17b6d73d28cd6d8c" providerId="LiveId" clId="{20276244-AE06-4E75-A73B-3F213AFDA906}" dt="2023-02-01T02:17:10.384" v="2007" actId="26606"/>
+          <ac:spMkLst>
+            <pc:docMk/>
+            <pc:sldMk cId="48883070" sldId="273"/>
+            <ac:spMk id="3" creationId="{E82C5210-15EA-A0FC-9638-079FA473C2AB}"/>
+          </ac:spMkLst>
+        </pc:spChg>
+        <pc:spChg chg="add del mod">
+          <ac:chgData name="Tsebaot Tsebaot" userId="17b6d73d28cd6d8c" providerId="LiveId" clId="{20276244-AE06-4E75-A73B-3F213AFDA906}" dt="2023-02-01T02:17:34.152" v="2013" actId="478"/>
+          <ac:spMkLst>
+            <pc:docMk/>
+            <pc:sldMk cId="48883070" sldId="273"/>
+            <ac:spMk id="5" creationId="{F438B0D9-D581-84D4-A19A-5297543B3514}"/>
+          </ac:spMkLst>
+        </pc:spChg>
+        <pc:spChg chg="add del mod">
+          <ac:chgData name="Tsebaot Tsebaot" userId="17b6d73d28cd6d8c" providerId="LiveId" clId="{20276244-AE06-4E75-A73B-3F213AFDA906}" dt="2023-02-01T02:17:30.822" v="2011" actId="478"/>
+          <ac:spMkLst>
+            <pc:docMk/>
+            <pc:sldMk cId="48883070" sldId="273"/>
+            <ac:spMk id="7" creationId="{FEA865DA-74F2-7DEB-9132-9C597A660C8C}"/>
+          </ac:spMkLst>
+        </pc:spChg>
+        <pc:spChg chg="add del">
+          <ac:chgData name="Tsebaot Tsebaot" userId="17b6d73d28cd6d8c" providerId="LiveId" clId="{20276244-AE06-4E75-A73B-3F213AFDA906}" dt="2023-02-01T02:18:38.471" v="2017" actId="26606"/>
+          <ac:spMkLst>
+            <pc:docMk/>
+            <pc:sldMk cId="48883070" sldId="273"/>
+            <ac:spMk id="8" creationId="{52C0B2E1-0268-42EC-ABD3-94F81A05BCBD}"/>
+          </ac:spMkLst>
+        </pc:spChg>
+        <pc:spChg chg="add del mod">
+          <ac:chgData name="Tsebaot Tsebaot" userId="17b6d73d28cd6d8c" providerId="LiveId" clId="{20276244-AE06-4E75-A73B-3F213AFDA906}" dt="2023-02-01T02:17:32.290" v="2012" actId="478"/>
+          <ac:spMkLst>
+            <pc:docMk/>
+            <pc:sldMk cId="48883070" sldId="273"/>
+            <ac:spMk id="9" creationId="{52BC7ED5-735D-29C4-814C-994280485A17}"/>
+          </ac:spMkLst>
+        </pc:spChg>
+        <pc:spChg chg="add del">
+          <ac:chgData name="Tsebaot Tsebaot" userId="17b6d73d28cd6d8c" providerId="LiveId" clId="{20276244-AE06-4E75-A73B-3F213AFDA906}" dt="2023-02-01T02:18:38.471" v="2017" actId="26606"/>
+          <ac:spMkLst>
+            <pc:docMk/>
+            <pc:sldMk cId="48883070" sldId="273"/>
+            <ac:spMk id="10" creationId="{7D2256B4-48EA-40FC-BBC0-AA1EE6E0080C}"/>
+          </ac:spMkLst>
+        </pc:spChg>
+        <pc:spChg chg="add mod">
+          <ac:chgData name="Tsebaot Tsebaot" userId="17b6d73d28cd6d8c" providerId="LiveId" clId="{20276244-AE06-4E75-A73B-3F213AFDA906}" dt="2023-02-01T02:19:29.446" v="2025" actId="1076"/>
+          <ac:spMkLst>
+            <pc:docMk/>
+            <pc:sldMk cId="48883070" sldId="273"/>
+            <ac:spMk id="11" creationId="{501350B6-FF51-5DC4-5434-01CD9B04B327}"/>
+          </ac:spMkLst>
+        </pc:spChg>
+        <pc:spChg chg="add mod">
+          <ac:chgData name="Tsebaot Tsebaot" userId="17b6d73d28cd6d8c" providerId="LiveId" clId="{20276244-AE06-4E75-A73B-3F213AFDA906}" dt="2023-02-01T02:19:29.446" v="2025" actId="1076"/>
+          <ac:spMkLst>
+            <pc:docMk/>
+            <pc:sldMk cId="48883070" sldId="273"/>
+            <ac:spMk id="13" creationId="{5B33FCA5-2502-0DEE-8B8B-354903ABC5F5}"/>
+          </ac:spMkLst>
+        </pc:spChg>
+        <pc:spChg chg="add del">
+          <ac:chgData name="Tsebaot Tsebaot" userId="17b6d73d28cd6d8c" providerId="LiveId" clId="{20276244-AE06-4E75-A73B-3F213AFDA906}" dt="2023-02-01T02:18:38.471" v="2017" actId="26606"/>
+          <ac:spMkLst>
+            <pc:docMk/>
+            <pc:sldMk cId="48883070" sldId="273"/>
+            <ac:spMk id="14" creationId="{FBDCECDC-EEE3-4128-AA5E-82A8C08796E8}"/>
+          </ac:spMkLst>
+        </pc:spChg>
+        <pc:spChg chg="add mod">
+          <ac:chgData name="Tsebaot Tsebaot" userId="17b6d73d28cd6d8c" providerId="LiveId" clId="{20276244-AE06-4E75-A73B-3F213AFDA906}" dt="2023-02-01T02:19:43.376" v="2028" actId="6549"/>
+          <ac:spMkLst>
+            <pc:docMk/>
+            <pc:sldMk cId="48883070" sldId="273"/>
+            <ac:spMk id="15" creationId="{87696312-D151-40E4-14B5-9481F9328FA0}"/>
+          </ac:spMkLst>
+        </pc:spChg>
+        <pc:spChg chg="add del">
+          <ac:chgData name="Tsebaot Tsebaot" userId="17b6d73d28cd6d8c" providerId="LiveId" clId="{20276244-AE06-4E75-A73B-3F213AFDA906}" dt="2023-02-01T02:18:38.471" v="2017" actId="26606"/>
+          <ac:spMkLst>
+            <pc:docMk/>
+            <pc:sldMk cId="48883070" sldId="273"/>
+            <ac:spMk id="16" creationId="{4260EDE0-989C-4E16-AF94-F652294D828E}"/>
+          </ac:spMkLst>
+        </pc:spChg>
+        <pc:spChg chg="add del">
+          <ac:chgData name="Tsebaot Tsebaot" userId="17b6d73d28cd6d8c" providerId="LiveId" clId="{20276244-AE06-4E75-A73B-3F213AFDA906}" dt="2023-02-01T02:18:38.471" v="2017" actId="26606"/>
+          <ac:spMkLst>
+            <pc:docMk/>
+            <pc:sldMk cId="48883070" sldId="273"/>
+            <ac:spMk id="18" creationId="{1F3985C0-E548-44D2-B30E-F3E42DADE133}"/>
+          </ac:spMkLst>
+        </pc:spChg>
+        <pc:spChg chg="add del">
+          <ac:chgData name="Tsebaot Tsebaot" userId="17b6d73d28cd6d8c" providerId="LiveId" clId="{20276244-AE06-4E75-A73B-3F213AFDA906}" dt="2023-02-01T02:18:38.452" v="2016" actId="26606"/>
+          <ac:spMkLst>
+            <pc:docMk/>
+            <pc:sldMk cId="48883070" sldId="273"/>
+            <ac:spMk id="23" creationId="{BB2B8762-61F0-4F1B-9364-D633EE9D6AF5}"/>
+          </ac:spMkLst>
+        </pc:spChg>
+        <pc:spChg chg="add del">
+          <ac:chgData name="Tsebaot Tsebaot" userId="17b6d73d28cd6d8c" providerId="LiveId" clId="{20276244-AE06-4E75-A73B-3F213AFDA906}" dt="2023-02-01T02:18:38.452" v="2016" actId="26606"/>
+          <ac:spMkLst>
+            <pc:docMk/>
+            <pc:sldMk cId="48883070" sldId="273"/>
+            <ac:spMk id="25" creationId="{E97675C8-1328-460C-9EBF-6B446B67EAD3}"/>
+          </ac:spMkLst>
+        </pc:spChg>
+        <pc:spChg chg="add del">
+          <ac:chgData name="Tsebaot Tsebaot" userId="17b6d73d28cd6d8c" providerId="LiveId" clId="{20276244-AE06-4E75-A73B-3F213AFDA906}" dt="2023-02-01T02:18:38.452" v="2016" actId="26606"/>
+          <ac:spMkLst>
+            <pc:docMk/>
+            <pc:sldMk cId="48883070" sldId="273"/>
+            <ac:spMk id="29" creationId="{2AD83CFE-1CA3-4832-A4B9-C48CD1347C03}"/>
+          </ac:spMkLst>
+        </pc:spChg>
+        <pc:spChg chg="add del">
+          <ac:chgData name="Tsebaot Tsebaot" userId="17b6d73d28cd6d8c" providerId="LiveId" clId="{20276244-AE06-4E75-A73B-3F213AFDA906}" dt="2023-02-01T02:18:38.452" v="2016" actId="26606"/>
+          <ac:spMkLst>
+            <pc:docMk/>
+            <pc:sldMk cId="48883070" sldId="273"/>
+            <ac:spMk id="31" creationId="{BC98641C-7F74-435D-996F-A4387A3C3C26}"/>
+          </ac:spMkLst>
+        </pc:spChg>
+        <pc:spChg chg="add del">
+          <ac:chgData name="Tsebaot Tsebaot" userId="17b6d73d28cd6d8c" providerId="LiveId" clId="{20276244-AE06-4E75-A73B-3F213AFDA906}" dt="2023-02-01T02:18:38.452" v="2016" actId="26606"/>
+          <ac:spMkLst>
+            <pc:docMk/>
+            <pc:sldMk cId="48883070" sldId="273"/>
+            <ac:spMk id="33" creationId="{F530C0F6-C8DF-4539-B30C-8105DB618C20}"/>
+          </ac:spMkLst>
+        </pc:spChg>
+        <pc:spChg chg="add del">
+          <ac:chgData name="Tsebaot Tsebaot" userId="17b6d73d28cd6d8c" providerId="LiveId" clId="{20276244-AE06-4E75-A73B-3F213AFDA906}" dt="2023-02-01T02:18:38.452" v="2016" actId="26606"/>
+          <ac:spMkLst>
+            <pc:docMk/>
+            <pc:sldMk cId="48883070" sldId="273"/>
+            <ac:spMk id="35" creationId="{BAE51241-AA8B-4B82-9C59-6738DB85674C}"/>
+          </ac:spMkLst>
+        </pc:spChg>
+        <pc:spChg chg="add">
+          <ac:chgData name="Tsebaot Tsebaot" userId="17b6d73d28cd6d8c" providerId="LiveId" clId="{20276244-AE06-4E75-A73B-3F213AFDA906}" dt="2023-02-01T02:18:38.471" v="2017" actId="26606"/>
+          <ac:spMkLst>
+            <pc:docMk/>
+            <pc:sldMk cId="48883070" sldId="273"/>
+            <ac:spMk id="37" creationId="{07BDDC51-8BB2-42BE-8EA8-39B3E9AC1EF6}"/>
+          </ac:spMkLst>
+        </pc:spChg>
+        <pc:spChg chg="add">
+          <ac:chgData name="Tsebaot Tsebaot" userId="17b6d73d28cd6d8c" providerId="LiveId" clId="{20276244-AE06-4E75-A73B-3F213AFDA906}" dt="2023-02-01T02:18:38.471" v="2017" actId="26606"/>
+          <ac:spMkLst>
+            <pc:docMk/>
+            <pc:sldMk cId="48883070" sldId="273"/>
+            <ac:spMk id="38" creationId="{BB2B8762-61F0-4F1B-9364-D633EE9D6AF5}"/>
+          </ac:spMkLst>
+        </pc:spChg>
+        <pc:spChg chg="add">
+          <ac:chgData name="Tsebaot Tsebaot" userId="17b6d73d28cd6d8c" providerId="LiveId" clId="{20276244-AE06-4E75-A73B-3F213AFDA906}" dt="2023-02-01T02:18:38.471" v="2017" actId="26606"/>
+          <ac:spMkLst>
+            <pc:docMk/>
+            <pc:sldMk cId="48883070" sldId="273"/>
+            <ac:spMk id="39" creationId="{E97675C8-1328-460C-9EBF-6B446B67EAD3}"/>
+          </ac:spMkLst>
+        </pc:spChg>
+        <pc:spChg chg="add">
+          <ac:chgData name="Tsebaot Tsebaot" userId="17b6d73d28cd6d8c" providerId="LiveId" clId="{20276244-AE06-4E75-A73B-3F213AFDA906}" dt="2023-02-01T02:18:38.471" v="2017" actId="26606"/>
+          <ac:spMkLst>
+            <pc:docMk/>
+            <pc:sldMk cId="48883070" sldId="273"/>
+            <ac:spMk id="41" creationId="{C6417104-D4C1-4710-9982-2154A7F48492}"/>
+          </ac:spMkLst>
+        </pc:spChg>
+        <pc:spChg chg="add">
+          <ac:chgData name="Tsebaot Tsebaot" userId="17b6d73d28cd6d8c" providerId="LiveId" clId="{20276244-AE06-4E75-A73B-3F213AFDA906}" dt="2023-02-01T02:18:38.471" v="2017" actId="26606"/>
+          <ac:spMkLst>
+            <pc:docMk/>
+            <pc:sldMk cId="48883070" sldId="273"/>
+            <ac:spMk id="42" creationId="{626F1402-2DEC-4071-84AF-350C7BF00D43}"/>
+          </ac:spMkLst>
+        </pc:spChg>
+        <pc:spChg chg="add">
+          <ac:chgData name="Tsebaot Tsebaot" userId="17b6d73d28cd6d8c" providerId="LiveId" clId="{20276244-AE06-4E75-A73B-3F213AFDA906}" dt="2023-02-01T02:18:38.471" v="2017" actId="26606"/>
+          <ac:spMkLst>
+            <pc:docMk/>
+            <pc:sldMk cId="48883070" sldId="273"/>
+            <ac:spMk id="44" creationId="{DA52A394-10F4-4AA5-90E4-634D1E919DBA}"/>
+          </ac:spMkLst>
+        </pc:spChg>
+        <pc:picChg chg="add mod">
+          <ac:chgData name="Tsebaot Tsebaot" userId="17b6d73d28cd6d8c" providerId="LiveId" clId="{20276244-AE06-4E75-A73B-3F213AFDA906}" dt="2023-02-01T02:19:07.446" v="2020" actId="14100"/>
+          <ac:picMkLst>
+            <pc:docMk/>
+            <pc:sldMk cId="48883070" sldId="273"/>
+            <ac:picMk id="4" creationId="{7A4E4FC4-0D0F-184A-46B4-38B024C6A981}"/>
+          </ac:picMkLst>
+        </pc:picChg>
+        <pc:picChg chg="add mod">
+          <ac:chgData name="Tsebaot Tsebaot" userId="17b6d73d28cd6d8c" providerId="LiveId" clId="{20276244-AE06-4E75-A73B-3F213AFDA906}" dt="2023-02-01T02:19:11.317" v="2023" actId="14100"/>
+          <ac:picMkLst>
+            <pc:docMk/>
+            <pc:sldMk cId="48883070" sldId="273"/>
+            <ac:picMk id="6" creationId="{9CAFA04C-7052-98AE-E8BD-71EF6C9D8054}"/>
+          </ac:picMkLst>
+        </pc:picChg>
+        <pc:cxnChg chg="add del">
+          <ac:chgData name="Tsebaot Tsebaot" userId="17b6d73d28cd6d8c" providerId="LiveId" clId="{20276244-AE06-4E75-A73B-3F213AFDA906}" dt="2023-02-01T02:18:38.471" v="2017" actId="26606"/>
+          <ac:cxnSpMkLst>
+            <pc:docMk/>
+            <pc:sldMk cId="48883070" sldId="273"/>
+            <ac:cxnSpMk id="12" creationId="{3D44BCCA-102D-4A9D-B1E4-2450CAF0B05E}"/>
+          </ac:cxnSpMkLst>
+        </pc:cxnChg>
+        <pc:cxnChg chg="add del">
+          <ac:chgData name="Tsebaot Tsebaot" userId="17b6d73d28cd6d8c" providerId="LiveId" clId="{20276244-AE06-4E75-A73B-3F213AFDA906}" dt="2023-02-01T02:18:38.452" v="2016" actId="26606"/>
+          <ac:cxnSpMkLst>
+            <pc:docMk/>
+            <pc:sldMk cId="48883070" sldId="273"/>
+            <ac:cxnSpMk id="27" creationId="{514EE78B-AF71-4195-A01B-F1165D9233BF}"/>
+          </ac:cxnSpMkLst>
+        </pc:cxnChg>
+        <pc:cxnChg chg="add">
+          <ac:chgData name="Tsebaot Tsebaot" userId="17b6d73d28cd6d8c" providerId="LiveId" clId="{20276244-AE06-4E75-A73B-3F213AFDA906}" dt="2023-02-01T02:18:38.471" v="2017" actId="26606"/>
+          <ac:cxnSpMkLst>
+            <pc:docMk/>
+            <pc:sldMk cId="48883070" sldId="273"/>
+            <ac:cxnSpMk id="40" creationId="{514EE78B-AF71-4195-A01B-F1165D9233BF}"/>
+          </ac:cxnSpMkLst>
+        </pc:cxnChg>
+        <pc:cxnChg chg="add">
+          <ac:chgData name="Tsebaot Tsebaot" userId="17b6d73d28cd6d8c" providerId="LiveId" clId="{20276244-AE06-4E75-A73B-3F213AFDA906}" dt="2023-02-01T02:18:38.471" v="2017" actId="26606"/>
+          <ac:cxnSpMkLst>
+            <pc:docMk/>
+            <pc:sldMk cId="48883070" sldId="273"/>
+            <ac:cxnSpMk id="43" creationId="{04733B62-1719-4677-A612-CA0AC0AD7482}"/>
+          </ac:cxnSpMkLst>
+        </pc:cxnChg>
       </pc:sldChg>
     </pc:docChg>
   </pc:docChgLst>
@@ -3644,7 +6318,7 @@
           <a:p>
             <a:fld id="{BE8E6657-5098-4E0B-B990-7F1C39A280C9}" type="datetimeFigureOut">
               <a:rPr lang="en-US" smtClean="0"/>
-              <a:t>1/30/2023</a:t>
+              <a:t>1/31/2023</a:t>
             </a:fld>
             <a:endParaRPr lang="en-US"/>
           </a:p>
@@ -3852,7 +6526,7 @@
           <a:p>
             <a:fld id="{BE8E6657-5098-4E0B-B990-7F1C39A280C9}" type="datetimeFigureOut">
               <a:rPr lang="en-US" smtClean="0"/>
-              <a:t>1/30/2023</a:t>
+              <a:t>1/31/2023</a:t>
             </a:fld>
             <a:endParaRPr lang="en-US"/>
           </a:p>
@@ -4108,7 +6782,7 @@
           <a:p>
             <a:fld id="{BE8E6657-5098-4E0B-B990-7F1C39A280C9}" type="datetimeFigureOut">
               <a:rPr lang="en-US" smtClean="0"/>
-              <a:t>1/30/2023</a:t>
+              <a:t>1/31/2023</a:t>
             </a:fld>
             <a:endParaRPr lang="en-US"/>
           </a:p>
@@ -4282,7 +6956,7 @@
           <a:p>
             <a:fld id="{BE8E6657-5098-4E0B-B990-7F1C39A280C9}" type="datetimeFigureOut">
               <a:rPr lang="en-US" smtClean="0"/>
-              <a:t>1/30/2023</a:t>
+              <a:t>1/31/2023</a:t>
             </a:fld>
             <a:endParaRPr lang="en-US"/>
           </a:p>
@@ -4625,7 +7299,7 @@
           <a:p>
             <a:fld id="{BE8E6657-5098-4E0B-B990-7F1C39A280C9}" type="datetimeFigureOut">
               <a:rPr lang="en-US" smtClean="0"/>
-              <a:t>1/30/2023</a:t>
+              <a:t>1/31/2023</a:t>
             </a:fld>
             <a:endParaRPr lang="en-US"/>
           </a:p>
@@ -4900,7 +7574,7 @@
           <a:p>
             <a:fld id="{BE8E6657-5098-4E0B-B990-7F1C39A280C9}" type="datetimeFigureOut">
               <a:rPr lang="en-US" smtClean="0"/>
-              <a:t>1/30/2023</a:t>
+              <a:t>1/31/2023</a:t>
             </a:fld>
             <a:endParaRPr lang="en-US"/>
           </a:p>
@@ -5279,7 +7953,7 @@
           <a:p>
             <a:fld id="{BE8E6657-5098-4E0B-B990-7F1C39A280C9}" type="datetimeFigureOut">
               <a:rPr lang="en-US" smtClean="0"/>
-              <a:t>1/30/2023</a:t>
+              <a:t>1/31/2023</a:t>
             </a:fld>
             <a:endParaRPr lang="en-US"/>
           </a:p>
@@ -5397,7 +8071,7 @@
           <a:p>
             <a:fld id="{BE8E6657-5098-4E0B-B990-7F1C39A280C9}" type="datetimeFigureOut">
               <a:rPr lang="en-US" smtClean="0"/>
-              <a:t>1/30/2023</a:t>
+              <a:t>1/31/2023</a:t>
             </a:fld>
             <a:endParaRPr lang="en-US"/>
           </a:p>
@@ -5568,7 +8242,7 @@
           <a:p>
             <a:fld id="{BE8E6657-5098-4E0B-B990-7F1C39A280C9}" type="datetimeFigureOut">
               <a:rPr lang="en-US" smtClean="0"/>
-              <a:t>1/30/2023</a:t>
+              <a:t>1/31/2023</a:t>
             </a:fld>
             <a:endParaRPr lang="en-US"/>
           </a:p>
@@ -5922,7 +8596,7 @@
           <a:p>
             <a:fld id="{BE8E6657-5098-4E0B-B990-7F1C39A280C9}" type="datetimeFigureOut">
               <a:rPr lang="en-US" smtClean="0"/>
-              <a:t>1/30/2023</a:t>
+              <a:t>1/31/2023</a:t>
             </a:fld>
             <a:endParaRPr lang="en-US"/>
           </a:p>
@@ -6304,7 +8978,7 @@
           <a:p>
             <a:fld id="{BE8E6657-5098-4E0B-B990-7F1C39A280C9}" type="datetimeFigureOut">
               <a:rPr lang="en-US" smtClean="0"/>
-              <a:t>1/30/2023</a:t>
+              <a:t>1/31/2023</a:t>
             </a:fld>
             <a:endParaRPr lang="en-US"/>
           </a:p>
@@ -6591,7 +9265,7 @@
           <a:p>
             <a:fld id="{BE8E6657-5098-4E0B-B990-7F1C39A280C9}" type="datetimeFigureOut">
               <a:rPr lang="en-US" smtClean="0"/>
-              <a:t>1/30/2023</a:t>
+              <a:t>1/31/2023</a:t>
             </a:fld>
             <a:endParaRPr lang="en-US"/>
           </a:p>
@@ -7101,6 +9775,582 @@
 <file path=ppt/slides/slide1.xml><?xml version="1.0" encoding="utf-8"?>
 <p:sld xmlns:a="http://schemas.openxmlformats.org/drawingml/2006/main" xmlns:r="http://schemas.openxmlformats.org/officeDocument/2006/relationships" xmlns:p="http://schemas.openxmlformats.org/presentationml/2006/main">
   <p:cSld>
+    <p:bg>
+      <p:bgPr>
+        <a:solidFill>
+          <a:schemeClr val="bg1"/>
+        </a:solidFill>
+        <a:effectLst/>
+      </p:bgPr>
+    </p:bg>
+    <p:spTree>
+      <p:nvGrpSpPr>
+        <p:cNvPr id="1" name=""/>
+        <p:cNvGrpSpPr/>
+        <p:nvPr/>
+      </p:nvGrpSpPr>
+      <p:grpSpPr>
+        <a:xfrm>
+          <a:off x="0" y="0"/>
+          <a:ext cx="0" cy="0"/>
+          <a:chOff x="0" y="0"/>
+          <a:chExt cx="0" cy="0"/>
+        </a:xfrm>
+      </p:grpSpPr>
+      <p:sp>
+        <p:nvSpPr>
+          <p:cNvPr id="312" name="Rectangle 314">
+            <a:extLst>
+              <a:ext uri="{FF2B5EF4-FFF2-40B4-BE49-F238E27FC236}">
+                <a16:creationId xmlns:a16="http://schemas.microsoft.com/office/drawing/2014/main" id="{600B5AE2-C5CC-499C-8F2D-249888BE22C2}"/>
+              </a:ext>
+              <a:ext uri="{C183D7F6-B498-43B3-948B-1728B52AA6E4}">
+                <adec:decorative xmlns:adec="http://schemas.microsoft.com/office/drawing/2017/decorative" val="1"/>
+              </a:ext>
+            </a:extLst>
+          </p:cNvPr>
+          <p:cNvSpPr>
+            <a:spLocks noGrp="1" noRot="1" noChangeAspect="1" noMove="1" noResize="1" noEditPoints="1" noAdjustHandles="1" noChangeArrowheads="1" noChangeShapeType="1" noTextEdit="1"/>
+          </p:cNvSpPr>
+          <p:nvPr>
+            <p:extLst>
+              <p:ext uri="{386F3935-93C4-4BCD-93E2-E3B085C9AB24}">
+                <p16:designElem xmlns:p16="http://schemas.microsoft.com/office/powerpoint/2015/main" val="1"/>
+              </p:ext>
+            </p:extLst>
+          </p:nvPr>
+        </p:nvSpPr>
+        <p:spPr>
+          <a:xfrm>
+            <a:off x="1" y="6400800"/>
+            <a:ext cx="12192000" cy="457200"/>
+          </a:xfrm>
+          <a:prstGeom prst="rect">
+            <a:avLst/>
+          </a:prstGeom>
+          <a:solidFill>
+            <a:schemeClr val="accent2"/>
+          </a:solidFill>
+          <a:ln>
+            <a:noFill/>
+          </a:ln>
+        </p:spPr>
+        <p:style>
+          <a:lnRef idx="2">
+            <a:schemeClr val="accent1">
+              <a:shade val="50000"/>
+            </a:schemeClr>
+          </a:lnRef>
+          <a:fillRef idx="1">
+            <a:schemeClr val="accent1"/>
+          </a:fillRef>
+          <a:effectRef idx="0">
+            <a:schemeClr val="accent1"/>
+          </a:effectRef>
+          <a:fontRef idx="minor">
+            <a:schemeClr val="lt1"/>
+          </a:fontRef>
+        </p:style>
+      </p:sp>
+      <p:sp>
+        <p:nvSpPr>
+          <p:cNvPr id="313" name="Rectangle 316">
+            <a:extLst>
+              <a:ext uri="{FF2B5EF4-FFF2-40B4-BE49-F238E27FC236}">
+                <a16:creationId xmlns:a16="http://schemas.microsoft.com/office/drawing/2014/main" id="{BA7A3698-B350-40E5-8475-9BCC41A089FC}"/>
+              </a:ext>
+              <a:ext uri="{C183D7F6-B498-43B3-948B-1728B52AA6E4}">
+                <adec:decorative xmlns:adec="http://schemas.microsoft.com/office/drawing/2017/decorative" val="1"/>
+              </a:ext>
+            </a:extLst>
+          </p:cNvPr>
+          <p:cNvSpPr>
+            <a:spLocks noGrp="1" noRot="1" noChangeAspect="1" noMove="1" noResize="1" noEditPoints="1" noAdjustHandles="1" noChangeArrowheads="1" noChangeShapeType="1" noTextEdit="1"/>
+          </p:cNvSpPr>
+          <p:nvPr>
+            <p:extLst>
+              <p:ext uri="{386F3935-93C4-4BCD-93E2-E3B085C9AB24}">
+                <p16:designElem xmlns:p16="http://schemas.microsoft.com/office/powerpoint/2015/main" val="1"/>
+              </p:ext>
+            </p:extLst>
+          </p:nvPr>
+        </p:nvSpPr>
+        <p:spPr>
+          <a:xfrm>
+            <a:off x="0" y="6334316"/>
+            <a:ext cx="12192001" cy="65998"/>
+          </a:xfrm>
+          <a:prstGeom prst="rect">
+            <a:avLst/>
+          </a:prstGeom>
+          <a:solidFill>
+            <a:schemeClr val="accent1"/>
+          </a:solidFill>
+          <a:ln>
+            <a:noFill/>
+          </a:ln>
+        </p:spPr>
+        <p:style>
+          <a:lnRef idx="2">
+            <a:schemeClr val="accent1">
+              <a:shade val="50000"/>
+            </a:schemeClr>
+          </a:lnRef>
+          <a:fillRef idx="1">
+            <a:schemeClr val="accent1"/>
+          </a:fillRef>
+          <a:effectRef idx="0">
+            <a:schemeClr val="accent1"/>
+          </a:effectRef>
+          <a:fontRef idx="minor">
+            <a:schemeClr val="lt1"/>
+          </a:fontRef>
+        </p:style>
+      </p:sp>
+      <p:cxnSp>
+        <p:nvCxnSpPr>
+          <p:cNvPr id="314" name="Straight Connector 318">
+            <a:extLst>
+              <a:ext uri="{FF2B5EF4-FFF2-40B4-BE49-F238E27FC236}">
+                <a16:creationId xmlns:a16="http://schemas.microsoft.com/office/drawing/2014/main" id="{0AC655C7-EC94-4BE6-84C8-2F9EFBBB2789}"/>
+              </a:ext>
+              <a:ext uri="{C183D7F6-B498-43B3-948B-1728B52AA6E4}">
+                <adec:decorative xmlns:adec="http://schemas.microsoft.com/office/drawing/2017/decorative" val="1"/>
+              </a:ext>
+            </a:extLst>
+          </p:cNvPr>
+          <p:cNvCxnSpPr>
+            <a:cxnSpLocks noGrp="1" noRot="1" noChangeAspect="1" noMove="1" noResize="1" noEditPoints="1" noAdjustHandles="1" noChangeArrowheads="1" noChangeShapeType="1"/>
+          </p:cNvCxnSpPr>
+          <p:nvPr>
+            <p:extLst>
+              <p:ext uri="{386F3935-93C4-4BCD-93E2-E3B085C9AB24}">
+                <p16:designElem xmlns:p16="http://schemas.microsoft.com/office/powerpoint/2015/main" val="1"/>
+              </p:ext>
+            </p:extLst>
+          </p:nvPr>
+        </p:nvCxnSpPr>
+        <p:spPr>
+          <a:xfrm>
+            <a:off x="1193532" y="1737845"/>
+            <a:ext cx="9966960" cy="0"/>
+          </a:xfrm>
+          <a:prstGeom prst="line">
+            <a:avLst/>
+          </a:prstGeom>
+          <a:ln w="6350">
+            <a:solidFill>
+              <a:schemeClr val="tx1">
+                <a:lumMod val="50000"/>
+                <a:lumOff val="50000"/>
+              </a:schemeClr>
+            </a:solidFill>
+          </a:ln>
+        </p:spPr>
+        <p:style>
+          <a:lnRef idx="1">
+            <a:schemeClr val="accent1"/>
+          </a:lnRef>
+          <a:fillRef idx="0">
+            <a:schemeClr val="accent1"/>
+          </a:fillRef>
+          <a:effectRef idx="0">
+            <a:schemeClr val="accent1"/>
+          </a:effectRef>
+          <a:fontRef idx="minor">
+            <a:schemeClr val="tx1"/>
+          </a:fontRef>
+        </p:style>
+      </p:cxnSp>
+      <p:pic>
+        <p:nvPicPr>
+          <p:cNvPr id="4" name="Picture 4" descr="Aerial view of skyscrapers">
+            <a:extLst>
+              <a:ext uri="{FF2B5EF4-FFF2-40B4-BE49-F238E27FC236}">
+                <a16:creationId xmlns:a16="http://schemas.microsoft.com/office/drawing/2014/main" id="{13AD7D60-737E-BB3E-8958-8B18A03D5285}"/>
+              </a:ext>
+            </a:extLst>
+          </p:cNvPr>
+          <p:cNvPicPr>
+            <a:picLocks noChangeAspect="1"/>
+          </p:cNvPicPr>
+          <p:nvPr/>
+        </p:nvPicPr>
+        <p:blipFill rotWithShape="1">
+          <a:blip r:embed="rId2"/>
+          <a:srcRect l="27717" r="27715" b="-1"/>
+          <a:stretch/>
+        </p:blipFill>
+        <p:spPr>
+          <a:xfrm>
+            <a:off x="20" y="10"/>
+            <a:ext cx="4578952" cy="6857990"/>
+          </a:xfrm>
+          <a:prstGeom prst="rect">
+            <a:avLst/>
+          </a:prstGeom>
+        </p:spPr>
+      </p:pic>
+      <p:sp>
+        <p:nvSpPr>
+          <p:cNvPr id="316" name="Rectangle 320">
+            <a:extLst>
+              <a:ext uri="{FF2B5EF4-FFF2-40B4-BE49-F238E27FC236}">
+                <a16:creationId xmlns:a16="http://schemas.microsoft.com/office/drawing/2014/main" id="{F4C359F3-25B2-4E2B-8713-5583EAF4C18E}"/>
+              </a:ext>
+              <a:ext uri="{C183D7F6-B498-43B3-948B-1728B52AA6E4}">
+                <adec:decorative xmlns:adec="http://schemas.microsoft.com/office/drawing/2017/decorative" val="1"/>
+              </a:ext>
+            </a:extLst>
+          </p:cNvPr>
+          <p:cNvSpPr>
+            <a:spLocks noGrp="1" noRot="1" noChangeAspect="1" noMove="1" noResize="1" noEditPoints="1" noAdjustHandles="1" noChangeArrowheads="1" noChangeShapeType="1" noTextEdit="1"/>
+          </p:cNvSpPr>
+          <p:nvPr>
+            <p:extLst>
+              <p:ext uri="{386F3935-93C4-4BCD-93E2-E3B085C9AB24}">
+                <p16:designElem xmlns:p16="http://schemas.microsoft.com/office/powerpoint/2015/main" val="1"/>
+              </p:ext>
+            </p:extLst>
+          </p:nvPr>
+        </p:nvSpPr>
+        <p:spPr bwMode="white">
+          <a:xfrm>
+            <a:off x="4639733" y="0"/>
+            <a:ext cx="7552267" cy="6858000"/>
+          </a:xfrm>
+          <a:prstGeom prst="rect">
+            <a:avLst/>
+          </a:prstGeom>
+          <a:solidFill>
+            <a:schemeClr val="accent2"/>
+          </a:solidFill>
+          <a:ln>
+            <a:noFill/>
+          </a:ln>
+        </p:spPr>
+        <p:style>
+          <a:lnRef idx="2">
+            <a:schemeClr val="accent1">
+              <a:shade val="50000"/>
+            </a:schemeClr>
+          </a:lnRef>
+          <a:fillRef idx="1">
+            <a:schemeClr val="accent1"/>
+          </a:fillRef>
+          <a:effectRef idx="0">
+            <a:schemeClr val="accent1"/>
+          </a:effectRef>
+          <a:fontRef idx="minor">
+            <a:schemeClr val="lt1"/>
+          </a:fontRef>
+        </p:style>
+      </p:sp>
+      <p:sp>
+        <p:nvSpPr>
+          <p:cNvPr id="2" name="Title 1">
+            <a:extLst>
+              <a:ext uri="{FF2B5EF4-FFF2-40B4-BE49-F238E27FC236}">
+                <a16:creationId xmlns:a16="http://schemas.microsoft.com/office/drawing/2014/main" id="{453AC146-FAD7-923D-30E4-943FB0C7AEB7}"/>
+              </a:ext>
+            </a:extLst>
+          </p:cNvPr>
+          <p:cNvSpPr>
+            <a:spLocks noGrp="1"/>
+          </p:cNvSpPr>
+          <p:nvPr>
+            <p:ph type="ctrTitle"/>
+          </p:nvPr>
+        </p:nvSpPr>
+        <p:spPr>
+          <a:xfrm>
+            <a:off x="5124206" y="529043"/>
+            <a:ext cx="6339840" cy="2183336"/>
+          </a:xfrm>
+        </p:spPr>
+        <p:txBody>
+          <a:bodyPr vert="horz" lIns="91440" tIns="45720" rIns="91440" bIns="45720" rtlCol="0" anchor="b">
+            <a:normAutofit/>
+          </a:bodyPr>
+          <a:lstStyle/>
+          <a:p>
+            <a:r>
+              <a:rPr lang="en-US" sz="2500" kern="1200" spc="-50" baseline="0" dirty="0">
+                <a:solidFill>
+                  <a:srgbClr val="FFFFFF"/>
+                </a:solidFill>
+                <a:latin typeface="+mj-lt"/>
+                <a:ea typeface="+mj-ea"/>
+                <a:cs typeface="+mj-cs"/>
+              </a:rPr>
+              <a:t>GROUP 2 : THE DATA NINJAS</a:t>
+            </a:r>
+            <a:br>
+              <a:rPr lang="en-US" sz="2500" kern="1200" spc="-50" baseline="0" dirty="0">
+                <a:solidFill>
+                  <a:srgbClr val="FFFFFF"/>
+                </a:solidFill>
+                <a:latin typeface="+mj-lt"/>
+                <a:ea typeface="+mj-ea"/>
+                <a:cs typeface="+mj-cs"/>
+              </a:rPr>
+            </a:br>
+            <a:br>
+              <a:rPr lang="en-US" sz="2500" kern="1200" spc="-50" baseline="0" dirty="0">
+                <a:solidFill>
+                  <a:srgbClr val="FFFFFF"/>
+                </a:solidFill>
+                <a:latin typeface="+mj-lt"/>
+                <a:ea typeface="+mj-ea"/>
+                <a:cs typeface="+mj-cs"/>
+              </a:rPr>
+            </a:br>
+            <a:r>
+              <a:rPr lang="en-US" sz="4000" b="1" kern="1200" spc="-50" baseline="0" dirty="0">
+                <a:solidFill>
+                  <a:srgbClr val="FFFFFF"/>
+                </a:solidFill>
+                <a:latin typeface="+mj-lt"/>
+                <a:ea typeface="+mj-ea"/>
+                <a:cs typeface="+mj-cs"/>
+              </a:rPr>
+              <a:t>EVALUATING COST OF LIVING IN THE US CITIES</a:t>
+            </a:r>
+            <a:br>
+              <a:rPr lang="en-US" sz="2500" kern="1200" spc="-50" baseline="0" dirty="0">
+                <a:solidFill>
+                  <a:srgbClr val="FFFFFF"/>
+                </a:solidFill>
+                <a:latin typeface="+mj-lt"/>
+                <a:ea typeface="+mj-ea"/>
+                <a:cs typeface="+mj-cs"/>
+              </a:rPr>
+            </a:br>
+            <a:endParaRPr lang="en-US" sz="2500" kern="1200" spc="-50" baseline="0" dirty="0">
+              <a:solidFill>
+                <a:srgbClr val="FFFFFF"/>
+              </a:solidFill>
+              <a:latin typeface="+mj-lt"/>
+              <a:ea typeface="+mj-ea"/>
+              <a:cs typeface="+mj-cs"/>
+            </a:endParaRPr>
+          </a:p>
+        </p:txBody>
+      </p:sp>
+      <p:sp>
+        <p:nvSpPr>
+          <p:cNvPr id="318" name="Rectangle 322">
+            <a:extLst>
+              <a:ext uri="{FF2B5EF4-FFF2-40B4-BE49-F238E27FC236}">
+                <a16:creationId xmlns:a16="http://schemas.microsoft.com/office/drawing/2014/main" id="{B026EB53-A064-438C-B0CD-AC1503631ACC}"/>
+              </a:ext>
+              <a:ext uri="{C183D7F6-B498-43B3-948B-1728B52AA6E4}">
+                <adec:decorative xmlns:adec="http://schemas.microsoft.com/office/drawing/2017/decorative" val="1"/>
+              </a:ext>
+            </a:extLst>
+          </p:cNvPr>
+          <p:cNvSpPr>
+            <a:spLocks noGrp="1" noRot="1" noChangeAspect="1" noMove="1" noResize="1" noEditPoints="1" noAdjustHandles="1" noChangeArrowheads="1" noChangeShapeType="1" noTextEdit="1"/>
+          </p:cNvSpPr>
+          <p:nvPr>
+            <p:extLst>
+              <p:ext uri="{386F3935-93C4-4BCD-93E2-E3B085C9AB24}">
+                <p16:designElem xmlns:p16="http://schemas.microsoft.com/office/powerpoint/2015/main" val="1"/>
+              </p:ext>
+            </p:extLst>
+          </p:nvPr>
+        </p:nvSpPr>
+        <p:spPr>
+          <a:xfrm>
+            <a:off x="4578972" y="0"/>
+            <a:ext cx="64008" cy="6858000"/>
+          </a:xfrm>
+          <a:prstGeom prst="rect">
+            <a:avLst/>
+          </a:prstGeom>
+          <a:solidFill>
+            <a:schemeClr val="accent1"/>
+          </a:solidFill>
+          <a:ln>
+            <a:noFill/>
+          </a:ln>
+        </p:spPr>
+        <p:style>
+          <a:lnRef idx="2">
+            <a:schemeClr val="accent1">
+              <a:shade val="50000"/>
+            </a:schemeClr>
+          </a:lnRef>
+          <a:fillRef idx="1">
+            <a:schemeClr val="accent1"/>
+          </a:fillRef>
+          <a:effectRef idx="0">
+            <a:schemeClr val="accent1"/>
+          </a:effectRef>
+          <a:fontRef idx="minor">
+            <a:schemeClr val="lt1"/>
+          </a:fontRef>
+        </p:style>
+      </p:sp>
+      <p:sp>
+        <p:nvSpPr>
+          <p:cNvPr id="3" name="Subtitle 2">
+            <a:extLst>
+              <a:ext uri="{FF2B5EF4-FFF2-40B4-BE49-F238E27FC236}">
+                <a16:creationId xmlns:a16="http://schemas.microsoft.com/office/drawing/2014/main" id="{8CBE6AD3-058F-9686-4BB2-15A6C94A1B18}"/>
+              </a:ext>
+            </a:extLst>
+          </p:cNvPr>
+          <p:cNvSpPr>
+            <a:spLocks noGrp="1"/>
+          </p:cNvSpPr>
+          <p:nvPr>
+            <p:ph type="subTitle" idx="1"/>
+          </p:nvPr>
+        </p:nvSpPr>
+        <p:spPr>
+          <a:xfrm>
+            <a:off x="5000381" y="3687442"/>
+            <a:ext cx="5667619" cy="2975295"/>
+          </a:xfrm>
+        </p:spPr>
+        <p:txBody>
+          <a:bodyPr vert="horz" lIns="0" tIns="45720" rIns="0" bIns="45720" rtlCol="0">
+            <a:normAutofit/>
+          </a:bodyPr>
+          <a:lstStyle/>
+          <a:p>
+            <a:pPr algn="just"/>
+            <a:r>
+              <a:rPr lang="en-US" sz="1800" b="0" i="0" dirty="0" err="1">
+                <a:solidFill>
+                  <a:srgbClr val="FFFFFF"/>
+                </a:solidFill>
+                <a:effectLst/>
+                <a:latin typeface="+mn-lt"/>
+              </a:rPr>
+              <a:t>Cynethia</a:t>
+            </a:r>
+            <a:r>
+              <a:rPr lang="en-US" sz="1800" b="0" i="0" dirty="0">
+                <a:solidFill>
+                  <a:srgbClr val="FFFFFF"/>
+                </a:solidFill>
+                <a:effectLst/>
+                <a:latin typeface="+mn-lt"/>
+              </a:rPr>
+              <a:t> Martinez,</a:t>
+            </a:r>
+          </a:p>
+          <a:p>
+            <a:pPr algn="just"/>
+            <a:r>
+              <a:rPr lang="en-US" sz="1800" b="0" i="0" dirty="0">
+                <a:solidFill>
+                  <a:srgbClr val="FFFFFF"/>
+                </a:solidFill>
+                <a:effectLst/>
+                <a:latin typeface="+mn-lt"/>
+              </a:rPr>
+              <a:t>Faiza Ahmad, </a:t>
+            </a:r>
+          </a:p>
+          <a:p>
+            <a:pPr algn="just"/>
+            <a:r>
+              <a:rPr lang="en-US" sz="1800" b="0" i="0" dirty="0">
+                <a:solidFill>
+                  <a:srgbClr val="FFFFFF"/>
+                </a:solidFill>
+                <a:effectLst/>
+                <a:latin typeface="+mn-lt"/>
+              </a:rPr>
+              <a:t>Libby </a:t>
+            </a:r>
+            <a:r>
+              <a:rPr lang="en-US" sz="1800" b="0" i="0" dirty="0" err="1">
+                <a:solidFill>
+                  <a:srgbClr val="FFFFFF"/>
+                </a:solidFill>
+                <a:effectLst/>
+                <a:latin typeface="+mn-lt"/>
+              </a:rPr>
+              <a:t>Berter</a:t>
+            </a:r>
+            <a:endParaRPr lang="en-US" sz="1800" b="0" i="0" dirty="0">
+              <a:solidFill>
+                <a:srgbClr val="FFFFFF"/>
+              </a:solidFill>
+              <a:effectLst/>
+              <a:latin typeface="+mn-lt"/>
+            </a:endParaRPr>
+          </a:p>
+          <a:p>
+            <a:pPr algn="just"/>
+            <a:r>
+              <a:rPr lang="en-US" sz="1800" b="0" i="0" dirty="0">
+                <a:solidFill>
+                  <a:srgbClr val="FFFFFF"/>
+                </a:solidFill>
+                <a:effectLst/>
+                <a:latin typeface="+mn-lt"/>
+              </a:rPr>
+              <a:t>Nicole Harris, </a:t>
+            </a:r>
+          </a:p>
+          <a:p>
+            <a:pPr algn="just"/>
+            <a:r>
+              <a:rPr lang="en-US" sz="1800" b="0" i="0" dirty="0">
+                <a:solidFill>
+                  <a:srgbClr val="FFFFFF"/>
+                </a:solidFill>
+                <a:effectLst/>
+                <a:latin typeface="+mn-lt"/>
+              </a:rPr>
+              <a:t>Tsebaot Kebede, </a:t>
+            </a:r>
+          </a:p>
+          <a:p>
+            <a:pPr algn="just"/>
+            <a:endParaRPr lang="en-US" sz="1800" b="0" i="0" dirty="0">
+              <a:solidFill>
+                <a:srgbClr val="FFFFFF"/>
+              </a:solidFill>
+              <a:effectLst/>
+              <a:latin typeface="+mn-lt"/>
+            </a:endParaRPr>
+          </a:p>
+          <a:p>
+            <a:pPr algn="ctr"/>
+            <a:r>
+              <a:rPr lang="en-US" sz="1800" dirty="0">
+                <a:solidFill>
+                  <a:srgbClr val="FFFFFF"/>
+                </a:solidFill>
+                <a:latin typeface="+mn-lt"/>
+              </a:rPr>
+              <a:t>February 2023</a:t>
+            </a:r>
+          </a:p>
+        </p:txBody>
+      </p:sp>
+    </p:spTree>
+    <p:extLst>
+      <p:ext uri="{BB962C8B-B14F-4D97-AF65-F5344CB8AC3E}">
+        <p14:creationId xmlns:p14="http://schemas.microsoft.com/office/powerpoint/2010/main" val="16774443"/>
+      </p:ext>
+    </p:extLst>
+  </p:cSld>
+  <p:clrMapOvr>
+    <a:masterClrMapping/>
+  </p:clrMapOvr>
+</p:sld>
+</file>
+
+<file path=ppt/slides/slide10.xml><?xml version="1.0" encoding="utf-8"?>
+<p:sld xmlns:a="http://schemas.openxmlformats.org/drawingml/2006/main" xmlns:r="http://schemas.openxmlformats.org/officeDocument/2006/relationships" xmlns:p="http://schemas.openxmlformats.org/presentationml/2006/main">
+  <p:cSld>
     <p:spTree>
       <p:nvGrpSpPr>
         <p:cNvPr id="1" name=""/>
@@ -7120,7 +10370,7 @@
           <p:cNvPr id="2" name="Title 1">
             <a:extLst>
               <a:ext uri="{FF2B5EF4-FFF2-40B4-BE49-F238E27FC236}">
-                <a16:creationId xmlns:a16="http://schemas.microsoft.com/office/drawing/2014/main" id="{453AC146-FAD7-923D-30E4-943FB0C7AEB7}"/>
+                <a16:creationId xmlns:a16="http://schemas.microsoft.com/office/drawing/2014/main" id="{0784CA52-46CD-B72E-D6C3-404437CF01EE}"/>
               </a:ext>
             </a:extLst>
           </p:cNvPr>
@@ -7128,66 +10378,27 @@
             <a:spLocks noGrp="1"/>
           </p:cNvSpPr>
           <p:nvPr>
-            <p:ph type="ctrTitle"/>
+            <p:ph type="title"/>
           </p:nvPr>
         </p:nvSpPr>
-        <p:spPr>
-          <a:xfrm>
-            <a:off x="684212" y="685799"/>
-            <a:ext cx="10365590" cy="2846673"/>
-          </a:xfrm>
-        </p:spPr>
+        <p:spPr/>
         <p:txBody>
-          <a:bodyPr>
-            <a:normAutofit/>
-          </a:bodyPr>
+          <a:bodyPr/>
           <a:lstStyle/>
           <a:p>
-            <a:pPr algn="ctr"/>
             <a:r>
-              <a:rPr lang="en-US" sz="4000" dirty="0">
-                <a:solidFill>
-                  <a:srgbClr val="C00000"/>
-                </a:solidFill>
-              </a:rPr>
-              <a:t>GROUP 2 : THE DATA NINJAS</a:t>
+              <a:rPr lang="en-US" dirty="0"/>
+              <a:t>Conclusion:</a:t>
             </a:r>
-            <a:br>
-              <a:rPr lang="en-US" sz="4800" dirty="0">
-                <a:solidFill>
-                  <a:srgbClr val="C00000"/>
-                </a:solidFill>
-              </a:rPr>
-            </a:br>
-            <a:r>
-              <a:rPr lang="en-US" sz="4800" b="1" dirty="0">
-                <a:solidFill>
-                  <a:srgbClr val="C00000"/>
-                </a:solidFill>
-              </a:rPr>
-              <a:t>EVALUATING COST OF LIVING IN THE US CITIES</a:t>
-            </a:r>
-            <a:br>
-              <a:rPr lang="en-US" sz="4800" dirty="0">
-                <a:solidFill>
-                  <a:srgbClr val="C00000"/>
-                </a:solidFill>
-              </a:rPr>
-            </a:br>
-            <a:endParaRPr lang="en-US" sz="4800" dirty="0">
-              <a:solidFill>
-                <a:srgbClr val="C00000"/>
-              </a:solidFill>
-            </a:endParaRPr>
           </a:p>
         </p:txBody>
       </p:sp>
       <p:sp>
         <p:nvSpPr>
-          <p:cNvPr id="3" name="Subtitle 2">
+          <p:cNvPr id="3" name="Content Placeholder 2">
             <a:extLst>
               <a:ext uri="{FF2B5EF4-FFF2-40B4-BE49-F238E27FC236}">
-                <a16:creationId xmlns:a16="http://schemas.microsoft.com/office/drawing/2014/main" id="{8CBE6AD3-058F-9686-4BB2-15A6C94A1B18}"/>
+                <a16:creationId xmlns:a16="http://schemas.microsoft.com/office/drawing/2014/main" id="{7F4F417F-368D-407B-E3B2-1990807EE6E6}"/>
               </a:ext>
             </a:extLst>
           </p:cNvPr>
@@ -7195,135 +10406,103 @@
             <a:spLocks noGrp="1"/>
           </p:cNvSpPr>
           <p:nvPr>
-            <p:ph type="subTitle" idx="1"/>
+            <p:ph idx="1"/>
           </p:nvPr>
         </p:nvSpPr>
-        <p:spPr>
-          <a:xfrm>
-            <a:off x="684211" y="3980329"/>
-            <a:ext cx="10709929" cy="2710210"/>
-          </a:xfrm>
-        </p:spPr>
+        <p:spPr/>
         <p:txBody>
           <a:bodyPr>
             <a:normAutofit/>
           </a:bodyPr>
           <a:lstStyle/>
           <a:p>
-            <a:pPr algn="r"/>
+            <a:pPr marL="341313" indent="-341313">
+              <a:buSzPct val="75000"/>
+              <a:buFont typeface="Wingdings" panose="05000000000000000000" pitchFamily="2" charset="2"/>
+              <a:buChar char="q"/>
+            </a:pPr>
             <a:r>
-              <a:rPr lang="en-US" sz="2000" b="0" i="0" dirty="0">
-                <a:solidFill>
-                  <a:schemeClr val="tx1"/>
-                </a:solidFill>
-                <a:effectLst/>
-                <a:latin typeface="Arial" panose="020B0604020202020204" pitchFamily="34" charset="0"/>
-              </a:rPr>
-              <a:t>Faiza Ahmad, </a:t>
+              <a:rPr lang="en-US" dirty="0"/>
+              <a:t>Importance of considering public transportation.</a:t>
             </a:r>
           </a:p>
           <a:p>
-            <a:pPr algn="r"/>
+            <a:pPr marL="341313" indent="-341313">
+              <a:buSzPct val="75000"/>
+              <a:buFont typeface="Wingdings" panose="05000000000000000000" pitchFamily="2" charset="2"/>
+              <a:buChar char="q"/>
+            </a:pPr>
             <a:r>
-              <a:rPr lang="en-US" sz="2000" b="0" i="0" dirty="0">
-                <a:solidFill>
-                  <a:schemeClr val="tx1"/>
-                </a:solidFill>
-                <a:effectLst/>
-                <a:latin typeface="Arial" panose="020B0604020202020204" pitchFamily="34" charset="0"/>
-              </a:rPr>
-              <a:t>Nicole Harris, </a:t>
+              <a:rPr lang="en-US" dirty="0"/>
+              <a:t>Checking multiple cities and reformatting data can improve accuracy.</a:t>
             </a:r>
           </a:p>
           <a:p>
-            <a:pPr algn="r"/>
+            <a:pPr marL="341313" indent="-341313">
+              <a:buSzPct val="75000"/>
+              <a:buFont typeface="Wingdings" panose="05000000000000000000" pitchFamily="2" charset="2"/>
+              <a:buChar char="q"/>
+            </a:pPr>
             <a:r>
-              <a:rPr lang="en-US" sz="2000" b="0" i="0" dirty="0">
-                <a:solidFill>
-                  <a:schemeClr val="tx1"/>
-                </a:solidFill>
-                <a:effectLst/>
-                <a:latin typeface="Arial" panose="020B0604020202020204" pitchFamily="34" charset="0"/>
-              </a:rPr>
-              <a:t>Tsebaot Kebede, </a:t>
+              <a:rPr lang="en-US" dirty="0"/>
+              <a:t>California noted to be above national cost of living and may not ideal for computer data programmers.</a:t>
             </a:r>
           </a:p>
           <a:p>
-            <a:pPr algn="r"/>
+            <a:pPr marL="341313" indent="-341313">
+              <a:buSzPct val="75000"/>
+              <a:buFont typeface="Wingdings" panose="05000000000000000000" pitchFamily="2" charset="2"/>
+              <a:buChar char="q"/>
+            </a:pPr>
+            <a:endParaRPr lang="en-US" dirty="0"/>
+          </a:p>
+          <a:p>
+            <a:pPr marL="341313" indent="-341313">
+              <a:buSzPct val="80000"/>
+              <a:buFont typeface="Wingdings" panose="05000000000000000000" pitchFamily="2" charset="2"/>
+              <a:buChar char="v"/>
+            </a:pPr>
             <a:r>
-              <a:rPr lang="en-US" sz="2000" b="0" i="0" dirty="0" err="1">
-                <a:solidFill>
-                  <a:schemeClr val="tx1"/>
-                </a:solidFill>
-                <a:effectLst/>
-                <a:latin typeface="Arial" panose="020B0604020202020204" pitchFamily="34" charset="0"/>
-              </a:rPr>
-              <a:t>Cynethia</a:t>
+              <a:rPr lang="en-US" dirty="0"/>
+              <a:t>Limitation: </a:t>
             </a:r>
+          </a:p>
+          <a:p>
+            <a:pPr marL="633921" lvl="1" indent="-341313">
+              <a:buSzPct val="80000"/>
+              <a:buFont typeface="Wingdings" panose="05000000000000000000" pitchFamily="2" charset="2"/>
+              <a:buChar char="v"/>
+            </a:pPr>
             <a:r>
-              <a:rPr lang="en-US" sz="2000" b="0" i="0" dirty="0">
-                <a:solidFill>
-                  <a:schemeClr val="tx1"/>
-                </a:solidFill>
-                <a:effectLst/>
-                <a:latin typeface="Arial" panose="020B0604020202020204" pitchFamily="34" charset="0"/>
-              </a:rPr>
-              <a:t> Martinez, </a:t>
+              <a:rPr lang="en-US" sz="2000" dirty="0"/>
+              <a:t>no State information from the Primary Data source.</a:t>
             </a:r>
           </a:p>
           <a:p>
-            <a:pPr algn="r"/>
+            <a:pPr marL="341313" indent="-341313">
+              <a:buSzPct val="80000"/>
+              <a:buFont typeface="Wingdings" panose="05000000000000000000" pitchFamily="2" charset="2"/>
+              <a:buChar char="v"/>
+            </a:pPr>
             <a:r>
-              <a:rPr lang="en-US" sz="2000" b="0" i="0" dirty="0">
-                <a:solidFill>
-                  <a:schemeClr val="tx1"/>
-                </a:solidFill>
-                <a:effectLst/>
-                <a:latin typeface="Arial" panose="020B0604020202020204" pitchFamily="34" charset="0"/>
-              </a:rPr>
-              <a:t>Libby </a:t>
+              <a:rPr lang="en-US" dirty="0"/>
+              <a:t>Open Weather API used to add State information</a:t>
             </a:r>
-            <a:r>
-              <a:rPr lang="en-US" sz="2000" b="0" i="0" dirty="0" err="1">
-                <a:solidFill>
-                  <a:schemeClr val="tx1"/>
-                </a:solidFill>
-                <a:effectLst/>
-                <a:latin typeface="Arial" panose="020B0604020202020204" pitchFamily="34" charset="0"/>
-              </a:rPr>
-              <a:t>Berter</a:t>
-            </a:r>
-            <a:endParaRPr lang="en-US" sz="2000" b="0" i="0" dirty="0">
-              <a:solidFill>
-                <a:schemeClr val="tx1"/>
-              </a:solidFill>
-              <a:effectLst/>
-              <a:latin typeface="Arial" panose="020B0604020202020204" pitchFamily="34" charset="0"/>
-            </a:endParaRPr>
-          </a:p>
-          <a:p>
-            <a:pPr algn="ctr"/>
-            <a:r>
-              <a:rPr lang="en-US" sz="2000" dirty="0">
-                <a:solidFill>
-                  <a:schemeClr val="tx1"/>
-                </a:solidFill>
-                <a:latin typeface="Arial" panose="020B0604020202020204" pitchFamily="34" charset="0"/>
-              </a:rPr>
-              <a:t>Feb, 2023</a:t>
-            </a:r>
-            <a:endParaRPr lang="en-US" sz="2000" dirty="0">
-              <a:solidFill>
-                <a:schemeClr val="tx1"/>
-              </a:solidFill>
-            </a:endParaRPr>
+          </a:p>
+          <a:p>
+            <a:pPr marL="341313" indent="-341313">
+              <a:buSzPct val="75000"/>
+              <a:buFont typeface="Wingdings" panose="05000000000000000000" pitchFamily="2" charset="2"/>
+              <a:buChar char="q"/>
+            </a:pPr>
+            <a:endParaRPr lang="en-US" dirty="0"/>
           </a:p>
         </p:txBody>
       </p:sp>
     </p:spTree>
     <p:extLst>
       <p:ext uri="{BB962C8B-B14F-4D97-AF65-F5344CB8AC3E}">
-        <p14:creationId xmlns:p14="http://schemas.microsoft.com/office/powerpoint/2010/main" val="16774443"/>
+        <p14:creationId xmlns:p14="http://schemas.microsoft.com/office/powerpoint/2010/main" val="1357621538"/>
       </p:ext>
     </p:extLst>
   </p:cSld>
@@ -7333,7 +10512,2810 @@
 </p:sld>
 </file>
 
-<file path=ppt/slides/slide10.xml><?xml version="1.0" encoding="utf-8"?>
+<file path=ppt/slides/slide2.xml><?xml version="1.0" encoding="utf-8"?>
+<p:sld xmlns:a="http://schemas.openxmlformats.org/drawingml/2006/main" xmlns:r="http://schemas.openxmlformats.org/officeDocument/2006/relationships" xmlns:p="http://schemas.openxmlformats.org/presentationml/2006/main">
+  <p:cSld>
+    <p:bg>
+      <p:bgPr>
+        <a:solidFill>
+          <a:schemeClr val="bg1"/>
+        </a:solidFill>
+        <a:effectLst/>
+      </p:bgPr>
+    </p:bg>
+    <p:spTree>
+      <p:nvGrpSpPr>
+        <p:cNvPr id="1" name=""/>
+        <p:cNvGrpSpPr/>
+        <p:nvPr/>
+      </p:nvGrpSpPr>
+      <p:grpSpPr>
+        <a:xfrm>
+          <a:off x="0" y="0"/>
+          <a:ext cx="0" cy="0"/>
+          <a:chOff x="0" y="0"/>
+          <a:chExt cx="0" cy="0"/>
+        </a:xfrm>
+      </p:grpSpPr>
+      <p:sp useBgFill="1">
+        <p:nvSpPr>
+          <p:cNvPr id="27" name="Rectangle 8">
+            <a:extLst>
+              <a:ext uri="{FF2B5EF4-FFF2-40B4-BE49-F238E27FC236}">
+                <a16:creationId xmlns:a16="http://schemas.microsoft.com/office/drawing/2014/main" id="{311973C2-EB8B-452A-A698-4A252FD3AE28}"/>
+              </a:ext>
+              <a:ext uri="{C183D7F6-B498-43B3-948B-1728B52AA6E4}">
+                <adec:decorative xmlns:adec="http://schemas.microsoft.com/office/drawing/2017/decorative" val="1"/>
+              </a:ext>
+            </a:extLst>
+          </p:cNvPr>
+          <p:cNvSpPr>
+            <a:spLocks noGrp="1" noRot="1" noChangeAspect="1" noMove="1" noResize="1" noEditPoints="1" noAdjustHandles="1" noChangeArrowheads="1" noChangeShapeType="1" noTextEdit="1"/>
+          </p:cNvSpPr>
+          <p:nvPr>
+            <p:extLst>
+              <p:ext uri="{386F3935-93C4-4BCD-93E2-E3B085C9AB24}">
+                <p16:designElem xmlns:p16="http://schemas.microsoft.com/office/powerpoint/2015/main" val="1"/>
+              </p:ext>
+            </p:extLst>
+          </p:nvPr>
+        </p:nvSpPr>
+        <p:spPr>
+          <a:xfrm>
+            <a:off x="0" y="1"/>
+            <a:ext cx="12192000" cy="6857999"/>
+          </a:xfrm>
+          <a:prstGeom prst="rect">
+            <a:avLst/>
+          </a:prstGeom>
+          <a:ln>
+            <a:noFill/>
+          </a:ln>
+        </p:spPr>
+        <p:style>
+          <a:lnRef idx="2">
+            <a:schemeClr val="accent1">
+              <a:shade val="50000"/>
+            </a:schemeClr>
+          </a:lnRef>
+          <a:fillRef idx="1">
+            <a:schemeClr val="accent1"/>
+          </a:fillRef>
+          <a:effectRef idx="0">
+            <a:schemeClr val="accent1"/>
+          </a:effectRef>
+          <a:fontRef idx="minor">
+            <a:schemeClr val="lt1"/>
+          </a:fontRef>
+        </p:style>
+        <p:txBody>
+          <a:bodyPr rtlCol="0" anchor="ctr"/>
+          <a:lstStyle/>
+          <a:p>
+            <a:pPr algn="ctr"/>
+            <a:endParaRPr lang="en-US"/>
+          </a:p>
+        </p:txBody>
+      </p:sp>
+      <p:sp useBgFill="1">
+        <p:nvSpPr>
+          <p:cNvPr id="28" name="Rectangle 10">
+            <a:extLst>
+              <a:ext uri="{FF2B5EF4-FFF2-40B4-BE49-F238E27FC236}">
+                <a16:creationId xmlns:a16="http://schemas.microsoft.com/office/drawing/2014/main" id="{10162E77-11AD-44A7-84EC-40C59EEFBD2E}"/>
+              </a:ext>
+              <a:ext uri="{C183D7F6-B498-43B3-948B-1728B52AA6E4}">
+                <adec:decorative xmlns:adec="http://schemas.microsoft.com/office/drawing/2017/decorative" val="1"/>
+              </a:ext>
+            </a:extLst>
+          </p:cNvPr>
+          <p:cNvSpPr>
+            <a:spLocks noGrp="1" noRot="1" noChangeAspect="1" noMove="1" noResize="1" noEditPoints="1" noAdjustHandles="1" noChangeArrowheads="1" noChangeShapeType="1" noTextEdit="1"/>
+          </p:cNvSpPr>
+          <p:nvPr>
+            <p:extLst>
+              <p:ext uri="{386F3935-93C4-4BCD-93E2-E3B085C9AB24}">
+                <p16:designElem xmlns:p16="http://schemas.microsoft.com/office/powerpoint/2015/main" val="1"/>
+              </p:ext>
+            </p:extLst>
+          </p:nvPr>
+        </p:nvSpPr>
+        <p:spPr>
+          <a:xfrm>
+            <a:off x="0" y="0"/>
+            <a:ext cx="12192001" cy="6334316"/>
+          </a:xfrm>
+          <a:prstGeom prst="rect">
+            <a:avLst/>
+          </a:prstGeom>
+          <a:ln>
+            <a:noFill/>
+          </a:ln>
+        </p:spPr>
+        <p:style>
+          <a:lnRef idx="2">
+            <a:schemeClr val="accent1">
+              <a:shade val="50000"/>
+            </a:schemeClr>
+          </a:lnRef>
+          <a:fillRef idx="1">
+            <a:schemeClr val="accent1"/>
+          </a:fillRef>
+          <a:effectRef idx="0">
+            <a:schemeClr val="accent1"/>
+          </a:effectRef>
+          <a:fontRef idx="minor">
+            <a:schemeClr val="lt1"/>
+          </a:fontRef>
+        </p:style>
+        <p:txBody>
+          <a:bodyPr rtlCol="0" anchor="ctr"/>
+          <a:lstStyle/>
+          <a:p>
+            <a:pPr algn="ctr"/>
+            <a:endParaRPr lang="en-US"/>
+          </a:p>
+        </p:txBody>
+      </p:sp>
+      <p:sp>
+        <p:nvSpPr>
+          <p:cNvPr id="2" name="Title 1">
+            <a:extLst>
+              <a:ext uri="{FF2B5EF4-FFF2-40B4-BE49-F238E27FC236}">
+                <a16:creationId xmlns:a16="http://schemas.microsoft.com/office/drawing/2014/main" id="{0784CA52-46CD-B72E-D6C3-404437CF01EE}"/>
+              </a:ext>
+            </a:extLst>
+          </p:cNvPr>
+          <p:cNvSpPr>
+            <a:spLocks noGrp="1"/>
+          </p:cNvSpPr>
+          <p:nvPr>
+            <p:ph type="title"/>
+          </p:nvPr>
+        </p:nvSpPr>
+        <p:spPr>
+          <a:xfrm>
+            <a:off x="4976814" y="389975"/>
+            <a:ext cx="6368142" cy="767041"/>
+          </a:xfrm>
+        </p:spPr>
+        <p:txBody>
+          <a:bodyPr>
+            <a:normAutofit/>
+          </a:bodyPr>
+          <a:lstStyle/>
+          <a:p>
+            <a:r>
+              <a:rPr lang="en-US" dirty="0"/>
+              <a:t>Cost of Living in US Cities</a:t>
+            </a:r>
+          </a:p>
+        </p:txBody>
+      </p:sp>
+      <p:pic>
+        <p:nvPicPr>
+          <p:cNvPr id="29" name="Picture 4" descr="Aerial view of skyscrapers">
+            <a:extLst>
+              <a:ext uri="{FF2B5EF4-FFF2-40B4-BE49-F238E27FC236}">
+                <a16:creationId xmlns:a16="http://schemas.microsoft.com/office/drawing/2014/main" id="{70E755C5-0973-E326-EC19-E2F25FD280D8}"/>
+              </a:ext>
+            </a:extLst>
+          </p:cNvPr>
+          <p:cNvPicPr>
+            <a:picLocks noChangeAspect="1"/>
+          </p:cNvPicPr>
+          <p:nvPr/>
+        </p:nvPicPr>
+        <p:blipFill rotWithShape="1">
+          <a:blip r:embed="rId2"/>
+          <a:srcRect l="22653" r="32126" b="1"/>
+          <a:stretch/>
+        </p:blipFill>
+        <p:spPr>
+          <a:xfrm>
+            <a:off x="20" y="-12128"/>
+            <a:ext cx="4654276" cy="6870127"/>
+          </a:xfrm>
+          <a:prstGeom prst="rect">
+            <a:avLst/>
+          </a:prstGeom>
+        </p:spPr>
+      </p:pic>
+      <p:cxnSp>
+        <p:nvCxnSpPr>
+          <p:cNvPr id="30" name="Straight Connector 12">
+            <a:extLst>
+              <a:ext uri="{FF2B5EF4-FFF2-40B4-BE49-F238E27FC236}">
+                <a16:creationId xmlns:a16="http://schemas.microsoft.com/office/drawing/2014/main" id="{5AB158E9-1B40-4CD6-95F0-95CA11DF7B7A}"/>
+              </a:ext>
+              <a:ext uri="{C183D7F6-B498-43B3-948B-1728B52AA6E4}">
+                <adec:decorative xmlns:adec="http://schemas.microsoft.com/office/drawing/2017/decorative" val="1"/>
+              </a:ext>
+            </a:extLst>
+          </p:cNvPr>
+          <p:cNvCxnSpPr>
+            <a:cxnSpLocks noGrp="1" noRot="1" noChangeAspect="1" noMove="1" noResize="1" noEditPoints="1" noAdjustHandles="1" noChangeArrowheads="1" noChangeShapeType="1"/>
+          </p:cNvCxnSpPr>
+          <p:nvPr>
+            <p:extLst>
+              <p:ext uri="{386F3935-93C4-4BCD-93E2-E3B085C9AB24}">
+                <p16:designElem xmlns:p16="http://schemas.microsoft.com/office/powerpoint/2015/main" val="1"/>
+              </p:ext>
+            </p:extLst>
+          </p:nvPr>
+        </p:nvCxnSpPr>
+        <p:spPr>
+          <a:xfrm>
+            <a:off x="5287617" y="2085703"/>
+            <a:ext cx="6170686" cy="0"/>
+          </a:xfrm>
+          <a:prstGeom prst="line">
+            <a:avLst/>
+          </a:prstGeom>
+          <a:ln w="6350">
+            <a:solidFill>
+              <a:schemeClr val="tx1">
+                <a:lumMod val="50000"/>
+                <a:lumOff val="50000"/>
+                <a:alpha val="90000"/>
+              </a:schemeClr>
+            </a:solidFill>
+          </a:ln>
+        </p:spPr>
+        <p:style>
+          <a:lnRef idx="1">
+            <a:schemeClr val="accent1"/>
+          </a:lnRef>
+          <a:fillRef idx="0">
+            <a:schemeClr val="accent1"/>
+          </a:fillRef>
+          <a:effectRef idx="0">
+            <a:schemeClr val="accent1"/>
+          </a:effectRef>
+          <a:fontRef idx="minor">
+            <a:schemeClr val="tx1"/>
+          </a:fontRef>
+        </p:style>
+      </p:cxnSp>
+      <p:sp>
+        <p:nvSpPr>
+          <p:cNvPr id="31" name="Content Placeholder 2">
+            <a:extLst>
+              <a:ext uri="{FF2B5EF4-FFF2-40B4-BE49-F238E27FC236}">
+                <a16:creationId xmlns:a16="http://schemas.microsoft.com/office/drawing/2014/main" id="{7F4F417F-368D-407B-E3B2-1990807EE6E6}"/>
+              </a:ext>
+            </a:extLst>
+          </p:cNvPr>
+          <p:cNvSpPr>
+            <a:spLocks noGrp="1"/>
+          </p:cNvSpPr>
+          <p:nvPr>
+            <p:ph idx="1"/>
+          </p:nvPr>
+        </p:nvSpPr>
+        <p:spPr>
+          <a:xfrm>
+            <a:off x="5148264" y="2119871"/>
+            <a:ext cx="6368142" cy="4604419"/>
+          </a:xfrm>
+        </p:spPr>
+        <p:txBody>
+          <a:bodyPr>
+            <a:noAutofit/>
+          </a:bodyPr>
+          <a:lstStyle/>
+          <a:p>
+            <a:r>
+              <a:rPr lang="en-US" dirty="0"/>
+              <a:t>Introduction:</a:t>
+            </a:r>
+          </a:p>
+          <a:p>
+            <a:pPr marL="341313" indent="-341313">
+              <a:buSzPct val="75000"/>
+              <a:buFont typeface="Wingdings" panose="05000000000000000000" pitchFamily="2" charset="2"/>
+              <a:buChar char="q"/>
+            </a:pPr>
+            <a:r>
+              <a:rPr lang="en-US" dirty="0"/>
+              <a:t>Welcome to this presentation on the cost of living in US cities.</a:t>
+            </a:r>
+          </a:p>
+          <a:p>
+            <a:pPr marL="341313" indent="-341313">
+              <a:buSzPct val="75000"/>
+              <a:buFont typeface="Wingdings" panose="05000000000000000000" pitchFamily="2" charset="2"/>
+              <a:buChar char="q"/>
+            </a:pPr>
+            <a:r>
+              <a:rPr lang="en-US" dirty="0"/>
+              <a:t>Importance of considering cost of living when relocating for job opportunities.</a:t>
+            </a:r>
+          </a:p>
+          <a:p>
+            <a:pPr marL="341313" indent="-341313">
+              <a:buSzPct val="75000"/>
+              <a:buFont typeface="Wingdings" panose="05000000000000000000" pitchFamily="2" charset="2"/>
+              <a:buChar char="q"/>
+            </a:pPr>
+            <a:r>
+              <a:rPr lang="en-US" dirty="0"/>
+              <a:t>Determine the lowest cost of living cities (or states) in the US </a:t>
+            </a:r>
+            <a:br>
+              <a:rPr lang="en-US" dirty="0"/>
+            </a:br>
+            <a:r>
+              <a:rPr lang="en-US" dirty="0"/>
+              <a:t>based on</a:t>
+            </a:r>
+          </a:p>
+          <a:p>
+            <a:pPr marL="690563" lvl="2" indent="-233363">
+              <a:buFont typeface="Wingdings" panose="05000000000000000000" pitchFamily="2" charset="2"/>
+              <a:buChar char="Ø"/>
+            </a:pPr>
+            <a:r>
+              <a:rPr lang="en-US" sz="2000" dirty="0"/>
+              <a:t>transportation </a:t>
+            </a:r>
+          </a:p>
+          <a:p>
+            <a:pPr marL="690563" lvl="2" indent="-233363">
+              <a:buFont typeface="Wingdings" panose="05000000000000000000" pitchFamily="2" charset="2"/>
+              <a:buChar char="Ø"/>
+            </a:pPr>
+            <a:r>
+              <a:rPr lang="en-US" sz="2000" dirty="0"/>
+              <a:t>food</a:t>
+            </a:r>
+          </a:p>
+          <a:p>
+            <a:pPr marL="690563" lvl="2" indent="-233363">
+              <a:buFont typeface="Wingdings" panose="05000000000000000000" pitchFamily="2" charset="2"/>
+              <a:buChar char="Ø"/>
+            </a:pPr>
+            <a:r>
+              <a:rPr lang="en-US" sz="2000" dirty="0"/>
+              <a:t>housing expenses</a:t>
+            </a:r>
+          </a:p>
+          <a:p>
+            <a:pPr marL="341313" indent="-341313">
+              <a:buSzPct val="75000"/>
+              <a:buFont typeface="Wingdings" panose="05000000000000000000" pitchFamily="2" charset="2"/>
+              <a:buChar char="q"/>
+            </a:pPr>
+            <a:r>
+              <a:rPr lang="en-US" dirty="0"/>
+              <a:t>Goal: understand cost of living and make informed decision on relocation.</a:t>
+            </a:r>
+          </a:p>
+          <a:p>
+            <a:pPr marL="0" indent="0">
+              <a:buNone/>
+            </a:pPr>
+            <a:br>
+              <a:rPr lang="en-US" dirty="0"/>
+            </a:br>
+            <a:endParaRPr lang="en-US" dirty="0"/>
+          </a:p>
+        </p:txBody>
+      </p:sp>
+    </p:spTree>
+    <p:extLst>
+      <p:ext uri="{BB962C8B-B14F-4D97-AF65-F5344CB8AC3E}">
+        <p14:creationId xmlns:p14="http://schemas.microsoft.com/office/powerpoint/2010/main" val="863039090"/>
+      </p:ext>
+    </p:extLst>
+  </p:cSld>
+  <p:clrMapOvr>
+    <a:masterClrMapping/>
+  </p:clrMapOvr>
+</p:sld>
+</file>
+
+<file path=ppt/slides/slide3.xml><?xml version="1.0" encoding="utf-8"?>
+<p:sld xmlns:a="http://schemas.openxmlformats.org/drawingml/2006/main" xmlns:r="http://schemas.openxmlformats.org/officeDocument/2006/relationships" xmlns:p="http://schemas.openxmlformats.org/presentationml/2006/main">
+  <p:cSld>
+    <p:bg>
+      <p:bgPr>
+        <a:solidFill>
+          <a:schemeClr val="bg1"/>
+        </a:solidFill>
+        <a:effectLst/>
+      </p:bgPr>
+    </p:bg>
+    <p:spTree>
+      <p:nvGrpSpPr>
+        <p:cNvPr id="1" name=""/>
+        <p:cNvGrpSpPr/>
+        <p:nvPr/>
+      </p:nvGrpSpPr>
+      <p:grpSpPr>
+        <a:xfrm>
+          <a:off x="0" y="0"/>
+          <a:ext cx="0" cy="0"/>
+          <a:chOff x="0" y="0"/>
+          <a:chExt cx="0" cy="0"/>
+        </a:xfrm>
+      </p:grpSpPr>
+      <p:sp>
+        <p:nvSpPr>
+          <p:cNvPr id="38" name="Rectangle 40">
+            <a:extLst>
+              <a:ext uri="{FF2B5EF4-FFF2-40B4-BE49-F238E27FC236}">
+                <a16:creationId xmlns:a16="http://schemas.microsoft.com/office/drawing/2014/main" id="{E32D3FD4-6F71-43DF-93B9-87279519C618}"/>
+              </a:ext>
+              <a:ext uri="{C183D7F6-B498-43B3-948B-1728B52AA6E4}">
+                <adec:decorative xmlns:adec="http://schemas.microsoft.com/office/drawing/2017/decorative" val="1"/>
+              </a:ext>
+            </a:extLst>
+          </p:cNvPr>
+          <p:cNvSpPr>
+            <a:spLocks noGrp="1" noRot="1" noChangeAspect="1" noMove="1" noResize="1" noEditPoints="1" noAdjustHandles="1" noChangeArrowheads="1" noChangeShapeType="1" noTextEdit="1"/>
+          </p:cNvSpPr>
+          <p:nvPr>
+            <p:extLst>
+              <p:ext uri="{386F3935-93C4-4BCD-93E2-E3B085C9AB24}">
+                <p16:designElem xmlns:p16="http://schemas.microsoft.com/office/powerpoint/2015/main" val="1"/>
+              </p:ext>
+            </p:extLst>
+          </p:nvPr>
+        </p:nvSpPr>
+        <p:spPr bwMode="white">
+          <a:xfrm>
+            <a:off x="15" y="0"/>
+            <a:ext cx="7547879" cy="6858000"/>
+          </a:xfrm>
+          <a:prstGeom prst="rect">
+            <a:avLst/>
+          </a:prstGeom>
+          <a:solidFill>
+            <a:schemeClr val="accent2"/>
+          </a:solidFill>
+          <a:ln>
+            <a:noFill/>
+          </a:ln>
+        </p:spPr>
+        <p:style>
+          <a:lnRef idx="2">
+            <a:schemeClr val="accent1">
+              <a:shade val="50000"/>
+            </a:schemeClr>
+          </a:lnRef>
+          <a:fillRef idx="1">
+            <a:schemeClr val="accent1"/>
+          </a:fillRef>
+          <a:effectRef idx="0">
+            <a:schemeClr val="accent1"/>
+          </a:effectRef>
+          <a:fontRef idx="minor">
+            <a:schemeClr val="lt1"/>
+          </a:fontRef>
+        </p:style>
+      </p:sp>
+      <p:sp>
+        <p:nvSpPr>
+          <p:cNvPr id="11" name="Content Placeholder 2">
+            <a:extLst>
+              <a:ext uri="{FF2B5EF4-FFF2-40B4-BE49-F238E27FC236}">
+                <a16:creationId xmlns:a16="http://schemas.microsoft.com/office/drawing/2014/main" id="{7F4F417F-368D-407B-E3B2-1990807EE6E6}"/>
+              </a:ext>
+            </a:extLst>
+          </p:cNvPr>
+          <p:cNvSpPr>
+            <a:spLocks noGrp="1"/>
+          </p:cNvSpPr>
+          <p:nvPr>
+            <p:ph idx="1"/>
+          </p:nvPr>
+        </p:nvSpPr>
+        <p:spPr>
+          <a:xfrm>
+            <a:off x="103366" y="243508"/>
+            <a:ext cx="6963355" cy="6052931"/>
+          </a:xfrm>
+        </p:spPr>
+        <p:txBody>
+          <a:bodyPr>
+            <a:noAutofit/>
+          </a:bodyPr>
+          <a:lstStyle/>
+          <a:p>
+            <a:r>
+              <a:rPr lang="en-US" sz="3600" dirty="0">
+                <a:solidFill>
+                  <a:srgbClr val="FFFFFF"/>
+                </a:solidFill>
+              </a:rPr>
+              <a:t>Data collection:</a:t>
+            </a:r>
+          </a:p>
+          <a:p>
+            <a:pPr marL="341313" indent="-341313">
+              <a:buSzPct val="75000"/>
+              <a:buFont typeface="Wingdings" panose="05000000000000000000" pitchFamily="2" charset="2"/>
+              <a:buChar char="q"/>
+            </a:pPr>
+            <a:r>
+              <a:rPr lang="en-US" dirty="0">
+                <a:solidFill>
+                  <a:srgbClr val="FFFFFF"/>
+                </a:solidFill>
+              </a:rPr>
+              <a:t>Sources: </a:t>
+            </a:r>
+          </a:p>
+          <a:p>
+            <a:pPr marL="633921" lvl="1" indent="-341313">
+              <a:buSzPct val="75000"/>
+              <a:buFont typeface="Wingdings" panose="05000000000000000000" pitchFamily="2" charset="2"/>
+              <a:buChar char="Ø"/>
+            </a:pPr>
+            <a:r>
+              <a:rPr lang="en-US" sz="2000" dirty="0">
+                <a:solidFill>
+                  <a:srgbClr val="FFFFFF"/>
+                </a:solidFill>
+              </a:rPr>
+              <a:t>"Global Cost of Living" dataset on Kaggle.</a:t>
+            </a:r>
+          </a:p>
+          <a:p>
+            <a:pPr marL="633921" lvl="1" indent="-341313">
+              <a:buSzPct val="75000"/>
+              <a:buFont typeface="Wingdings" panose="05000000000000000000" pitchFamily="2" charset="2"/>
+              <a:buChar char="Ø"/>
+            </a:pPr>
+            <a:r>
+              <a:rPr lang="en-US" sz="2000" dirty="0">
+                <a:solidFill>
+                  <a:srgbClr val="FFFFFF"/>
+                </a:solidFill>
+              </a:rPr>
+              <a:t>Open Weather API</a:t>
+            </a:r>
+          </a:p>
+          <a:p>
+            <a:pPr marL="341313" indent="-341313">
+              <a:buSzPct val="75000"/>
+              <a:buFont typeface="Wingdings" panose="05000000000000000000" pitchFamily="2" charset="2"/>
+              <a:buChar char="q"/>
+            </a:pPr>
+            <a:r>
+              <a:rPr lang="en-US" dirty="0">
+                <a:solidFill>
+                  <a:srgbClr val="FFFFFF"/>
+                </a:solidFill>
+              </a:rPr>
+              <a:t>Initial Steps</a:t>
+            </a:r>
+          </a:p>
+          <a:p>
+            <a:pPr marL="633921" lvl="1" indent="-341313">
+              <a:buSzPct val="75000"/>
+              <a:buFont typeface="Wingdings" panose="05000000000000000000" pitchFamily="2" charset="2"/>
+              <a:buChar char="q"/>
+            </a:pPr>
+            <a:r>
+              <a:rPr lang="en-US" sz="2000" dirty="0">
+                <a:solidFill>
+                  <a:srgbClr val="FFFFFF"/>
+                </a:solidFill>
+              </a:rPr>
+              <a:t>Read data from the source files</a:t>
+            </a:r>
+          </a:p>
+          <a:p>
+            <a:pPr marL="633921" lvl="1" indent="-341313">
+              <a:buSzPct val="75000"/>
+              <a:buFont typeface="Wingdings" panose="05000000000000000000" pitchFamily="2" charset="2"/>
+              <a:buChar char="q"/>
+            </a:pPr>
+            <a:r>
+              <a:rPr lang="en-US" sz="2000" dirty="0">
+                <a:solidFill>
+                  <a:srgbClr val="FFFFFF"/>
+                </a:solidFill>
+              </a:rPr>
+              <a:t>Extracted the US data, dropping the data from 4,956 rows to 1073 </a:t>
+            </a:r>
+          </a:p>
+          <a:p>
+            <a:pPr marL="633921" lvl="1" indent="-341313">
+              <a:buSzPct val="75000"/>
+              <a:buFont typeface="Wingdings" panose="05000000000000000000" pitchFamily="2" charset="2"/>
+              <a:buChar char="q"/>
+            </a:pPr>
+            <a:r>
+              <a:rPr lang="en-US" sz="2000" dirty="0">
+                <a:solidFill>
+                  <a:srgbClr val="FFFFFF"/>
+                </a:solidFill>
+              </a:rPr>
+              <a:t>Cleaned the data dropping the empty rows, and decreased the number of rows from 1073 to 313.</a:t>
+            </a:r>
+          </a:p>
+          <a:p>
+            <a:pPr marL="341313" indent="-341313">
+              <a:buSzPct val="75000"/>
+              <a:buFont typeface="Wingdings" panose="05000000000000000000" pitchFamily="2" charset="2"/>
+              <a:buChar char="q"/>
+            </a:pPr>
+            <a:r>
+              <a:rPr lang="en-US" dirty="0">
+                <a:solidFill>
+                  <a:srgbClr val="FFFFFF"/>
+                </a:solidFill>
+              </a:rPr>
+              <a:t>Data Analysis</a:t>
+            </a:r>
+          </a:p>
+          <a:p>
+            <a:pPr marL="633921" lvl="1" indent="-341313">
+              <a:buSzPct val="75000"/>
+              <a:buFont typeface="Wingdings" panose="05000000000000000000" pitchFamily="2" charset="2"/>
+              <a:buChar char="Ø"/>
+            </a:pPr>
+            <a:r>
+              <a:rPr lang="en-US" sz="2000" dirty="0">
+                <a:solidFill>
+                  <a:srgbClr val="FFFFFF"/>
+                </a:solidFill>
+              </a:rPr>
+              <a:t>Using Python, Pandas, JSON, and Matplotlib.</a:t>
+            </a:r>
+          </a:p>
+          <a:p>
+            <a:pPr marL="633921" lvl="1" indent="-341313">
+              <a:buSzPct val="75000"/>
+              <a:buFont typeface="Wingdings" panose="05000000000000000000" pitchFamily="2" charset="2"/>
+              <a:buChar char="Ø"/>
+            </a:pPr>
+            <a:r>
+              <a:rPr lang="en-US" sz="2000" dirty="0">
+                <a:solidFill>
+                  <a:srgbClr val="FFFFFF"/>
+                </a:solidFill>
+              </a:rPr>
+              <a:t>Merged Columns</a:t>
+            </a:r>
+          </a:p>
+          <a:p>
+            <a:pPr marL="633921" lvl="1" indent="-341313">
+              <a:buSzPct val="75000"/>
+              <a:buFont typeface="Wingdings" panose="05000000000000000000" pitchFamily="2" charset="2"/>
+              <a:buChar char="Ø"/>
+            </a:pPr>
+            <a:r>
+              <a:rPr lang="en-US" sz="2000" dirty="0">
+                <a:solidFill>
+                  <a:srgbClr val="FFFFFF"/>
+                </a:solidFill>
+              </a:rPr>
+              <a:t>Added relevant columns </a:t>
+            </a:r>
+          </a:p>
+          <a:p>
+            <a:pPr marL="633921" lvl="1" indent="-341313">
+              <a:buSzPct val="75000"/>
+              <a:buFont typeface="Wingdings" panose="05000000000000000000" pitchFamily="2" charset="2"/>
+              <a:buChar char="Ø"/>
+            </a:pPr>
+            <a:r>
+              <a:rPr lang="en-US" sz="2000" dirty="0">
+                <a:solidFill>
+                  <a:srgbClr val="FFFFFF"/>
+                </a:solidFill>
+              </a:rPr>
+              <a:t>Renamed columns</a:t>
+            </a:r>
+          </a:p>
+          <a:p>
+            <a:pPr marL="633921" lvl="1" indent="-341313">
+              <a:buSzPct val="75000"/>
+              <a:buFont typeface="Wingdings" panose="05000000000000000000" pitchFamily="2" charset="2"/>
+              <a:buChar char="Ø"/>
+            </a:pPr>
+            <a:r>
+              <a:rPr lang="en-US" sz="2000" dirty="0">
+                <a:solidFill>
+                  <a:srgbClr val="FFFFFF"/>
+                </a:solidFill>
+              </a:rPr>
+              <a:t>Sorted &amp; Plotted the data</a:t>
+            </a:r>
+          </a:p>
+          <a:p>
+            <a:pPr marL="341313" indent="-341313">
+              <a:buSzPct val="80000"/>
+              <a:buFont typeface="Wingdings" panose="05000000000000000000" pitchFamily="2" charset="2"/>
+              <a:buChar char="q"/>
+            </a:pPr>
+            <a:endParaRPr lang="en-US" dirty="0">
+              <a:solidFill>
+                <a:srgbClr val="FFFFFF"/>
+              </a:solidFill>
+            </a:endParaRPr>
+          </a:p>
+        </p:txBody>
+      </p:sp>
+      <p:sp>
+        <p:nvSpPr>
+          <p:cNvPr id="40" name="Rectangle 42">
+            <a:extLst>
+              <a:ext uri="{FF2B5EF4-FFF2-40B4-BE49-F238E27FC236}">
+                <a16:creationId xmlns:a16="http://schemas.microsoft.com/office/drawing/2014/main" id="{36F207B4-66C3-4A76-8D54-C2871CF80983}"/>
+              </a:ext>
+              <a:ext uri="{C183D7F6-B498-43B3-948B-1728B52AA6E4}">
+                <adec:decorative xmlns:adec="http://schemas.microsoft.com/office/drawing/2017/decorative" val="1"/>
+              </a:ext>
+            </a:extLst>
+          </p:cNvPr>
+          <p:cNvSpPr>
+            <a:spLocks noGrp="1" noRot="1" noChangeAspect="1" noMove="1" noResize="1" noEditPoints="1" noAdjustHandles="1" noChangeArrowheads="1" noChangeShapeType="1" noTextEdit="1"/>
+          </p:cNvSpPr>
+          <p:nvPr>
+            <p:extLst>
+              <p:ext uri="{386F3935-93C4-4BCD-93E2-E3B085C9AB24}">
+                <p16:designElem xmlns:p16="http://schemas.microsoft.com/office/powerpoint/2015/main" val="1"/>
+              </p:ext>
+            </p:extLst>
+          </p:nvPr>
+        </p:nvSpPr>
+        <p:spPr>
+          <a:xfrm>
+            <a:off x="7547894" y="0"/>
+            <a:ext cx="64008" cy="6858000"/>
+          </a:xfrm>
+          <a:prstGeom prst="rect">
+            <a:avLst/>
+          </a:prstGeom>
+          <a:solidFill>
+            <a:schemeClr val="accent1"/>
+          </a:solidFill>
+          <a:ln>
+            <a:noFill/>
+          </a:ln>
+        </p:spPr>
+        <p:style>
+          <a:lnRef idx="2">
+            <a:schemeClr val="accent1">
+              <a:shade val="50000"/>
+            </a:schemeClr>
+          </a:lnRef>
+          <a:fillRef idx="1">
+            <a:schemeClr val="accent1"/>
+          </a:fillRef>
+          <a:effectRef idx="0">
+            <a:schemeClr val="accent1"/>
+          </a:effectRef>
+          <a:fontRef idx="minor">
+            <a:schemeClr val="lt1"/>
+          </a:fontRef>
+        </p:style>
+      </p:sp>
+      <p:pic>
+        <p:nvPicPr>
+          <p:cNvPr id="36" name="Picture 35">
+            <a:extLst>
+              <a:ext uri="{FF2B5EF4-FFF2-40B4-BE49-F238E27FC236}">
+                <a16:creationId xmlns:a16="http://schemas.microsoft.com/office/drawing/2014/main" id="{EC4AAE12-C8EB-99DB-5AF9-66C442CB02B3}"/>
+              </a:ext>
+            </a:extLst>
+          </p:cNvPr>
+          <p:cNvPicPr>
+            <a:picLocks noChangeAspect="1"/>
+          </p:cNvPicPr>
+          <p:nvPr/>
+        </p:nvPicPr>
+        <p:blipFill rotWithShape="1">
+          <a:blip r:embed="rId2"/>
+          <a:srcRect r="4593"/>
+          <a:stretch/>
+        </p:blipFill>
+        <p:spPr>
+          <a:xfrm>
+            <a:off x="7611902" y="10"/>
+            <a:ext cx="4580097" cy="6857990"/>
+          </a:xfrm>
+          <a:prstGeom prst="rect">
+            <a:avLst/>
+          </a:prstGeom>
+        </p:spPr>
+      </p:pic>
+    </p:spTree>
+    <p:extLst>
+      <p:ext uri="{BB962C8B-B14F-4D97-AF65-F5344CB8AC3E}">
+        <p14:creationId xmlns:p14="http://schemas.microsoft.com/office/powerpoint/2010/main" val="3583443801"/>
+      </p:ext>
+    </p:extLst>
+  </p:cSld>
+  <p:clrMapOvr>
+    <a:masterClrMapping/>
+  </p:clrMapOvr>
+</p:sld>
+</file>
+
+<file path=ppt/slides/slide4.xml><?xml version="1.0" encoding="utf-8"?>
+<p:sld xmlns:a="http://schemas.openxmlformats.org/drawingml/2006/main" xmlns:r="http://schemas.openxmlformats.org/officeDocument/2006/relationships" xmlns:p="http://schemas.openxmlformats.org/presentationml/2006/main">
+  <p:cSld>
+    <p:bg>
+      <p:bgPr>
+        <a:solidFill>
+          <a:schemeClr val="bg1"/>
+        </a:solidFill>
+        <a:effectLst/>
+      </p:bgPr>
+    </p:bg>
+    <p:spTree>
+      <p:nvGrpSpPr>
+        <p:cNvPr id="1" name=""/>
+        <p:cNvGrpSpPr/>
+        <p:nvPr/>
+      </p:nvGrpSpPr>
+      <p:grpSpPr>
+        <a:xfrm>
+          <a:off x="0" y="0"/>
+          <a:ext cx="0" cy="0"/>
+          <a:chOff x="0" y="0"/>
+          <a:chExt cx="0" cy="0"/>
+        </a:xfrm>
+      </p:grpSpPr>
+      <p:sp useBgFill="1">
+        <p:nvSpPr>
+          <p:cNvPr id="17" name="Rectangle 8">
+            <a:extLst>
+              <a:ext uri="{FF2B5EF4-FFF2-40B4-BE49-F238E27FC236}">
+                <a16:creationId xmlns:a16="http://schemas.microsoft.com/office/drawing/2014/main" id="{44CC594A-A820-450F-B363-C19201FCFEC6}"/>
+              </a:ext>
+              <a:ext uri="{C183D7F6-B498-43B3-948B-1728B52AA6E4}">
+                <adec:decorative xmlns:adec="http://schemas.microsoft.com/office/drawing/2017/decorative" val="1"/>
+              </a:ext>
+            </a:extLst>
+          </p:cNvPr>
+          <p:cNvSpPr>
+            <a:spLocks noGrp="1" noRot="1" noChangeAspect="1" noMove="1" noResize="1" noEditPoints="1" noAdjustHandles="1" noChangeArrowheads="1" noChangeShapeType="1" noTextEdit="1"/>
+          </p:cNvSpPr>
+          <p:nvPr>
+            <p:extLst>
+              <p:ext uri="{386F3935-93C4-4BCD-93E2-E3B085C9AB24}">
+                <p16:designElem xmlns:p16="http://schemas.microsoft.com/office/powerpoint/2015/main" val="1"/>
+              </p:ext>
+            </p:extLst>
+          </p:nvPr>
+        </p:nvSpPr>
+        <p:spPr>
+          <a:xfrm>
+            <a:off x="0" y="0"/>
+            <a:ext cx="12186315" cy="6858000"/>
+          </a:xfrm>
+          <a:prstGeom prst="rect">
+            <a:avLst/>
+          </a:prstGeom>
+          <a:ln>
+            <a:noFill/>
+          </a:ln>
+        </p:spPr>
+        <p:style>
+          <a:lnRef idx="2">
+            <a:schemeClr val="accent6">
+              <a:shade val="50000"/>
+            </a:schemeClr>
+          </a:lnRef>
+          <a:fillRef idx="1001">
+            <a:schemeClr val="lt1"/>
+          </a:fillRef>
+          <a:effectRef idx="0">
+            <a:schemeClr val="accent6"/>
+          </a:effectRef>
+          <a:fontRef idx="minor">
+            <a:schemeClr val="lt1"/>
+          </a:fontRef>
+        </p:style>
+        <p:txBody>
+          <a:bodyPr rtlCol="0" anchor="ctr"/>
+          <a:lstStyle/>
+          <a:p>
+            <a:pPr algn="ctr"/>
+            <a:endParaRPr lang="en-US"/>
+          </a:p>
+        </p:txBody>
+      </p:sp>
+      <p:sp>
+        <p:nvSpPr>
+          <p:cNvPr id="18" name="Rectangle 10">
+            <a:extLst>
+              <a:ext uri="{FF2B5EF4-FFF2-40B4-BE49-F238E27FC236}">
+                <a16:creationId xmlns:a16="http://schemas.microsoft.com/office/drawing/2014/main" id="{59FAB3DA-E9ED-4574-ABCC-378BC0FF1BBC}"/>
+              </a:ext>
+              <a:ext uri="{C183D7F6-B498-43B3-948B-1728B52AA6E4}">
+                <adec:decorative xmlns:adec="http://schemas.microsoft.com/office/drawing/2017/decorative" val="1"/>
+              </a:ext>
+            </a:extLst>
+          </p:cNvPr>
+          <p:cNvSpPr>
+            <a:spLocks noGrp="1" noRot="1" noChangeAspect="1" noMove="1" noResize="1" noEditPoints="1" noAdjustHandles="1" noChangeArrowheads="1" noChangeShapeType="1" noTextEdit="1"/>
+          </p:cNvSpPr>
+          <p:nvPr>
+            <p:extLst>
+              <p:ext uri="{386F3935-93C4-4BCD-93E2-E3B085C9AB24}">
+                <p16:designElem xmlns:p16="http://schemas.microsoft.com/office/powerpoint/2015/main" val="1"/>
+              </p:ext>
+            </p:extLst>
+          </p:nvPr>
+        </p:nvSpPr>
+        <p:spPr>
+          <a:xfrm>
+            <a:off x="16" y="0"/>
+            <a:ext cx="4050791" cy="6858000"/>
+          </a:xfrm>
+          <a:prstGeom prst="rect">
+            <a:avLst/>
+          </a:prstGeom>
+          <a:solidFill>
+            <a:schemeClr val="accent2"/>
+          </a:solidFill>
+          <a:ln>
+            <a:noFill/>
+          </a:ln>
+        </p:spPr>
+        <p:style>
+          <a:lnRef idx="2">
+            <a:schemeClr val="accent1">
+              <a:shade val="50000"/>
+            </a:schemeClr>
+          </a:lnRef>
+          <a:fillRef idx="1">
+            <a:schemeClr val="accent1"/>
+          </a:fillRef>
+          <a:effectRef idx="0">
+            <a:schemeClr val="accent1"/>
+          </a:effectRef>
+          <a:fontRef idx="minor">
+            <a:schemeClr val="lt1"/>
+          </a:fontRef>
+        </p:style>
+      </p:sp>
+      <p:sp>
+        <p:nvSpPr>
+          <p:cNvPr id="2" name="Title 1">
+            <a:extLst>
+              <a:ext uri="{FF2B5EF4-FFF2-40B4-BE49-F238E27FC236}">
+                <a16:creationId xmlns:a16="http://schemas.microsoft.com/office/drawing/2014/main" id="{0784CA52-46CD-B72E-D6C3-404437CF01EE}"/>
+              </a:ext>
+            </a:extLst>
+          </p:cNvPr>
+          <p:cNvSpPr>
+            <a:spLocks noGrp="1"/>
+          </p:cNvSpPr>
+          <p:nvPr>
+            <p:ph type="title"/>
+          </p:nvPr>
+        </p:nvSpPr>
+        <p:spPr>
+          <a:xfrm>
+            <a:off x="397948" y="336453"/>
+            <a:ext cx="3084844" cy="1088335"/>
+          </a:xfrm>
+        </p:spPr>
+        <p:txBody>
+          <a:bodyPr>
+            <a:normAutofit/>
+          </a:bodyPr>
+          <a:lstStyle/>
+          <a:p>
+            <a:r>
+              <a:rPr lang="en-US" sz="3600">
+                <a:solidFill>
+                  <a:srgbClr val="FFFFFF"/>
+                </a:solidFill>
+              </a:rPr>
+              <a:t>Cost of Living Comparison:</a:t>
+            </a:r>
+            <a:endParaRPr lang="en-US" sz="3600" dirty="0">
+              <a:solidFill>
+                <a:srgbClr val="FFFFFF"/>
+              </a:solidFill>
+            </a:endParaRPr>
+          </a:p>
+        </p:txBody>
+      </p:sp>
+      <p:sp>
+        <p:nvSpPr>
+          <p:cNvPr id="3" name="Content Placeholder 2">
+            <a:extLst>
+              <a:ext uri="{FF2B5EF4-FFF2-40B4-BE49-F238E27FC236}">
+                <a16:creationId xmlns:a16="http://schemas.microsoft.com/office/drawing/2014/main" id="{7F4F417F-368D-407B-E3B2-1990807EE6E6}"/>
+              </a:ext>
+            </a:extLst>
+          </p:cNvPr>
+          <p:cNvSpPr>
+            <a:spLocks noGrp="1"/>
+          </p:cNvSpPr>
+          <p:nvPr>
+            <p:ph idx="1"/>
+          </p:nvPr>
+        </p:nvSpPr>
+        <p:spPr>
+          <a:xfrm>
+            <a:off x="214075" y="1507793"/>
+            <a:ext cx="3890003" cy="5350207"/>
+          </a:xfrm>
+        </p:spPr>
+        <p:txBody>
+          <a:bodyPr>
+            <a:noAutofit/>
+          </a:bodyPr>
+          <a:lstStyle/>
+          <a:p>
+            <a:pPr marL="341313" indent="-341313">
+              <a:buSzPct val="75000"/>
+              <a:buFont typeface="Wingdings" panose="05000000000000000000" pitchFamily="2" charset="2"/>
+              <a:buChar char="q"/>
+            </a:pPr>
+            <a:r>
+              <a:rPr lang="en-US" dirty="0">
+                <a:solidFill>
+                  <a:srgbClr val="FFFFFF"/>
+                </a:solidFill>
+              </a:rPr>
+              <a:t>Most expensive states: Hawaii, DC, California, Massachusetts, Florida, Connecticut.</a:t>
+            </a:r>
+          </a:p>
+          <a:p>
+            <a:pPr marL="341313" indent="-341313">
+              <a:buSzPct val="75000"/>
+              <a:buFont typeface="Wingdings" panose="05000000000000000000" pitchFamily="2" charset="2"/>
+              <a:buChar char="q"/>
+            </a:pPr>
+            <a:r>
+              <a:rPr lang="en-US" dirty="0">
+                <a:solidFill>
+                  <a:srgbClr val="FFFFFF"/>
+                </a:solidFill>
+              </a:rPr>
+              <a:t>Most expensive cities: Key West, Boca Raton, Red Wood City, New York, Mountain View.</a:t>
+            </a:r>
+          </a:p>
+          <a:p>
+            <a:pPr marL="341313" indent="-341313">
+              <a:buSzPct val="75000"/>
+              <a:buFont typeface="Wingdings" panose="05000000000000000000" pitchFamily="2" charset="2"/>
+              <a:buChar char="q"/>
+            </a:pPr>
+            <a:r>
+              <a:rPr lang="en-US" dirty="0">
+                <a:solidFill>
+                  <a:srgbClr val="FFFFFF"/>
+                </a:solidFill>
+              </a:rPr>
+              <a:t>Top 50 most expensive cities primarily in California and Florida.</a:t>
+            </a:r>
+          </a:p>
+          <a:p>
+            <a:pPr marL="341313" indent="-341313">
+              <a:buSzPct val="75000"/>
+              <a:buFont typeface="Wingdings" panose="05000000000000000000" pitchFamily="2" charset="2"/>
+              <a:buChar char="q"/>
+            </a:pPr>
+            <a:r>
+              <a:rPr lang="en-US">
+                <a:solidFill>
+                  <a:srgbClr val="FFFFFF"/>
+                </a:solidFill>
+              </a:rPr>
+              <a:t>Least </a:t>
+            </a:r>
+            <a:r>
+              <a:rPr lang="en-US" dirty="0">
+                <a:solidFill>
+                  <a:srgbClr val="FFFFFF"/>
+                </a:solidFill>
+              </a:rPr>
+              <a:t>expensive states: West Virginia, Mississippi, Arkansas, North Dakota, Missouri.</a:t>
+            </a:r>
+          </a:p>
+          <a:p>
+            <a:pPr marL="341313" indent="-341313">
+              <a:buSzPct val="75000"/>
+              <a:buFont typeface="Wingdings" panose="05000000000000000000" pitchFamily="2" charset="2"/>
+              <a:buChar char="q"/>
+            </a:pPr>
+            <a:r>
+              <a:rPr lang="en-US" dirty="0">
+                <a:solidFill>
+                  <a:srgbClr val="FFFFFF"/>
+                </a:solidFill>
+              </a:rPr>
+              <a:t>Least expensive cities: Shreveport, Dubuque, Sumter, Suffolk, Russellville.</a:t>
+            </a:r>
+          </a:p>
+        </p:txBody>
+      </p:sp>
+      <p:sp>
+        <p:nvSpPr>
+          <p:cNvPr id="19" name="Rectangle 12">
+            <a:extLst>
+              <a:ext uri="{FF2B5EF4-FFF2-40B4-BE49-F238E27FC236}">
+                <a16:creationId xmlns:a16="http://schemas.microsoft.com/office/drawing/2014/main" id="{53B8D6B0-55D6-48DC-86D8-FD95D5F118AB}"/>
+              </a:ext>
+              <a:ext uri="{C183D7F6-B498-43B3-948B-1728B52AA6E4}">
+                <adec:decorative xmlns:adec="http://schemas.microsoft.com/office/drawing/2017/decorative" val="1"/>
+              </a:ext>
+            </a:extLst>
+          </p:cNvPr>
+          <p:cNvSpPr>
+            <a:spLocks noGrp="1" noRot="1" noChangeAspect="1" noMove="1" noResize="1" noEditPoints="1" noAdjustHandles="1" noChangeArrowheads="1" noChangeShapeType="1" noTextEdit="1"/>
+          </p:cNvSpPr>
+          <p:nvPr>
+            <p:extLst>
+              <p:ext uri="{386F3935-93C4-4BCD-93E2-E3B085C9AB24}">
+                <p16:designElem xmlns:p16="http://schemas.microsoft.com/office/powerpoint/2015/main" val="1"/>
+              </p:ext>
+            </p:extLst>
+          </p:nvPr>
+        </p:nvSpPr>
+        <p:spPr>
+          <a:xfrm>
+            <a:off x="4040071" y="0"/>
+            <a:ext cx="64008" cy="6858000"/>
+          </a:xfrm>
+          <a:prstGeom prst="rect">
+            <a:avLst/>
+          </a:prstGeom>
+          <a:solidFill>
+            <a:schemeClr val="accent1"/>
+          </a:solidFill>
+          <a:ln>
+            <a:noFill/>
+          </a:ln>
+        </p:spPr>
+        <p:style>
+          <a:lnRef idx="2">
+            <a:schemeClr val="accent1">
+              <a:shade val="50000"/>
+            </a:schemeClr>
+          </a:lnRef>
+          <a:fillRef idx="1">
+            <a:schemeClr val="accent1"/>
+          </a:fillRef>
+          <a:effectRef idx="0">
+            <a:schemeClr val="accent1"/>
+          </a:effectRef>
+          <a:fontRef idx="minor">
+            <a:schemeClr val="lt1"/>
+          </a:fontRef>
+        </p:style>
+      </p:sp>
+      <p:pic>
+        <p:nvPicPr>
+          <p:cNvPr id="4" name="Picture 3" descr="Chart, bar chart, histogram&#10;&#10;Description automatically generated">
+            <a:extLst>
+              <a:ext uri="{FF2B5EF4-FFF2-40B4-BE49-F238E27FC236}">
+                <a16:creationId xmlns:a16="http://schemas.microsoft.com/office/drawing/2014/main" id="{0E6EA3FD-D8C4-551D-8480-D6D3440C3F96}"/>
+              </a:ext>
+            </a:extLst>
+          </p:cNvPr>
+          <p:cNvPicPr>
+            <a:picLocks noChangeAspect="1"/>
+          </p:cNvPicPr>
+          <p:nvPr/>
+        </p:nvPicPr>
+        <p:blipFill>
+          <a:blip r:embed="rId2"/>
+          <a:stretch>
+            <a:fillRect/>
+          </a:stretch>
+        </p:blipFill>
+        <p:spPr>
+          <a:xfrm>
+            <a:off x="4279933" y="2187817"/>
+            <a:ext cx="7757374" cy="3626573"/>
+          </a:xfrm>
+          <a:prstGeom prst="rect">
+            <a:avLst/>
+          </a:prstGeom>
+        </p:spPr>
+      </p:pic>
+      <p:sp>
+        <p:nvSpPr>
+          <p:cNvPr id="5" name="Rectangle: Rounded Corners 4">
+            <a:extLst>
+              <a:ext uri="{FF2B5EF4-FFF2-40B4-BE49-F238E27FC236}">
+                <a16:creationId xmlns:a16="http://schemas.microsoft.com/office/drawing/2014/main" id="{AE5018D1-2787-5A06-A3B7-69ED3ADED5D8}"/>
+              </a:ext>
+            </a:extLst>
+          </p:cNvPr>
+          <p:cNvSpPr/>
+          <p:nvPr/>
+        </p:nvSpPr>
+        <p:spPr>
+          <a:xfrm>
+            <a:off x="8596395" y="2533218"/>
+            <a:ext cx="2750860" cy="839556"/>
+          </a:xfrm>
+          <a:prstGeom prst="roundRect">
+            <a:avLst/>
+          </a:prstGeom>
+        </p:spPr>
+        <p:style>
+          <a:lnRef idx="2">
+            <a:schemeClr val="accent1"/>
+          </a:lnRef>
+          <a:fillRef idx="1">
+            <a:schemeClr val="lt1"/>
+          </a:fillRef>
+          <a:effectRef idx="0">
+            <a:schemeClr val="accent1"/>
+          </a:effectRef>
+          <a:fontRef idx="minor">
+            <a:schemeClr val="dk1"/>
+          </a:fontRef>
+        </p:style>
+        <p:txBody>
+          <a:bodyPr rtlCol="0" anchor="ctr"/>
+          <a:lstStyle/>
+          <a:p>
+            <a:pPr>
+              <a:buSzPct val="75000"/>
+            </a:pPr>
+            <a:r>
+              <a:rPr lang="en-US" dirty="0">
+                <a:solidFill>
+                  <a:srgbClr val="C00000"/>
+                </a:solidFill>
+              </a:rPr>
+              <a:t>Trending expense by state. Hawaii being the most expensive</a:t>
+            </a:r>
+          </a:p>
+        </p:txBody>
+      </p:sp>
+    </p:spTree>
+    <p:extLst>
+      <p:ext uri="{BB962C8B-B14F-4D97-AF65-F5344CB8AC3E}">
+        <p14:creationId xmlns:p14="http://schemas.microsoft.com/office/powerpoint/2010/main" val="961448098"/>
+      </p:ext>
+    </p:extLst>
+  </p:cSld>
+  <p:clrMapOvr>
+    <a:masterClrMapping/>
+  </p:clrMapOvr>
+</p:sld>
+</file>
+
+<file path=ppt/slides/slide5.xml><?xml version="1.0" encoding="utf-8"?>
+<p:sld xmlns:a="http://schemas.openxmlformats.org/drawingml/2006/main" xmlns:r="http://schemas.openxmlformats.org/officeDocument/2006/relationships" xmlns:p="http://schemas.openxmlformats.org/presentationml/2006/main">
+  <p:cSld>
+    <p:bg>
+      <p:bgPr>
+        <a:solidFill>
+          <a:schemeClr val="bg1"/>
+        </a:solidFill>
+        <a:effectLst/>
+      </p:bgPr>
+    </p:bg>
+    <p:spTree>
+      <p:nvGrpSpPr>
+        <p:cNvPr id="1" name=""/>
+        <p:cNvGrpSpPr/>
+        <p:nvPr/>
+      </p:nvGrpSpPr>
+      <p:grpSpPr>
+        <a:xfrm>
+          <a:off x="0" y="0"/>
+          <a:ext cx="0" cy="0"/>
+          <a:chOff x="0" y="0"/>
+          <a:chExt cx="0" cy="0"/>
+        </a:xfrm>
+      </p:grpSpPr>
+      <p:sp>
+        <p:nvSpPr>
+          <p:cNvPr id="38" name="Rectangle 22">
+            <a:extLst>
+              <a:ext uri="{FF2B5EF4-FFF2-40B4-BE49-F238E27FC236}">
+                <a16:creationId xmlns:a16="http://schemas.microsoft.com/office/drawing/2014/main" id="{BB2B8762-61F0-4F1B-9364-D633EE9D6AF5}"/>
+              </a:ext>
+              <a:ext uri="{C183D7F6-B498-43B3-948B-1728B52AA6E4}">
+                <adec:decorative xmlns:adec="http://schemas.microsoft.com/office/drawing/2017/decorative" val="1"/>
+              </a:ext>
+            </a:extLst>
+          </p:cNvPr>
+          <p:cNvSpPr>
+            <a:spLocks noGrp="1" noRot="1" noChangeAspect="1" noMove="1" noResize="1" noEditPoints="1" noAdjustHandles="1" noChangeArrowheads="1" noChangeShapeType="1" noTextEdit="1"/>
+          </p:cNvSpPr>
+          <p:nvPr>
+            <p:extLst>
+              <p:ext uri="{386F3935-93C4-4BCD-93E2-E3B085C9AB24}">
+                <p16:designElem xmlns:p16="http://schemas.microsoft.com/office/powerpoint/2015/main" val="1"/>
+              </p:ext>
+            </p:extLst>
+          </p:nvPr>
+        </p:nvSpPr>
+        <p:spPr>
+          <a:xfrm>
+            <a:off x="3175" y="6400800"/>
+            <a:ext cx="12188825" cy="457200"/>
+          </a:xfrm>
+          <a:prstGeom prst="rect">
+            <a:avLst/>
+          </a:prstGeom>
+          <a:solidFill>
+            <a:schemeClr val="accent2"/>
+          </a:solidFill>
+          <a:ln>
+            <a:noFill/>
+          </a:ln>
+        </p:spPr>
+        <p:style>
+          <a:lnRef idx="2">
+            <a:schemeClr val="accent1">
+              <a:shade val="50000"/>
+            </a:schemeClr>
+          </a:lnRef>
+          <a:fillRef idx="1">
+            <a:schemeClr val="accent1"/>
+          </a:fillRef>
+          <a:effectRef idx="0">
+            <a:schemeClr val="accent1"/>
+          </a:effectRef>
+          <a:fontRef idx="minor">
+            <a:schemeClr val="lt1"/>
+          </a:fontRef>
+        </p:style>
+      </p:sp>
+      <p:sp>
+        <p:nvSpPr>
+          <p:cNvPr id="39" name="Rectangle 24">
+            <a:extLst>
+              <a:ext uri="{FF2B5EF4-FFF2-40B4-BE49-F238E27FC236}">
+                <a16:creationId xmlns:a16="http://schemas.microsoft.com/office/drawing/2014/main" id="{E97675C8-1328-460C-9EBF-6B446B67EAD3}"/>
+              </a:ext>
+              <a:ext uri="{C183D7F6-B498-43B3-948B-1728B52AA6E4}">
+                <adec:decorative xmlns:adec="http://schemas.microsoft.com/office/drawing/2017/decorative" val="1"/>
+              </a:ext>
+            </a:extLst>
+          </p:cNvPr>
+          <p:cNvSpPr>
+            <a:spLocks noGrp="1" noRot="1" noChangeAspect="1" noMove="1" noResize="1" noEditPoints="1" noAdjustHandles="1" noChangeArrowheads="1" noChangeShapeType="1" noTextEdit="1"/>
+          </p:cNvSpPr>
+          <p:nvPr>
+            <p:extLst>
+              <p:ext uri="{386F3935-93C4-4BCD-93E2-E3B085C9AB24}">
+                <p16:designElem xmlns:p16="http://schemas.microsoft.com/office/powerpoint/2015/main" val="1"/>
+              </p:ext>
+            </p:extLst>
+          </p:nvPr>
+        </p:nvSpPr>
+        <p:spPr>
+          <a:xfrm>
+            <a:off x="15" y="6334316"/>
+            <a:ext cx="12188825" cy="64008"/>
+          </a:xfrm>
+          <a:prstGeom prst="rect">
+            <a:avLst/>
+          </a:prstGeom>
+          <a:solidFill>
+            <a:schemeClr val="accent1"/>
+          </a:solidFill>
+          <a:ln>
+            <a:noFill/>
+          </a:ln>
+        </p:spPr>
+        <p:style>
+          <a:lnRef idx="2">
+            <a:schemeClr val="accent1">
+              <a:shade val="50000"/>
+            </a:schemeClr>
+          </a:lnRef>
+          <a:fillRef idx="1">
+            <a:schemeClr val="accent1"/>
+          </a:fillRef>
+          <a:effectRef idx="0">
+            <a:schemeClr val="accent1"/>
+          </a:effectRef>
+          <a:fontRef idx="minor">
+            <a:schemeClr val="lt1"/>
+          </a:fontRef>
+        </p:style>
+      </p:sp>
+      <p:cxnSp>
+        <p:nvCxnSpPr>
+          <p:cNvPr id="40" name="Straight Connector 26">
+            <a:extLst>
+              <a:ext uri="{FF2B5EF4-FFF2-40B4-BE49-F238E27FC236}">
+                <a16:creationId xmlns:a16="http://schemas.microsoft.com/office/drawing/2014/main" id="{514EE78B-AF71-4195-A01B-F1165D9233BF}"/>
+              </a:ext>
+              <a:ext uri="{C183D7F6-B498-43B3-948B-1728B52AA6E4}">
+                <adec:decorative xmlns:adec="http://schemas.microsoft.com/office/drawing/2017/decorative" val="1"/>
+              </a:ext>
+            </a:extLst>
+          </p:cNvPr>
+          <p:cNvCxnSpPr>
+            <a:cxnSpLocks noGrp="1" noRot="1" noChangeAspect="1" noMove="1" noResize="1" noEditPoints="1" noAdjustHandles="1" noChangeArrowheads="1" noChangeShapeType="1"/>
+          </p:cNvCxnSpPr>
+          <p:nvPr>
+            <p:extLst>
+              <p:ext uri="{386F3935-93C4-4BCD-93E2-E3B085C9AB24}">
+                <p16:designElem xmlns:p16="http://schemas.microsoft.com/office/powerpoint/2015/main" val="1"/>
+              </p:ext>
+            </p:extLst>
+          </p:nvPr>
+        </p:nvCxnSpPr>
+        <p:spPr>
+          <a:xfrm>
+            <a:off x="1207658" y="4343400"/>
+            <a:ext cx="9875520" cy="0"/>
+          </a:xfrm>
+          <a:prstGeom prst="line">
+            <a:avLst/>
+          </a:prstGeom>
+          <a:ln w="6350">
+            <a:solidFill>
+              <a:schemeClr val="tx1">
+                <a:lumMod val="50000"/>
+                <a:lumOff val="50000"/>
+              </a:schemeClr>
+            </a:solidFill>
+          </a:ln>
+        </p:spPr>
+        <p:style>
+          <a:lnRef idx="1">
+            <a:schemeClr val="accent1"/>
+          </a:lnRef>
+          <a:fillRef idx="0">
+            <a:schemeClr val="accent1"/>
+          </a:fillRef>
+          <a:effectRef idx="0">
+            <a:schemeClr val="accent1"/>
+          </a:effectRef>
+          <a:fontRef idx="minor">
+            <a:schemeClr val="tx1"/>
+          </a:fontRef>
+        </p:style>
+      </p:cxnSp>
+      <p:sp useBgFill="1">
+        <p:nvSpPr>
+          <p:cNvPr id="41" name="Rectangle 28">
+            <a:extLst>
+              <a:ext uri="{FF2B5EF4-FFF2-40B4-BE49-F238E27FC236}">
+                <a16:creationId xmlns:a16="http://schemas.microsoft.com/office/drawing/2014/main" id="{C6417104-D4C1-4710-9982-2154A7F48492}"/>
+              </a:ext>
+              <a:ext uri="{C183D7F6-B498-43B3-948B-1728B52AA6E4}">
+                <adec:decorative xmlns:adec="http://schemas.microsoft.com/office/drawing/2017/decorative" val="1"/>
+              </a:ext>
+            </a:extLst>
+          </p:cNvPr>
+          <p:cNvSpPr>
+            <a:spLocks noGrp="1" noRot="1" noChangeAspect="1" noMove="1" noResize="1" noEditPoints="1" noAdjustHandles="1" noChangeArrowheads="1" noChangeShapeType="1" noTextEdit="1"/>
+          </p:cNvSpPr>
+          <p:nvPr>
+            <p:extLst>
+              <p:ext uri="{386F3935-93C4-4BCD-93E2-E3B085C9AB24}">
+                <p16:designElem xmlns:p16="http://schemas.microsoft.com/office/powerpoint/2015/main" val="1"/>
+              </p:ext>
+            </p:extLst>
+          </p:nvPr>
+        </p:nvSpPr>
+        <p:spPr>
+          <a:xfrm>
+            <a:off x="0" y="0"/>
+            <a:ext cx="12192001" cy="6334316"/>
+          </a:xfrm>
+          <a:prstGeom prst="rect">
+            <a:avLst/>
+          </a:prstGeom>
+          <a:ln>
+            <a:noFill/>
+          </a:ln>
+        </p:spPr>
+        <p:style>
+          <a:lnRef idx="2">
+            <a:schemeClr val="accent1">
+              <a:shade val="50000"/>
+            </a:schemeClr>
+          </a:lnRef>
+          <a:fillRef idx="1">
+            <a:schemeClr val="accent1"/>
+          </a:fillRef>
+          <a:effectRef idx="0">
+            <a:schemeClr val="accent1"/>
+          </a:effectRef>
+          <a:fontRef idx="minor">
+            <a:schemeClr val="lt1"/>
+          </a:fontRef>
+        </p:style>
+        <p:txBody>
+          <a:bodyPr rtlCol="0" anchor="ctr"/>
+          <a:lstStyle/>
+          <a:p>
+            <a:pPr algn="ctr"/>
+            <a:endParaRPr lang="en-US"/>
+          </a:p>
+        </p:txBody>
+      </p:sp>
+      <p:sp>
+        <p:nvSpPr>
+          <p:cNvPr id="2" name="Title 1">
+            <a:extLst>
+              <a:ext uri="{FF2B5EF4-FFF2-40B4-BE49-F238E27FC236}">
+                <a16:creationId xmlns:a16="http://schemas.microsoft.com/office/drawing/2014/main" id="{04017A31-7469-BBE5-8ADF-F1DE6E4D7CB0}"/>
+              </a:ext>
+            </a:extLst>
+          </p:cNvPr>
+          <p:cNvSpPr>
+            <a:spLocks noGrp="1"/>
+          </p:cNvSpPr>
+          <p:nvPr>
+            <p:ph type="title"/>
+          </p:nvPr>
+        </p:nvSpPr>
+        <p:spPr>
+          <a:xfrm>
+            <a:off x="633999" y="4550229"/>
+            <a:ext cx="10909073" cy="1057655"/>
+          </a:xfrm>
+        </p:spPr>
+        <p:txBody>
+          <a:bodyPr vert="horz" lIns="91440" tIns="45720" rIns="91440" bIns="45720" rtlCol="0" anchor="b">
+            <a:normAutofit/>
+          </a:bodyPr>
+          <a:lstStyle/>
+          <a:p>
+            <a:endParaRPr lang="en-US" sz="6000">
+              <a:solidFill>
+                <a:schemeClr val="tx1">
+                  <a:lumMod val="85000"/>
+                  <a:lumOff val="15000"/>
+                </a:schemeClr>
+              </a:solidFill>
+            </a:endParaRPr>
+          </a:p>
+        </p:txBody>
+      </p:sp>
+      <p:pic>
+        <p:nvPicPr>
+          <p:cNvPr id="4" name="Picture 3" descr="Chart, histogram&#10;&#10;Description automatically generated">
+            <a:extLst>
+              <a:ext uri="{FF2B5EF4-FFF2-40B4-BE49-F238E27FC236}">
+                <a16:creationId xmlns:a16="http://schemas.microsoft.com/office/drawing/2014/main" id="{7A4E4FC4-0D0F-184A-46B4-38B024C6A981}"/>
+              </a:ext>
+            </a:extLst>
+          </p:cNvPr>
+          <p:cNvPicPr>
+            <a:picLocks noChangeAspect="1"/>
+          </p:cNvPicPr>
+          <p:nvPr/>
+        </p:nvPicPr>
+        <p:blipFill>
+          <a:blip r:embed="rId2"/>
+          <a:stretch>
+            <a:fillRect/>
+          </a:stretch>
+        </p:blipFill>
+        <p:spPr>
+          <a:xfrm>
+            <a:off x="447261" y="640080"/>
+            <a:ext cx="5394960" cy="5314035"/>
+          </a:xfrm>
+          <a:prstGeom prst="rect">
+            <a:avLst/>
+          </a:prstGeom>
+        </p:spPr>
+      </p:pic>
+      <p:sp>
+        <p:nvSpPr>
+          <p:cNvPr id="42" name="Rectangle 30">
+            <a:extLst>
+              <a:ext uri="{FF2B5EF4-FFF2-40B4-BE49-F238E27FC236}">
+                <a16:creationId xmlns:a16="http://schemas.microsoft.com/office/drawing/2014/main" id="{626F1402-2DEC-4071-84AF-350C7BF00D43}"/>
+              </a:ext>
+              <a:ext uri="{C183D7F6-B498-43B3-948B-1728B52AA6E4}">
+                <adec:decorative xmlns:adec="http://schemas.microsoft.com/office/drawing/2017/decorative" val="1"/>
+              </a:ext>
+            </a:extLst>
+          </p:cNvPr>
+          <p:cNvSpPr>
+            <a:spLocks noGrp="1" noRot="1" noChangeAspect="1" noMove="1" noResize="1" noEditPoints="1" noAdjustHandles="1" noChangeArrowheads="1" noChangeShapeType="1" noTextEdit="1"/>
+          </p:cNvSpPr>
+          <p:nvPr>
+            <p:extLst>
+              <p:ext uri="{386F3935-93C4-4BCD-93E2-E3B085C9AB24}">
+                <p16:designElem xmlns:p16="http://schemas.microsoft.com/office/powerpoint/2015/main" val="1"/>
+              </p:ext>
+            </p:extLst>
+          </p:nvPr>
+        </p:nvSpPr>
+        <p:spPr>
+          <a:xfrm>
+            <a:off x="6063996" y="886968"/>
+            <a:ext cx="64008" cy="3108960"/>
+          </a:xfrm>
+          <a:prstGeom prst="rect">
+            <a:avLst/>
+          </a:prstGeom>
+          <a:ln>
+            <a:noFill/>
+          </a:ln>
+        </p:spPr>
+        <p:style>
+          <a:lnRef idx="2">
+            <a:schemeClr val="accent1">
+              <a:shade val="50000"/>
+            </a:schemeClr>
+          </a:lnRef>
+          <a:fillRef idx="1">
+            <a:schemeClr val="accent1"/>
+          </a:fillRef>
+          <a:effectRef idx="0">
+            <a:schemeClr val="accent1"/>
+          </a:effectRef>
+          <a:fontRef idx="minor">
+            <a:schemeClr val="lt1"/>
+          </a:fontRef>
+        </p:style>
+        <p:txBody>
+          <a:bodyPr rtlCol="0" anchor="ctr"/>
+          <a:lstStyle/>
+          <a:p>
+            <a:pPr algn="ctr"/>
+            <a:endParaRPr lang="en-US"/>
+          </a:p>
+        </p:txBody>
+      </p:sp>
+      <p:pic>
+        <p:nvPicPr>
+          <p:cNvPr id="6" name="Picture 5" descr="Chart, histogram, waterfall chart&#10;&#10;Description automatically generated">
+            <a:extLst>
+              <a:ext uri="{FF2B5EF4-FFF2-40B4-BE49-F238E27FC236}">
+                <a16:creationId xmlns:a16="http://schemas.microsoft.com/office/drawing/2014/main" id="{9CAFA04C-7052-98AE-E8BD-71EF6C9D8054}"/>
+              </a:ext>
+            </a:extLst>
+          </p:cNvPr>
+          <p:cNvPicPr>
+            <a:picLocks noChangeAspect="1"/>
+          </p:cNvPicPr>
+          <p:nvPr/>
+        </p:nvPicPr>
+        <p:blipFill>
+          <a:blip r:embed="rId3"/>
+          <a:stretch>
+            <a:fillRect/>
+          </a:stretch>
+        </p:blipFill>
+        <p:spPr>
+          <a:xfrm>
+            <a:off x="6424891" y="640079"/>
+            <a:ext cx="5394960" cy="5505063"/>
+          </a:xfrm>
+          <a:prstGeom prst="rect">
+            <a:avLst/>
+          </a:prstGeom>
+        </p:spPr>
+      </p:pic>
+      <p:cxnSp>
+        <p:nvCxnSpPr>
+          <p:cNvPr id="43" name="Straight Connector 32">
+            <a:extLst>
+              <a:ext uri="{FF2B5EF4-FFF2-40B4-BE49-F238E27FC236}">
+                <a16:creationId xmlns:a16="http://schemas.microsoft.com/office/drawing/2014/main" id="{04733B62-1719-4677-A612-CA0AC0AD7482}"/>
+              </a:ext>
+              <a:ext uri="{C183D7F6-B498-43B3-948B-1728B52AA6E4}">
+                <adec:decorative xmlns:adec="http://schemas.microsoft.com/office/drawing/2017/decorative" val="1"/>
+              </a:ext>
+            </a:extLst>
+          </p:cNvPr>
+          <p:cNvCxnSpPr>
+            <a:cxnSpLocks noGrp="1" noRot="1" noChangeAspect="1" noMove="1" noResize="1" noEditPoints="1" noAdjustHandles="1" noChangeArrowheads="1" noChangeShapeType="1"/>
+          </p:cNvCxnSpPr>
+          <p:nvPr>
+            <p:extLst>
+              <p:ext uri="{386F3935-93C4-4BCD-93E2-E3B085C9AB24}">
+                <p16:designElem xmlns:p16="http://schemas.microsoft.com/office/powerpoint/2015/main" val="1"/>
+              </p:ext>
+            </p:extLst>
+          </p:nvPr>
+        </p:nvCxnSpPr>
+        <p:spPr>
+          <a:xfrm>
+            <a:off x="721086" y="5618770"/>
+            <a:ext cx="10515600" cy="0"/>
+          </a:xfrm>
+          <a:prstGeom prst="line">
+            <a:avLst/>
+          </a:prstGeom>
+          <a:ln w="6350">
+            <a:solidFill>
+              <a:schemeClr val="tx2">
+                <a:alpha val="90000"/>
+              </a:schemeClr>
+            </a:solidFill>
+          </a:ln>
+        </p:spPr>
+        <p:style>
+          <a:lnRef idx="1">
+            <a:schemeClr val="accent1"/>
+          </a:lnRef>
+          <a:fillRef idx="0">
+            <a:schemeClr val="accent1"/>
+          </a:fillRef>
+          <a:effectRef idx="0">
+            <a:schemeClr val="accent1"/>
+          </a:effectRef>
+          <a:fontRef idx="minor">
+            <a:schemeClr val="tx1"/>
+          </a:fontRef>
+        </p:style>
+      </p:cxnSp>
+      <p:sp>
+        <p:nvSpPr>
+          <p:cNvPr id="44" name="Rectangle 34">
+            <a:extLst>
+              <a:ext uri="{FF2B5EF4-FFF2-40B4-BE49-F238E27FC236}">
+                <a16:creationId xmlns:a16="http://schemas.microsoft.com/office/drawing/2014/main" id="{DA52A394-10F4-4AA5-90E4-634D1E919DBA}"/>
+              </a:ext>
+              <a:ext uri="{C183D7F6-B498-43B3-948B-1728B52AA6E4}">
+                <adec:decorative xmlns:adec="http://schemas.microsoft.com/office/drawing/2017/decorative" val="1"/>
+              </a:ext>
+            </a:extLst>
+          </p:cNvPr>
+          <p:cNvSpPr>
+            <a:spLocks noGrp="1" noRot="1" noChangeAspect="1" noMove="1" noResize="1" noEditPoints="1" noAdjustHandles="1" noChangeArrowheads="1" noChangeShapeType="1" noTextEdit="1"/>
+          </p:cNvSpPr>
+          <p:nvPr>
+            <p:extLst>
+              <p:ext uri="{386F3935-93C4-4BCD-93E2-E3B085C9AB24}">
+                <p16:designElem xmlns:p16="http://schemas.microsoft.com/office/powerpoint/2015/main" val="1"/>
+              </p:ext>
+            </p:extLst>
+          </p:nvPr>
+        </p:nvSpPr>
+        <p:spPr>
+          <a:xfrm>
+            <a:off x="15" y="6334316"/>
+            <a:ext cx="12191985" cy="66484"/>
+          </a:xfrm>
+          <a:prstGeom prst="rect">
+            <a:avLst/>
+          </a:prstGeom>
+          <a:solidFill>
+            <a:schemeClr val="accent1"/>
+          </a:solidFill>
+          <a:ln>
+            <a:noFill/>
+          </a:ln>
+        </p:spPr>
+        <p:style>
+          <a:lnRef idx="2">
+            <a:schemeClr val="accent1">
+              <a:shade val="50000"/>
+            </a:schemeClr>
+          </a:lnRef>
+          <a:fillRef idx="1">
+            <a:schemeClr val="accent1"/>
+          </a:fillRef>
+          <a:effectRef idx="0">
+            <a:schemeClr val="accent1"/>
+          </a:effectRef>
+          <a:fontRef idx="minor">
+            <a:schemeClr val="lt1"/>
+          </a:fontRef>
+        </p:style>
+      </p:sp>
+      <p:sp>
+        <p:nvSpPr>
+          <p:cNvPr id="37" name="Rectangle 36">
+            <a:extLst>
+              <a:ext uri="{FF2B5EF4-FFF2-40B4-BE49-F238E27FC236}">
+                <a16:creationId xmlns:a16="http://schemas.microsoft.com/office/drawing/2014/main" id="{07BDDC51-8BB2-42BE-8EA8-39B3E9AC1EF6}"/>
+              </a:ext>
+              <a:ext uri="{C183D7F6-B498-43B3-948B-1728B52AA6E4}">
+                <adec:decorative xmlns:adec="http://schemas.microsoft.com/office/drawing/2017/decorative" val="1"/>
+              </a:ext>
+            </a:extLst>
+          </p:cNvPr>
+          <p:cNvSpPr>
+            <a:spLocks noGrp="1" noRot="1" noChangeAspect="1" noMove="1" noResize="1" noEditPoints="1" noAdjustHandles="1" noChangeArrowheads="1" noChangeShapeType="1" noTextEdit="1"/>
+          </p:cNvSpPr>
+          <p:nvPr>
+            <p:extLst>
+              <p:ext uri="{386F3935-93C4-4BCD-93E2-E3B085C9AB24}">
+                <p16:designElem xmlns:p16="http://schemas.microsoft.com/office/powerpoint/2015/main" val="1"/>
+              </p:ext>
+            </p:extLst>
+          </p:nvPr>
+        </p:nvSpPr>
+        <p:spPr>
+          <a:xfrm>
+            <a:off x="1" y="6400800"/>
+            <a:ext cx="12192000" cy="457200"/>
+          </a:xfrm>
+          <a:prstGeom prst="rect">
+            <a:avLst/>
+          </a:prstGeom>
+          <a:solidFill>
+            <a:schemeClr val="accent2"/>
+          </a:solidFill>
+          <a:ln>
+            <a:noFill/>
+          </a:ln>
+        </p:spPr>
+        <p:style>
+          <a:lnRef idx="2">
+            <a:schemeClr val="accent1">
+              <a:shade val="50000"/>
+            </a:schemeClr>
+          </a:lnRef>
+          <a:fillRef idx="1">
+            <a:schemeClr val="accent1"/>
+          </a:fillRef>
+          <a:effectRef idx="0">
+            <a:schemeClr val="accent1"/>
+          </a:effectRef>
+          <a:fontRef idx="minor">
+            <a:schemeClr val="lt1"/>
+          </a:fontRef>
+        </p:style>
+      </p:sp>
+      <p:sp>
+        <p:nvSpPr>
+          <p:cNvPr id="11" name="Speech Bubble: Rectangle with Corners Rounded 10">
+            <a:extLst>
+              <a:ext uri="{FF2B5EF4-FFF2-40B4-BE49-F238E27FC236}">
+                <a16:creationId xmlns:a16="http://schemas.microsoft.com/office/drawing/2014/main" id="{501350B6-FF51-5DC4-5434-01CD9B04B327}"/>
+              </a:ext>
+            </a:extLst>
+          </p:cNvPr>
+          <p:cNvSpPr/>
+          <p:nvPr/>
+        </p:nvSpPr>
+        <p:spPr>
+          <a:xfrm>
+            <a:off x="8134175" y="1140807"/>
+            <a:ext cx="2713703" cy="825910"/>
+          </a:xfrm>
+          <a:prstGeom prst="wedgeRoundRectCallout">
+            <a:avLst>
+              <a:gd name="adj1" fmla="val -76928"/>
+              <a:gd name="adj2" fmla="val 2019"/>
+              <a:gd name="adj3" fmla="val 16667"/>
+            </a:avLst>
+          </a:prstGeom>
+        </p:spPr>
+        <p:style>
+          <a:lnRef idx="2">
+            <a:schemeClr val="accent1"/>
+          </a:lnRef>
+          <a:fillRef idx="1">
+            <a:schemeClr val="lt1"/>
+          </a:fillRef>
+          <a:effectRef idx="0">
+            <a:schemeClr val="accent1"/>
+          </a:effectRef>
+          <a:fontRef idx="minor">
+            <a:schemeClr val="dk1"/>
+          </a:fontRef>
+        </p:style>
+        <p:txBody>
+          <a:bodyPr rtlCol="0" anchor="ctr"/>
+          <a:lstStyle/>
+          <a:p>
+            <a:pPr>
+              <a:buSzPct val="75000"/>
+            </a:pPr>
+            <a:r>
+              <a:rPr lang="en-US" dirty="0">
+                <a:solidFill>
+                  <a:srgbClr val="C00000"/>
+                </a:solidFill>
+              </a:rPr>
+              <a:t>23 of the most expensive cities are in California</a:t>
+            </a:r>
+          </a:p>
+        </p:txBody>
+      </p:sp>
+      <p:sp>
+        <p:nvSpPr>
+          <p:cNvPr id="13" name="Speech Bubble: Rectangle with Corners Rounded 12">
+            <a:extLst>
+              <a:ext uri="{FF2B5EF4-FFF2-40B4-BE49-F238E27FC236}">
+                <a16:creationId xmlns:a16="http://schemas.microsoft.com/office/drawing/2014/main" id="{5B33FCA5-2502-0DEE-8B8B-354903ABC5F5}"/>
+              </a:ext>
+            </a:extLst>
+          </p:cNvPr>
+          <p:cNvSpPr/>
+          <p:nvPr/>
+        </p:nvSpPr>
+        <p:spPr>
+          <a:xfrm>
+            <a:off x="8405606" y="2450785"/>
+            <a:ext cx="2713703" cy="825910"/>
+          </a:xfrm>
+          <a:prstGeom prst="wedgeRoundRectCallout">
+            <a:avLst>
+              <a:gd name="adj1" fmla="val -78581"/>
+              <a:gd name="adj2" fmla="val 68796"/>
+              <a:gd name="adj3" fmla="val 16667"/>
+            </a:avLst>
+          </a:prstGeom>
+        </p:spPr>
+        <p:style>
+          <a:lnRef idx="2">
+            <a:schemeClr val="accent1"/>
+          </a:lnRef>
+          <a:fillRef idx="1">
+            <a:schemeClr val="lt1"/>
+          </a:fillRef>
+          <a:effectRef idx="0">
+            <a:schemeClr val="accent1"/>
+          </a:effectRef>
+          <a:fontRef idx="minor">
+            <a:schemeClr val="dk1"/>
+          </a:fontRef>
+        </p:style>
+        <p:txBody>
+          <a:bodyPr rtlCol="0" anchor="ctr"/>
+          <a:lstStyle/>
+          <a:p>
+            <a:pPr>
+              <a:buSzPct val="75000"/>
+            </a:pPr>
+            <a:r>
+              <a:rPr lang="en-US" dirty="0">
+                <a:solidFill>
+                  <a:srgbClr val="C00000"/>
+                </a:solidFill>
+              </a:rPr>
+              <a:t>8 of the most expensive cities are in Florida</a:t>
+            </a:r>
+          </a:p>
+        </p:txBody>
+      </p:sp>
+      <p:sp>
+        <p:nvSpPr>
+          <p:cNvPr id="15" name="Rectangle: Rounded Corners 14">
+            <a:extLst>
+              <a:ext uri="{FF2B5EF4-FFF2-40B4-BE49-F238E27FC236}">
+                <a16:creationId xmlns:a16="http://schemas.microsoft.com/office/drawing/2014/main" id="{87696312-D151-40E4-14B5-9481F9328FA0}"/>
+              </a:ext>
+            </a:extLst>
+          </p:cNvPr>
+          <p:cNvSpPr/>
+          <p:nvPr/>
+        </p:nvSpPr>
+        <p:spPr>
+          <a:xfrm>
+            <a:off x="2868398" y="1165379"/>
+            <a:ext cx="2584520" cy="670881"/>
+          </a:xfrm>
+          <a:prstGeom prst="roundRect">
+            <a:avLst/>
+          </a:prstGeom>
+        </p:spPr>
+        <p:style>
+          <a:lnRef idx="2">
+            <a:schemeClr val="accent1"/>
+          </a:lnRef>
+          <a:fillRef idx="1">
+            <a:schemeClr val="lt1"/>
+          </a:fillRef>
+          <a:effectRef idx="0">
+            <a:schemeClr val="accent1"/>
+          </a:effectRef>
+          <a:fontRef idx="minor">
+            <a:schemeClr val="dk1"/>
+          </a:fontRef>
+        </p:style>
+        <p:txBody>
+          <a:bodyPr rtlCol="0" anchor="ctr"/>
+          <a:lstStyle/>
+          <a:p>
+            <a:pPr>
+              <a:buSzPct val="75000"/>
+            </a:pPr>
+            <a:r>
+              <a:rPr lang="en-US" dirty="0">
+                <a:solidFill>
+                  <a:srgbClr val="C00000"/>
+                </a:solidFill>
+              </a:rPr>
+              <a:t>50 least expensive cities and their state</a:t>
+            </a:r>
+          </a:p>
+        </p:txBody>
+      </p:sp>
+    </p:spTree>
+    <p:extLst>
+      <p:ext uri="{BB962C8B-B14F-4D97-AF65-F5344CB8AC3E}">
+        <p14:creationId xmlns:p14="http://schemas.microsoft.com/office/powerpoint/2010/main" val="48883070"/>
+      </p:ext>
+    </p:extLst>
+  </p:cSld>
+  <p:clrMapOvr>
+    <a:masterClrMapping/>
+  </p:clrMapOvr>
+</p:sld>
+</file>
+
+<file path=ppt/slides/slide6.xml><?xml version="1.0" encoding="utf-8"?>
+<p:sld xmlns:a="http://schemas.openxmlformats.org/drawingml/2006/main" xmlns:r="http://schemas.openxmlformats.org/officeDocument/2006/relationships" xmlns:p="http://schemas.openxmlformats.org/presentationml/2006/main">
+  <p:cSld>
+    <p:bg>
+      <p:bgPr>
+        <a:solidFill>
+          <a:schemeClr val="bg1"/>
+        </a:solidFill>
+        <a:effectLst/>
+      </p:bgPr>
+    </p:bg>
+    <p:spTree>
+      <p:nvGrpSpPr>
+        <p:cNvPr id="1" name=""/>
+        <p:cNvGrpSpPr/>
+        <p:nvPr/>
+      </p:nvGrpSpPr>
+      <p:grpSpPr>
+        <a:xfrm>
+          <a:off x="0" y="0"/>
+          <a:ext cx="0" cy="0"/>
+          <a:chOff x="0" y="0"/>
+          <a:chExt cx="0" cy="0"/>
+        </a:xfrm>
+      </p:grpSpPr>
+      <p:pic>
+        <p:nvPicPr>
+          <p:cNvPr id="10" name="Picture 9">
+            <a:extLst>
+              <a:ext uri="{FF2B5EF4-FFF2-40B4-BE49-F238E27FC236}">
+                <a16:creationId xmlns:a16="http://schemas.microsoft.com/office/drawing/2014/main" id="{9C68CE1C-B2D2-E0F4-D822-7110DB26766D}"/>
+              </a:ext>
+            </a:extLst>
+          </p:cNvPr>
+          <p:cNvPicPr>
+            <a:picLocks noChangeAspect="1"/>
+          </p:cNvPicPr>
+          <p:nvPr/>
+        </p:nvPicPr>
+        <p:blipFill rotWithShape="1">
+          <a:blip r:embed="rId2"/>
+          <a:srcRect r="5" b="14393"/>
+          <a:stretch/>
+        </p:blipFill>
+        <p:spPr>
+          <a:xfrm>
+            <a:off x="1016853" y="321734"/>
+            <a:ext cx="4307461" cy="2905170"/>
+          </a:xfrm>
+          <a:prstGeom prst="rect">
+            <a:avLst/>
+          </a:prstGeom>
+        </p:spPr>
+      </p:pic>
+      <p:pic>
+        <p:nvPicPr>
+          <p:cNvPr id="8" name="Picture 7">
+            <a:extLst>
+              <a:ext uri="{FF2B5EF4-FFF2-40B4-BE49-F238E27FC236}">
+                <a16:creationId xmlns:a16="http://schemas.microsoft.com/office/drawing/2014/main" id="{69AB383E-9193-DED7-8EB3-3003C6A42655}"/>
+              </a:ext>
+            </a:extLst>
+          </p:cNvPr>
+          <p:cNvPicPr>
+            <a:picLocks noChangeAspect="1"/>
+          </p:cNvPicPr>
+          <p:nvPr/>
+        </p:nvPicPr>
+        <p:blipFill rotWithShape="1">
+          <a:blip r:embed="rId3"/>
+          <a:srcRect r="-3" b="10361"/>
+          <a:stretch/>
+        </p:blipFill>
+        <p:spPr>
+          <a:xfrm>
+            <a:off x="1121004" y="3631096"/>
+            <a:ext cx="4099158" cy="2760560"/>
+          </a:xfrm>
+          <a:prstGeom prst="rect">
+            <a:avLst/>
+          </a:prstGeom>
+        </p:spPr>
+      </p:pic>
+      <p:sp>
+        <p:nvSpPr>
+          <p:cNvPr id="73" name="Rectangle 72">
+            <a:extLst>
+              <a:ext uri="{FF2B5EF4-FFF2-40B4-BE49-F238E27FC236}">
+                <a16:creationId xmlns:a16="http://schemas.microsoft.com/office/drawing/2014/main" id="{799448F2-0E5B-42DA-B2D1-11A14E947BD4}"/>
+              </a:ext>
+              <a:ext uri="{C183D7F6-B498-43B3-948B-1728B52AA6E4}">
+                <adec:decorative xmlns:adec="http://schemas.microsoft.com/office/drawing/2017/decorative" val="1"/>
+              </a:ext>
+            </a:extLst>
+          </p:cNvPr>
+          <p:cNvSpPr>
+            <a:spLocks noGrp="1" noRot="1" noChangeAspect="1" noMove="1" noResize="1" noEditPoints="1" noAdjustHandles="1" noChangeArrowheads="1" noChangeShapeType="1" noTextEdit="1"/>
+          </p:cNvSpPr>
+          <p:nvPr>
+            <p:extLst>
+              <p:ext uri="{386F3935-93C4-4BCD-93E2-E3B085C9AB24}">
+                <p16:designElem xmlns:p16="http://schemas.microsoft.com/office/powerpoint/2015/main" val="1"/>
+              </p:ext>
+            </p:extLst>
+          </p:nvPr>
+        </p:nvSpPr>
+        <p:spPr>
+          <a:xfrm>
+            <a:off x="6050280" y="0"/>
+            <a:ext cx="91440" cy="6858000"/>
+          </a:xfrm>
+          <a:prstGeom prst="rect">
+            <a:avLst/>
+          </a:prstGeom>
+          <a:solidFill>
+            <a:schemeClr val="tx1">
+              <a:lumMod val="75000"/>
+              <a:lumOff val="25000"/>
+            </a:schemeClr>
+          </a:solidFill>
+          <a:ln>
+            <a:noFill/>
+          </a:ln>
+        </p:spPr>
+        <p:style>
+          <a:lnRef idx="2">
+            <a:schemeClr val="accent1">
+              <a:shade val="50000"/>
+            </a:schemeClr>
+          </a:lnRef>
+          <a:fillRef idx="1">
+            <a:schemeClr val="accent1"/>
+          </a:fillRef>
+          <a:effectRef idx="0">
+            <a:schemeClr val="accent1"/>
+          </a:effectRef>
+          <a:fontRef idx="minor">
+            <a:schemeClr val="lt1"/>
+          </a:fontRef>
+        </p:style>
+        <p:txBody>
+          <a:bodyPr rtlCol="0" anchor="ctr"/>
+          <a:lstStyle/>
+          <a:p>
+            <a:pPr algn="ctr"/>
+            <a:endParaRPr lang="en-US"/>
+          </a:p>
+        </p:txBody>
+      </p:sp>
+      <p:sp>
+        <p:nvSpPr>
+          <p:cNvPr id="75" name="Rectangle 74">
+            <a:extLst>
+              <a:ext uri="{FF2B5EF4-FFF2-40B4-BE49-F238E27FC236}">
+                <a16:creationId xmlns:a16="http://schemas.microsoft.com/office/drawing/2014/main" id="{4E8A7552-20E1-4F34-ADAB-C1DB6634D47E}"/>
+              </a:ext>
+              <a:ext uri="{C183D7F6-B498-43B3-948B-1728B52AA6E4}">
+                <adec:decorative xmlns:adec="http://schemas.microsoft.com/office/drawing/2017/decorative" val="1"/>
+              </a:ext>
+            </a:extLst>
+          </p:cNvPr>
+          <p:cNvSpPr>
+            <a:spLocks noGrp="1" noRot="1" noChangeAspect="1" noMove="1" noResize="1" noEditPoints="1" noAdjustHandles="1" noChangeArrowheads="1" noChangeShapeType="1" noTextEdit="1"/>
+          </p:cNvSpPr>
+          <p:nvPr>
+            <p:extLst>
+              <p:ext uri="{386F3935-93C4-4BCD-93E2-E3B085C9AB24}">
+                <p16:designElem xmlns:p16="http://schemas.microsoft.com/office/powerpoint/2015/main" val="1"/>
+              </p:ext>
+            </p:extLst>
+          </p:nvPr>
+        </p:nvSpPr>
+        <p:spPr>
+          <a:xfrm>
+            <a:off x="0" y="3383280"/>
+            <a:ext cx="6126480" cy="91440"/>
+          </a:xfrm>
+          <a:prstGeom prst="rect">
+            <a:avLst/>
+          </a:prstGeom>
+          <a:solidFill>
+            <a:schemeClr val="tx1">
+              <a:lumMod val="75000"/>
+              <a:lumOff val="25000"/>
+            </a:schemeClr>
+          </a:solidFill>
+          <a:ln>
+            <a:noFill/>
+          </a:ln>
+        </p:spPr>
+        <p:style>
+          <a:lnRef idx="2">
+            <a:schemeClr val="accent1">
+              <a:shade val="50000"/>
+            </a:schemeClr>
+          </a:lnRef>
+          <a:fillRef idx="1">
+            <a:schemeClr val="accent1"/>
+          </a:fillRef>
+          <a:effectRef idx="0">
+            <a:schemeClr val="accent1"/>
+          </a:effectRef>
+          <a:fontRef idx="minor">
+            <a:schemeClr val="lt1"/>
+          </a:fontRef>
+        </p:style>
+        <p:txBody>
+          <a:bodyPr rtlCol="0" anchor="ctr"/>
+          <a:lstStyle/>
+          <a:p>
+            <a:pPr algn="ctr"/>
+            <a:endParaRPr lang="en-US"/>
+          </a:p>
+        </p:txBody>
+      </p:sp>
+      <p:pic>
+        <p:nvPicPr>
+          <p:cNvPr id="6" name="Picture 5">
+            <a:extLst>
+              <a:ext uri="{FF2B5EF4-FFF2-40B4-BE49-F238E27FC236}">
+                <a16:creationId xmlns:a16="http://schemas.microsoft.com/office/drawing/2014/main" id="{F7239C1E-C1D1-7D60-59CE-13D22C7AF936}"/>
+              </a:ext>
+            </a:extLst>
+          </p:cNvPr>
+          <p:cNvPicPr>
+            <a:picLocks noChangeAspect="1"/>
+          </p:cNvPicPr>
+          <p:nvPr/>
+        </p:nvPicPr>
+        <p:blipFill rotWithShape="1">
+          <a:blip r:embed="rId4"/>
+          <a:srcRect l="1098"/>
+          <a:stretch/>
+        </p:blipFill>
+        <p:spPr>
+          <a:xfrm>
+            <a:off x="6308034" y="1112543"/>
+            <a:ext cx="5426764" cy="4488304"/>
+          </a:xfrm>
+          <a:prstGeom prst="rect">
+            <a:avLst/>
+          </a:prstGeom>
+        </p:spPr>
+      </p:pic>
+    </p:spTree>
+    <p:extLst>
+      <p:ext uri="{BB962C8B-B14F-4D97-AF65-F5344CB8AC3E}">
+        <p14:creationId xmlns:p14="http://schemas.microsoft.com/office/powerpoint/2010/main" val="823257066"/>
+      </p:ext>
+    </p:extLst>
+  </p:cSld>
+  <p:clrMapOvr>
+    <a:masterClrMapping/>
+  </p:clrMapOvr>
+</p:sld>
+</file>
+
+<file path=ppt/slides/slide7.xml><?xml version="1.0" encoding="utf-8"?>
+<p:sld xmlns:a="http://schemas.openxmlformats.org/drawingml/2006/main" xmlns:r="http://schemas.openxmlformats.org/officeDocument/2006/relationships" xmlns:p="http://schemas.openxmlformats.org/presentationml/2006/main">
+  <p:cSld>
+    <p:spTree>
+      <p:nvGrpSpPr>
+        <p:cNvPr id="1" name=""/>
+        <p:cNvGrpSpPr/>
+        <p:nvPr/>
+      </p:nvGrpSpPr>
+      <p:grpSpPr>
+        <a:xfrm>
+          <a:off x="0" y="0"/>
+          <a:ext cx="0" cy="0"/>
+          <a:chOff x="0" y="0"/>
+          <a:chExt cx="0" cy="0"/>
+        </a:xfrm>
+      </p:grpSpPr>
+      <p:sp>
+        <p:nvSpPr>
+          <p:cNvPr id="2" name="Title 1">
+            <a:extLst>
+              <a:ext uri="{FF2B5EF4-FFF2-40B4-BE49-F238E27FC236}">
+                <a16:creationId xmlns:a16="http://schemas.microsoft.com/office/drawing/2014/main" id="{0784CA52-46CD-B72E-D6C3-404437CF01EE}"/>
+              </a:ext>
+            </a:extLst>
+          </p:cNvPr>
+          <p:cNvSpPr>
+            <a:spLocks noGrp="1"/>
+          </p:cNvSpPr>
+          <p:nvPr>
+            <p:ph type="title"/>
+          </p:nvPr>
+        </p:nvSpPr>
+        <p:spPr/>
+        <p:txBody>
+          <a:bodyPr/>
+          <a:lstStyle/>
+          <a:p>
+            <a:r>
+              <a:rPr lang="en-US" dirty="0"/>
+              <a:t>Outside the City Center living expensive</a:t>
+            </a:r>
+          </a:p>
+        </p:txBody>
+      </p:sp>
+      <p:sp>
+        <p:nvSpPr>
+          <p:cNvPr id="3" name="Content Placeholder 2">
+            <a:extLst>
+              <a:ext uri="{FF2B5EF4-FFF2-40B4-BE49-F238E27FC236}">
+                <a16:creationId xmlns:a16="http://schemas.microsoft.com/office/drawing/2014/main" id="{7F4F417F-368D-407B-E3B2-1990807EE6E6}"/>
+              </a:ext>
+            </a:extLst>
+          </p:cNvPr>
+          <p:cNvSpPr>
+            <a:spLocks noGrp="1"/>
+          </p:cNvSpPr>
+          <p:nvPr>
+            <p:ph idx="1"/>
+          </p:nvPr>
+        </p:nvSpPr>
+        <p:spPr>
+          <a:xfrm>
+            <a:off x="1097280" y="1845734"/>
+            <a:ext cx="10058400" cy="1261260"/>
+          </a:xfrm>
+        </p:spPr>
+        <p:txBody>
+          <a:bodyPr/>
+          <a:lstStyle/>
+          <a:p>
+            <a:pPr marL="341313" indent="-341313">
+              <a:buSzPct val="75000"/>
+              <a:buFont typeface="Wingdings" panose="05000000000000000000" pitchFamily="2" charset="2"/>
+              <a:buChar char="q"/>
+            </a:pPr>
+            <a:r>
+              <a:rPr lang="en-US" dirty="0"/>
+              <a:t>Utilities and internet costs consistent across cities.</a:t>
+            </a:r>
+          </a:p>
+          <a:p>
+            <a:pPr marL="341313" indent="-341313">
+              <a:buSzPct val="75000"/>
+              <a:buFont typeface="Wingdings" panose="05000000000000000000" pitchFamily="2" charset="2"/>
+              <a:buChar char="q"/>
+            </a:pPr>
+            <a:r>
+              <a:rPr lang="en-US" dirty="0"/>
+              <a:t>Housing drives cost of living.</a:t>
+            </a:r>
+          </a:p>
+          <a:p>
+            <a:pPr marL="341313" indent="-341313">
+              <a:buSzPct val="75000"/>
+              <a:buFont typeface="Wingdings" panose="05000000000000000000" pitchFamily="2" charset="2"/>
+              <a:buChar char="q"/>
+            </a:pPr>
+            <a:endParaRPr lang="en-US" dirty="0"/>
+          </a:p>
+        </p:txBody>
+      </p:sp>
+      <p:pic>
+        <p:nvPicPr>
+          <p:cNvPr id="6" name="Picture 5">
+            <a:extLst>
+              <a:ext uri="{FF2B5EF4-FFF2-40B4-BE49-F238E27FC236}">
+                <a16:creationId xmlns:a16="http://schemas.microsoft.com/office/drawing/2014/main" id="{7D83916B-81D6-F5FE-6C4A-15B2DAEAC227}"/>
+              </a:ext>
+            </a:extLst>
+          </p:cNvPr>
+          <p:cNvPicPr>
+            <a:picLocks noChangeAspect="1"/>
+          </p:cNvPicPr>
+          <p:nvPr/>
+        </p:nvPicPr>
+        <p:blipFill>
+          <a:blip r:embed="rId2"/>
+          <a:stretch>
+            <a:fillRect/>
+          </a:stretch>
+        </p:blipFill>
+        <p:spPr>
+          <a:xfrm>
+            <a:off x="182748" y="3274787"/>
+            <a:ext cx="11657820" cy="2834640"/>
+          </a:xfrm>
+          <a:prstGeom prst="rect">
+            <a:avLst/>
+          </a:prstGeom>
+        </p:spPr>
+      </p:pic>
+      <p:sp>
+        <p:nvSpPr>
+          <p:cNvPr id="7" name="Speech Bubble: Rectangle with Corners Rounded 6">
+            <a:extLst>
+              <a:ext uri="{FF2B5EF4-FFF2-40B4-BE49-F238E27FC236}">
+                <a16:creationId xmlns:a16="http://schemas.microsoft.com/office/drawing/2014/main" id="{702983A6-FE0F-4A81-0E0D-3FE0400AB794}"/>
+              </a:ext>
+            </a:extLst>
+          </p:cNvPr>
+          <p:cNvSpPr/>
+          <p:nvPr/>
+        </p:nvSpPr>
+        <p:spPr>
+          <a:xfrm>
+            <a:off x="5319252" y="3618272"/>
+            <a:ext cx="2073394" cy="580103"/>
+          </a:xfrm>
+          <a:prstGeom prst="wedgeRoundRectCallout">
+            <a:avLst>
+              <a:gd name="adj1" fmla="val 94410"/>
+              <a:gd name="adj2" fmla="val 38206"/>
+              <a:gd name="adj3" fmla="val 16667"/>
+            </a:avLst>
+          </a:prstGeom>
+        </p:spPr>
+        <p:style>
+          <a:lnRef idx="2">
+            <a:schemeClr val="accent1"/>
+          </a:lnRef>
+          <a:fillRef idx="1">
+            <a:schemeClr val="lt1"/>
+          </a:fillRef>
+          <a:effectRef idx="0">
+            <a:schemeClr val="accent1"/>
+          </a:effectRef>
+          <a:fontRef idx="minor">
+            <a:schemeClr val="dk1"/>
+          </a:fontRef>
+        </p:style>
+        <p:txBody>
+          <a:bodyPr rtlCol="0" anchor="ctr"/>
+          <a:lstStyle/>
+          <a:p>
+            <a:pPr>
+              <a:buSzPct val="75000"/>
+            </a:pPr>
+            <a:r>
+              <a:rPr lang="en-US" dirty="0">
+                <a:solidFill>
+                  <a:srgbClr val="C00000"/>
+                </a:solidFill>
+              </a:rPr>
+              <a:t>Housing drives cost of living</a:t>
+            </a:r>
+          </a:p>
+        </p:txBody>
+      </p:sp>
+    </p:spTree>
+    <p:extLst>
+      <p:ext uri="{BB962C8B-B14F-4D97-AF65-F5344CB8AC3E}">
+        <p14:creationId xmlns:p14="http://schemas.microsoft.com/office/powerpoint/2010/main" val="1529965546"/>
+      </p:ext>
+    </p:extLst>
+  </p:cSld>
+  <p:clrMapOvr>
+    <a:masterClrMapping/>
+  </p:clrMapOvr>
+</p:sld>
+</file>
+
+<file path=ppt/slides/slide8.xml><?xml version="1.0" encoding="utf-8"?>
+<p:sld xmlns:a="http://schemas.openxmlformats.org/drawingml/2006/main" xmlns:r="http://schemas.openxmlformats.org/officeDocument/2006/relationships" xmlns:p="http://schemas.openxmlformats.org/presentationml/2006/main">
+  <p:cSld>
+    <p:bg>
+      <p:bgPr>
+        <a:solidFill>
+          <a:schemeClr val="bg1"/>
+        </a:solidFill>
+        <a:effectLst/>
+      </p:bgPr>
+    </p:bg>
+    <p:spTree>
+      <p:nvGrpSpPr>
+        <p:cNvPr id="1" name=""/>
+        <p:cNvGrpSpPr/>
+        <p:nvPr/>
+      </p:nvGrpSpPr>
+      <p:grpSpPr>
+        <a:xfrm>
+          <a:off x="0" y="0"/>
+          <a:ext cx="0" cy="0"/>
+          <a:chOff x="0" y="0"/>
+          <a:chExt cx="0" cy="0"/>
+        </a:xfrm>
+      </p:grpSpPr>
+      <p:sp useBgFill="1">
+        <p:nvSpPr>
+          <p:cNvPr id="9" name="Rectangle 8">
+            <a:extLst>
+              <a:ext uri="{FF2B5EF4-FFF2-40B4-BE49-F238E27FC236}">
+                <a16:creationId xmlns:a16="http://schemas.microsoft.com/office/drawing/2014/main" id="{44CC594A-A820-450F-B363-C19201FCFEC6}"/>
+              </a:ext>
+              <a:ext uri="{C183D7F6-B498-43B3-948B-1728B52AA6E4}">
+                <adec:decorative xmlns:adec="http://schemas.microsoft.com/office/drawing/2017/decorative" val="1"/>
+              </a:ext>
+            </a:extLst>
+          </p:cNvPr>
+          <p:cNvSpPr>
+            <a:spLocks noGrp="1" noRot="1" noChangeAspect="1" noMove="1" noResize="1" noEditPoints="1" noAdjustHandles="1" noChangeArrowheads="1" noChangeShapeType="1" noTextEdit="1"/>
+          </p:cNvSpPr>
+          <p:nvPr>
+            <p:extLst>
+              <p:ext uri="{386F3935-93C4-4BCD-93E2-E3B085C9AB24}">
+                <p16:designElem xmlns:p16="http://schemas.microsoft.com/office/powerpoint/2015/main" val="1"/>
+              </p:ext>
+            </p:extLst>
+          </p:nvPr>
+        </p:nvSpPr>
+        <p:spPr>
+          <a:xfrm>
+            <a:off x="0" y="0"/>
+            <a:ext cx="12186315" cy="6858000"/>
+          </a:xfrm>
+          <a:prstGeom prst="rect">
+            <a:avLst/>
+          </a:prstGeom>
+          <a:ln>
+            <a:noFill/>
+          </a:ln>
+        </p:spPr>
+        <p:style>
+          <a:lnRef idx="2">
+            <a:schemeClr val="accent6">
+              <a:shade val="50000"/>
+            </a:schemeClr>
+          </a:lnRef>
+          <a:fillRef idx="1001">
+            <a:schemeClr val="lt1"/>
+          </a:fillRef>
+          <a:effectRef idx="0">
+            <a:schemeClr val="accent6"/>
+          </a:effectRef>
+          <a:fontRef idx="minor">
+            <a:schemeClr val="lt1"/>
+          </a:fontRef>
+        </p:style>
+        <p:txBody>
+          <a:bodyPr rtlCol="0" anchor="ctr"/>
+          <a:lstStyle/>
+          <a:p>
+            <a:pPr algn="ctr"/>
+            <a:endParaRPr lang="en-US"/>
+          </a:p>
+        </p:txBody>
+      </p:sp>
+      <p:sp>
+        <p:nvSpPr>
+          <p:cNvPr id="11" name="Rectangle 10">
+            <a:extLst>
+              <a:ext uri="{FF2B5EF4-FFF2-40B4-BE49-F238E27FC236}">
+                <a16:creationId xmlns:a16="http://schemas.microsoft.com/office/drawing/2014/main" id="{59FAB3DA-E9ED-4574-ABCC-378BC0FF1BBC}"/>
+              </a:ext>
+              <a:ext uri="{C183D7F6-B498-43B3-948B-1728B52AA6E4}">
+                <adec:decorative xmlns:adec="http://schemas.microsoft.com/office/drawing/2017/decorative" val="1"/>
+              </a:ext>
+            </a:extLst>
+          </p:cNvPr>
+          <p:cNvSpPr>
+            <a:spLocks noGrp="1" noRot="1" noChangeAspect="1" noMove="1" noResize="1" noEditPoints="1" noAdjustHandles="1" noChangeArrowheads="1" noChangeShapeType="1" noTextEdit="1"/>
+          </p:cNvSpPr>
+          <p:nvPr>
+            <p:extLst>
+              <p:ext uri="{386F3935-93C4-4BCD-93E2-E3B085C9AB24}">
+                <p16:designElem xmlns:p16="http://schemas.microsoft.com/office/powerpoint/2015/main" val="1"/>
+              </p:ext>
+            </p:extLst>
+          </p:nvPr>
+        </p:nvSpPr>
+        <p:spPr>
+          <a:xfrm>
+            <a:off x="16" y="0"/>
+            <a:ext cx="4050791" cy="6858000"/>
+          </a:xfrm>
+          <a:prstGeom prst="rect">
+            <a:avLst/>
+          </a:prstGeom>
+          <a:solidFill>
+            <a:schemeClr val="accent2"/>
+          </a:solidFill>
+          <a:ln>
+            <a:noFill/>
+          </a:ln>
+        </p:spPr>
+        <p:style>
+          <a:lnRef idx="2">
+            <a:schemeClr val="accent1">
+              <a:shade val="50000"/>
+            </a:schemeClr>
+          </a:lnRef>
+          <a:fillRef idx="1">
+            <a:schemeClr val="accent1"/>
+          </a:fillRef>
+          <a:effectRef idx="0">
+            <a:schemeClr val="accent1"/>
+          </a:effectRef>
+          <a:fontRef idx="minor">
+            <a:schemeClr val="lt1"/>
+          </a:fontRef>
+        </p:style>
+      </p:sp>
+      <p:sp>
+        <p:nvSpPr>
+          <p:cNvPr id="2" name="Title 1">
+            <a:extLst>
+              <a:ext uri="{FF2B5EF4-FFF2-40B4-BE49-F238E27FC236}">
+                <a16:creationId xmlns:a16="http://schemas.microsoft.com/office/drawing/2014/main" id="{0784CA52-46CD-B72E-D6C3-404437CF01EE}"/>
+              </a:ext>
+            </a:extLst>
+          </p:cNvPr>
+          <p:cNvSpPr>
+            <a:spLocks noGrp="1"/>
+          </p:cNvSpPr>
+          <p:nvPr>
+            <p:ph type="title"/>
+          </p:nvPr>
+        </p:nvSpPr>
+        <p:spPr>
+          <a:xfrm>
+            <a:off x="492370" y="516835"/>
+            <a:ext cx="3084844" cy="2103875"/>
+          </a:xfrm>
+        </p:spPr>
+        <p:txBody>
+          <a:bodyPr>
+            <a:normAutofit/>
+          </a:bodyPr>
+          <a:lstStyle/>
+          <a:p>
+            <a:r>
+              <a:rPr lang="en-US" sz="3600">
+                <a:solidFill>
+                  <a:srgbClr val="FFFFFF"/>
+                </a:solidFill>
+              </a:rPr>
+              <a:t>Data Analysis:</a:t>
+            </a:r>
+          </a:p>
+        </p:txBody>
+      </p:sp>
+      <p:sp>
+        <p:nvSpPr>
+          <p:cNvPr id="3" name="Content Placeholder 2">
+            <a:extLst>
+              <a:ext uri="{FF2B5EF4-FFF2-40B4-BE49-F238E27FC236}">
+                <a16:creationId xmlns:a16="http://schemas.microsoft.com/office/drawing/2014/main" id="{7F4F417F-368D-407B-E3B2-1990807EE6E6}"/>
+              </a:ext>
+            </a:extLst>
+          </p:cNvPr>
+          <p:cNvSpPr>
+            <a:spLocks noGrp="1"/>
+          </p:cNvSpPr>
+          <p:nvPr>
+            <p:ph idx="1"/>
+          </p:nvPr>
+        </p:nvSpPr>
+        <p:spPr>
+          <a:xfrm>
+            <a:off x="492371" y="2653800"/>
+            <a:ext cx="3084844" cy="3335519"/>
+          </a:xfrm>
+        </p:spPr>
+        <p:txBody>
+          <a:bodyPr>
+            <a:normAutofit/>
+          </a:bodyPr>
+          <a:lstStyle/>
+          <a:p>
+            <a:pPr marL="341313" indent="-341313">
+              <a:buSzPct val="75000"/>
+              <a:buFont typeface="Wingdings" panose="05000000000000000000" pitchFamily="2" charset="2"/>
+              <a:buChar char="q"/>
+            </a:pPr>
+            <a:endParaRPr lang="en-US" sz="1500">
+              <a:solidFill>
+                <a:srgbClr val="FFFFFF"/>
+              </a:solidFill>
+            </a:endParaRPr>
+          </a:p>
+        </p:txBody>
+      </p:sp>
+      <p:sp>
+        <p:nvSpPr>
+          <p:cNvPr id="13" name="Rectangle 12">
+            <a:extLst>
+              <a:ext uri="{FF2B5EF4-FFF2-40B4-BE49-F238E27FC236}">
+                <a16:creationId xmlns:a16="http://schemas.microsoft.com/office/drawing/2014/main" id="{53B8D6B0-55D6-48DC-86D8-FD95D5F118AB}"/>
+              </a:ext>
+              <a:ext uri="{C183D7F6-B498-43B3-948B-1728B52AA6E4}">
+                <adec:decorative xmlns:adec="http://schemas.microsoft.com/office/drawing/2017/decorative" val="1"/>
+              </a:ext>
+            </a:extLst>
+          </p:cNvPr>
+          <p:cNvSpPr>
+            <a:spLocks noGrp="1" noRot="1" noChangeAspect="1" noMove="1" noResize="1" noEditPoints="1" noAdjustHandles="1" noChangeArrowheads="1" noChangeShapeType="1" noTextEdit="1"/>
+          </p:cNvSpPr>
+          <p:nvPr>
+            <p:extLst>
+              <p:ext uri="{386F3935-93C4-4BCD-93E2-E3B085C9AB24}">
+                <p16:designElem xmlns:p16="http://schemas.microsoft.com/office/powerpoint/2015/main" val="1"/>
+              </p:ext>
+            </p:extLst>
+          </p:nvPr>
+        </p:nvSpPr>
+        <p:spPr>
+          <a:xfrm>
+            <a:off x="4040071" y="0"/>
+            <a:ext cx="64008" cy="6858000"/>
+          </a:xfrm>
+          <a:prstGeom prst="rect">
+            <a:avLst/>
+          </a:prstGeom>
+          <a:solidFill>
+            <a:schemeClr val="accent1"/>
+          </a:solidFill>
+          <a:ln>
+            <a:noFill/>
+          </a:ln>
+        </p:spPr>
+        <p:style>
+          <a:lnRef idx="2">
+            <a:schemeClr val="accent1">
+              <a:shade val="50000"/>
+            </a:schemeClr>
+          </a:lnRef>
+          <a:fillRef idx="1">
+            <a:schemeClr val="accent1"/>
+          </a:fillRef>
+          <a:effectRef idx="0">
+            <a:schemeClr val="accent1"/>
+          </a:effectRef>
+          <a:fontRef idx="minor">
+            <a:schemeClr val="lt1"/>
+          </a:fontRef>
+        </p:style>
+      </p:sp>
+      <p:pic>
+        <p:nvPicPr>
+          <p:cNvPr id="4" name="Picture 3">
+            <a:extLst>
+              <a:ext uri="{FF2B5EF4-FFF2-40B4-BE49-F238E27FC236}">
+                <a16:creationId xmlns:a16="http://schemas.microsoft.com/office/drawing/2014/main" id="{42B71F34-F923-7AC9-6110-B98370547640}"/>
+              </a:ext>
+            </a:extLst>
+          </p:cNvPr>
+          <p:cNvPicPr>
+            <a:picLocks noChangeAspect="1"/>
+          </p:cNvPicPr>
+          <p:nvPr/>
+        </p:nvPicPr>
+        <p:blipFill>
+          <a:blip r:embed="rId2"/>
+          <a:stretch>
+            <a:fillRect/>
+          </a:stretch>
+        </p:blipFill>
+        <p:spPr>
+          <a:xfrm>
+            <a:off x="4742017" y="811738"/>
+            <a:ext cx="6798082" cy="5234524"/>
+          </a:xfrm>
+          <a:prstGeom prst="rect">
+            <a:avLst/>
+          </a:prstGeom>
+        </p:spPr>
+      </p:pic>
+    </p:spTree>
+    <p:extLst>
+      <p:ext uri="{BB962C8B-B14F-4D97-AF65-F5344CB8AC3E}">
+        <p14:creationId xmlns:p14="http://schemas.microsoft.com/office/powerpoint/2010/main" val="4119234125"/>
+      </p:ext>
+    </p:extLst>
+  </p:cSld>
+  <p:clrMapOvr>
+    <a:masterClrMapping/>
+  </p:clrMapOvr>
+</p:sld>
+</file>
+
+<file path=ppt/slides/slide9.xml><?xml version="1.0" encoding="utf-8"?>
 <p:sld xmlns:a="http://schemas.openxmlformats.org/drawingml/2006/main" xmlns:r="http://schemas.openxmlformats.org/officeDocument/2006/relationships" xmlns:p="http://schemas.openxmlformats.org/presentationml/2006/main">
   <p:cSld>
     <p:bg>
@@ -7824,2721 +13806,6 @@
     <p:extLst>
       <p:ext uri="{BB962C8B-B14F-4D97-AF65-F5344CB8AC3E}">
         <p14:creationId xmlns:p14="http://schemas.microsoft.com/office/powerpoint/2010/main" val="560946863"/>
-      </p:ext>
-    </p:extLst>
-  </p:cSld>
-  <p:clrMapOvr>
-    <a:masterClrMapping/>
-  </p:clrMapOvr>
-</p:sld>
-</file>
-
-<file path=ppt/slides/slide11.xml><?xml version="1.0" encoding="utf-8"?>
-<p:sld xmlns:a="http://schemas.openxmlformats.org/drawingml/2006/main" xmlns:r="http://schemas.openxmlformats.org/officeDocument/2006/relationships" xmlns:p="http://schemas.openxmlformats.org/presentationml/2006/main">
-  <p:cSld>
-    <p:spTree>
-      <p:nvGrpSpPr>
-        <p:cNvPr id="1" name=""/>
-        <p:cNvGrpSpPr/>
-        <p:nvPr/>
-      </p:nvGrpSpPr>
-      <p:grpSpPr>
-        <a:xfrm>
-          <a:off x="0" y="0"/>
-          <a:ext cx="0" cy="0"/>
-          <a:chOff x="0" y="0"/>
-          <a:chExt cx="0" cy="0"/>
-        </a:xfrm>
-      </p:grpSpPr>
-      <p:sp>
-        <p:nvSpPr>
-          <p:cNvPr id="2" name="Title 1">
-            <a:extLst>
-              <a:ext uri="{FF2B5EF4-FFF2-40B4-BE49-F238E27FC236}">
-                <a16:creationId xmlns:a16="http://schemas.microsoft.com/office/drawing/2014/main" id="{0784CA52-46CD-B72E-D6C3-404437CF01EE}"/>
-              </a:ext>
-            </a:extLst>
-          </p:cNvPr>
-          <p:cNvSpPr>
-            <a:spLocks noGrp="1"/>
-          </p:cNvSpPr>
-          <p:nvPr>
-            <p:ph type="title"/>
-          </p:nvPr>
-        </p:nvSpPr>
-        <p:spPr/>
-        <p:txBody>
-          <a:bodyPr/>
-          <a:lstStyle/>
-          <a:p>
-            <a:r>
-              <a:rPr lang="en-US" dirty="0"/>
-              <a:t>Cost of Living in US Cities</a:t>
-            </a:r>
-          </a:p>
-        </p:txBody>
-      </p:sp>
-      <p:sp>
-        <p:nvSpPr>
-          <p:cNvPr id="3" name="Content Placeholder 2">
-            <a:extLst>
-              <a:ext uri="{FF2B5EF4-FFF2-40B4-BE49-F238E27FC236}">
-                <a16:creationId xmlns:a16="http://schemas.microsoft.com/office/drawing/2014/main" id="{7F4F417F-368D-407B-E3B2-1990807EE6E6}"/>
-              </a:ext>
-            </a:extLst>
-          </p:cNvPr>
-          <p:cNvSpPr>
-            <a:spLocks noGrp="1"/>
-          </p:cNvSpPr>
-          <p:nvPr>
-            <p:ph idx="1"/>
-          </p:nvPr>
-        </p:nvSpPr>
-        <p:spPr/>
-        <p:txBody>
-          <a:bodyPr/>
-          <a:lstStyle/>
-          <a:p>
-            <a:r>
-              <a:rPr lang="en-US" dirty="0"/>
-              <a:t>Conclusion:</a:t>
-            </a:r>
-          </a:p>
-          <a:p>
-            <a:pPr marL="341313" indent="-341313">
-              <a:buSzPct val="75000"/>
-              <a:buFont typeface="Wingdings" panose="05000000000000000000" pitchFamily="2" charset="2"/>
-              <a:buChar char="q"/>
-            </a:pPr>
-            <a:r>
-              <a:rPr lang="en-US" dirty="0"/>
-              <a:t>Importance of considering public transportation.</a:t>
-            </a:r>
-          </a:p>
-          <a:p>
-            <a:pPr marL="341313" indent="-341313">
-              <a:buSzPct val="75000"/>
-              <a:buFont typeface="Wingdings" panose="05000000000000000000" pitchFamily="2" charset="2"/>
-              <a:buChar char="q"/>
-            </a:pPr>
-            <a:r>
-              <a:rPr lang="en-US" dirty="0"/>
-              <a:t>Checking multiple cities and reformatting data can improve accuracy.</a:t>
-            </a:r>
-          </a:p>
-          <a:p>
-            <a:pPr marL="341313" indent="-341313">
-              <a:buSzPct val="75000"/>
-              <a:buFont typeface="Wingdings" panose="05000000000000000000" pitchFamily="2" charset="2"/>
-              <a:buChar char="q"/>
-            </a:pPr>
-            <a:r>
-              <a:rPr lang="en-US" dirty="0"/>
-              <a:t>California noted to be above national cost of living and not ideal for computer data programmers.</a:t>
-            </a:r>
-          </a:p>
-        </p:txBody>
-      </p:sp>
-    </p:spTree>
-    <p:extLst>
-      <p:ext uri="{BB962C8B-B14F-4D97-AF65-F5344CB8AC3E}">
-        <p14:creationId xmlns:p14="http://schemas.microsoft.com/office/powerpoint/2010/main" val="1357621538"/>
-      </p:ext>
-    </p:extLst>
-  </p:cSld>
-  <p:clrMapOvr>
-    <a:masterClrMapping/>
-  </p:clrMapOvr>
-</p:sld>
-</file>
-
-<file path=ppt/slides/slide2.xml><?xml version="1.0" encoding="utf-8"?>
-<p:sld xmlns:a="http://schemas.openxmlformats.org/drawingml/2006/main" xmlns:r="http://schemas.openxmlformats.org/officeDocument/2006/relationships" xmlns:p="http://schemas.openxmlformats.org/presentationml/2006/main">
-  <p:cSld>
-    <p:bg>
-      <p:bgPr>
-        <a:solidFill>
-          <a:schemeClr val="bg1"/>
-        </a:solidFill>
-        <a:effectLst/>
-      </p:bgPr>
-    </p:bg>
-    <p:spTree>
-      <p:nvGrpSpPr>
-        <p:cNvPr id="1" name=""/>
-        <p:cNvGrpSpPr/>
-        <p:nvPr/>
-      </p:nvGrpSpPr>
-      <p:grpSpPr>
-        <a:xfrm>
-          <a:off x="0" y="0"/>
-          <a:ext cx="0" cy="0"/>
-          <a:chOff x="0" y="0"/>
-          <a:chExt cx="0" cy="0"/>
-        </a:xfrm>
-      </p:grpSpPr>
-      <p:sp useBgFill="1">
-        <p:nvSpPr>
-          <p:cNvPr id="27" name="Rectangle 8">
-            <a:extLst>
-              <a:ext uri="{FF2B5EF4-FFF2-40B4-BE49-F238E27FC236}">
-                <a16:creationId xmlns:a16="http://schemas.microsoft.com/office/drawing/2014/main" id="{311973C2-EB8B-452A-A698-4A252FD3AE28}"/>
-              </a:ext>
-              <a:ext uri="{C183D7F6-B498-43B3-948B-1728B52AA6E4}">
-                <adec:decorative xmlns:adec="http://schemas.microsoft.com/office/drawing/2017/decorative" val="1"/>
-              </a:ext>
-            </a:extLst>
-          </p:cNvPr>
-          <p:cNvSpPr>
-            <a:spLocks noGrp="1" noRot="1" noChangeAspect="1" noMove="1" noResize="1" noEditPoints="1" noAdjustHandles="1" noChangeArrowheads="1" noChangeShapeType="1" noTextEdit="1"/>
-          </p:cNvSpPr>
-          <p:nvPr>
-            <p:extLst>
-              <p:ext uri="{386F3935-93C4-4BCD-93E2-E3B085C9AB24}">
-                <p16:designElem xmlns:p16="http://schemas.microsoft.com/office/powerpoint/2015/main" val="1"/>
-              </p:ext>
-            </p:extLst>
-          </p:nvPr>
-        </p:nvSpPr>
-        <p:spPr>
-          <a:xfrm>
-            <a:off x="0" y="1"/>
-            <a:ext cx="12192000" cy="6857999"/>
-          </a:xfrm>
-          <a:prstGeom prst="rect">
-            <a:avLst/>
-          </a:prstGeom>
-          <a:ln>
-            <a:noFill/>
-          </a:ln>
-        </p:spPr>
-        <p:style>
-          <a:lnRef idx="2">
-            <a:schemeClr val="accent1">
-              <a:shade val="50000"/>
-            </a:schemeClr>
-          </a:lnRef>
-          <a:fillRef idx="1">
-            <a:schemeClr val="accent1"/>
-          </a:fillRef>
-          <a:effectRef idx="0">
-            <a:schemeClr val="accent1"/>
-          </a:effectRef>
-          <a:fontRef idx="minor">
-            <a:schemeClr val="lt1"/>
-          </a:fontRef>
-        </p:style>
-        <p:txBody>
-          <a:bodyPr rtlCol="0" anchor="ctr"/>
-          <a:lstStyle/>
-          <a:p>
-            <a:pPr algn="ctr"/>
-            <a:endParaRPr lang="en-US"/>
-          </a:p>
-        </p:txBody>
-      </p:sp>
-      <p:sp useBgFill="1">
-        <p:nvSpPr>
-          <p:cNvPr id="28" name="Rectangle 10">
-            <a:extLst>
-              <a:ext uri="{FF2B5EF4-FFF2-40B4-BE49-F238E27FC236}">
-                <a16:creationId xmlns:a16="http://schemas.microsoft.com/office/drawing/2014/main" id="{10162E77-11AD-44A7-84EC-40C59EEFBD2E}"/>
-              </a:ext>
-              <a:ext uri="{C183D7F6-B498-43B3-948B-1728B52AA6E4}">
-                <adec:decorative xmlns:adec="http://schemas.microsoft.com/office/drawing/2017/decorative" val="1"/>
-              </a:ext>
-            </a:extLst>
-          </p:cNvPr>
-          <p:cNvSpPr>
-            <a:spLocks noGrp="1" noRot="1" noChangeAspect="1" noMove="1" noResize="1" noEditPoints="1" noAdjustHandles="1" noChangeArrowheads="1" noChangeShapeType="1" noTextEdit="1"/>
-          </p:cNvSpPr>
-          <p:nvPr>
-            <p:extLst>
-              <p:ext uri="{386F3935-93C4-4BCD-93E2-E3B085C9AB24}">
-                <p16:designElem xmlns:p16="http://schemas.microsoft.com/office/powerpoint/2015/main" val="1"/>
-              </p:ext>
-            </p:extLst>
-          </p:nvPr>
-        </p:nvSpPr>
-        <p:spPr>
-          <a:xfrm>
-            <a:off x="0" y="0"/>
-            <a:ext cx="12192001" cy="6334316"/>
-          </a:xfrm>
-          <a:prstGeom prst="rect">
-            <a:avLst/>
-          </a:prstGeom>
-          <a:ln>
-            <a:noFill/>
-          </a:ln>
-        </p:spPr>
-        <p:style>
-          <a:lnRef idx="2">
-            <a:schemeClr val="accent1">
-              <a:shade val="50000"/>
-            </a:schemeClr>
-          </a:lnRef>
-          <a:fillRef idx="1">
-            <a:schemeClr val="accent1"/>
-          </a:fillRef>
-          <a:effectRef idx="0">
-            <a:schemeClr val="accent1"/>
-          </a:effectRef>
-          <a:fontRef idx="minor">
-            <a:schemeClr val="lt1"/>
-          </a:fontRef>
-        </p:style>
-        <p:txBody>
-          <a:bodyPr rtlCol="0" anchor="ctr"/>
-          <a:lstStyle/>
-          <a:p>
-            <a:pPr algn="ctr"/>
-            <a:endParaRPr lang="en-US"/>
-          </a:p>
-        </p:txBody>
-      </p:sp>
-      <p:sp>
-        <p:nvSpPr>
-          <p:cNvPr id="2" name="Title 1">
-            <a:extLst>
-              <a:ext uri="{FF2B5EF4-FFF2-40B4-BE49-F238E27FC236}">
-                <a16:creationId xmlns:a16="http://schemas.microsoft.com/office/drawing/2014/main" id="{0784CA52-46CD-B72E-D6C3-404437CF01EE}"/>
-              </a:ext>
-            </a:extLst>
-          </p:cNvPr>
-          <p:cNvSpPr>
-            <a:spLocks noGrp="1"/>
-          </p:cNvSpPr>
-          <p:nvPr>
-            <p:ph type="title"/>
-          </p:nvPr>
-        </p:nvSpPr>
-        <p:spPr>
-          <a:xfrm>
-            <a:off x="5181601" y="1318662"/>
-            <a:ext cx="6368142" cy="767041"/>
-          </a:xfrm>
-        </p:spPr>
-        <p:txBody>
-          <a:bodyPr>
-            <a:normAutofit/>
-          </a:bodyPr>
-          <a:lstStyle/>
-          <a:p>
-            <a:r>
-              <a:rPr lang="en-US" dirty="0"/>
-              <a:t>Cost of Living in US Cities</a:t>
-            </a:r>
-          </a:p>
-        </p:txBody>
-      </p:sp>
-      <p:pic>
-        <p:nvPicPr>
-          <p:cNvPr id="29" name="Picture 4" descr="Aerial view of skyscrapers">
-            <a:extLst>
-              <a:ext uri="{FF2B5EF4-FFF2-40B4-BE49-F238E27FC236}">
-                <a16:creationId xmlns:a16="http://schemas.microsoft.com/office/drawing/2014/main" id="{70E755C5-0973-E326-EC19-E2F25FD280D8}"/>
-              </a:ext>
-            </a:extLst>
-          </p:cNvPr>
-          <p:cNvPicPr>
-            <a:picLocks noChangeAspect="1"/>
-          </p:cNvPicPr>
-          <p:nvPr/>
-        </p:nvPicPr>
-        <p:blipFill rotWithShape="1">
-          <a:blip r:embed="rId2"/>
-          <a:srcRect l="22653" r="32126" b="1"/>
-          <a:stretch/>
-        </p:blipFill>
-        <p:spPr>
-          <a:xfrm>
-            <a:off x="20" y="-12128"/>
-            <a:ext cx="4654276" cy="6870127"/>
-          </a:xfrm>
-          <a:prstGeom prst="rect">
-            <a:avLst/>
-          </a:prstGeom>
-        </p:spPr>
-      </p:pic>
-      <p:cxnSp>
-        <p:nvCxnSpPr>
-          <p:cNvPr id="30" name="Straight Connector 12">
-            <a:extLst>
-              <a:ext uri="{FF2B5EF4-FFF2-40B4-BE49-F238E27FC236}">
-                <a16:creationId xmlns:a16="http://schemas.microsoft.com/office/drawing/2014/main" id="{5AB158E9-1B40-4CD6-95F0-95CA11DF7B7A}"/>
-              </a:ext>
-              <a:ext uri="{C183D7F6-B498-43B3-948B-1728B52AA6E4}">
-                <adec:decorative xmlns:adec="http://schemas.microsoft.com/office/drawing/2017/decorative" val="1"/>
-              </a:ext>
-            </a:extLst>
-          </p:cNvPr>
-          <p:cNvCxnSpPr>
-            <a:cxnSpLocks noGrp="1" noRot="1" noChangeAspect="1" noMove="1" noResize="1" noEditPoints="1" noAdjustHandles="1" noChangeArrowheads="1" noChangeShapeType="1"/>
-          </p:cNvCxnSpPr>
-          <p:nvPr>
-            <p:extLst>
-              <p:ext uri="{386F3935-93C4-4BCD-93E2-E3B085C9AB24}">
-                <p16:designElem xmlns:p16="http://schemas.microsoft.com/office/powerpoint/2015/main" val="1"/>
-              </p:ext>
-            </p:extLst>
-          </p:nvPr>
-        </p:nvCxnSpPr>
-        <p:spPr>
-          <a:xfrm>
-            <a:off x="5287617" y="2085703"/>
-            <a:ext cx="6170686" cy="0"/>
-          </a:xfrm>
-          <a:prstGeom prst="line">
-            <a:avLst/>
-          </a:prstGeom>
-          <a:ln w="6350">
-            <a:solidFill>
-              <a:schemeClr val="tx1">
-                <a:lumMod val="50000"/>
-                <a:lumOff val="50000"/>
-                <a:alpha val="90000"/>
-              </a:schemeClr>
-            </a:solidFill>
-          </a:ln>
-        </p:spPr>
-        <p:style>
-          <a:lnRef idx="1">
-            <a:schemeClr val="accent1"/>
-          </a:lnRef>
-          <a:fillRef idx="0">
-            <a:schemeClr val="accent1"/>
-          </a:fillRef>
-          <a:effectRef idx="0">
-            <a:schemeClr val="accent1"/>
-          </a:effectRef>
-          <a:fontRef idx="minor">
-            <a:schemeClr val="tx1"/>
-          </a:fontRef>
-        </p:style>
-      </p:cxnSp>
-      <p:sp>
-        <p:nvSpPr>
-          <p:cNvPr id="31" name="Content Placeholder 2">
-            <a:extLst>
-              <a:ext uri="{FF2B5EF4-FFF2-40B4-BE49-F238E27FC236}">
-                <a16:creationId xmlns:a16="http://schemas.microsoft.com/office/drawing/2014/main" id="{7F4F417F-368D-407B-E3B2-1990807EE6E6}"/>
-              </a:ext>
-            </a:extLst>
-          </p:cNvPr>
-          <p:cNvSpPr>
-            <a:spLocks noGrp="1"/>
-          </p:cNvSpPr>
-          <p:nvPr>
-            <p:ph idx="1"/>
-          </p:nvPr>
-        </p:nvSpPr>
-        <p:spPr>
-          <a:xfrm>
-            <a:off x="5181601" y="2198914"/>
-            <a:ext cx="6368142" cy="3670180"/>
-          </a:xfrm>
-        </p:spPr>
-        <p:txBody>
-          <a:bodyPr>
-            <a:normAutofit/>
-          </a:bodyPr>
-          <a:lstStyle/>
-          <a:p>
-            <a:r>
-              <a:rPr lang="en-US" sz="1300" dirty="0"/>
-              <a:t>Introduction:</a:t>
-            </a:r>
-          </a:p>
-          <a:p>
-            <a:pPr marL="341313" indent="-341313">
-              <a:buSzPct val="75000"/>
-              <a:buFont typeface="Wingdings" panose="05000000000000000000" pitchFamily="2" charset="2"/>
-              <a:buChar char="q"/>
-            </a:pPr>
-            <a:r>
-              <a:rPr lang="en-US" sz="1300" dirty="0"/>
-              <a:t>Welcome to this presentation on the cost of living in US cities.</a:t>
-            </a:r>
-          </a:p>
-          <a:p>
-            <a:pPr marL="341313" indent="-341313">
-              <a:buSzPct val="75000"/>
-              <a:buFont typeface="Wingdings" panose="05000000000000000000" pitchFamily="2" charset="2"/>
-              <a:buChar char="q"/>
-            </a:pPr>
-            <a:r>
-              <a:rPr lang="en-US" sz="1300" dirty="0"/>
-              <a:t>Importance of considering cost of living when relocating for job opportunities.</a:t>
-            </a:r>
-          </a:p>
-          <a:p>
-            <a:pPr marL="341313" indent="-341313">
-              <a:buSzPct val="75000"/>
-              <a:buFont typeface="Wingdings" panose="05000000000000000000" pitchFamily="2" charset="2"/>
-              <a:buChar char="q"/>
-            </a:pPr>
-            <a:r>
-              <a:rPr lang="en-US" sz="1300" dirty="0"/>
-              <a:t>Determine the lowest cost of living cities (or states) in the US </a:t>
-            </a:r>
-            <a:br>
-              <a:rPr lang="en-US" sz="1300" dirty="0"/>
-            </a:br>
-            <a:r>
-              <a:rPr lang="en-US" sz="1300" dirty="0"/>
-              <a:t>based on</a:t>
-            </a:r>
-          </a:p>
-          <a:p>
-            <a:pPr marL="690563" lvl="2" indent="-233363">
-              <a:buFont typeface="Wingdings" panose="05000000000000000000" pitchFamily="2" charset="2"/>
-              <a:buChar char="Ø"/>
-            </a:pPr>
-            <a:r>
-              <a:rPr lang="en-US" sz="1300" dirty="0"/>
-              <a:t>transportation </a:t>
-            </a:r>
-          </a:p>
-          <a:p>
-            <a:pPr marL="690563" lvl="2" indent="-233363">
-              <a:buFont typeface="Wingdings" panose="05000000000000000000" pitchFamily="2" charset="2"/>
-              <a:buChar char="Ø"/>
-            </a:pPr>
-            <a:r>
-              <a:rPr lang="en-US" sz="1300" dirty="0"/>
-              <a:t>food</a:t>
-            </a:r>
-          </a:p>
-          <a:p>
-            <a:pPr marL="690563" lvl="2" indent="-233363">
-              <a:buFont typeface="Wingdings" panose="05000000000000000000" pitchFamily="2" charset="2"/>
-              <a:buChar char="Ø"/>
-            </a:pPr>
-            <a:r>
-              <a:rPr lang="en-US" sz="1300" dirty="0"/>
-              <a:t>housing expenses</a:t>
-            </a:r>
-          </a:p>
-          <a:p>
-            <a:pPr marL="341313" indent="-341313">
-              <a:buSzPct val="75000"/>
-              <a:buFont typeface="Wingdings" panose="05000000000000000000" pitchFamily="2" charset="2"/>
-              <a:buChar char="q"/>
-            </a:pPr>
-            <a:r>
-              <a:rPr lang="en-US" sz="1300" dirty="0"/>
-              <a:t>Goal: understand cost of living and make informed decision on relocation.</a:t>
-            </a:r>
-          </a:p>
-          <a:p>
-            <a:pPr marL="0" indent="0">
-              <a:buNone/>
-            </a:pPr>
-            <a:br>
-              <a:rPr lang="en-US" sz="1300" dirty="0"/>
-            </a:br>
-            <a:endParaRPr lang="en-US" sz="1300" dirty="0"/>
-          </a:p>
-        </p:txBody>
-      </p:sp>
-    </p:spTree>
-    <p:extLst>
-      <p:ext uri="{BB962C8B-B14F-4D97-AF65-F5344CB8AC3E}">
-        <p14:creationId xmlns:p14="http://schemas.microsoft.com/office/powerpoint/2010/main" val="863039090"/>
-      </p:ext>
-    </p:extLst>
-  </p:cSld>
-  <p:clrMapOvr>
-    <a:masterClrMapping/>
-  </p:clrMapOvr>
-</p:sld>
-</file>
-
-<file path=ppt/slides/slide3.xml><?xml version="1.0" encoding="utf-8"?>
-<p:sld xmlns:a="http://schemas.openxmlformats.org/drawingml/2006/main" xmlns:r="http://schemas.openxmlformats.org/officeDocument/2006/relationships" xmlns:p="http://schemas.openxmlformats.org/presentationml/2006/main">
-  <p:cSld>
-    <p:bg>
-      <p:bgPr>
-        <a:solidFill>
-          <a:schemeClr val="bg1"/>
-        </a:solidFill>
-        <a:effectLst/>
-      </p:bgPr>
-    </p:bg>
-    <p:spTree>
-      <p:nvGrpSpPr>
-        <p:cNvPr id="1" name=""/>
-        <p:cNvGrpSpPr/>
-        <p:nvPr/>
-      </p:nvGrpSpPr>
-      <p:grpSpPr>
-        <a:xfrm>
-          <a:off x="0" y="0"/>
-          <a:ext cx="0" cy="0"/>
-          <a:chOff x="0" y="0"/>
-          <a:chExt cx="0" cy="0"/>
-        </a:xfrm>
-      </p:grpSpPr>
-      <p:sp useBgFill="1">
-        <p:nvSpPr>
-          <p:cNvPr id="27" name="Rectangle 8">
-            <a:extLst>
-              <a:ext uri="{FF2B5EF4-FFF2-40B4-BE49-F238E27FC236}">
-                <a16:creationId xmlns:a16="http://schemas.microsoft.com/office/drawing/2014/main" id="{311973C2-EB8B-452A-A698-4A252FD3AE28}"/>
-              </a:ext>
-              <a:ext uri="{C183D7F6-B498-43B3-948B-1728B52AA6E4}">
-                <adec:decorative xmlns:adec="http://schemas.microsoft.com/office/drawing/2017/decorative" val="1"/>
-              </a:ext>
-            </a:extLst>
-          </p:cNvPr>
-          <p:cNvSpPr>
-            <a:spLocks noGrp="1" noRot="1" noChangeAspect="1" noMove="1" noResize="1" noEditPoints="1" noAdjustHandles="1" noChangeArrowheads="1" noChangeShapeType="1" noTextEdit="1"/>
-          </p:cNvSpPr>
-          <p:nvPr>
-            <p:extLst>
-              <p:ext uri="{386F3935-93C4-4BCD-93E2-E3B085C9AB24}">
-                <p16:designElem xmlns:p16="http://schemas.microsoft.com/office/powerpoint/2015/main" val="1"/>
-              </p:ext>
-            </p:extLst>
-          </p:nvPr>
-        </p:nvSpPr>
-        <p:spPr>
-          <a:xfrm>
-            <a:off x="0" y="1"/>
-            <a:ext cx="12192000" cy="6857999"/>
-          </a:xfrm>
-          <a:prstGeom prst="rect">
-            <a:avLst/>
-          </a:prstGeom>
-          <a:ln>
-            <a:noFill/>
-          </a:ln>
-        </p:spPr>
-        <p:style>
-          <a:lnRef idx="2">
-            <a:schemeClr val="accent1">
-              <a:shade val="50000"/>
-            </a:schemeClr>
-          </a:lnRef>
-          <a:fillRef idx="1">
-            <a:schemeClr val="accent1"/>
-          </a:fillRef>
-          <a:effectRef idx="0">
-            <a:schemeClr val="accent1"/>
-          </a:effectRef>
-          <a:fontRef idx="minor">
-            <a:schemeClr val="lt1"/>
-          </a:fontRef>
-        </p:style>
-        <p:txBody>
-          <a:bodyPr rtlCol="0" anchor="ctr"/>
-          <a:lstStyle/>
-          <a:p>
-            <a:pPr algn="ctr"/>
-            <a:endParaRPr lang="en-US"/>
-          </a:p>
-        </p:txBody>
-      </p:sp>
-      <p:sp useBgFill="1">
-        <p:nvSpPr>
-          <p:cNvPr id="28" name="Rectangle 10">
-            <a:extLst>
-              <a:ext uri="{FF2B5EF4-FFF2-40B4-BE49-F238E27FC236}">
-                <a16:creationId xmlns:a16="http://schemas.microsoft.com/office/drawing/2014/main" id="{10162E77-11AD-44A7-84EC-40C59EEFBD2E}"/>
-              </a:ext>
-              <a:ext uri="{C183D7F6-B498-43B3-948B-1728B52AA6E4}">
-                <adec:decorative xmlns:adec="http://schemas.microsoft.com/office/drawing/2017/decorative" val="1"/>
-              </a:ext>
-            </a:extLst>
-          </p:cNvPr>
-          <p:cNvSpPr>
-            <a:spLocks noGrp="1" noRot="1" noChangeAspect="1" noMove="1" noResize="1" noEditPoints="1" noAdjustHandles="1" noChangeArrowheads="1" noChangeShapeType="1" noTextEdit="1"/>
-          </p:cNvSpPr>
-          <p:nvPr>
-            <p:extLst>
-              <p:ext uri="{386F3935-93C4-4BCD-93E2-E3B085C9AB24}">
-                <p16:designElem xmlns:p16="http://schemas.microsoft.com/office/powerpoint/2015/main" val="1"/>
-              </p:ext>
-            </p:extLst>
-          </p:nvPr>
-        </p:nvSpPr>
-        <p:spPr>
-          <a:xfrm>
-            <a:off x="0" y="0"/>
-            <a:ext cx="12192001" cy="6334316"/>
-          </a:xfrm>
-          <a:prstGeom prst="rect">
-            <a:avLst/>
-          </a:prstGeom>
-          <a:ln>
-            <a:noFill/>
-          </a:ln>
-        </p:spPr>
-        <p:style>
-          <a:lnRef idx="2">
-            <a:schemeClr val="accent1">
-              <a:shade val="50000"/>
-            </a:schemeClr>
-          </a:lnRef>
-          <a:fillRef idx="1">
-            <a:schemeClr val="accent1"/>
-          </a:fillRef>
-          <a:effectRef idx="0">
-            <a:schemeClr val="accent1"/>
-          </a:effectRef>
-          <a:fontRef idx="minor">
-            <a:schemeClr val="lt1"/>
-          </a:fontRef>
-        </p:style>
-        <p:txBody>
-          <a:bodyPr rtlCol="0" anchor="ctr"/>
-          <a:lstStyle/>
-          <a:p>
-            <a:pPr algn="ctr"/>
-            <a:endParaRPr lang="en-US"/>
-          </a:p>
-        </p:txBody>
-      </p:sp>
-      <p:sp>
-        <p:nvSpPr>
-          <p:cNvPr id="2" name="Title 1">
-            <a:extLst>
-              <a:ext uri="{FF2B5EF4-FFF2-40B4-BE49-F238E27FC236}">
-                <a16:creationId xmlns:a16="http://schemas.microsoft.com/office/drawing/2014/main" id="{0784CA52-46CD-B72E-D6C3-404437CF01EE}"/>
-              </a:ext>
-            </a:extLst>
-          </p:cNvPr>
-          <p:cNvSpPr>
-            <a:spLocks noGrp="1"/>
-          </p:cNvSpPr>
-          <p:nvPr>
-            <p:ph type="title"/>
-          </p:nvPr>
-        </p:nvSpPr>
-        <p:spPr>
-          <a:xfrm>
-            <a:off x="5181601" y="1318662"/>
-            <a:ext cx="6368142" cy="767041"/>
-          </a:xfrm>
-        </p:spPr>
-        <p:txBody>
-          <a:bodyPr>
-            <a:normAutofit/>
-          </a:bodyPr>
-          <a:lstStyle/>
-          <a:p>
-            <a:r>
-              <a:rPr lang="en-US" dirty="0"/>
-              <a:t>Cost of Living in US Cities</a:t>
-            </a:r>
-          </a:p>
-        </p:txBody>
-      </p:sp>
-      <p:cxnSp>
-        <p:nvCxnSpPr>
-          <p:cNvPr id="30" name="Straight Connector 12">
-            <a:extLst>
-              <a:ext uri="{FF2B5EF4-FFF2-40B4-BE49-F238E27FC236}">
-                <a16:creationId xmlns:a16="http://schemas.microsoft.com/office/drawing/2014/main" id="{5AB158E9-1B40-4CD6-95F0-95CA11DF7B7A}"/>
-              </a:ext>
-              <a:ext uri="{C183D7F6-B498-43B3-948B-1728B52AA6E4}">
-                <adec:decorative xmlns:adec="http://schemas.microsoft.com/office/drawing/2017/decorative" val="1"/>
-              </a:ext>
-            </a:extLst>
-          </p:cNvPr>
-          <p:cNvCxnSpPr>
-            <a:cxnSpLocks noGrp="1" noRot="1" noChangeAspect="1" noMove="1" noResize="1" noEditPoints="1" noAdjustHandles="1" noChangeArrowheads="1" noChangeShapeType="1"/>
-          </p:cNvCxnSpPr>
-          <p:nvPr>
-            <p:extLst>
-              <p:ext uri="{386F3935-93C4-4BCD-93E2-E3B085C9AB24}">
-                <p16:designElem xmlns:p16="http://schemas.microsoft.com/office/powerpoint/2015/main" val="1"/>
-              </p:ext>
-            </p:extLst>
-          </p:nvPr>
-        </p:nvCxnSpPr>
-        <p:spPr>
-          <a:xfrm>
-            <a:off x="5287617" y="2085703"/>
-            <a:ext cx="6170686" cy="0"/>
-          </a:xfrm>
-          <a:prstGeom prst="line">
-            <a:avLst/>
-          </a:prstGeom>
-          <a:ln w="6350">
-            <a:solidFill>
-              <a:schemeClr val="tx1">
-                <a:lumMod val="50000"/>
-                <a:lumOff val="50000"/>
-                <a:alpha val="90000"/>
-              </a:schemeClr>
-            </a:solidFill>
-          </a:ln>
-        </p:spPr>
-        <p:style>
-          <a:lnRef idx="1">
-            <a:schemeClr val="accent1"/>
-          </a:lnRef>
-          <a:fillRef idx="0">
-            <a:schemeClr val="accent1"/>
-          </a:fillRef>
-          <a:effectRef idx="0">
-            <a:schemeClr val="accent1"/>
-          </a:effectRef>
-          <a:fontRef idx="minor">
-            <a:schemeClr val="tx1"/>
-          </a:fontRef>
-        </p:style>
-      </p:cxnSp>
-      <p:sp>
-        <p:nvSpPr>
-          <p:cNvPr id="31" name="Content Placeholder 2">
-            <a:extLst>
-              <a:ext uri="{FF2B5EF4-FFF2-40B4-BE49-F238E27FC236}">
-                <a16:creationId xmlns:a16="http://schemas.microsoft.com/office/drawing/2014/main" id="{7F4F417F-368D-407B-E3B2-1990807EE6E6}"/>
-              </a:ext>
-            </a:extLst>
-          </p:cNvPr>
-          <p:cNvSpPr>
-            <a:spLocks noGrp="1"/>
-          </p:cNvSpPr>
-          <p:nvPr>
-            <p:ph idx="1"/>
-          </p:nvPr>
-        </p:nvSpPr>
-        <p:spPr>
-          <a:xfrm>
-            <a:off x="5181601" y="2198914"/>
-            <a:ext cx="6368142" cy="3670180"/>
-          </a:xfrm>
-        </p:spPr>
-        <p:txBody>
-          <a:bodyPr>
-            <a:normAutofit/>
-          </a:bodyPr>
-          <a:lstStyle/>
-          <a:p>
-            <a:r>
-              <a:rPr lang="en-US" sz="1300" dirty="0"/>
-              <a:t>Introduction:</a:t>
-            </a:r>
-          </a:p>
-          <a:p>
-            <a:pPr marL="341313" indent="-341313">
-              <a:buSzPct val="75000"/>
-              <a:buFont typeface="Wingdings" panose="05000000000000000000" pitchFamily="2" charset="2"/>
-              <a:buChar char="q"/>
-            </a:pPr>
-            <a:r>
-              <a:rPr lang="en-US" sz="1300" dirty="0"/>
-              <a:t>Welcome to this presentation on the cost of living in US cities.</a:t>
-            </a:r>
-          </a:p>
-          <a:p>
-            <a:pPr marL="341313" indent="-341313">
-              <a:buSzPct val="75000"/>
-              <a:buFont typeface="Wingdings" panose="05000000000000000000" pitchFamily="2" charset="2"/>
-              <a:buChar char="q"/>
-            </a:pPr>
-            <a:r>
-              <a:rPr lang="en-US" sz="1300" dirty="0"/>
-              <a:t>Importance of considering cost of living when relocating for job opportunities.</a:t>
-            </a:r>
-          </a:p>
-          <a:p>
-            <a:pPr marL="341313" indent="-341313">
-              <a:buSzPct val="75000"/>
-              <a:buFont typeface="Wingdings" panose="05000000000000000000" pitchFamily="2" charset="2"/>
-              <a:buChar char="q"/>
-            </a:pPr>
-            <a:r>
-              <a:rPr lang="en-US" sz="1300" dirty="0"/>
-              <a:t>Determine the lowest cost of living cities (or states) in the US </a:t>
-            </a:r>
-            <a:br>
-              <a:rPr lang="en-US" sz="1300" dirty="0"/>
-            </a:br>
-            <a:r>
-              <a:rPr lang="en-US" sz="1300" dirty="0"/>
-              <a:t>based on</a:t>
-            </a:r>
-          </a:p>
-          <a:p>
-            <a:pPr marL="690563" lvl="2" indent="-233363">
-              <a:buFont typeface="Wingdings" panose="05000000000000000000" pitchFamily="2" charset="2"/>
-              <a:buChar char="Ø"/>
-            </a:pPr>
-            <a:r>
-              <a:rPr lang="en-US" sz="1300" dirty="0"/>
-              <a:t>transportation </a:t>
-            </a:r>
-          </a:p>
-          <a:p>
-            <a:pPr marL="690563" lvl="2" indent="-233363">
-              <a:buFont typeface="Wingdings" panose="05000000000000000000" pitchFamily="2" charset="2"/>
-              <a:buChar char="Ø"/>
-            </a:pPr>
-            <a:r>
-              <a:rPr lang="en-US" sz="1300" dirty="0"/>
-              <a:t>food</a:t>
-            </a:r>
-          </a:p>
-          <a:p>
-            <a:pPr marL="690563" lvl="2" indent="-233363">
-              <a:buFont typeface="Wingdings" panose="05000000000000000000" pitchFamily="2" charset="2"/>
-              <a:buChar char="Ø"/>
-            </a:pPr>
-            <a:r>
-              <a:rPr lang="en-US" sz="1300" dirty="0"/>
-              <a:t>housing expenses</a:t>
-            </a:r>
-          </a:p>
-          <a:p>
-            <a:pPr marL="341313" indent="-341313">
-              <a:buSzPct val="75000"/>
-              <a:buFont typeface="Wingdings" panose="05000000000000000000" pitchFamily="2" charset="2"/>
-              <a:buChar char="q"/>
-            </a:pPr>
-            <a:r>
-              <a:rPr lang="en-US" sz="1300" dirty="0"/>
-              <a:t>Goal: understand cost of living and make informed decision on relocation.</a:t>
-            </a:r>
-          </a:p>
-          <a:p>
-            <a:pPr marL="0" indent="0">
-              <a:buNone/>
-            </a:pPr>
-            <a:br>
-              <a:rPr lang="en-US" sz="1300" dirty="0"/>
-            </a:br>
-            <a:endParaRPr lang="en-US" sz="1300" dirty="0"/>
-          </a:p>
-        </p:txBody>
-      </p:sp>
-      <p:pic>
-        <p:nvPicPr>
-          <p:cNvPr id="6" name="Picture 5">
-            <a:extLst>
-              <a:ext uri="{FF2B5EF4-FFF2-40B4-BE49-F238E27FC236}">
-                <a16:creationId xmlns:a16="http://schemas.microsoft.com/office/drawing/2014/main" id="{B7727151-9913-8A16-E177-26DC8223BF2F}"/>
-              </a:ext>
-            </a:extLst>
-          </p:cNvPr>
-          <p:cNvPicPr>
-            <a:picLocks noChangeAspect="1"/>
-          </p:cNvPicPr>
-          <p:nvPr/>
-        </p:nvPicPr>
-        <p:blipFill>
-          <a:blip r:embed="rId2"/>
-          <a:stretch>
-            <a:fillRect/>
-          </a:stretch>
-        </p:blipFill>
-        <p:spPr>
-          <a:xfrm>
-            <a:off x="243983" y="332426"/>
-            <a:ext cx="4572000" cy="6525573"/>
-          </a:xfrm>
-          <a:prstGeom prst="rect">
-            <a:avLst/>
-          </a:prstGeom>
-        </p:spPr>
-      </p:pic>
-    </p:spTree>
-    <p:extLst>
-      <p:ext uri="{BB962C8B-B14F-4D97-AF65-F5344CB8AC3E}">
-        <p14:creationId xmlns:p14="http://schemas.microsoft.com/office/powerpoint/2010/main" val="3709306025"/>
-      </p:ext>
-    </p:extLst>
-  </p:cSld>
-  <p:clrMapOvr>
-    <a:masterClrMapping/>
-  </p:clrMapOvr>
-</p:sld>
-</file>
-
-<file path=ppt/slides/slide4.xml><?xml version="1.0" encoding="utf-8"?>
-<p:sld xmlns:a="http://schemas.openxmlformats.org/drawingml/2006/main" xmlns:r="http://schemas.openxmlformats.org/officeDocument/2006/relationships" xmlns:p="http://schemas.openxmlformats.org/presentationml/2006/main">
-  <p:cSld>
-    <p:bg>
-      <p:bgPr>
-        <a:solidFill>
-          <a:schemeClr val="bg1">
-            <a:tint val="90000"/>
-            <a:shade val="97000"/>
-            <a:satMod val="130000"/>
-          </a:schemeClr>
-        </a:solidFill>
-        <a:effectLst/>
-      </p:bgPr>
-    </p:bg>
-    <p:spTree>
-      <p:nvGrpSpPr>
-        <p:cNvPr id="1" name=""/>
-        <p:cNvGrpSpPr/>
-        <p:nvPr/>
-      </p:nvGrpSpPr>
-      <p:grpSpPr>
-        <a:xfrm>
-          <a:off x="0" y="0"/>
-          <a:ext cx="0" cy="0"/>
-          <a:chOff x="0" y="0"/>
-          <a:chExt cx="0" cy="0"/>
-        </a:xfrm>
-      </p:grpSpPr>
-      <p:sp useBgFill="1">
-        <p:nvSpPr>
-          <p:cNvPr id="7" name="Rectangle 7">
-            <a:extLst>
-              <a:ext uri="{FF2B5EF4-FFF2-40B4-BE49-F238E27FC236}">
-                <a16:creationId xmlns:a16="http://schemas.microsoft.com/office/drawing/2014/main" id="{C8DD82D3-D002-45B0-B16A-82B3DA4EFDDB}"/>
-              </a:ext>
-              <a:ext uri="{C183D7F6-B498-43B3-948B-1728B52AA6E4}">
-                <adec:decorative xmlns:adec="http://schemas.microsoft.com/office/drawing/2017/decorative" val="1"/>
-              </a:ext>
-            </a:extLst>
-          </p:cNvPr>
-          <p:cNvSpPr>
-            <a:spLocks noGrp="1" noRot="1" noChangeAspect="1" noMove="1" noResize="1" noEditPoints="1" noAdjustHandles="1" noChangeArrowheads="1" noChangeShapeType="1" noTextEdit="1"/>
-          </p:cNvSpPr>
-          <p:nvPr>
-            <p:extLst>
-              <p:ext uri="{386F3935-93C4-4BCD-93E2-E3B085C9AB24}">
-                <p16:designElem xmlns:p16="http://schemas.microsoft.com/office/powerpoint/2015/main" val="1"/>
-              </p:ext>
-            </p:extLst>
-          </p:nvPr>
-        </p:nvSpPr>
-        <p:spPr>
-          <a:xfrm>
-            <a:off x="3175" y="0"/>
-            <a:ext cx="12188952" cy="6858000"/>
-          </a:xfrm>
-          <a:prstGeom prst="rect">
-            <a:avLst/>
-          </a:prstGeom>
-          <a:ln>
-            <a:noFill/>
-          </a:ln>
-        </p:spPr>
-        <p:style>
-          <a:lnRef idx="2">
-            <a:schemeClr val="accent1">
-              <a:shade val="50000"/>
-            </a:schemeClr>
-          </a:lnRef>
-          <a:fillRef idx="1">
-            <a:schemeClr val="accent1"/>
-          </a:fillRef>
-          <a:effectRef idx="0">
-            <a:schemeClr val="accent1"/>
-          </a:effectRef>
-          <a:fontRef idx="minor">
-            <a:schemeClr val="lt1"/>
-          </a:fontRef>
-        </p:style>
-        <p:txBody>
-          <a:bodyPr rtlCol="0" anchor="ctr"/>
-          <a:lstStyle/>
-          <a:p>
-            <a:pPr algn="ctr"/>
-            <a:endParaRPr lang="en-US"/>
-          </a:p>
-        </p:txBody>
-      </p:sp>
-      <p:cxnSp>
-        <p:nvCxnSpPr>
-          <p:cNvPr id="9" name="Straight Connector 9">
-            <a:extLst>
-              <a:ext uri="{FF2B5EF4-FFF2-40B4-BE49-F238E27FC236}">
-                <a16:creationId xmlns:a16="http://schemas.microsoft.com/office/drawing/2014/main" id="{9F09C252-16FE-4557-AD6D-BB5CA773496C}"/>
-              </a:ext>
-              <a:ext uri="{C183D7F6-B498-43B3-948B-1728B52AA6E4}">
-                <adec:decorative xmlns:adec="http://schemas.microsoft.com/office/drawing/2017/decorative" val="1"/>
-              </a:ext>
-            </a:extLst>
-          </p:cNvPr>
-          <p:cNvCxnSpPr>
-            <a:cxnSpLocks noGrp="1" noRot="1" noChangeAspect="1" noMove="1" noResize="1" noEditPoints="1" noAdjustHandles="1" noChangeArrowheads="1" noChangeShapeType="1"/>
-          </p:cNvCxnSpPr>
-          <p:nvPr>
-            <p:extLst>
-              <p:ext uri="{386F3935-93C4-4BCD-93E2-E3B085C9AB24}">
-                <p16:designElem xmlns:p16="http://schemas.microsoft.com/office/powerpoint/2015/main" val="1"/>
-              </p:ext>
-            </p:extLst>
-          </p:nvPr>
-        </p:nvCxnSpPr>
-        <p:spPr>
-          <a:xfrm>
-            <a:off x="4042053" y="1570271"/>
-            <a:ext cx="0" cy="3200400"/>
-          </a:xfrm>
-          <a:prstGeom prst="line">
-            <a:avLst/>
-          </a:prstGeom>
-          <a:ln w="31750">
-            <a:solidFill>
-              <a:schemeClr val="accent2"/>
-            </a:solidFill>
-            <a:miter lim="800000"/>
-          </a:ln>
-        </p:spPr>
-        <p:style>
-          <a:lnRef idx="1">
-            <a:schemeClr val="accent1"/>
-          </a:lnRef>
-          <a:fillRef idx="0">
-            <a:schemeClr val="accent1"/>
-          </a:fillRef>
-          <a:effectRef idx="0">
-            <a:schemeClr val="accent1"/>
-          </a:effectRef>
-          <a:fontRef idx="minor">
-            <a:schemeClr val="tx1"/>
-          </a:fontRef>
-        </p:style>
-      </p:cxnSp>
-      <p:sp>
-        <p:nvSpPr>
-          <p:cNvPr id="11" name="Content Placeholder 2">
-            <a:extLst>
-              <a:ext uri="{FF2B5EF4-FFF2-40B4-BE49-F238E27FC236}">
-                <a16:creationId xmlns:a16="http://schemas.microsoft.com/office/drawing/2014/main" id="{7F4F417F-368D-407B-E3B2-1990807EE6E6}"/>
-              </a:ext>
-            </a:extLst>
-          </p:cNvPr>
-          <p:cNvSpPr>
-            <a:spLocks noGrp="1"/>
-          </p:cNvSpPr>
-          <p:nvPr>
-            <p:ph idx="1"/>
-          </p:nvPr>
-        </p:nvSpPr>
-        <p:spPr>
-          <a:xfrm>
-            <a:off x="4631635" y="643466"/>
-            <a:ext cx="6615357" cy="5225628"/>
-          </a:xfrm>
-        </p:spPr>
-        <p:txBody>
-          <a:bodyPr anchor="ctr">
-            <a:normAutofit/>
-          </a:bodyPr>
-          <a:lstStyle/>
-          <a:p>
-            <a:r>
-              <a:rPr lang="en-US" sz="1500" dirty="0"/>
-              <a:t>The data and collection:</a:t>
-            </a:r>
-          </a:p>
-          <a:p>
-            <a:pPr marL="341313" indent="-341313">
-              <a:buSzPct val="75000"/>
-              <a:buFont typeface="Wingdings" panose="05000000000000000000" pitchFamily="2" charset="2"/>
-              <a:buChar char="q"/>
-            </a:pPr>
-            <a:r>
-              <a:rPr lang="en-US" sz="1500" dirty="0"/>
-              <a:t>Sources: </a:t>
-            </a:r>
-          </a:p>
-          <a:p>
-            <a:pPr marL="633921" lvl="1" indent="-341313">
-              <a:buSzPct val="75000"/>
-              <a:buFont typeface="Wingdings" panose="05000000000000000000" pitchFamily="2" charset="2"/>
-              <a:buChar char="Ø"/>
-            </a:pPr>
-            <a:r>
-              <a:rPr lang="en-US" sz="1500" dirty="0"/>
-              <a:t>"Global Cost of Living" dataset on Kaggle.</a:t>
-            </a:r>
-          </a:p>
-          <a:p>
-            <a:pPr marL="633921" lvl="1" indent="-341313">
-              <a:buSzPct val="75000"/>
-              <a:buFont typeface="Wingdings" panose="05000000000000000000" pitchFamily="2" charset="2"/>
-              <a:buChar char="Ø"/>
-            </a:pPr>
-            <a:r>
-              <a:rPr lang="en-US" sz="1500" dirty="0"/>
-              <a:t>Open Weather API</a:t>
-            </a:r>
-          </a:p>
-          <a:p>
-            <a:pPr marL="341313" indent="-341313">
-              <a:buSzPct val="75000"/>
-              <a:buFont typeface="Wingdings" panose="05000000000000000000" pitchFamily="2" charset="2"/>
-              <a:buChar char="q"/>
-            </a:pPr>
-            <a:r>
-              <a:rPr lang="en-US" sz="1500" dirty="0"/>
-              <a:t>Extracted the US data, dropping the data from around 5,000 rows to 1073 </a:t>
-            </a:r>
-          </a:p>
-          <a:p>
-            <a:pPr marL="341313" indent="-341313">
-              <a:buSzPct val="75000"/>
-              <a:buFont typeface="Wingdings" panose="05000000000000000000" pitchFamily="2" charset="2"/>
-              <a:buChar char="q"/>
-            </a:pPr>
-            <a:r>
-              <a:rPr lang="en-US" sz="1500" dirty="0"/>
-              <a:t>Data Cleaning eliminated the empty rows dropping the rows from 1073 to 313.</a:t>
-            </a:r>
-          </a:p>
-          <a:p>
-            <a:pPr marL="341313" indent="-341313">
-              <a:buSzPct val="75000"/>
-              <a:buFont typeface="Wingdings" panose="05000000000000000000" pitchFamily="2" charset="2"/>
-              <a:buChar char="q"/>
-            </a:pPr>
-            <a:r>
-              <a:rPr lang="en-US" sz="1500" dirty="0"/>
-              <a:t>Data Analysis techniques </a:t>
-            </a:r>
-          </a:p>
-          <a:p>
-            <a:pPr marL="633921" lvl="1" indent="-341313">
-              <a:buSzPct val="75000"/>
-              <a:buFont typeface="Wingdings" panose="05000000000000000000" pitchFamily="2" charset="2"/>
-              <a:buChar char="Ø"/>
-            </a:pPr>
-            <a:r>
-              <a:rPr lang="en-US" sz="1500" dirty="0"/>
-              <a:t>Sorted</a:t>
-            </a:r>
-          </a:p>
-          <a:p>
-            <a:pPr marL="633921" lvl="1" indent="-341313">
-              <a:buSzPct val="75000"/>
-              <a:buFont typeface="Wingdings" panose="05000000000000000000" pitchFamily="2" charset="2"/>
-              <a:buChar char="Ø"/>
-            </a:pPr>
-            <a:r>
-              <a:rPr lang="en-US" sz="1500" dirty="0"/>
-              <a:t>Adding relevant columns to simplify</a:t>
-            </a:r>
-          </a:p>
-          <a:p>
-            <a:pPr marL="633921" lvl="1" indent="-341313">
-              <a:buSzPct val="75000"/>
-              <a:buFont typeface="Wingdings" panose="05000000000000000000" pitchFamily="2" charset="2"/>
-              <a:buChar char="Ø"/>
-            </a:pPr>
-            <a:r>
-              <a:rPr lang="en-US" sz="1500" dirty="0"/>
-              <a:t>Renaming the columns to make is more intuitive </a:t>
-            </a:r>
-          </a:p>
-          <a:p>
-            <a:pPr marL="633921" lvl="1" indent="-341313">
-              <a:buSzPct val="75000"/>
-              <a:buFont typeface="Wingdings" panose="05000000000000000000" pitchFamily="2" charset="2"/>
-              <a:buChar char="Ø"/>
-            </a:pPr>
-            <a:endParaRPr lang="en-US" sz="1500" dirty="0"/>
-          </a:p>
-          <a:p>
-            <a:pPr marL="341313" indent="-341313">
-              <a:buSzPct val="80000"/>
-              <a:buFont typeface="Wingdings" panose="05000000000000000000" pitchFamily="2" charset="2"/>
-              <a:buChar char="v"/>
-            </a:pPr>
-            <a:r>
-              <a:rPr lang="en-US" sz="1500" dirty="0"/>
-              <a:t>Limitation: no State information from the main Data source.</a:t>
-            </a:r>
-          </a:p>
-          <a:p>
-            <a:pPr marL="341313" indent="-341313">
-              <a:buSzPct val="80000"/>
-              <a:buFont typeface="Wingdings" panose="05000000000000000000" pitchFamily="2" charset="2"/>
-              <a:buChar char="v"/>
-            </a:pPr>
-            <a:r>
-              <a:rPr lang="en-US" sz="1500" dirty="0"/>
-              <a:t>Open Weather API used to add State information</a:t>
-            </a:r>
-          </a:p>
-          <a:p>
-            <a:pPr marL="341313" indent="-341313">
-              <a:buSzPct val="80000"/>
-              <a:buFont typeface="Wingdings" panose="05000000000000000000" pitchFamily="2" charset="2"/>
-              <a:buChar char="q"/>
-            </a:pPr>
-            <a:endParaRPr lang="en-US" sz="1500" dirty="0"/>
-          </a:p>
-        </p:txBody>
-      </p:sp>
-      <p:sp>
-        <p:nvSpPr>
-          <p:cNvPr id="13" name="Rectangle 11">
-            <a:extLst>
-              <a:ext uri="{FF2B5EF4-FFF2-40B4-BE49-F238E27FC236}">
-                <a16:creationId xmlns:a16="http://schemas.microsoft.com/office/drawing/2014/main" id="{4C15B19B-E7BB-4060-B12F-3CDA8EF16A52}"/>
-              </a:ext>
-              <a:ext uri="{C183D7F6-B498-43B3-948B-1728B52AA6E4}">
-                <adec:decorative xmlns:adec="http://schemas.microsoft.com/office/drawing/2017/decorative" val="1"/>
-              </a:ext>
-            </a:extLst>
-          </p:cNvPr>
-          <p:cNvSpPr>
-            <a:spLocks noGrp="1" noRot="1" noChangeAspect="1" noMove="1" noResize="1" noEditPoints="1" noAdjustHandles="1" noChangeArrowheads="1" noChangeShapeType="1" noTextEdit="1"/>
-          </p:cNvSpPr>
-          <p:nvPr>
-            <p:extLst>
-              <p:ext uri="{386F3935-93C4-4BCD-93E2-E3B085C9AB24}">
-                <p16:designElem xmlns:p16="http://schemas.microsoft.com/office/powerpoint/2015/main" val="1"/>
-              </p:ext>
-            </p:extLst>
-          </p:nvPr>
-        </p:nvSpPr>
-        <p:spPr>
-          <a:xfrm>
-            <a:off x="3175" y="6336792"/>
-            <a:ext cx="12188825" cy="521208"/>
-          </a:xfrm>
-          <a:prstGeom prst="rect">
-            <a:avLst/>
-          </a:prstGeom>
-          <a:solidFill>
-            <a:schemeClr val="bg1">
-              <a:lumMod val="75000"/>
-              <a:lumOff val="25000"/>
-            </a:schemeClr>
-          </a:solidFill>
-          <a:ln>
-            <a:noFill/>
-          </a:ln>
-        </p:spPr>
-        <p:style>
-          <a:lnRef idx="2">
-            <a:schemeClr val="accent1">
-              <a:shade val="50000"/>
-            </a:schemeClr>
-          </a:lnRef>
-          <a:fillRef idx="1">
-            <a:schemeClr val="accent1"/>
-          </a:fillRef>
-          <a:effectRef idx="0">
-            <a:schemeClr val="accent1"/>
-          </a:effectRef>
-          <a:fontRef idx="minor">
-            <a:schemeClr val="lt1"/>
-          </a:fontRef>
-        </p:style>
-      </p:sp>
-      <p:pic>
-        <p:nvPicPr>
-          <p:cNvPr id="36" name="Picture 35">
-            <a:extLst>
-              <a:ext uri="{FF2B5EF4-FFF2-40B4-BE49-F238E27FC236}">
-                <a16:creationId xmlns:a16="http://schemas.microsoft.com/office/drawing/2014/main" id="{EC4AAE12-C8EB-99DB-5AF9-66C442CB02B3}"/>
-              </a:ext>
-            </a:extLst>
-          </p:cNvPr>
-          <p:cNvPicPr>
-            <a:picLocks noChangeAspect="1"/>
-          </p:cNvPicPr>
-          <p:nvPr/>
-        </p:nvPicPr>
-        <p:blipFill>
-          <a:blip r:embed="rId2"/>
-          <a:stretch>
-            <a:fillRect/>
-          </a:stretch>
-        </p:blipFill>
-        <p:spPr>
-          <a:xfrm>
-            <a:off x="139170" y="224845"/>
-            <a:ext cx="4356471" cy="6217920"/>
-          </a:xfrm>
-          <a:prstGeom prst="rect">
-            <a:avLst/>
-          </a:prstGeom>
-        </p:spPr>
-      </p:pic>
-    </p:spTree>
-    <p:extLst>
-      <p:ext uri="{BB962C8B-B14F-4D97-AF65-F5344CB8AC3E}">
-        <p14:creationId xmlns:p14="http://schemas.microsoft.com/office/powerpoint/2010/main" val="3583443801"/>
-      </p:ext>
-    </p:extLst>
-  </p:cSld>
-  <p:clrMapOvr>
-    <a:overrideClrMapping bg1="dk1" tx1="lt1" bg2="dk2" tx2="lt2" accent1="accent1" accent2="accent2" accent3="accent3" accent4="accent4" accent5="accent5" accent6="accent6" hlink="hlink" folHlink="folHlink"/>
-  </p:clrMapOvr>
-</p:sld>
-</file>
-
-<file path=ppt/slides/slide5.xml><?xml version="1.0" encoding="utf-8"?>
-<p:sld xmlns:a="http://schemas.openxmlformats.org/drawingml/2006/main" xmlns:r="http://schemas.openxmlformats.org/officeDocument/2006/relationships" xmlns:p="http://schemas.openxmlformats.org/presentationml/2006/main">
-  <p:cSld>
-    <p:spTree>
-      <p:nvGrpSpPr>
-        <p:cNvPr id="1" name=""/>
-        <p:cNvGrpSpPr/>
-        <p:nvPr/>
-      </p:nvGrpSpPr>
-      <p:grpSpPr>
-        <a:xfrm>
-          <a:off x="0" y="0"/>
-          <a:ext cx="0" cy="0"/>
-          <a:chOff x="0" y="0"/>
-          <a:chExt cx="0" cy="0"/>
-        </a:xfrm>
-      </p:grpSpPr>
-      <p:sp>
-        <p:nvSpPr>
-          <p:cNvPr id="2" name="Title 1">
-            <a:extLst>
-              <a:ext uri="{FF2B5EF4-FFF2-40B4-BE49-F238E27FC236}">
-                <a16:creationId xmlns:a16="http://schemas.microsoft.com/office/drawing/2014/main" id="{0784CA52-46CD-B72E-D6C3-404437CF01EE}"/>
-              </a:ext>
-            </a:extLst>
-          </p:cNvPr>
-          <p:cNvSpPr>
-            <a:spLocks noGrp="1"/>
-          </p:cNvSpPr>
-          <p:nvPr>
-            <p:ph type="title"/>
-          </p:nvPr>
-        </p:nvSpPr>
-        <p:spPr/>
-        <p:txBody>
-          <a:bodyPr/>
-          <a:lstStyle/>
-          <a:p>
-            <a:r>
-              <a:rPr lang="en-US" dirty="0"/>
-              <a:t>Cost of Living in US Cities</a:t>
-            </a:r>
-          </a:p>
-        </p:txBody>
-      </p:sp>
-      <p:sp>
-        <p:nvSpPr>
-          <p:cNvPr id="3" name="Content Placeholder 2">
-            <a:extLst>
-              <a:ext uri="{FF2B5EF4-FFF2-40B4-BE49-F238E27FC236}">
-                <a16:creationId xmlns:a16="http://schemas.microsoft.com/office/drawing/2014/main" id="{7F4F417F-368D-407B-E3B2-1990807EE6E6}"/>
-              </a:ext>
-            </a:extLst>
-          </p:cNvPr>
-          <p:cNvSpPr>
-            <a:spLocks noGrp="1"/>
-          </p:cNvSpPr>
-          <p:nvPr>
-            <p:ph idx="1"/>
-          </p:nvPr>
-        </p:nvSpPr>
-        <p:spPr/>
-        <p:txBody>
-          <a:bodyPr/>
-          <a:lstStyle/>
-          <a:p>
-            <a:r>
-              <a:rPr lang="en-US" dirty="0"/>
-              <a:t>Cost of Living Comparison:</a:t>
-            </a:r>
-          </a:p>
-          <a:p>
-            <a:pPr marL="341313" indent="-341313">
-              <a:buSzPct val="75000"/>
-              <a:buFont typeface="Wingdings" panose="05000000000000000000" pitchFamily="2" charset="2"/>
-              <a:buChar char="q"/>
-            </a:pPr>
-            <a:r>
-              <a:rPr lang="en-US" dirty="0"/>
-              <a:t>Top 50 most expensive cities primarily in California and Florida.</a:t>
-            </a:r>
-          </a:p>
-          <a:p>
-            <a:pPr marL="341313" indent="-341313">
-              <a:buSzPct val="75000"/>
-              <a:buFont typeface="Wingdings" panose="05000000000000000000" pitchFamily="2" charset="2"/>
-              <a:buChar char="q"/>
-            </a:pPr>
-            <a:r>
-              <a:rPr lang="en-US" dirty="0"/>
-              <a:t>Housing drives cost of living and geography is key factor.</a:t>
-            </a:r>
-          </a:p>
-          <a:p>
-            <a:pPr marL="341313" indent="-341313">
-              <a:buSzPct val="75000"/>
-              <a:buFont typeface="Wingdings" panose="05000000000000000000" pitchFamily="2" charset="2"/>
-              <a:buChar char="q"/>
-            </a:pPr>
-            <a:r>
-              <a:rPr lang="en-US" dirty="0"/>
-              <a:t>Most expensive states: Hawaii, California, Washington, New York, Massachusetts.</a:t>
-            </a:r>
-          </a:p>
-          <a:p>
-            <a:pPr marL="341313" indent="-341313">
-              <a:buSzPct val="75000"/>
-              <a:buFont typeface="Wingdings" panose="05000000000000000000" pitchFamily="2" charset="2"/>
-              <a:buChar char="q"/>
-            </a:pPr>
-            <a:r>
-              <a:rPr lang="en-US" dirty="0"/>
-              <a:t>Most expensive cities: Key West, Boca Raton, Red Wood City, New York, Mountain View.</a:t>
-            </a:r>
-          </a:p>
-          <a:p>
-            <a:pPr marL="341313" indent="-341313">
-              <a:buSzPct val="75000"/>
-              <a:buFont typeface="Wingdings" panose="05000000000000000000" pitchFamily="2" charset="2"/>
-              <a:buChar char="q"/>
-            </a:pPr>
-            <a:r>
-              <a:rPr lang="en-US" dirty="0"/>
-              <a:t>Least expensive states: West Virginia, Mississippi, Arkansas, North Dakota, Missouri.</a:t>
-            </a:r>
-          </a:p>
-          <a:p>
-            <a:pPr marL="341313" indent="-341313">
-              <a:buSzPct val="75000"/>
-              <a:buFont typeface="Wingdings" panose="05000000000000000000" pitchFamily="2" charset="2"/>
-              <a:buChar char="q"/>
-            </a:pPr>
-            <a:r>
-              <a:rPr lang="en-US" dirty="0"/>
-              <a:t>Least expensive cities: Shreveport, Dubuque, Sumter, Suffolk, Russellville.</a:t>
-            </a:r>
-          </a:p>
-          <a:p>
-            <a:pPr marL="341313" indent="-341313">
-              <a:buSzPct val="75000"/>
-              <a:buFont typeface="Wingdings" panose="05000000000000000000" pitchFamily="2" charset="2"/>
-              <a:buChar char="q"/>
-            </a:pPr>
-            <a:r>
-              <a:rPr lang="en-US" dirty="0"/>
-              <a:t>Trending expenses by state: </a:t>
-            </a:r>
-          </a:p>
-        </p:txBody>
-      </p:sp>
-    </p:spTree>
-    <p:extLst>
-      <p:ext uri="{BB962C8B-B14F-4D97-AF65-F5344CB8AC3E}">
-        <p14:creationId xmlns:p14="http://schemas.microsoft.com/office/powerpoint/2010/main" val="961448098"/>
-      </p:ext>
-    </p:extLst>
-  </p:cSld>
-  <p:clrMapOvr>
-    <a:masterClrMapping/>
-  </p:clrMapOvr>
-</p:sld>
-</file>
-
-<file path=ppt/slides/slide6.xml><?xml version="1.0" encoding="utf-8"?>
-<p:sld xmlns:a="http://schemas.openxmlformats.org/drawingml/2006/main" xmlns:r="http://schemas.openxmlformats.org/officeDocument/2006/relationships" xmlns:p="http://schemas.openxmlformats.org/presentationml/2006/main">
-  <p:cSld>
-    <p:bg>
-      <p:bgPr>
-        <a:gradFill>
-          <a:gsLst>
-            <a:gs pos="0">
-              <a:schemeClr val="accent1">
-                <a:lumMod val="5000"/>
-                <a:lumOff val="95000"/>
-              </a:schemeClr>
-            </a:gs>
-            <a:gs pos="74000">
-              <a:schemeClr val="accent1">
-                <a:lumMod val="45000"/>
-                <a:lumOff val="55000"/>
-              </a:schemeClr>
-            </a:gs>
-            <a:gs pos="83000">
-              <a:schemeClr val="accent1">
-                <a:lumMod val="45000"/>
-                <a:lumOff val="55000"/>
-              </a:schemeClr>
-            </a:gs>
-            <a:gs pos="100000">
-              <a:schemeClr val="accent1">
-                <a:lumMod val="30000"/>
-                <a:lumOff val="70000"/>
-              </a:schemeClr>
-            </a:gs>
-          </a:gsLst>
-          <a:lin ang="5400000" scaled="1"/>
-        </a:gradFill>
-        <a:effectLst/>
-      </p:bgPr>
-    </p:bg>
-    <p:spTree>
-      <p:nvGrpSpPr>
-        <p:cNvPr id="1" name=""/>
-        <p:cNvGrpSpPr/>
-        <p:nvPr/>
-      </p:nvGrpSpPr>
-      <p:grpSpPr>
-        <a:xfrm>
-          <a:off x="0" y="0"/>
-          <a:ext cx="0" cy="0"/>
-          <a:chOff x="0" y="0"/>
-          <a:chExt cx="0" cy="0"/>
-        </a:xfrm>
-      </p:grpSpPr>
-      <p:sp>
-        <p:nvSpPr>
-          <p:cNvPr id="61" name="Rectangle 52">
-            <a:extLst>
-              <a:ext uri="{FF2B5EF4-FFF2-40B4-BE49-F238E27FC236}">
-                <a16:creationId xmlns:a16="http://schemas.microsoft.com/office/drawing/2014/main" id="{BFDC535F-AC0A-417D-96AB-6706BECACD95}"/>
-              </a:ext>
-              <a:ext uri="{C183D7F6-B498-43B3-948B-1728B52AA6E4}">
-                <adec:decorative xmlns:adec="http://schemas.microsoft.com/office/drawing/2017/decorative" val="1"/>
-              </a:ext>
-            </a:extLst>
-          </p:cNvPr>
-          <p:cNvSpPr>
-            <a:spLocks noGrp="1" noRot="1" noChangeAspect="1" noMove="1" noResize="1" noEditPoints="1" noAdjustHandles="1" noChangeArrowheads="1" noChangeShapeType="1" noTextEdit="1"/>
-          </p:cNvSpPr>
-          <p:nvPr>
-            <p:extLst>
-              <p:ext uri="{386F3935-93C4-4BCD-93E2-E3B085C9AB24}">
-                <p16:designElem xmlns:p16="http://schemas.microsoft.com/office/powerpoint/2015/main" val="1"/>
-              </p:ext>
-            </p:extLst>
-          </p:nvPr>
-        </p:nvSpPr>
-        <p:spPr>
-          <a:xfrm>
-            <a:off x="1" y="0"/>
-            <a:ext cx="12188726" cy="6858000"/>
-          </a:xfrm>
-          <a:prstGeom prst="rect">
-            <a:avLst/>
-          </a:prstGeom>
-          <a:solidFill>
-            <a:srgbClr val="3D3F81"/>
-          </a:solidFill>
-          <a:ln>
-            <a:noFill/>
-          </a:ln>
-        </p:spPr>
-        <p:style>
-          <a:lnRef idx="2">
-            <a:schemeClr val="accent1">
-              <a:shade val="50000"/>
-            </a:schemeClr>
-          </a:lnRef>
-          <a:fillRef idx="1">
-            <a:schemeClr val="accent1"/>
-          </a:fillRef>
-          <a:effectRef idx="0">
-            <a:schemeClr val="accent1"/>
-          </a:effectRef>
-          <a:fontRef idx="minor">
-            <a:schemeClr val="lt1"/>
-          </a:fontRef>
-        </p:style>
-        <p:txBody>
-          <a:bodyPr rtlCol="0" anchor="ctr"/>
-          <a:lstStyle/>
-          <a:p>
-            <a:pPr algn="ctr"/>
-            <a:endParaRPr lang="en-US"/>
-          </a:p>
-        </p:txBody>
-      </p:sp>
-      <p:sp>
-        <p:nvSpPr>
-          <p:cNvPr id="62" name="Rectangle 54">
-            <a:extLst>
-              <a:ext uri="{FF2B5EF4-FFF2-40B4-BE49-F238E27FC236}">
-                <a16:creationId xmlns:a16="http://schemas.microsoft.com/office/drawing/2014/main" id="{97AAAF8E-31DB-4148-8FCA-4D8233D691C6}"/>
-              </a:ext>
-              <a:ext uri="{C183D7F6-B498-43B3-948B-1728B52AA6E4}">
-                <adec:decorative xmlns:adec="http://schemas.microsoft.com/office/drawing/2017/decorative" val="1"/>
-              </a:ext>
-            </a:extLst>
-          </p:cNvPr>
-          <p:cNvSpPr>
-            <a:spLocks noGrp="1" noRot="1" noChangeAspect="1" noMove="1" noResize="1" noEditPoints="1" noAdjustHandles="1" noChangeArrowheads="1" noChangeShapeType="1" noTextEdit="1"/>
-          </p:cNvSpPr>
-          <p:nvPr>
-            <p:extLst>
-              <p:ext uri="{386F3935-93C4-4BCD-93E2-E3B085C9AB24}">
-                <p16:designElem xmlns:p16="http://schemas.microsoft.com/office/powerpoint/2015/main" val="1"/>
-              </p:ext>
-            </p:extLst>
-          </p:nvPr>
-        </p:nvSpPr>
-        <p:spPr>
-          <a:xfrm>
-            <a:off x="495953" y="484068"/>
-            <a:ext cx="6898027" cy="5889300"/>
-          </a:xfrm>
-          <a:prstGeom prst="rect">
-            <a:avLst/>
-          </a:prstGeom>
-          <a:solidFill>
-            <a:srgbClr val="FFFFFF"/>
-          </a:solidFill>
-          <a:ln>
-            <a:noFill/>
-          </a:ln>
-        </p:spPr>
-        <p:style>
-          <a:lnRef idx="2">
-            <a:schemeClr val="accent1">
-              <a:shade val="50000"/>
-            </a:schemeClr>
-          </a:lnRef>
-          <a:fillRef idx="1">
-            <a:schemeClr val="accent1"/>
-          </a:fillRef>
-          <a:effectRef idx="0">
-            <a:schemeClr val="accent1"/>
-          </a:effectRef>
-          <a:fontRef idx="minor">
-            <a:schemeClr val="lt1"/>
-          </a:fontRef>
-        </p:style>
-        <p:txBody>
-          <a:bodyPr rtlCol="0" anchor="ctr"/>
-          <a:lstStyle/>
-          <a:p>
-            <a:pPr algn="ctr"/>
-            <a:endParaRPr lang="en-US"/>
-          </a:p>
-        </p:txBody>
-      </p:sp>
-      <p:pic>
-        <p:nvPicPr>
-          <p:cNvPr id="4" name="Picture 3" descr="Chart, histogram, waterfall chart&#10;&#10;Description automatically generated">
-            <a:extLst>
-              <a:ext uri="{FF2B5EF4-FFF2-40B4-BE49-F238E27FC236}">
-                <a16:creationId xmlns:a16="http://schemas.microsoft.com/office/drawing/2014/main" id="{AEC1795E-5E3A-4476-DE3D-F51C5E84ADF1}"/>
-              </a:ext>
-            </a:extLst>
-          </p:cNvPr>
-          <p:cNvPicPr>
-            <a:picLocks noChangeAspect="1"/>
-          </p:cNvPicPr>
-          <p:nvPr/>
-        </p:nvPicPr>
-        <p:blipFill>
-          <a:blip r:embed="rId2"/>
-          <a:stretch>
-            <a:fillRect/>
-          </a:stretch>
-        </p:blipFill>
-        <p:spPr>
-          <a:xfrm>
-            <a:off x="1128003" y="806753"/>
-            <a:ext cx="5139049" cy="5243929"/>
-          </a:xfrm>
-          <a:prstGeom prst="rect">
-            <a:avLst/>
-          </a:prstGeom>
-        </p:spPr>
-      </p:pic>
-      <p:sp>
-        <p:nvSpPr>
-          <p:cNvPr id="63" name="Rectangle 56">
-            <a:extLst>
-              <a:ext uri="{FF2B5EF4-FFF2-40B4-BE49-F238E27FC236}">
-                <a16:creationId xmlns:a16="http://schemas.microsoft.com/office/drawing/2014/main" id="{AA274328-4774-4DF9-BA53-452565122FBB}"/>
-              </a:ext>
-              <a:ext uri="{C183D7F6-B498-43B3-948B-1728B52AA6E4}">
-                <adec:decorative xmlns:adec="http://schemas.microsoft.com/office/drawing/2017/decorative" val="1"/>
-              </a:ext>
-            </a:extLst>
-          </p:cNvPr>
-          <p:cNvSpPr>
-            <a:spLocks noGrp="1" noRot="1" noChangeAspect="1" noMove="1" noResize="1" noEditPoints="1" noAdjustHandles="1" noChangeArrowheads="1" noChangeShapeType="1" noTextEdit="1"/>
-          </p:cNvSpPr>
-          <p:nvPr>
-            <p:extLst>
-              <p:ext uri="{386F3935-93C4-4BCD-93E2-E3B085C9AB24}">
-                <p16:designElem xmlns:p16="http://schemas.microsoft.com/office/powerpoint/2015/main" val="1"/>
-              </p:ext>
-            </p:extLst>
-          </p:nvPr>
-        </p:nvSpPr>
-        <p:spPr>
-          <a:xfrm>
-            <a:off x="7561393" y="484069"/>
-            <a:ext cx="4145975" cy="3499898"/>
-          </a:xfrm>
-          <a:prstGeom prst="rect">
-            <a:avLst/>
-          </a:prstGeom>
-          <a:solidFill>
-            <a:srgbClr val="FFFFFF"/>
-          </a:solidFill>
-          <a:ln>
-            <a:noFill/>
-          </a:ln>
-        </p:spPr>
-        <p:style>
-          <a:lnRef idx="2">
-            <a:schemeClr val="accent1">
-              <a:shade val="50000"/>
-            </a:schemeClr>
-          </a:lnRef>
-          <a:fillRef idx="1">
-            <a:schemeClr val="accent1"/>
-          </a:fillRef>
-          <a:effectRef idx="0">
-            <a:schemeClr val="accent1"/>
-          </a:effectRef>
-          <a:fontRef idx="minor">
-            <a:schemeClr val="lt1"/>
-          </a:fontRef>
-        </p:style>
-        <p:txBody>
-          <a:bodyPr rtlCol="0" anchor="ctr"/>
-          <a:lstStyle/>
-          <a:p>
-            <a:pPr algn="ctr"/>
-            <a:endParaRPr lang="en-US"/>
-          </a:p>
-        </p:txBody>
-      </p:sp>
-      <p:pic>
-        <p:nvPicPr>
-          <p:cNvPr id="8" name="Picture 7" descr="Chart, histogram&#10;&#10;Description automatically generated">
-            <a:extLst>
-              <a:ext uri="{FF2B5EF4-FFF2-40B4-BE49-F238E27FC236}">
-                <a16:creationId xmlns:a16="http://schemas.microsoft.com/office/drawing/2014/main" id="{8EA44DCB-3970-D761-D982-6B3F6363E9C5}"/>
-              </a:ext>
-            </a:extLst>
-          </p:cNvPr>
-          <p:cNvPicPr>
-            <a:picLocks noChangeAspect="1"/>
-          </p:cNvPicPr>
-          <p:nvPr/>
-        </p:nvPicPr>
-        <p:blipFill>
-          <a:blip r:embed="rId3"/>
-          <a:stretch>
-            <a:fillRect/>
-          </a:stretch>
-        </p:blipFill>
-        <p:spPr>
-          <a:xfrm>
-            <a:off x="8177160" y="798656"/>
-            <a:ext cx="2914440" cy="2870724"/>
-          </a:xfrm>
-          <a:prstGeom prst="rect">
-            <a:avLst/>
-          </a:prstGeom>
-        </p:spPr>
-      </p:pic>
-      <p:sp>
-        <p:nvSpPr>
-          <p:cNvPr id="64" name="Rectangle 58">
-            <a:extLst>
-              <a:ext uri="{FF2B5EF4-FFF2-40B4-BE49-F238E27FC236}">
-                <a16:creationId xmlns:a16="http://schemas.microsoft.com/office/drawing/2014/main" id="{01C7B46D-2FEF-4FAA-915B-8B21A66BB647}"/>
-              </a:ext>
-              <a:ext uri="{C183D7F6-B498-43B3-948B-1728B52AA6E4}">
-                <adec:decorative xmlns:adec="http://schemas.microsoft.com/office/drawing/2017/decorative" val="1"/>
-              </a:ext>
-            </a:extLst>
-          </p:cNvPr>
-          <p:cNvSpPr>
-            <a:spLocks noGrp="1" noRot="1" noChangeAspect="1" noMove="1" noResize="1" noEditPoints="1" noAdjustHandles="1" noChangeArrowheads="1" noChangeShapeType="1" noTextEdit="1"/>
-          </p:cNvSpPr>
-          <p:nvPr>
-            <p:extLst>
-              <p:ext uri="{386F3935-93C4-4BCD-93E2-E3B085C9AB24}">
-                <p16:designElem xmlns:p16="http://schemas.microsoft.com/office/powerpoint/2015/main" val="1"/>
-              </p:ext>
-            </p:extLst>
-          </p:nvPr>
-        </p:nvSpPr>
-        <p:spPr>
-          <a:xfrm>
-            <a:off x="7561393" y="4144834"/>
-            <a:ext cx="4145975" cy="2211517"/>
-          </a:xfrm>
-          <a:prstGeom prst="rect">
-            <a:avLst/>
-          </a:prstGeom>
-          <a:solidFill>
-            <a:srgbClr val="FFFFFF"/>
-          </a:solidFill>
-          <a:ln>
-            <a:noFill/>
-          </a:ln>
-        </p:spPr>
-        <p:style>
-          <a:lnRef idx="2">
-            <a:schemeClr val="accent1">
-              <a:shade val="50000"/>
-            </a:schemeClr>
-          </a:lnRef>
-          <a:fillRef idx="1">
-            <a:schemeClr val="accent1"/>
-          </a:fillRef>
-          <a:effectRef idx="0">
-            <a:schemeClr val="accent1"/>
-          </a:effectRef>
-          <a:fontRef idx="minor">
-            <a:schemeClr val="lt1"/>
-          </a:fontRef>
-        </p:style>
-        <p:txBody>
-          <a:bodyPr rtlCol="0" anchor="ctr"/>
-          <a:lstStyle/>
-          <a:p>
-            <a:pPr algn="ctr"/>
-            <a:endParaRPr lang="en-US"/>
-          </a:p>
-        </p:txBody>
-      </p:sp>
-      <p:pic>
-        <p:nvPicPr>
-          <p:cNvPr id="2" name="Picture 1" descr="Chart, bar chart, histogram&#10;&#10;Description automatically generated">
-            <a:extLst>
-              <a:ext uri="{FF2B5EF4-FFF2-40B4-BE49-F238E27FC236}">
-                <a16:creationId xmlns:a16="http://schemas.microsoft.com/office/drawing/2014/main" id="{75B30BF3-8C42-B820-A9D2-A1C46284D59E}"/>
-              </a:ext>
-            </a:extLst>
-          </p:cNvPr>
-          <p:cNvPicPr>
-            <a:picLocks noChangeAspect="1"/>
-          </p:cNvPicPr>
-          <p:nvPr/>
-        </p:nvPicPr>
-        <p:blipFill>
-          <a:blip r:embed="rId4"/>
-          <a:stretch>
-            <a:fillRect/>
-          </a:stretch>
-        </p:blipFill>
-        <p:spPr>
-          <a:xfrm>
-            <a:off x="7395053" y="4269056"/>
-            <a:ext cx="4519753" cy="2112986"/>
-          </a:xfrm>
-          <a:prstGeom prst="rect">
-            <a:avLst/>
-          </a:prstGeom>
-        </p:spPr>
-      </p:pic>
-      <p:sp>
-        <p:nvSpPr>
-          <p:cNvPr id="12" name="Speech Bubble: Rectangle with Corners Rounded 11">
-            <a:extLst>
-              <a:ext uri="{FF2B5EF4-FFF2-40B4-BE49-F238E27FC236}">
-                <a16:creationId xmlns:a16="http://schemas.microsoft.com/office/drawing/2014/main" id="{347973C2-D804-B506-8D57-3CE6BB807A64}"/>
-              </a:ext>
-            </a:extLst>
-          </p:cNvPr>
-          <p:cNvSpPr/>
-          <p:nvPr/>
-        </p:nvSpPr>
-        <p:spPr>
-          <a:xfrm>
-            <a:off x="2751820" y="1327355"/>
-            <a:ext cx="2713703" cy="825910"/>
-          </a:xfrm>
-          <a:prstGeom prst="wedgeRoundRectCallout">
-            <a:avLst>
-              <a:gd name="adj1" fmla="val -71196"/>
-              <a:gd name="adj2" fmla="val 12862"/>
-              <a:gd name="adj3" fmla="val 16667"/>
-            </a:avLst>
-          </a:prstGeom>
-        </p:spPr>
-        <p:style>
-          <a:lnRef idx="2">
-            <a:schemeClr val="accent1"/>
-          </a:lnRef>
-          <a:fillRef idx="1">
-            <a:schemeClr val="lt1"/>
-          </a:fillRef>
-          <a:effectRef idx="0">
-            <a:schemeClr val="accent1"/>
-          </a:effectRef>
-          <a:fontRef idx="minor">
-            <a:schemeClr val="dk1"/>
-          </a:fontRef>
-        </p:style>
-        <p:txBody>
-          <a:bodyPr rtlCol="0" anchor="ctr"/>
-          <a:lstStyle/>
-          <a:p>
-            <a:pPr>
-              <a:buSzPct val="75000"/>
-            </a:pPr>
-            <a:r>
-              <a:rPr lang="en-US" dirty="0">
-                <a:solidFill>
-                  <a:srgbClr val="C00000"/>
-                </a:solidFill>
-              </a:rPr>
-              <a:t>23 of the most expensive cities are in California</a:t>
-            </a:r>
-          </a:p>
-        </p:txBody>
-      </p:sp>
-      <p:sp>
-        <p:nvSpPr>
-          <p:cNvPr id="16" name="Speech Bubble: Rectangle with Corners Rounded 15">
-            <a:extLst>
-              <a:ext uri="{FF2B5EF4-FFF2-40B4-BE49-F238E27FC236}">
-                <a16:creationId xmlns:a16="http://schemas.microsoft.com/office/drawing/2014/main" id="{85E56694-AA09-6B21-7097-BE4664CB0113}"/>
-              </a:ext>
-            </a:extLst>
-          </p:cNvPr>
-          <p:cNvSpPr/>
-          <p:nvPr/>
-        </p:nvSpPr>
-        <p:spPr>
-          <a:xfrm>
-            <a:off x="3132581" y="2483325"/>
-            <a:ext cx="2713703" cy="825910"/>
-          </a:xfrm>
-          <a:prstGeom prst="wedgeRoundRectCallout">
-            <a:avLst>
-              <a:gd name="adj1" fmla="val -73370"/>
-              <a:gd name="adj2" fmla="val 54529"/>
-              <a:gd name="adj3" fmla="val 16667"/>
-            </a:avLst>
-          </a:prstGeom>
-        </p:spPr>
-        <p:style>
-          <a:lnRef idx="2">
-            <a:schemeClr val="accent1"/>
-          </a:lnRef>
-          <a:fillRef idx="1">
-            <a:schemeClr val="lt1"/>
-          </a:fillRef>
-          <a:effectRef idx="0">
-            <a:schemeClr val="accent1"/>
-          </a:effectRef>
-          <a:fontRef idx="minor">
-            <a:schemeClr val="dk1"/>
-          </a:fontRef>
-        </p:style>
-        <p:txBody>
-          <a:bodyPr rtlCol="0" anchor="ctr"/>
-          <a:lstStyle/>
-          <a:p>
-            <a:pPr>
-              <a:buSzPct val="75000"/>
-            </a:pPr>
-            <a:r>
-              <a:rPr lang="en-US" dirty="0">
-                <a:solidFill>
-                  <a:srgbClr val="C00000"/>
-                </a:solidFill>
-              </a:rPr>
-              <a:t>8 of the most expensive cities are in Florida</a:t>
-            </a:r>
-          </a:p>
-        </p:txBody>
-      </p:sp>
-      <p:sp>
-        <p:nvSpPr>
-          <p:cNvPr id="20" name="Rectangle: Rounded Corners 19">
-            <a:extLst>
-              <a:ext uri="{FF2B5EF4-FFF2-40B4-BE49-F238E27FC236}">
-                <a16:creationId xmlns:a16="http://schemas.microsoft.com/office/drawing/2014/main" id="{9DE5E7F0-7566-3FD0-DB6C-8693FEA04984}"/>
-              </a:ext>
-            </a:extLst>
-          </p:cNvPr>
-          <p:cNvSpPr/>
-          <p:nvPr/>
-        </p:nvSpPr>
-        <p:spPr>
-          <a:xfrm>
-            <a:off x="9035830" y="797348"/>
-            <a:ext cx="2584520" cy="670881"/>
-          </a:xfrm>
-          <a:prstGeom prst="roundRect">
-            <a:avLst/>
-          </a:prstGeom>
-        </p:spPr>
-        <p:style>
-          <a:lnRef idx="2">
-            <a:schemeClr val="accent1"/>
-          </a:lnRef>
-          <a:fillRef idx="1">
-            <a:schemeClr val="lt1"/>
-          </a:fillRef>
-          <a:effectRef idx="0">
-            <a:schemeClr val="accent1"/>
-          </a:effectRef>
-          <a:fontRef idx="minor">
-            <a:schemeClr val="dk1"/>
-          </a:fontRef>
-        </p:style>
-        <p:txBody>
-          <a:bodyPr rtlCol="0" anchor="ctr"/>
-          <a:lstStyle/>
-          <a:p>
-            <a:pPr>
-              <a:buSzPct val="75000"/>
-            </a:pPr>
-            <a:r>
-              <a:rPr lang="en-US" dirty="0">
-                <a:solidFill>
-                  <a:srgbClr val="C00000"/>
-                </a:solidFill>
-              </a:rPr>
-              <a:t>Top 50 most expensive cities and their state</a:t>
-            </a:r>
-          </a:p>
-        </p:txBody>
-      </p:sp>
-      <p:sp>
-        <p:nvSpPr>
-          <p:cNvPr id="25" name="Rectangle: Rounded Corners 24">
-            <a:extLst>
-              <a:ext uri="{FF2B5EF4-FFF2-40B4-BE49-F238E27FC236}">
-                <a16:creationId xmlns:a16="http://schemas.microsoft.com/office/drawing/2014/main" id="{A3731DEA-AEBA-296A-D9CA-67B20944AF99}"/>
-              </a:ext>
-            </a:extLst>
-          </p:cNvPr>
-          <p:cNvSpPr/>
-          <p:nvPr/>
-        </p:nvSpPr>
-        <p:spPr>
-          <a:xfrm>
-            <a:off x="8956508" y="4144834"/>
-            <a:ext cx="2750860" cy="839556"/>
-          </a:xfrm>
-          <a:prstGeom prst="roundRect">
-            <a:avLst/>
-          </a:prstGeom>
-        </p:spPr>
-        <p:style>
-          <a:lnRef idx="2">
-            <a:schemeClr val="accent1"/>
-          </a:lnRef>
-          <a:fillRef idx="1">
-            <a:schemeClr val="lt1"/>
-          </a:fillRef>
-          <a:effectRef idx="0">
-            <a:schemeClr val="accent1"/>
-          </a:effectRef>
-          <a:fontRef idx="minor">
-            <a:schemeClr val="dk1"/>
-          </a:fontRef>
-        </p:style>
-        <p:txBody>
-          <a:bodyPr rtlCol="0" anchor="ctr"/>
-          <a:lstStyle/>
-          <a:p>
-            <a:pPr>
-              <a:buSzPct val="75000"/>
-            </a:pPr>
-            <a:r>
-              <a:rPr lang="en-US" dirty="0">
-                <a:solidFill>
-                  <a:srgbClr val="C00000"/>
-                </a:solidFill>
-              </a:rPr>
-              <a:t>Trending expense by state. Hawaii being the most expensive</a:t>
-            </a:r>
-          </a:p>
-        </p:txBody>
-      </p:sp>
-    </p:spTree>
-    <p:extLst>
-      <p:ext uri="{BB962C8B-B14F-4D97-AF65-F5344CB8AC3E}">
-        <p14:creationId xmlns:p14="http://schemas.microsoft.com/office/powerpoint/2010/main" val="2432725545"/>
-      </p:ext>
-    </p:extLst>
-  </p:cSld>
-  <p:clrMapOvr>
-    <a:masterClrMapping/>
-  </p:clrMapOvr>
-</p:sld>
-</file>
-
-<file path=ppt/slides/slide7.xml><?xml version="1.0" encoding="utf-8"?>
-<p:sld xmlns:a="http://schemas.openxmlformats.org/drawingml/2006/main" xmlns:r="http://schemas.openxmlformats.org/officeDocument/2006/relationships" xmlns:p="http://schemas.openxmlformats.org/presentationml/2006/main">
-  <p:cSld>
-    <p:bg>
-      <p:bgPr>
-        <a:solidFill>
-          <a:schemeClr val="bg1">
-            <a:tint val="95000"/>
-            <a:satMod val="170000"/>
-          </a:schemeClr>
-        </a:solidFill>
-        <a:effectLst/>
-      </p:bgPr>
-    </p:bg>
-    <p:spTree>
-      <p:nvGrpSpPr>
-        <p:cNvPr id="1" name=""/>
-        <p:cNvGrpSpPr/>
-        <p:nvPr/>
-      </p:nvGrpSpPr>
-      <p:grpSpPr>
-        <a:xfrm>
-          <a:off x="0" y="0"/>
-          <a:ext cx="0" cy="0"/>
-          <a:chOff x="0" y="0"/>
-          <a:chExt cx="0" cy="0"/>
-        </a:xfrm>
-      </p:grpSpPr>
-      <p:sp useBgFill="1">
-        <p:nvSpPr>
-          <p:cNvPr id="67" name="Rectangle 43">
-            <a:extLst>
-              <a:ext uri="{FF2B5EF4-FFF2-40B4-BE49-F238E27FC236}">
-                <a16:creationId xmlns:a16="http://schemas.microsoft.com/office/drawing/2014/main" id="{19E301E5-1206-47D0-9CDF-72583D739089}"/>
-              </a:ext>
-              <a:ext uri="{C183D7F6-B498-43B3-948B-1728B52AA6E4}">
-                <adec:decorative xmlns:adec="http://schemas.microsoft.com/office/drawing/2017/decorative" val="1"/>
-              </a:ext>
-            </a:extLst>
-          </p:cNvPr>
-          <p:cNvSpPr>
-            <a:spLocks noGrp="1" noRot="1" noChangeAspect="1" noMove="1" noResize="1" noEditPoints="1" noAdjustHandles="1" noChangeArrowheads="1" noChangeShapeType="1" noTextEdit="1"/>
-          </p:cNvSpPr>
-          <p:nvPr>
-            <p:extLst>
-              <p:ext uri="{386F3935-93C4-4BCD-93E2-E3B085C9AB24}">
-                <p16:designElem xmlns:p16="http://schemas.microsoft.com/office/powerpoint/2015/main" val="1"/>
-              </p:ext>
-            </p:extLst>
-          </p:nvPr>
-        </p:nvSpPr>
-        <p:spPr>
-          <a:xfrm>
-            <a:off x="0" y="0"/>
-            <a:ext cx="12192000" cy="6858000"/>
-          </a:xfrm>
-          <a:prstGeom prst="rect">
-            <a:avLst/>
-          </a:prstGeom>
-          <a:ln>
-            <a:noFill/>
-          </a:ln>
-        </p:spPr>
-        <p:style>
-          <a:lnRef idx="2">
-            <a:schemeClr val="accent1">
-              <a:shade val="50000"/>
-            </a:schemeClr>
-          </a:lnRef>
-          <a:fillRef idx="1">
-            <a:schemeClr val="accent1"/>
-          </a:fillRef>
-          <a:effectRef idx="0">
-            <a:schemeClr val="accent1"/>
-          </a:effectRef>
-          <a:fontRef idx="minor">
-            <a:schemeClr val="lt1"/>
-          </a:fontRef>
-        </p:style>
-        <p:txBody>
-          <a:bodyPr rtlCol="0" anchor="ctr"/>
-          <a:lstStyle/>
-          <a:p>
-            <a:pPr algn="ctr"/>
-            <a:endParaRPr lang="en-US"/>
-          </a:p>
-        </p:txBody>
-      </p:sp>
-      <p:sp>
-        <p:nvSpPr>
-          <p:cNvPr id="68" name="Rectangle 45">
-            <a:extLst>
-              <a:ext uri="{FF2B5EF4-FFF2-40B4-BE49-F238E27FC236}">
-                <a16:creationId xmlns:a16="http://schemas.microsoft.com/office/drawing/2014/main" id="{AFA31FBE-7948-4384-B68A-75DEFDC4955A}"/>
-              </a:ext>
-              <a:ext uri="{C183D7F6-B498-43B3-948B-1728B52AA6E4}">
-                <adec:decorative xmlns:adec="http://schemas.microsoft.com/office/drawing/2017/decorative" val="1"/>
-              </a:ext>
-            </a:extLst>
-          </p:cNvPr>
-          <p:cNvSpPr>
-            <a:spLocks noGrp="1" noRot="1" noChangeAspect="1" noMove="1" noResize="1" noEditPoints="1" noAdjustHandles="1" noChangeArrowheads="1" noChangeShapeType="1" noTextEdit="1"/>
-          </p:cNvSpPr>
-          <p:nvPr>
-            <p:extLst>
-              <p:ext uri="{386F3935-93C4-4BCD-93E2-E3B085C9AB24}">
-                <p16:designElem xmlns:p16="http://schemas.microsoft.com/office/powerpoint/2015/main" val="1"/>
-              </p:ext>
-            </p:extLst>
-          </p:nvPr>
-        </p:nvSpPr>
-        <p:spPr>
-          <a:xfrm>
-            <a:off x="477012" y="480060"/>
-            <a:ext cx="11237976" cy="5897880"/>
-          </a:xfrm>
-          <a:prstGeom prst="rect">
-            <a:avLst/>
-          </a:prstGeom>
-          <a:noFill/>
-          <a:ln>
-            <a:solidFill>
-              <a:schemeClr val="tx1"/>
-            </a:solidFill>
-          </a:ln>
-        </p:spPr>
-        <p:style>
-          <a:lnRef idx="2">
-            <a:schemeClr val="accent1">
-              <a:shade val="50000"/>
-            </a:schemeClr>
-          </a:lnRef>
-          <a:fillRef idx="1">
-            <a:schemeClr val="accent1"/>
-          </a:fillRef>
-          <a:effectRef idx="0">
-            <a:schemeClr val="accent1"/>
-          </a:effectRef>
-          <a:fontRef idx="minor">
-            <a:schemeClr val="lt1"/>
-          </a:fontRef>
-        </p:style>
-        <p:txBody>
-          <a:bodyPr rtlCol="0" anchor="ctr"/>
-          <a:lstStyle/>
-          <a:p>
-            <a:pPr algn="ctr"/>
-            <a:endParaRPr lang="en-US"/>
-          </a:p>
-        </p:txBody>
-      </p:sp>
-      <p:pic>
-        <p:nvPicPr>
-          <p:cNvPr id="8" name="Picture 7">
-            <a:extLst>
-              <a:ext uri="{FF2B5EF4-FFF2-40B4-BE49-F238E27FC236}">
-                <a16:creationId xmlns:a16="http://schemas.microsoft.com/office/drawing/2014/main" id="{69AB383E-9193-DED7-8EB3-3003C6A42655}"/>
-              </a:ext>
-            </a:extLst>
-          </p:cNvPr>
-          <p:cNvPicPr>
-            <a:picLocks noChangeAspect="1"/>
-          </p:cNvPicPr>
-          <p:nvPr/>
-        </p:nvPicPr>
-        <p:blipFill rotWithShape="1">
-          <a:blip r:embed="rId2"/>
-          <a:srcRect r="-3" b="10361"/>
-          <a:stretch/>
-        </p:blipFill>
-        <p:spPr>
-          <a:xfrm>
-            <a:off x="641276" y="643467"/>
-            <a:ext cx="4013020" cy="2702558"/>
-          </a:xfrm>
-          <a:prstGeom prst="rect">
-            <a:avLst/>
-          </a:prstGeom>
-        </p:spPr>
-      </p:pic>
-      <p:pic>
-        <p:nvPicPr>
-          <p:cNvPr id="10" name="Picture 9">
-            <a:extLst>
-              <a:ext uri="{FF2B5EF4-FFF2-40B4-BE49-F238E27FC236}">
-                <a16:creationId xmlns:a16="http://schemas.microsoft.com/office/drawing/2014/main" id="{9C68CE1C-B2D2-E0F4-D822-7110DB26766D}"/>
-              </a:ext>
-            </a:extLst>
-          </p:cNvPr>
-          <p:cNvPicPr>
-            <a:picLocks noChangeAspect="1"/>
-          </p:cNvPicPr>
-          <p:nvPr/>
-        </p:nvPicPr>
-        <p:blipFill rotWithShape="1">
-          <a:blip r:embed="rId3"/>
-          <a:srcRect r="5" b="14393"/>
-          <a:stretch/>
-        </p:blipFill>
-        <p:spPr>
-          <a:xfrm>
-            <a:off x="643467" y="3509433"/>
-            <a:ext cx="4010830" cy="2705099"/>
-          </a:xfrm>
-          <a:prstGeom prst="rect">
-            <a:avLst/>
-          </a:prstGeom>
-        </p:spPr>
-      </p:pic>
-      <p:pic>
-        <p:nvPicPr>
-          <p:cNvPr id="6" name="Picture 5">
-            <a:extLst>
-              <a:ext uri="{FF2B5EF4-FFF2-40B4-BE49-F238E27FC236}">
-                <a16:creationId xmlns:a16="http://schemas.microsoft.com/office/drawing/2014/main" id="{F7239C1E-C1D1-7D60-59CE-13D22C7AF936}"/>
-              </a:ext>
-            </a:extLst>
-          </p:cNvPr>
-          <p:cNvPicPr>
-            <a:picLocks noChangeAspect="1"/>
-          </p:cNvPicPr>
-          <p:nvPr/>
-        </p:nvPicPr>
-        <p:blipFill rotWithShape="1">
-          <a:blip r:embed="rId4"/>
-          <a:srcRect l="1098"/>
-          <a:stretch/>
-        </p:blipFill>
-        <p:spPr>
-          <a:xfrm>
-            <a:off x="4812633" y="643467"/>
-            <a:ext cx="6735900" cy="5571066"/>
-          </a:xfrm>
-          <a:prstGeom prst="rect">
-            <a:avLst/>
-          </a:prstGeom>
-        </p:spPr>
-      </p:pic>
-    </p:spTree>
-    <p:extLst>
-      <p:ext uri="{BB962C8B-B14F-4D97-AF65-F5344CB8AC3E}">
-        <p14:creationId xmlns:p14="http://schemas.microsoft.com/office/powerpoint/2010/main" val="823257066"/>
-      </p:ext>
-    </p:extLst>
-  </p:cSld>
-  <p:clrMapOvr>
-    <a:overrideClrMapping bg1="dk1" tx1="lt1" bg2="dk2" tx2="lt2" accent1="accent1" accent2="accent2" accent3="accent3" accent4="accent4" accent5="accent5" accent6="accent6" hlink="hlink" folHlink="folHlink"/>
-  </p:clrMapOvr>
-</p:sld>
-</file>
-
-<file path=ppt/slides/slide8.xml><?xml version="1.0" encoding="utf-8"?>
-<p:sld xmlns:a="http://schemas.openxmlformats.org/drawingml/2006/main" xmlns:r="http://schemas.openxmlformats.org/officeDocument/2006/relationships" xmlns:p="http://schemas.openxmlformats.org/presentationml/2006/main">
-  <p:cSld>
-    <p:spTree>
-      <p:nvGrpSpPr>
-        <p:cNvPr id="1" name=""/>
-        <p:cNvGrpSpPr/>
-        <p:nvPr/>
-      </p:nvGrpSpPr>
-      <p:grpSpPr>
-        <a:xfrm>
-          <a:off x="0" y="0"/>
-          <a:ext cx="0" cy="0"/>
-          <a:chOff x="0" y="0"/>
-          <a:chExt cx="0" cy="0"/>
-        </a:xfrm>
-      </p:grpSpPr>
-      <p:sp>
-        <p:nvSpPr>
-          <p:cNvPr id="2" name="Title 1">
-            <a:extLst>
-              <a:ext uri="{FF2B5EF4-FFF2-40B4-BE49-F238E27FC236}">
-                <a16:creationId xmlns:a16="http://schemas.microsoft.com/office/drawing/2014/main" id="{0784CA52-46CD-B72E-D6C3-404437CF01EE}"/>
-              </a:ext>
-            </a:extLst>
-          </p:cNvPr>
-          <p:cNvSpPr>
-            <a:spLocks noGrp="1"/>
-          </p:cNvSpPr>
-          <p:nvPr>
-            <p:ph type="title"/>
-          </p:nvPr>
-        </p:nvSpPr>
-        <p:spPr/>
-        <p:txBody>
-          <a:bodyPr/>
-          <a:lstStyle/>
-          <a:p>
-            <a:r>
-              <a:rPr lang="en-US" dirty="0"/>
-              <a:t>Outside the City Center living expensive</a:t>
-            </a:r>
-          </a:p>
-        </p:txBody>
-      </p:sp>
-      <p:sp>
-        <p:nvSpPr>
-          <p:cNvPr id="3" name="Content Placeholder 2">
-            <a:extLst>
-              <a:ext uri="{FF2B5EF4-FFF2-40B4-BE49-F238E27FC236}">
-                <a16:creationId xmlns:a16="http://schemas.microsoft.com/office/drawing/2014/main" id="{7F4F417F-368D-407B-E3B2-1990807EE6E6}"/>
-              </a:ext>
-            </a:extLst>
-          </p:cNvPr>
-          <p:cNvSpPr>
-            <a:spLocks noGrp="1"/>
-          </p:cNvSpPr>
-          <p:nvPr>
-            <p:ph idx="1"/>
-          </p:nvPr>
-        </p:nvSpPr>
-        <p:spPr>
-          <a:xfrm>
-            <a:off x="1097280" y="1845734"/>
-            <a:ext cx="10058400" cy="1261260"/>
-          </a:xfrm>
-        </p:spPr>
-        <p:txBody>
-          <a:bodyPr/>
-          <a:lstStyle/>
-          <a:p>
-            <a:pPr marL="341313" indent="-341313">
-              <a:buSzPct val="75000"/>
-              <a:buFont typeface="Wingdings" panose="05000000000000000000" pitchFamily="2" charset="2"/>
-              <a:buChar char="q"/>
-            </a:pPr>
-            <a:r>
-              <a:rPr lang="en-US" dirty="0"/>
-              <a:t>Utilities and internet costs consistent across cities.</a:t>
-            </a:r>
-          </a:p>
-          <a:p>
-            <a:pPr marL="341313" indent="-341313">
-              <a:buSzPct val="75000"/>
-              <a:buFont typeface="Wingdings" panose="05000000000000000000" pitchFamily="2" charset="2"/>
-              <a:buChar char="q"/>
-            </a:pPr>
-            <a:r>
-              <a:rPr lang="en-US" dirty="0"/>
-              <a:t>Housing drives cost of living.</a:t>
-            </a:r>
-          </a:p>
-          <a:p>
-            <a:pPr marL="341313" indent="-341313">
-              <a:buSzPct val="75000"/>
-              <a:buFont typeface="Wingdings" panose="05000000000000000000" pitchFamily="2" charset="2"/>
-              <a:buChar char="q"/>
-            </a:pPr>
-            <a:endParaRPr lang="en-US" dirty="0"/>
-          </a:p>
-        </p:txBody>
-      </p:sp>
-      <p:pic>
-        <p:nvPicPr>
-          <p:cNvPr id="6" name="Picture 5">
-            <a:extLst>
-              <a:ext uri="{FF2B5EF4-FFF2-40B4-BE49-F238E27FC236}">
-                <a16:creationId xmlns:a16="http://schemas.microsoft.com/office/drawing/2014/main" id="{7D83916B-81D6-F5FE-6C4A-15B2DAEAC227}"/>
-              </a:ext>
-            </a:extLst>
-          </p:cNvPr>
-          <p:cNvPicPr>
-            <a:picLocks noChangeAspect="1"/>
-          </p:cNvPicPr>
-          <p:nvPr/>
-        </p:nvPicPr>
-        <p:blipFill>
-          <a:blip r:embed="rId2"/>
-          <a:stretch>
-            <a:fillRect/>
-          </a:stretch>
-        </p:blipFill>
-        <p:spPr>
-          <a:xfrm>
-            <a:off x="182748" y="3274787"/>
-            <a:ext cx="11657820" cy="2834640"/>
-          </a:xfrm>
-          <a:prstGeom prst="rect">
-            <a:avLst/>
-          </a:prstGeom>
-        </p:spPr>
-      </p:pic>
-      <p:sp>
-        <p:nvSpPr>
-          <p:cNvPr id="7" name="Speech Bubble: Rectangle with Corners Rounded 6">
-            <a:extLst>
-              <a:ext uri="{FF2B5EF4-FFF2-40B4-BE49-F238E27FC236}">
-                <a16:creationId xmlns:a16="http://schemas.microsoft.com/office/drawing/2014/main" id="{702983A6-FE0F-4A81-0E0D-3FE0400AB794}"/>
-              </a:ext>
-            </a:extLst>
-          </p:cNvPr>
-          <p:cNvSpPr/>
-          <p:nvPr/>
-        </p:nvSpPr>
-        <p:spPr>
-          <a:xfrm>
-            <a:off x="5319252" y="3618272"/>
-            <a:ext cx="2073394" cy="580103"/>
-          </a:xfrm>
-          <a:prstGeom prst="wedgeRoundRectCallout">
-            <a:avLst>
-              <a:gd name="adj1" fmla="val 94410"/>
-              <a:gd name="adj2" fmla="val 38206"/>
-              <a:gd name="adj3" fmla="val 16667"/>
-            </a:avLst>
-          </a:prstGeom>
-        </p:spPr>
-        <p:style>
-          <a:lnRef idx="2">
-            <a:schemeClr val="accent1"/>
-          </a:lnRef>
-          <a:fillRef idx="1">
-            <a:schemeClr val="lt1"/>
-          </a:fillRef>
-          <a:effectRef idx="0">
-            <a:schemeClr val="accent1"/>
-          </a:effectRef>
-          <a:fontRef idx="minor">
-            <a:schemeClr val="dk1"/>
-          </a:fontRef>
-        </p:style>
-        <p:txBody>
-          <a:bodyPr rtlCol="0" anchor="ctr"/>
-          <a:lstStyle/>
-          <a:p>
-            <a:pPr>
-              <a:buSzPct val="75000"/>
-            </a:pPr>
-            <a:r>
-              <a:rPr lang="en-US" dirty="0">
-                <a:solidFill>
-                  <a:srgbClr val="C00000"/>
-                </a:solidFill>
-              </a:rPr>
-              <a:t>Housing drives cost of living</a:t>
-            </a:r>
-          </a:p>
-        </p:txBody>
-      </p:sp>
-    </p:spTree>
-    <p:extLst>
-      <p:ext uri="{BB962C8B-B14F-4D97-AF65-F5344CB8AC3E}">
-        <p14:creationId xmlns:p14="http://schemas.microsoft.com/office/powerpoint/2010/main" val="1529965546"/>
-      </p:ext>
-    </p:extLst>
-  </p:cSld>
-  <p:clrMapOvr>
-    <a:masterClrMapping/>
-  </p:clrMapOvr>
-</p:sld>
-</file>
-
-<file path=ppt/slides/slide9.xml><?xml version="1.0" encoding="utf-8"?>
-<p:sld xmlns:a="http://schemas.openxmlformats.org/drawingml/2006/main" xmlns:r="http://schemas.openxmlformats.org/officeDocument/2006/relationships" xmlns:p="http://schemas.openxmlformats.org/presentationml/2006/main">
-  <p:cSld>
-    <p:spTree>
-      <p:nvGrpSpPr>
-        <p:cNvPr id="1" name=""/>
-        <p:cNvGrpSpPr/>
-        <p:nvPr/>
-      </p:nvGrpSpPr>
-      <p:grpSpPr>
-        <a:xfrm>
-          <a:off x="0" y="0"/>
-          <a:ext cx="0" cy="0"/>
-          <a:chOff x="0" y="0"/>
-          <a:chExt cx="0" cy="0"/>
-        </a:xfrm>
-      </p:grpSpPr>
-      <p:sp>
-        <p:nvSpPr>
-          <p:cNvPr id="2" name="Title 1">
-            <a:extLst>
-              <a:ext uri="{FF2B5EF4-FFF2-40B4-BE49-F238E27FC236}">
-                <a16:creationId xmlns:a16="http://schemas.microsoft.com/office/drawing/2014/main" id="{0784CA52-46CD-B72E-D6C3-404437CF01EE}"/>
-              </a:ext>
-            </a:extLst>
-          </p:cNvPr>
-          <p:cNvSpPr>
-            <a:spLocks noGrp="1"/>
-          </p:cNvSpPr>
-          <p:nvPr>
-            <p:ph type="title"/>
-          </p:nvPr>
-        </p:nvSpPr>
-        <p:spPr/>
-        <p:txBody>
-          <a:bodyPr/>
-          <a:lstStyle/>
-          <a:p>
-            <a:r>
-              <a:rPr lang="en-US" dirty="0"/>
-              <a:t>Data Analysis:</a:t>
-            </a:r>
-          </a:p>
-        </p:txBody>
-      </p:sp>
-      <p:sp>
-        <p:nvSpPr>
-          <p:cNvPr id="3" name="Content Placeholder 2">
-            <a:extLst>
-              <a:ext uri="{FF2B5EF4-FFF2-40B4-BE49-F238E27FC236}">
-                <a16:creationId xmlns:a16="http://schemas.microsoft.com/office/drawing/2014/main" id="{7F4F417F-368D-407B-E3B2-1990807EE6E6}"/>
-              </a:ext>
-            </a:extLst>
-          </p:cNvPr>
-          <p:cNvSpPr>
-            <a:spLocks noGrp="1"/>
-          </p:cNvSpPr>
-          <p:nvPr>
-            <p:ph idx="1"/>
-          </p:nvPr>
-        </p:nvSpPr>
-        <p:spPr/>
-        <p:txBody>
-          <a:bodyPr/>
-          <a:lstStyle/>
-          <a:p>
-            <a:pPr marL="341313" indent="-341313">
-              <a:buSzPct val="75000"/>
-              <a:buFont typeface="Wingdings" panose="05000000000000000000" pitchFamily="2" charset="2"/>
-              <a:buChar char="q"/>
-            </a:pPr>
-            <a:r>
-              <a:rPr lang="en-US" dirty="0"/>
-              <a:t>Using Python, Pandas, JSON, and Matplotlib.</a:t>
-            </a:r>
-          </a:p>
-          <a:p>
-            <a:pPr marL="341313" indent="-341313">
-              <a:buSzPct val="75000"/>
-              <a:buFont typeface="Wingdings" panose="05000000000000000000" pitchFamily="2" charset="2"/>
-              <a:buChar char="q"/>
-            </a:pPr>
-            <a:r>
-              <a:rPr lang="en-US" dirty="0"/>
-              <a:t>Median salary important to consider.</a:t>
-            </a:r>
-          </a:p>
-        </p:txBody>
-      </p:sp>
-      <p:pic>
-        <p:nvPicPr>
-          <p:cNvPr id="4" name="Picture 3">
-            <a:extLst>
-              <a:ext uri="{FF2B5EF4-FFF2-40B4-BE49-F238E27FC236}">
-                <a16:creationId xmlns:a16="http://schemas.microsoft.com/office/drawing/2014/main" id="{42B71F34-F923-7AC9-6110-B98370547640}"/>
-              </a:ext>
-            </a:extLst>
-          </p:cNvPr>
-          <p:cNvPicPr>
-            <a:picLocks noChangeAspect="1"/>
-          </p:cNvPicPr>
-          <p:nvPr/>
-        </p:nvPicPr>
-        <p:blipFill>
-          <a:blip r:embed="rId2"/>
-          <a:stretch>
-            <a:fillRect/>
-          </a:stretch>
-        </p:blipFill>
-        <p:spPr>
-          <a:xfrm>
-            <a:off x="6255689" y="1845734"/>
-            <a:ext cx="5697131" cy="4389120"/>
-          </a:xfrm>
-          <a:prstGeom prst="rect">
-            <a:avLst/>
-          </a:prstGeom>
-        </p:spPr>
-      </p:pic>
-    </p:spTree>
-    <p:extLst>
-      <p:ext uri="{BB962C8B-B14F-4D97-AF65-F5344CB8AC3E}">
-        <p14:creationId xmlns:p14="http://schemas.microsoft.com/office/powerpoint/2010/main" val="4119234125"/>
       </p:ext>
     </p:extLst>
   </p:cSld>
